--- a/Redux.pptx
+++ b/Redux.pptx
@@ -2,22 +2,24 @@
 <file path=ppt/presentation.xml><?xml version="1.0" encoding="utf-8"?>
 <p:presentation xmlns:a="http://schemas.openxmlformats.org/drawingml/2006/main" xmlns:r="http://schemas.openxmlformats.org/officeDocument/2006/relationships" xmlns:p="http://schemas.openxmlformats.org/presentationml/2006/main" autoCompressPictures="0">
   <p:sldMasterIdLst>
-    <p:sldMasterId id="2147483648" r:id="rId12"/>
+    <p:sldMasterId id="2147483648" r:id="rId14"/>
   </p:sldMasterIdLst>
   <p:notesMasterIdLst>
-    <p:notesMasterId r:id="rId23"/>
+    <p:notesMasterId r:id="rId27"/>
   </p:notesMasterIdLst>
   <p:sldIdLst>
-    <p:sldId id="257" r:id="rId13"/>
-    <p:sldId id="264" r:id="rId14"/>
-    <p:sldId id="294" r:id="rId15"/>
-    <p:sldId id="297" r:id="rId16"/>
-    <p:sldId id="295" r:id="rId17"/>
-    <p:sldId id="296" r:id="rId18"/>
+    <p:sldId id="257" r:id="rId15"/>
+    <p:sldId id="264" r:id="rId16"/>
+    <p:sldId id="294" r:id="rId17"/>
+    <p:sldId id="297" r:id="rId18"/>
     <p:sldId id="299" r:id="rId19"/>
-    <p:sldId id="276" r:id="rId20"/>
-    <p:sldId id="298" r:id="rId21"/>
-    <p:sldId id="293" r:id="rId22"/>
+    <p:sldId id="296" r:id="rId20"/>
+    <p:sldId id="295" r:id="rId21"/>
+    <p:sldId id="300" r:id="rId22"/>
+    <p:sldId id="276" r:id="rId23"/>
+    <p:sldId id="298" r:id="rId24"/>
+    <p:sldId id="293" r:id="rId25"/>
+    <p:sldId id="301" r:id="rId26"/>
   </p:sldIdLst>
   <p:sldSz cx="12192000" cy="6858000"/>
   <p:notesSz cx="6858000" cy="9144000"/>
@@ -125,12 +127,14 @@
             <p14:sldId id="264"/>
             <p14:sldId id="294"/>
             <p14:sldId id="297"/>
+            <p14:sldId id="299"/>
+            <p14:sldId id="296"/>
             <p14:sldId id="295"/>
-            <p14:sldId id="296"/>
-            <p14:sldId id="299"/>
+            <p14:sldId id="300"/>
             <p14:sldId id="276"/>
             <p14:sldId id="298"/>
             <p14:sldId id="293"/>
+            <p14:sldId id="301"/>
           </p14:sldIdLst>
         </p14:section>
       </p14:sectionLst>
@@ -592,6 +596,182 @@
 </p:notes>
 </file>
 
+<file path=ppt/notesSlides/notesSlide10.xml><?xml version="1.0" encoding="utf-8"?>
+<p:notes xmlns:a="http://schemas.openxmlformats.org/drawingml/2006/main" xmlns:r="http://schemas.openxmlformats.org/officeDocument/2006/relationships" xmlns:p="http://schemas.openxmlformats.org/presentationml/2006/main">
+  <p:cSld>
+    <p:spTree>
+      <p:nvGrpSpPr>
+        <p:cNvPr id="1" name=""/>
+        <p:cNvGrpSpPr/>
+        <p:nvPr/>
+      </p:nvGrpSpPr>
+      <p:grpSpPr>
+        <a:xfrm>
+          <a:off x="0" y="0"/>
+          <a:ext cx="0" cy="0"/>
+          <a:chOff x="0" y="0"/>
+          <a:chExt cx="0" cy="0"/>
+        </a:xfrm>
+      </p:grpSpPr>
+      <p:sp>
+        <p:nvSpPr>
+          <p:cNvPr id="2" name="Slide Image Placeholder 1"/>
+          <p:cNvSpPr>
+            <a:spLocks noGrp="1" noRot="1" noChangeAspect="1"/>
+          </p:cNvSpPr>
+          <p:nvPr>
+            <p:ph type="sldImg"/>
+          </p:nvPr>
+        </p:nvSpPr>
+        <p:spPr/>
+      </p:sp>
+      <p:sp>
+        <p:nvSpPr>
+          <p:cNvPr id="3" name="Notes Placeholder 2"/>
+          <p:cNvSpPr>
+            <a:spLocks noGrp="1"/>
+          </p:cNvSpPr>
+          <p:nvPr>
+            <p:ph type="body" idx="1"/>
+          </p:nvPr>
+        </p:nvSpPr>
+        <p:spPr/>
+        <p:txBody>
+          <a:bodyPr/>
+          <a:lstStyle/>
+          <a:p>
+            <a:pPr marL="0" indent="0">
+              <a:buFont typeface="Arial" panose="020B0604020202020204" pitchFamily="34" charset="0"/>
+              <a:buNone/>
+            </a:pPr>
+            <a:endParaRPr lang="en-BE" dirty="0"/>
+          </a:p>
+        </p:txBody>
+      </p:sp>
+      <p:sp>
+        <p:nvSpPr>
+          <p:cNvPr id="4" name="Slide Number Placeholder 3"/>
+          <p:cNvSpPr>
+            <a:spLocks noGrp="1"/>
+          </p:cNvSpPr>
+          <p:nvPr>
+            <p:ph type="sldNum" sz="quarter" idx="5"/>
+          </p:nvPr>
+        </p:nvSpPr>
+        <p:spPr/>
+        <p:txBody>
+          <a:bodyPr/>
+          <a:lstStyle/>
+          <a:p>
+            <a:fld id="{8915C132-08CE-4B37-9E6D-AB9DDA075120}" type="slidenum">
+              <a:rPr lang="en-BE" smtClean="0"/>
+              <a:t>11</a:t>
+            </a:fld>
+            <a:endParaRPr lang="en-BE"/>
+          </a:p>
+        </p:txBody>
+      </p:sp>
+    </p:spTree>
+    <p:extLst>
+      <p:ext uri="{BB962C8B-B14F-4D97-AF65-F5344CB8AC3E}">
+        <p14:creationId xmlns:p14="http://schemas.microsoft.com/office/powerpoint/2010/main" val="359264468"/>
+      </p:ext>
+    </p:extLst>
+  </p:cSld>
+  <p:clrMapOvr>
+    <a:masterClrMapping/>
+  </p:clrMapOvr>
+</p:notes>
+</file>
+
+<file path=ppt/notesSlides/notesSlide11.xml><?xml version="1.0" encoding="utf-8"?>
+<p:notes xmlns:a="http://schemas.openxmlformats.org/drawingml/2006/main" xmlns:r="http://schemas.openxmlformats.org/officeDocument/2006/relationships" xmlns:p="http://schemas.openxmlformats.org/presentationml/2006/main">
+  <p:cSld>
+    <p:spTree>
+      <p:nvGrpSpPr>
+        <p:cNvPr id="1" name=""/>
+        <p:cNvGrpSpPr/>
+        <p:nvPr/>
+      </p:nvGrpSpPr>
+      <p:grpSpPr>
+        <a:xfrm>
+          <a:off x="0" y="0"/>
+          <a:ext cx="0" cy="0"/>
+          <a:chOff x="0" y="0"/>
+          <a:chExt cx="0" cy="0"/>
+        </a:xfrm>
+      </p:grpSpPr>
+      <p:sp>
+        <p:nvSpPr>
+          <p:cNvPr id="2" name="Slide Image Placeholder 1"/>
+          <p:cNvSpPr>
+            <a:spLocks noGrp="1" noRot="1" noChangeAspect="1"/>
+          </p:cNvSpPr>
+          <p:nvPr>
+            <p:ph type="sldImg"/>
+          </p:nvPr>
+        </p:nvSpPr>
+        <p:spPr/>
+      </p:sp>
+      <p:sp>
+        <p:nvSpPr>
+          <p:cNvPr id="3" name="Notes Placeholder 2"/>
+          <p:cNvSpPr>
+            <a:spLocks noGrp="1"/>
+          </p:cNvSpPr>
+          <p:nvPr>
+            <p:ph type="body" idx="1"/>
+          </p:nvPr>
+        </p:nvSpPr>
+        <p:spPr/>
+        <p:txBody>
+          <a:bodyPr/>
+          <a:lstStyle/>
+          <a:p>
+            <a:pPr marL="0" indent="0">
+              <a:buFont typeface="Arial" panose="020B0604020202020204" pitchFamily="34" charset="0"/>
+              <a:buNone/>
+            </a:pPr>
+            <a:endParaRPr lang="en-BE" dirty="0"/>
+          </a:p>
+        </p:txBody>
+      </p:sp>
+      <p:sp>
+        <p:nvSpPr>
+          <p:cNvPr id="4" name="Slide Number Placeholder 3"/>
+          <p:cNvSpPr>
+            <a:spLocks noGrp="1"/>
+          </p:cNvSpPr>
+          <p:nvPr>
+            <p:ph type="sldNum" sz="quarter" idx="5"/>
+          </p:nvPr>
+        </p:nvSpPr>
+        <p:spPr/>
+        <p:txBody>
+          <a:bodyPr/>
+          <a:lstStyle/>
+          <a:p>
+            <a:fld id="{8915C132-08CE-4B37-9E6D-AB9DDA075120}" type="slidenum">
+              <a:rPr lang="en-BE" smtClean="0"/>
+              <a:t>12</a:t>
+            </a:fld>
+            <a:endParaRPr lang="en-BE"/>
+          </a:p>
+        </p:txBody>
+      </p:sp>
+    </p:spTree>
+    <p:extLst>
+      <p:ext uri="{BB962C8B-B14F-4D97-AF65-F5344CB8AC3E}">
+        <p14:creationId xmlns:p14="http://schemas.microsoft.com/office/powerpoint/2010/main" val="191222800"/>
+      </p:ext>
+    </p:extLst>
+  </p:cSld>
+  <p:clrMapOvr>
+    <a:masterClrMapping/>
+  </p:clrMapOvr>
+</p:notes>
+</file>
+
 <file path=ppt/notesSlides/notesSlide2.xml><?xml version="1.0" encoding="utf-8"?>
 <p:notes xmlns:a="http://schemas.openxmlformats.org/drawingml/2006/main" xmlns:r="http://schemas.openxmlformats.org/officeDocument/2006/relationships" xmlns:p="http://schemas.openxmlformats.org/presentationml/2006/main">
   <p:cSld>
@@ -664,17 +844,7 @@
                 <a:effectLst/>
                 <a:latin typeface="Merriweather" panose="020B0604020202020204" pitchFamily="2" charset="0"/>
               </a:rPr>
-              <a:t>Avoid pass through components that just pass props through to their children without actually using the </a:t>
-            </a:r>
-            <a:r>
-              <a:rPr lang="en-US" b="0" i="0">
-                <a:solidFill>
-                  <a:srgbClr val="222222"/>
-                </a:solidFill>
-                <a:effectLst/>
-                <a:latin typeface="Merriweather" panose="020B0604020202020204" pitchFamily="2" charset="0"/>
-              </a:rPr>
-              <a:t>data themselves.</a:t>
+              <a:t>Avoid pass through components that just pass props through to their children without actually using the data themselves.</a:t>
             </a:r>
             <a:endParaRPr lang="en-US" b="1" dirty="0"/>
           </a:p>
@@ -725,7 +895,7 @@
             </a:r>
             <a:r>
               <a:rPr lang="en-US" dirty="0"/>
-              <a:t>: The immutable store.</a:t>
+              <a:t>: The immutable store. State Tree.</a:t>
             </a:r>
           </a:p>
           <a:p>
@@ -788,7 +958,15 @@
             </a:r>
             <a:r>
               <a:rPr lang="en-US" dirty="0"/>
-              <a:t>: Fetch some data when a component or the app loads, timeouts/interval based actions, …</a:t>
+              <a:t>: Fetch some data when a component or the app loads, timeouts/interval based actions, </a:t>
+            </a:r>
+            <a:r>
+              <a:rPr lang="en-US" dirty="0" err="1"/>
+              <a:t>websockets</a:t>
+            </a:r>
+            <a:r>
+              <a:rPr lang="en-US" dirty="0"/>
+              <a:t>, … Typically has a “key” (or type) and a payload.</a:t>
             </a:r>
           </a:p>
           <a:p>
@@ -884,32 +1062,7 @@
               <a:buFont typeface="Arial" panose="020B0604020202020204" pitchFamily="34" charset="0"/>
               <a:buNone/>
             </a:pPr>
-            <a:r>
-              <a:rPr lang="en-US" b="1" dirty="0"/>
-              <a:t>Store</a:t>
-            </a:r>
-            <a:r>
-              <a:rPr lang="en-US" dirty="0"/>
-              <a:t>: Single Source Of Truth: </a:t>
-            </a:r>
-          </a:p>
-          <a:p>
-            <a:pPr marL="0" indent="0">
-              <a:buFont typeface="Arial" panose="020B0604020202020204" pitchFamily="34" charset="0"/>
-              <a:buNone/>
-            </a:pPr>
             <a:endParaRPr lang="en-US" dirty="0"/>
-          </a:p>
-          <a:p>
-            <a:pPr marL="0" indent="0">
-              <a:buFont typeface="Arial" panose="020B0604020202020204" pitchFamily="34" charset="0"/>
-              <a:buNone/>
-            </a:pPr>
-            <a:r>
-              <a:rPr lang="en-US" dirty="0"/>
-              <a:t>Time Travel</a:t>
-            </a:r>
-            <a:endParaRPr lang="en-BE" dirty="0"/>
           </a:p>
         </p:txBody>
       </p:sp>
@@ -997,6 +1150,115 @@
               <a:buFont typeface="Arial" panose="020B0604020202020204" pitchFamily="34" charset="0"/>
               <a:buNone/>
             </a:pPr>
+            <a:r>
+              <a:rPr lang="en-US" b="1" dirty="0"/>
+              <a:t>Multiple Entities</a:t>
+            </a:r>
+            <a:r>
+              <a:rPr lang="en-US" dirty="0"/>
+              <a:t>: Now you need multiple reducers to keep all parts of your store in sync!</a:t>
+            </a:r>
+          </a:p>
+          <a:p>
+            <a:pPr marL="171450" indent="-171450">
+              <a:buFontTx/>
+              <a:buChar char="-"/>
+            </a:pPr>
+            <a:r>
+              <a:rPr lang="en-US" dirty="0"/>
+              <a:t>A list with (partial) entities and a </a:t>
+            </a:r>
+            <a:r>
+              <a:rPr lang="en-US" dirty="0" err="1"/>
+              <a:t>selectedEntity</a:t>
+            </a:r>
+            <a:r>
+              <a:rPr lang="en-US" dirty="0"/>
+              <a:t> </a:t>
+            </a:r>
+            <a:r>
+              <a:rPr lang="en-US" dirty="0">
+                <a:sym typeface="Wingdings" panose="05000000000000000000" pitchFamily="2" charset="2"/>
+              </a:rPr>
+              <a:t> Store just the </a:t>
+            </a:r>
+            <a:r>
+              <a:rPr lang="en-US" dirty="0" err="1">
+                <a:sym typeface="Wingdings" panose="05000000000000000000" pitchFamily="2" charset="2"/>
+              </a:rPr>
+              <a:t>selectedEntityId</a:t>
+            </a:r>
+            <a:endParaRPr lang="en-US" dirty="0"/>
+          </a:p>
+          <a:p>
+            <a:pPr marL="171450" indent="-171450">
+              <a:buFontTx/>
+              <a:buChar char="-"/>
+            </a:pPr>
+            <a:r>
+              <a:rPr lang="en-US" dirty="0"/>
+              <a:t>A popup with partial entity information </a:t>
+            </a:r>
+            <a:r>
+              <a:rPr lang="en-US" dirty="0">
+                <a:sym typeface="Wingdings" panose="05000000000000000000" pitchFamily="2" charset="2"/>
+              </a:rPr>
+              <a:t> pipe(map) the entity to the popup model or have the popup model just accept the entire entity even if not all props are needed</a:t>
+            </a:r>
+          </a:p>
+          <a:p>
+            <a:pPr marL="171450" indent="-171450">
+              <a:buFontTx/>
+              <a:buChar char="-"/>
+            </a:pPr>
+            <a:endParaRPr lang="en-US" dirty="0">
+              <a:sym typeface="Wingdings" panose="05000000000000000000" pitchFamily="2" charset="2"/>
+            </a:endParaRPr>
+          </a:p>
+          <a:p>
+            <a:pPr marL="0" indent="0">
+              <a:buFontTx/>
+              <a:buNone/>
+            </a:pPr>
+            <a:r>
+              <a:rPr lang="en-US" b="1" dirty="0">
+                <a:sym typeface="Wingdings" panose="05000000000000000000" pitchFamily="2" charset="2"/>
+              </a:rPr>
+              <a:t>Deep Nesting</a:t>
+            </a:r>
+            <a:r>
+              <a:rPr lang="en-US" dirty="0">
+                <a:sym typeface="Wingdings" panose="05000000000000000000" pitchFamily="2" charset="2"/>
+              </a:rPr>
+              <a:t>: Since everything is immutable, you end up with a lot of spread operators</a:t>
+            </a:r>
+          </a:p>
+          <a:p>
+            <a:pPr marL="0" indent="0">
+              <a:buFontTx/>
+              <a:buNone/>
+            </a:pPr>
+            <a:endParaRPr lang="en-US" dirty="0">
+              <a:sym typeface="Wingdings" panose="05000000000000000000" pitchFamily="2" charset="2"/>
+            </a:endParaRPr>
+          </a:p>
+          <a:p>
+            <a:pPr marL="0" indent="0">
+              <a:buFontTx/>
+              <a:buNone/>
+            </a:pPr>
+            <a:r>
+              <a:rPr lang="en-US" b="1" dirty="0" err="1">
+                <a:sym typeface="Wingdings" panose="05000000000000000000" pitchFamily="2" charset="2"/>
+              </a:rPr>
+              <a:t>UnitTesting</a:t>
+            </a:r>
+            <a:r>
+              <a:rPr lang="en-US" dirty="0">
+                <a:sym typeface="Wingdings" panose="05000000000000000000" pitchFamily="2" charset="2"/>
+              </a:rPr>
+              <a:t>: Put as much as the mapping/business logic in the reducer because of the ease of testing</a:t>
+            </a:r>
             <a:endParaRPr lang="en-BE" dirty="0"/>
           </a:p>
         </p:txBody>
@@ -1027,7 +1289,7 @@
     </p:spTree>
     <p:extLst>
       <p:ext uri="{BB962C8B-B14F-4D97-AF65-F5344CB8AC3E}">
-        <p14:creationId xmlns:p14="http://schemas.microsoft.com/office/powerpoint/2010/main" val="2745524561"/>
+        <p14:creationId xmlns:p14="http://schemas.microsoft.com/office/powerpoint/2010/main" val="2287022344"/>
       </p:ext>
     </p:extLst>
   </p:cSld>
@@ -1173,88 +1435,6 @@
               <a:buFont typeface="Arial" panose="020B0604020202020204" pitchFamily="34" charset="0"/>
               <a:buNone/>
             </a:pPr>
-            <a:r>
-              <a:rPr lang="en-US" b="1" dirty="0"/>
-              <a:t>Multiple Entities</a:t>
-            </a:r>
-            <a:r>
-              <a:rPr lang="en-US" dirty="0"/>
-              <a:t>: Now you need multiple reducers to keep all parts of your store in sync!</a:t>
-            </a:r>
-          </a:p>
-          <a:p>
-            <a:pPr marL="171450" indent="-171450">
-              <a:buFontTx/>
-              <a:buChar char="-"/>
-            </a:pPr>
-            <a:r>
-              <a:rPr lang="en-US" dirty="0"/>
-              <a:t>A list with (partial) entities and a </a:t>
-            </a:r>
-            <a:r>
-              <a:rPr lang="en-US" dirty="0" err="1"/>
-              <a:t>selectedEntity</a:t>
-            </a:r>
-            <a:r>
-              <a:rPr lang="en-US" dirty="0"/>
-              <a:t> </a:t>
-            </a:r>
-            <a:r>
-              <a:rPr lang="en-US" dirty="0">
-                <a:sym typeface="Wingdings" panose="05000000000000000000" pitchFamily="2" charset="2"/>
-              </a:rPr>
-              <a:t> Store just the </a:t>
-            </a:r>
-            <a:r>
-              <a:rPr lang="en-US" dirty="0" err="1">
-                <a:sym typeface="Wingdings" panose="05000000000000000000" pitchFamily="2" charset="2"/>
-              </a:rPr>
-              <a:t>selectedEntityId</a:t>
-            </a:r>
-            <a:endParaRPr lang="en-US" dirty="0"/>
-          </a:p>
-          <a:p>
-            <a:pPr marL="171450" indent="-171450">
-              <a:buFontTx/>
-              <a:buChar char="-"/>
-            </a:pPr>
-            <a:r>
-              <a:rPr lang="en-US" dirty="0"/>
-              <a:t>A popup with partial entity information </a:t>
-            </a:r>
-            <a:r>
-              <a:rPr lang="en-US" dirty="0">
-                <a:sym typeface="Wingdings" panose="05000000000000000000" pitchFamily="2" charset="2"/>
-              </a:rPr>
-              <a:t> pipe(map) the entity to the popup model or have the popup model just accept the entire entity even if not all props are needed</a:t>
-            </a:r>
-          </a:p>
-          <a:p>
-            <a:pPr marL="171450" indent="-171450">
-              <a:buFontTx/>
-              <a:buChar char="-"/>
-            </a:pPr>
-            <a:endParaRPr lang="en-US" dirty="0">
-              <a:sym typeface="Wingdings" panose="05000000000000000000" pitchFamily="2" charset="2"/>
-            </a:endParaRPr>
-          </a:p>
-          <a:p>
-            <a:pPr marL="0" indent="0">
-              <a:buFontTx/>
-              <a:buNone/>
-            </a:pPr>
-            <a:r>
-              <a:rPr lang="en-US" b="1" dirty="0">
-                <a:sym typeface="Wingdings" panose="05000000000000000000" pitchFamily="2" charset="2"/>
-              </a:rPr>
-              <a:t>Deep Nesting</a:t>
-            </a:r>
-            <a:r>
-              <a:rPr lang="en-US" dirty="0">
-                <a:sym typeface="Wingdings" panose="05000000000000000000" pitchFamily="2" charset="2"/>
-              </a:rPr>
-              <a:t>: Since everything is </a:t>
-            </a:r>
             <a:endParaRPr lang="en-BE" dirty="0"/>
           </a:p>
         </p:txBody>
@@ -1285,7 +1465,7 @@
     </p:spTree>
     <p:extLst>
       <p:ext uri="{BB962C8B-B14F-4D97-AF65-F5344CB8AC3E}">
-        <p14:creationId xmlns:p14="http://schemas.microsoft.com/office/powerpoint/2010/main" val="2287022344"/>
+        <p14:creationId xmlns:p14="http://schemas.microsoft.com/office/powerpoint/2010/main" val="2745524561"/>
       </p:ext>
     </p:extLst>
   </p:cSld>
@@ -1339,11 +1519,657 @@
           <a:bodyPr/>
           <a:lstStyle/>
           <a:p>
-            <a:pPr marL="0" indent="0">
+            <a:pPr marL="0" marR="0" lvl="0" indent="0" algn="l" defTabSz="914400" rtl="0" eaLnBrk="1" fontAlgn="auto" latinLnBrk="0" hangingPunct="1">
+              <a:lnSpc>
+                <a:spcPct val="100000"/>
+              </a:lnSpc>
+              <a:spcBef>
+                <a:spcPts val="0"/>
+              </a:spcBef>
+              <a:spcAft>
+                <a:spcPts val="0"/>
+              </a:spcAft>
+              <a:buClrTx/>
+              <a:buSzTx/>
               <a:buFont typeface="Arial" panose="020B0604020202020204" pitchFamily="34" charset="0"/>
               <a:buNone/>
+              <a:tabLst/>
+              <a:defRPr/>
             </a:pPr>
-            <a:endParaRPr lang="en-BE" dirty="0"/>
+            <a:r>
+              <a:rPr lang="en-US" sz="1200" b="1" i="0" dirty="0">
+                <a:effectLst/>
+                <a:latin typeface="system-ui"/>
+              </a:rPr>
+              <a:t>Structure Files as Feature Folders with Single-File Logic: </a:t>
+            </a:r>
+            <a:r>
+              <a:rPr lang="en-US" sz="1200" b="0" i="0" dirty="0">
+                <a:effectLst/>
+                <a:latin typeface="system-ui"/>
+              </a:rPr>
+              <a:t>Don’t have folders “actions”, “reducers”, “stores”, “components” but have a folder Vouchers, Settings, Providers.</a:t>
+            </a:r>
+          </a:p>
+          <a:p>
+            <a:pPr marL="0" marR="0" lvl="0" indent="0" algn="l" defTabSz="914400" rtl="0" eaLnBrk="1" fontAlgn="auto" latinLnBrk="0" hangingPunct="1">
+              <a:lnSpc>
+                <a:spcPct val="100000"/>
+              </a:lnSpc>
+              <a:spcBef>
+                <a:spcPts val="0"/>
+              </a:spcBef>
+              <a:spcAft>
+                <a:spcPts val="0"/>
+              </a:spcAft>
+              <a:buClrTx/>
+              <a:buSzTx/>
+              <a:buFont typeface="Arial" panose="020B0604020202020204" pitchFamily="34" charset="0"/>
+              <a:buNone/>
+              <a:tabLst/>
+              <a:defRPr/>
+            </a:pPr>
+            <a:endParaRPr lang="en-US" sz="1200" b="0" i="0" dirty="0">
+              <a:effectLst/>
+              <a:latin typeface="system-ui"/>
+            </a:endParaRPr>
+          </a:p>
+          <a:p>
+            <a:pPr marL="0" marR="0" lvl="0" indent="0" algn="l" defTabSz="914400" rtl="0" eaLnBrk="1" fontAlgn="auto" latinLnBrk="0" hangingPunct="1">
+              <a:lnSpc>
+                <a:spcPct val="100000"/>
+              </a:lnSpc>
+              <a:spcBef>
+                <a:spcPts val="0"/>
+              </a:spcBef>
+              <a:spcAft>
+                <a:spcPts val="0"/>
+              </a:spcAft>
+              <a:buClrTx/>
+              <a:buSzTx/>
+              <a:buFont typeface="Arial" panose="020B0604020202020204" pitchFamily="34" charset="0"/>
+              <a:buNone/>
+              <a:tabLst/>
+              <a:defRPr/>
+            </a:pPr>
+            <a:r>
+              <a:rPr lang="en-US" sz="1200" b="1" dirty="0">
+                <a:latin typeface="system-ui"/>
+              </a:rPr>
+              <a:t>Put as Much Logic as Possible in Reducers:</a:t>
+            </a:r>
+          </a:p>
+          <a:p>
+            <a:pPr marL="171450" marR="0" lvl="0" indent="-171450" algn="l" defTabSz="914400" rtl="0" eaLnBrk="1" fontAlgn="auto" latinLnBrk="0" hangingPunct="1">
+              <a:lnSpc>
+                <a:spcPct val="100000"/>
+              </a:lnSpc>
+              <a:spcBef>
+                <a:spcPts val="0"/>
+              </a:spcBef>
+              <a:spcAft>
+                <a:spcPts val="0"/>
+              </a:spcAft>
+              <a:buClrTx/>
+              <a:buSzTx/>
+              <a:buFontTx/>
+              <a:buChar char="-"/>
+              <a:tabLst/>
+              <a:defRPr/>
+            </a:pPr>
+            <a:r>
+              <a:rPr lang="en-US" sz="1200" b="0" dirty="0">
+                <a:latin typeface="system-ui"/>
+              </a:rPr>
+              <a:t>Do not map to a different model in a component before dispatching the action.</a:t>
+            </a:r>
+          </a:p>
+          <a:p>
+            <a:pPr marL="171450" marR="0" lvl="0" indent="-171450" algn="l" defTabSz="914400" rtl="0" eaLnBrk="1" fontAlgn="auto" latinLnBrk="0" hangingPunct="1">
+              <a:lnSpc>
+                <a:spcPct val="100000"/>
+              </a:lnSpc>
+              <a:spcBef>
+                <a:spcPts val="0"/>
+              </a:spcBef>
+              <a:spcAft>
+                <a:spcPts val="0"/>
+              </a:spcAft>
+              <a:buClrTx/>
+              <a:buSzTx/>
+              <a:buFontTx/>
+              <a:buChar char="-"/>
+              <a:tabLst/>
+              <a:defRPr/>
+            </a:pPr>
+            <a:r>
+              <a:rPr lang="en-US" sz="1200" b="0" dirty="0">
+                <a:latin typeface="system-ui"/>
+              </a:rPr>
+              <a:t>Do not map to a different model in a component before displaying the state</a:t>
+            </a:r>
+          </a:p>
+          <a:p>
+            <a:pPr marL="171450" marR="0" lvl="0" indent="-171450" algn="l" defTabSz="914400" rtl="0" eaLnBrk="1" fontAlgn="auto" latinLnBrk="0" hangingPunct="1">
+              <a:lnSpc>
+                <a:spcPct val="100000"/>
+              </a:lnSpc>
+              <a:spcBef>
+                <a:spcPts val="0"/>
+              </a:spcBef>
+              <a:spcAft>
+                <a:spcPts val="0"/>
+              </a:spcAft>
+              <a:buClrTx/>
+              <a:buSzTx/>
+              <a:buFontTx/>
+              <a:buChar char="-"/>
+              <a:tabLst/>
+              <a:defRPr/>
+            </a:pPr>
+            <a:r>
+              <a:rPr lang="en-US" sz="1200" b="0" dirty="0">
+                <a:latin typeface="system-ui"/>
+              </a:rPr>
+              <a:t>Ideally there are no mappers (so only one model and less code) but this cannot always be achieved</a:t>
+            </a:r>
+            <a:endParaRPr lang="en-US" sz="1200" b="1" dirty="0">
+              <a:latin typeface="system-ui"/>
+            </a:endParaRPr>
+          </a:p>
+          <a:p>
+            <a:pPr marL="0" marR="0" lvl="0" indent="0" algn="l" defTabSz="914400" rtl="0" eaLnBrk="1" fontAlgn="auto" latinLnBrk="0" hangingPunct="1">
+              <a:lnSpc>
+                <a:spcPct val="100000"/>
+              </a:lnSpc>
+              <a:spcBef>
+                <a:spcPts val="0"/>
+              </a:spcBef>
+              <a:spcAft>
+                <a:spcPts val="0"/>
+              </a:spcAft>
+              <a:buClrTx/>
+              <a:buSzTx/>
+              <a:buFont typeface="Arial" panose="020B0604020202020204" pitchFamily="34" charset="0"/>
+              <a:buNone/>
+              <a:tabLst/>
+              <a:defRPr/>
+            </a:pPr>
+            <a:endParaRPr lang="en-US" sz="1200" b="1" i="0" dirty="0">
+              <a:effectLst/>
+              <a:latin typeface="system-ui"/>
+            </a:endParaRPr>
+          </a:p>
+          <a:p>
+            <a:pPr marL="0" marR="0" lvl="0" indent="0" algn="l" defTabSz="914400" rtl="0" eaLnBrk="1" fontAlgn="auto" latinLnBrk="0" hangingPunct="1">
+              <a:lnSpc>
+                <a:spcPct val="100000"/>
+              </a:lnSpc>
+              <a:spcBef>
+                <a:spcPts val="0"/>
+              </a:spcBef>
+              <a:spcAft>
+                <a:spcPts val="0"/>
+              </a:spcAft>
+              <a:buClrTx/>
+              <a:buSzTx/>
+              <a:buFont typeface="Arial" panose="020B0604020202020204" pitchFamily="34" charset="0"/>
+              <a:buNone/>
+              <a:tabLst/>
+              <a:defRPr/>
+            </a:pPr>
+            <a:r>
+              <a:rPr lang="en-US" sz="1200" b="1" i="0" dirty="0">
+                <a:effectLst/>
+                <a:latin typeface="system-ui"/>
+              </a:rPr>
+              <a:t>Organize State Structure Based on Data Types, Not Components: </a:t>
+            </a:r>
+            <a:r>
+              <a:rPr lang="en-US" sz="1200" b="0" i="0" dirty="0">
+                <a:effectLst/>
+                <a:latin typeface="system-ui"/>
+              </a:rPr>
+              <a:t>Do not create providers, </a:t>
+            </a:r>
+            <a:r>
+              <a:rPr lang="en-US" sz="1200" b="0" i="0" dirty="0" err="1">
+                <a:effectLst/>
+                <a:latin typeface="system-ui"/>
+              </a:rPr>
+              <a:t>activeProviders</a:t>
+            </a:r>
+            <a:r>
+              <a:rPr lang="en-US" sz="1200" b="0" i="0" dirty="0">
+                <a:effectLst/>
+                <a:latin typeface="system-ui"/>
+              </a:rPr>
+              <a:t> and </a:t>
+            </a:r>
+            <a:r>
+              <a:rPr lang="en-US" sz="1200" b="0" i="0" dirty="0" err="1">
+                <a:effectLst/>
+                <a:latin typeface="system-ui"/>
+              </a:rPr>
+              <a:t>providerDetails</a:t>
+            </a:r>
+            <a:r>
+              <a:rPr lang="en-US" sz="1200" b="0" i="0" dirty="0">
+                <a:effectLst/>
+                <a:latin typeface="system-ui"/>
+              </a:rPr>
+              <a:t> reducers but create just one providers reducer</a:t>
+            </a:r>
+          </a:p>
+          <a:p>
+            <a:pPr marL="0" marR="0" lvl="0" indent="0" algn="l" defTabSz="914400" rtl="0" eaLnBrk="1" fontAlgn="auto" latinLnBrk="0" hangingPunct="1">
+              <a:lnSpc>
+                <a:spcPct val="100000"/>
+              </a:lnSpc>
+              <a:spcBef>
+                <a:spcPts val="0"/>
+              </a:spcBef>
+              <a:spcAft>
+                <a:spcPts val="0"/>
+              </a:spcAft>
+              <a:buClrTx/>
+              <a:buSzTx/>
+              <a:buFont typeface="Arial" panose="020B0604020202020204" pitchFamily="34" charset="0"/>
+              <a:buNone/>
+              <a:tabLst/>
+              <a:defRPr/>
+            </a:pPr>
+            <a:r>
+              <a:rPr lang="en-US" sz="1200" b="0" i="0" dirty="0">
+                <a:effectLst/>
+                <a:latin typeface="system-ui"/>
+                <a:sym typeface="Wingdings" panose="05000000000000000000" pitchFamily="2" charset="2"/>
+              </a:rPr>
+              <a:t> Also called “</a:t>
+            </a:r>
+            <a:r>
+              <a:rPr lang="en-US" b="0" i="0" dirty="0">
+                <a:solidFill>
+                  <a:srgbClr val="292929"/>
+                </a:solidFill>
+                <a:effectLst/>
+                <a:latin typeface="charter"/>
+              </a:rPr>
+              <a:t>Ducks methodology</a:t>
+            </a:r>
+            <a:r>
+              <a:rPr lang="en-US" sz="1200" b="0" i="0" dirty="0">
+                <a:solidFill>
+                  <a:srgbClr val="292929"/>
+                </a:solidFill>
+                <a:effectLst/>
+                <a:latin typeface="system-ui"/>
+              </a:rPr>
+              <a:t>”</a:t>
+            </a:r>
+            <a:endParaRPr lang="en-US" sz="1200" b="1" i="0" dirty="0">
+              <a:effectLst/>
+              <a:latin typeface="system-ui"/>
+            </a:endParaRPr>
+          </a:p>
+          <a:p>
+            <a:pPr marL="0" marR="0" lvl="0" indent="0" algn="l" defTabSz="914400" rtl="0" eaLnBrk="1" fontAlgn="auto" latinLnBrk="0" hangingPunct="1">
+              <a:lnSpc>
+                <a:spcPct val="100000"/>
+              </a:lnSpc>
+              <a:spcBef>
+                <a:spcPts val="0"/>
+              </a:spcBef>
+              <a:spcAft>
+                <a:spcPts val="0"/>
+              </a:spcAft>
+              <a:buClrTx/>
+              <a:buSzTx/>
+              <a:buFont typeface="Arial" panose="020B0604020202020204" pitchFamily="34" charset="0"/>
+              <a:buNone/>
+              <a:tabLst/>
+              <a:defRPr/>
+            </a:pPr>
+            <a:endParaRPr lang="en-US" b="1" i="0" dirty="0">
+              <a:solidFill>
+                <a:srgbClr val="1C1E21"/>
+              </a:solidFill>
+              <a:effectLst/>
+              <a:latin typeface="system-ui"/>
+            </a:endParaRPr>
+          </a:p>
+          <a:p>
+            <a:pPr marL="0" marR="0" lvl="0" indent="0" algn="l" defTabSz="914400" rtl="0" eaLnBrk="1" fontAlgn="auto" latinLnBrk="0" hangingPunct="1">
+              <a:lnSpc>
+                <a:spcPct val="100000"/>
+              </a:lnSpc>
+              <a:spcBef>
+                <a:spcPts val="0"/>
+              </a:spcBef>
+              <a:spcAft>
+                <a:spcPts val="0"/>
+              </a:spcAft>
+              <a:buClrTx/>
+              <a:buSzTx/>
+              <a:buFont typeface="Arial" panose="020B0604020202020204" pitchFamily="34" charset="0"/>
+              <a:buNone/>
+              <a:tabLst/>
+              <a:defRPr/>
+            </a:pPr>
+            <a:r>
+              <a:rPr lang="en-US" b="1" i="0" dirty="0">
+                <a:solidFill>
+                  <a:srgbClr val="1C1E21"/>
+                </a:solidFill>
+                <a:effectLst/>
+                <a:latin typeface="system-ui"/>
+              </a:rPr>
+              <a:t>Normalize Complex Nested/Relational State: </a:t>
+            </a:r>
+            <a:r>
+              <a:rPr lang="en-US" b="0" i="0" dirty="0">
+                <a:solidFill>
+                  <a:srgbClr val="1C1E21"/>
+                </a:solidFill>
+                <a:effectLst/>
+                <a:latin typeface="system-ui"/>
+              </a:rPr>
+              <a:t>Example: Taking Enterprise &amp; </a:t>
+            </a:r>
+            <a:r>
+              <a:rPr lang="en-US" b="0" i="0" dirty="0" err="1">
+                <a:solidFill>
+                  <a:srgbClr val="1C1E21"/>
+                </a:solidFill>
+                <a:effectLst/>
+                <a:latin typeface="system-ui"/>
+              </a:rPr>
+              <a:t>EnterpriseContact</a:t>
+            </a:r>
+            <a:r>
+              <a:rPr lang="en-US" b="0" i="0" dirty="0">
+                <a:solidFill>
+                  <a:srgbClr val="1C1E21"/>
+                </a:solidFill>
+                <a:effectLst/>
+                <a:latin typeface="system-ui"/>
+              </a:rPr>
+              <a:t> together or separately </a:t>
+            </a:r>
+            <a:r>
+              <a:rPr lang="en-US" b="0" i="0" dirty="0">
+                <a:solidFill>
+                  <a:srgbClr val="1C1E21"/>
+                </a:solidFill>
+                <a:effectLst/>
+                <a:latin typeface="system-ui"/>
+                <a:sym typeface="Wingdings" panose="05000000000000000000" pitchFamily="2" charset="2"/>
+              </a:rPr>
+              <a:t> 2 arrays is easier</a:t>
+            </a:r>
+          </a:p>
+          <a:p>
+            <a:pPr marL="0" marR="0" lvl="0" indent="0" algn="l" defTabSz="914400" rtl="0" eaLnBrk="1" fontAlgn="auto" latinLnBrk="0" hangingPunct="1">
+              <a:lnSpc>
+                <a:spcPct val="100000"/>
+              </a:lnSpc>
+              <a:spcBef>
+                <a:spcPts val="0"/>
+              </a:spcBef>
+              <a:spcAft>
+                <a:spcPts val="0"/>
+              </a:spcAft>
+              <a:buClrTx/>
+              <a:buSzTx/>
+              <a:buFont typeface="Arial" panose="020B0604020202020204" pitchFamily="34" charset="0"/>
+              <a:buNone/>
+              <a:tabLst/>
+              <a:defRPr/>
+            </a:pPr>
+            <a:endParaRPr lang="en-US" b="0" i="0" dirty="0">
+              <a:solidFill>
+                <a:srgbClr val="1C1E21"/>
+              </a:solidFill>
+              <a:effectLst/>
+              <a:latin typeface="system-ui"/>
+              <a:sym typeface="Wingdings" panose="05000000000000000000" pitchFamily="2" charset="2"/>
+            </a:endParaRPr>
+          </a:p>
+          <a:p>
+            <a:pPr marL="0" marR="0" lvl="0" indent="0" algn="l" defTabSz="914400" rtl="0" eaLnBrk="1" fontAlgn="auto" latinLnBrk="0" hangingPunct="1">
+              <a:lnSpc>
+                <a:spcPct val="100000"/>
+              </a:lnSpc>
+              <a:spcBef>
+                <a:spcPts val="0"/>
+              </a:spcBef>
+              <a:spcAft>
+                <a:spcPts val="0"/>
+              </a:spcAft>
+              <a:buClrTx/>
+              <a:buSzTx/>
+              <a:buFont typeface="Arial" panose="020B0604020202020204" pitchFamily="34" charset="0"/>
+              <a:buNone/>
+              <a:tabLst/>
+              <a:defRPr/>
+            </a:pPr>
+            <a:r>
+              <a:rPr lang="en-US" sz="1200" b="1" i="0" dirty="0">
+                <a:effectLst/>
+                <a:latin typeface="system-ui"/>
+              </a:rPr>
+              <a:t>Keep State Minimal and Derive Additional Values</a:t>
+            </a:r>
+            <a:r>
+              <a:rPr lang="en-US" sz="1200" b="0" i="0" dirty="0">
+                <a:solidFill>
+                  <a:srgbClr val="1C1E21"/>
+                </a:solidFill>
+                <a:effectLst/>
+                <a:latin typeface="system-ui"/>
+              </a:rPr>
+              <a:t>: loading, loaded, …</a:t>
+            </a:r>
+          </a:p>
+          <a:p>
+            <a:pPr marL="0" marR="0" lvl="0" indent="0" algn="l" defTabSz="914400" rtl="0" eaLnBrk="1" fontAlgn="auto" latinLnBrk="0" hangingPunct="1">
+              <a:lnSpc>
+                <a:spcPct val="100000"/>
+              </a:lnSpc>
+              <a:spcBef>
+                <a:spcPts val="0"/>
+              </a:spcBef>
+              <a:spcAft>
+                <a:spcPts val="0"/>
+              </a:spcAft>
+              <a:buClrTx/>
+              <a:buSzTx/>
+              <a:buFont typeface="Arial" panose="020B0604020202020204" pitchFamily="34" charset="0"/>
+              <a:buNone/>
+              <a:tabLst/>
+              <a:defRPr/>
+            </a:pPr>
+            <a:endParaRPr lang="en-US" sz="1200" b="0" i="0" dirty="0">
+              <a:solidFill>
+                <a:srgbClr val="1C1E21"/>
+              </a:solidFill>
+              <a:effectLst/>
+              <a:latin typeface="system-ui"/>
+            </a:endParaRPr>
+          </a:p>
+          <a:p>
+            <a:pPr marL="0" marR="0" lvl="0" indent="0" algn="l" defTabSz="914400" rtl="0" eaLnBrk="1" fontAlgn="auto" latinLnBrk="0" hangingPunct="1">
+              <a:lnSpc>
+                <a:spcPct val="100000"/>
+              </a:lnSpc>
+              <a:spcBef>
+                <a:spcPts val="0"/>
+              </a:spcBef>
+              <a:spcAft>
+                <a:spcPts val="0"/>
+              </a:spcAft>
+              <a:buClrTx/>
+              <a:buSzTx/>
+              <a:buFont typeface="Arial" panose="020B0604020202020204" pitchFamily="34" charset="0"/>
+              <a:buNone/>
+              <a:tabLst/>
+              <a:defRPr/>
+            </a:pPr>
+            <a:r>
+              <a:rPr lang="en-US" sz="1200" b="1" i="0" dirty="0">
+                <a:effectLst/>
+                <a:latin typeface="system-ui"/>
+              </a:rPr>
+              <a:t>Model Actions as Events, Not Setters: </a:t>
+            </a:r>
+            <a:r>
+              <a:rPr lang="en-US" sz="1200" b="0" i="0" dirty="0" err="1">
+                <a:effectLst/>
+                <a:latin typeface="system-ui"/>
+              </a:rPr>
+              <a:t>SetFilters</a:t>
+            </a:r>
+            <a:r>
+              <a:rPr lang="en-US" sz="1200" b="0" i="0" dirty="0">
+                <a:effectLst/>
+                <a:latin typeface="system-ui"/>
+              </a:rPr>
+              <a:t>, </a:t>
+            </a:r>
+            <a:r>
+              <a:rPr lang="en-US" sz="1200" b="0" i="0" dirty="0" err="1">
+                <a:effectLst/>
+                <a:latin typeface="system-ui"/>
+              </a:rPr>
+              <a:t>SetPagination</a:t>
+            </a:r>
+            <a:r>
+              <a:rPr lang="en-US" sz="1200" b="0" i="0" dirty="0">
+                <a:effectLst/>
+                <a:latin typeface="system-ui"/>
+              </a:rPr>
+              <a:t>, </a:t>
+            </a:r>
+            <a:r>
+              <a:rPr lang="en-US" sz="1200" b="0" i="0" dirty="0" err="1">
+                <a:effectLst/>
+                <a:latin typeface="system-ui"/>
+              </a:rPr>
+              <a:t>SetSorting</a:t>
+            </a:r>
+            <a:r>
+              <a:rPr lang="en-US" sz="1200" b="0" i="0" dirty="0">
+                <a:effectLst/>
+                <a:latin typeface="system-ui"/>
+              </a:rPr>
+              <a:t>, </a:t>
+            </a:r>
+            <a:r>
+              <a:rPr lang="en-US" sz="1200" b="0" i="0" dirty="0" err="1">
+                <a:effectLst/>
+                <a:latin typeface="system-ui"/>
+              </a:rPr>
+              <a:t>ResetPage</a:t>
+            </a:r>
+            <a:r>
+              <a:rPr lang="en-US" sz="1200" b="0" i="0" dirty="0">
+                <a:effectLst/>
+                <a:latin typeface="system-ui"/>
+              </a:rPr>
+              <a:t> </a:t>
+            </a:r>
+            <a:r>
+              <a:rPr lang="en-US" sz="1200" b="0" i="0" dirty="0">
+                <a:effectLst/>
+                <a:latin typeface="system-ui"/>
+                <a:sym typeface="Wingdings" panose="05000000000000000000" pitchFamily="2" charset="2"/>
+              </a:rPr>
+              <a:t> </a:t>
+            </a:r>
+            <a:r>
+              <a:rPr lang="en-US" sz="1200" b="0" i="0" dirty="0" err="1">
+                <a:effectLst/>
+                <a:latin typeface="system-ui"/>
+                <a:sym typeface="Wingdings" panose="05000000000000000000" pitchFamily="2" charset="2"/>
+              </a:rPr>
+              <a:t>SetFilters</a:t>
+            </a:r>
+            <a:r>
+              <a:rPr lang="en-US" sz="1200" b="0" i="0" dirty="0">
+                <a:effectLst/>
+                <a:latin typeface="system-ui"/>
+                <a:sym typeface="Wingdings" panose="05000000000000000000" pitchFamily="2" charset="2"/>
+              </a:rPr>
+              <a:t>(). At </a:t>
+            </a:r>
+            <a:r>
+              <a:rPr lang="en-US" sz="1200" b="0" i="0" dirty="0" err="1">
+                <a:effectLst/>
+                <a:latin typeface="system-ui"/>
+                <a:sym typeface="Wingdings" panose="05000000000000000000" pitchFamily="2" charset="2"/>
+              </a:rPr>
+              <a:t>ngOnDestroy</a:t>
+            </a:r>
+            <a:r>
+              <a:rPr lang="en-US" sz="1200" b="0" i="0" dirty="0">
+                <a:effectLst/>
+                <a:latin typeface="system-ui"/>
+                <a:sym typeface="Wingdings" panose="05000000000000000000" pitchFamily="2" charset="2"/>
+              </a:rPr>
+              <a:t>: launches </a:t>
+            </a:r>
+            <a:r>
+              <a:rPr lang="en-US" sz="1200" b="0" i="0" dirty="0" err="1">
+                <a:effectLst/>
+                <a:latin typeface="system-ui"/>
+                <a:sym typeface="Wingdings" panose="05000000000000000000" pitchFamily="2" charset="2"/>
+              </a:rPr>
+              <a:t>SetFilters</a:t>
+            </a:r>
+            <a:r>
+              <a:rPr lang="en-US" sz="1200" b="0" i="0" dirty="0">
+                <a:effectLst/>
+                <a:latin typeface="system-ui"/>
+                <a:sym typeface="Wingdings" panose="05000000000000000000" pitchFamily="2" charset="2"/>
+              </a:rPr>
+              <a:t>, </a:t>
+            </a:r>
+            <a:r>
+              <a:rPr lang="en-US" sz="1200" b="0" i="0" dirty="0" err="1">
+                <a:effectLst/>
+                <a:latin typeface="system-ui"/>
+                <a:sym typeface="Wingdings" panose="05000000000000000000" pitchFamily="2" charset="2"/>
+              </a:rPr>
+              <a:t>SetPagination</a:t>
+            </a:r>
+            <a:r>
+              <a:rPr lang="en-US" sz="1200" b="0" i="0" dirty="0">
+                <a:effectLst/>
+                <a:latin typeface="system-ui"/>
+                <a:sym typeface="Wingdings" panose="05000000000000000000" pitchFamily="2" charset="2"/>
+              </a:rPr>
+              <a:t>, </a:t>
+            </a:r>
+            <a:r>
+              <a:rPr lang="en-US" sz="1200" b="0" i="0" dirty="0" err="1">
+                <a:effectLst/>
+                <a:latin typeface="system-ui"/>
+                <a:sym typeface="Wingdings" panose="05000000000000000000" pitchFamily="2" charset="2"/>
+              </a:rPr>
+              <a:t>SetSorting</a:t>
+            </a:r>
+            <a:r>
+              <a:rPr lang="en-US" sz="1200" b="0" i="0" dirty="0">
+                <a:effectLst/>
+                <a:latin typeface="system-ui"/>
+                <a:sym typeface="Wingdings" panose="05000000000000000000" pitchFamily="2" charset="2"/>
+              </a:rPr>
+              <a:t> in sequence.</a:t>
+            </a:r>
+            <a:endParaRPr lang="en-US" sz="1200" b="1" i="0" dirty="0">
+              <a:effectLst/>
+              <a:latin typeface="system-ui"/>
+            </a:endParaRPr>
           </a:p>
         </p:txBody>
       </p:sp>
@@ -1373,7 +2199,7 @@
     </p:spTree>
     <p:extLst>
       <p:ext uri="{BB962C8B-B14F-4D97-AF65-F5344CB8AC3E}">
-        <p14:creationId xmlns:p14="http://schemas.microsoft.com/office/powerpoint/2010/main" val="751546867"/>
+        <p14:creationId xmlns:p14="http://schemas.microsoft.com/office/powerpoint/2010/main" val="3814227080"/>
       </p:ext>
     </p:extLst>
   </p:cSld>
@@ -1461,7 +2287,7 @@
     </p:spTree>
     <p:extLst>
       <p:ext uri="{BB962C8B-B14F-4D97-AF65-F5344CB8AC3E}">
-        <p14:creationId xmlns:p14="http://schemas.microsoft.com/office/powerpoint/2010/main" val="972816635"/>
+        <p14:creationId xmlns:p14="http://schemas.microsoft.com/office/powerpoint/2010/main" val="751546867"/>
       </p:ext>
     </p:extLst>
   </p:cSld>
@@ -1549,7 +2375,7 @@
     </p:spTree>
     <p:extLst>
       <p:ext uri="{BB962C8B-B14F-4D97-AF65-F5344CB8AC3E}">
-        <p14:creationId xmlns:p14="http://schemas.microsoft.com/office/powerpoint/2010/main" val="359264468"/>
+        <p14:creationId xmlns:p14="http://schemas.microsoft.com/office/powerpoint/2010/main" val="972816635"/>
       </p:ext>
     </p:extLst>
   </p:cSld>
@@ -7350,6 +8176,215 @@
       </p:pic>
       <p:sp>
         <p:nvSpPr>
+          <p:cNvPr id="5" name="AutoShape 4" descr="Serverless Vs Containers Deploy Speeds">
+            <a:extLst>
+              <a:ext uri="{FF2B5EF4-FFF2-40B4-BE49-F238E27FC236}">
+                <a16:creationId xmlns:a16="http://schemas.microsoft.com/office/drawing/2014/main" id="{74838526-8A97-43C5-AA2E-50438D453F15}"/>
+              </a:ext>
+            </a:extLst>
+          </p:cNvPr>
+          <p:cNvSpPr>
+            <a:spLocks noChangeAspect="1" noChangeArrowheads="1"/>
+          </p:cNvSpPr>
+          <p:nvPr/>
+        </p:nvSpPr>
+        <p:spPr bwMode="auto">
+          <a:xfrm>
+            <a:off x="5943599" y="3276599"/>
+            <a:ext cx="2719137" cy="2719137"/>
+          </a:xfrm>
+          <a:prstGeom prst="rect">
+            <a:avLst/>
+          </a:prstGeom>
+          <a:noFill/>
+          <a:extLst>
+            <a:ext uri="{909E8E84-426E-40DD-AFC4-6F175D3DCCD1}">
+              <a14:hiddenFill xmlns:a14="http://schemas.microsoft.com/office/drawing/2010/main">
+                <a:solidFill>
+                  <a:srgbClr val="FFFFFF"/>
+                </a:solidFill>
+              </a14:hiddenFill>
+            </a:ext>
+          </a:extLst>
+        </p:spPr>
+        <p:txBody>
+          <a:bodyPr vert="horz" wrap="square" lIns="91440" tIns="45720" rIns="91440" bIns="45720" numCol="1" anchor="t" anchorCtr="0" compatLnSpc="1">
+            <a:prstTxWarp prst="textNoShape">
+              <a:avLst/>
+            </a:prstTxWarp>
+          </a:bodyPr>
+          <a:lstStyle/>
+          <a:p>
+            <a:endParaRPr lang="en-BE"/>
+          </a:p>
+        </p:txBody>
+      </p:sp>
+      <p:sp>
+        <p:nvSpPr>
+          <p:cNvPr id="4" name="Title 3">
+            <a:extLst>
+              <a:ext uri="{FF2B5EF4-FFF2-40B4-BE49-F238E27FC236}">
+                <a16:creationId xmlns:a16="http://schemas.microsoft.com/office/drawing/2014/main" id="{29D87857-8B86-4E40-B4FD-6ECD4DA8BEC6}"/>
+              </a:ext>
+            </a:extLst>
+          </p:cNvPr>
+          <p:cNvSpPr>
+            <a:spLocks noGrp="1"/>
+          </p:cNvSpPr>
+          <p:nvPr>
+            <p:ph type="ctrTitle"/>
+          </p:nvPr>
+        </p:nvSpPr>
+        <p:spPr>
+          <a:xfrm>
+            <a:off x="172343" y="1061957"/>
+            <a:ext cx="11542512" cy="860893"/>
+          </a:xfrm>
+        </p:spPr>
+        <p:txBody>
+          <a:bodyPr/>
+          <a:lstStyle/>
+          <a:p>
+            <a:r>
+              <a:rPr lang="fr-BE" dirty="0" err="1"/>
+              <a:t>resources</a:t>
+            </a:r>
+            <a:endParaRPr lang="en-BE" dirty="0"/>
+          </a:p>
+        </p:txBody>
+      </p:sp>
+      <p:sp>
+        <p:nvSpPr>
+          <p:cNvPr id="8" name="TextBox 7">
+            <a:extLst>
+              <a:ext uri="{FF2B5EF4-FFF2-40B4-BE49-F238E27FC236}">
+                <a16:creationId xmlns:a16="http://schemas.microsoft.com/office/drawing/2014/main" id="{E945BC42-63B2-9B21-BC68-C4B2B0C08A19}"/>
+              </a:ext>
+            </a:extLst>
+          </p:cNvPr>
+          <p:cNvSpPr txBox="1"/>
+          <p:nvPr/>
+        </p:nvSpPr>
+        <p:spPr>
+          <a:xfrm>
+            <a:off x="355384" y="2378988"/>
+            <a:ext cx="11664273" cy="1569660"/>
+          </a:xfrm>
+          <a:prstGeom prst="rect">
+            <a:avLst/>
+          </a:prstGeom>
+          <a:noFill/>
+        </p:spPr>
+        <p:txBody>
+          <a:bodyPr wrap="square" rtlCol="0">
+            <a:spAutoFit/>
+          </a:bodyPr>
+          <a:lstStyle/>
+          <a:p>
+            <a:pPr marL="457200" indent="-457200">
+              <a:buFont typeface="Arial" panose="020B0604020202020204" pitchFamily="34" charset="0"/>
+              <a:buChar char="•"/>
+            </a:pPr>
+            <a:r>
+              <a:rPr lang="en-US" sz="3200" dirty="0"/>
+              <a:t>Dan Abramov: </a:t>
+            </a:r>
+            <a:r>
+              <a:rPr lang="en-US" sz="3200" dirty="0">
+                <a:hlinkClick r:id="rId5"/>
+              </a:rPr>
+              <a:t>You Might Not Need Redux</a:t>
+            </a:r>
+            <a:endParaRPr lang="en-US" sz="3200" dirty="0"/>
+          </a:p>
+          <a:p>
+            <a:pPr marL="457200" indent="-457200">
+              <a:buFont typeface="Arial" panose="020B0604020202020204" pitchFamily="34" charset="0"/>
+              <a:buChar char="•"/>
+            </a:pPr>
+            <a:r>
+              <a:rPr lang="en-US" sz="3200" dirty="0">
+                <a:hlinkClick r:id="rId6"/>
+              </a:rPr>
+              <a:t>Redux Style Guide</a:t>
+            </a:r>
+            <a:endParaRPr lang="en-US" sz="3200" dirty="0"/>
+          </a:p>
+          <a:p>
+            <a:pPr marL="457200" indent="-457200">
+              <a:buFont typeface="Arial" panose="020B0604020202020204" pitchFamily="34" charset="0"/>
+              <a:buChar char="•"/>
+            </a:pPr>
+            <a:endParaRPr lang="en-BE" sz="3200" dirty="0"/>
+          </a:p>
+        </p:txBody>
+      </p:sp>
+    </p:spTree>
+    <p:extLst>
+      <p:ext uri="{BB962C8B-B14F-4D97-AF65-F5344CB8AC3E}">
+        <p14:creationId xmlns:p14="http://schemas.microsoft.com/office/powerpoint/2010/main" val="1569422120"/>
+      </p:ext>
+    </p:extLst>
+  </p:cSld>
+  <p:clrMapOvr>
+    <a:masterClrMapping/>
+  </p:clrMapOvr>
+</p:sld>
+</file>
+
+<file path=ppt/slides/slide11.xml><?xml version="1.0" encoding="utf-8"?>
+<p:sld xmlns:a="http://schemas.openxmlformats.org/drawingml/2006/main" xmlns:r="http://schemas.openxmlformats.org/officeDocument/2006/relationships" xmlns:p="http://schemas.openxmlformats.org/presentationml/2006/main">
+  <p:cSld>
+    <p:spTree>
+      <p:nvGrpSpPr>
+        <p:cNvPr id="1" name=""/>
+        <p:cNvGrpSpPr/>
+        <p:nvPr/>
+      </p:nvGrpSpPr>
+      <p:grpSpPr>
+        <a:xfrm>
+          <a:off x="0" y="0"/>
+          <a:ext cx="0" cy="0"/>
+          <a:chOff x="0" y="0"/>
+          <a:chExt cx="0" cy="0"/>
+        </a:xfrm>
+      </p:grpSpPr>
+      <p:pic>
+        <p:nvPicPr>
+          <p:cNvPr id="6" name="Picture 5">
+            <a:extLst>
+              <a:ext uri="{FF2B5EF4-FFF2-40B4-BE49-F238E27FC236}">
+                <a16:creationId xmlns:a16="http://schemas.microsoft.com/office/drawing/2014/main" id="{7D1150AD-E424-490F-A3E6-147D047AF505}"/>
+              </a:ext>
+            </a:extLst>
+          </p:cNvPr>
+          <p:cNvPicPr>
+            <a:picLocks noChangeAspect="1"/>
+          </p:cNvPicPr>
+          <p:nvPr>
+            <p:custDataLst>
+              <p:custData r:id="rId1"/>
+            </p:custDataLst>
+          </p:nvPr>
+        </p:nvPicPr>
+        <p:blipFill>
+          <a:blip r:embed="rId4"/>
+          <a:stretch>
+            <a:fillRect/>
+          </a:stretch>
+        </p:blipFill>
+        <p:spPr>
+          <a:xfrm>
+            <a:off x="-88884" y="-22188"/>
+            <a:ext cx="3183776" cy="860893"/>
+          </a:xfrm>
+          <a:prstGeom prst="rect">
+            <a:avLst/>
+          </a:prstGeom>
+        </p:spPr>
+      </p:pic>
+      <p:sp>
+        <p:nvSpPr>
           <p:cNvPr id="4" name="Title 3">
             <a:extLst>
               <a:ext uri="{FF2B5EF4-FFF2-40B4-BE49-F238E27FC236}">
@@ -7514,6 +8549,235 @@
     <p:extLst>
       <p:ext uri="{BB962C8B-B14F-4D97-AF65-F5344CB8AC3E}">
         <p14:creationId xmlns:p14="http://schemas.microsoft.com/office/powerpoint/2010/main" val="3390473929"/>
+      </p:ext>
+    </p:extLst>
+  </p:cSld>
+  <p:clrMapOvr>
+    <a:masterClrMapping/>
+  </p:clrMapOvr>
+</p:sld>
+</file>
+
+<file path=ppt/slides/slide12.xml><?xml version="1.0" encoding="utf-8"?>
+<p:sld xmlns:a="http://schemas.openxmlformats.org/drawingml/2006/main" xmlns:r="http://schemas.openxmlformats.org/officeDocument/2006/relationships" xmlns:p="http://schemas.openxmlformats.org/presentationml/2006/main">
+  <p:cSld>
+    <p:spTree>
+      <p:nvGrpSpPr>
+        <p:cNvPr id="1" name=""/>
+        <p:cNvGrpSpPr/>
+        <p:nvPr/>
+      </p:nvGrpSpPr>
+      <p:grpSpPr>
+        <a:xfrm>
+          <a:off x="0" y="0"/>
+          <a:ext cx="0" cy="0"/>
+          <a:chOff x="0" y="0"/>
+          <a:chExt cx="0" cy="0"/>
+        </a:xfrm>
+      </p:grpSpPr>
+      <p:pic>
+        <p:nvPicPr>
+          <p:cNvPr id="6" name="Picture 5">
+            <a:extLst>
+              <a:ext uri="{FF2B5EF4-FFF2-40B4-BE49-F238E27FC236}">
+                <a16:creationId xmlns:a16="http://schemas.microsoft.com/office/drawing/2014/main" id="{7D1150AD-E424-490F-A3E6-147D047AF505}"/>
+              </a:ext>
+            </a:extLst>
+          </p:cNvPr>
+          <p:cNvPicPr>
+            <a:picLocks noChangeAspect="1"/>
+          </p:cNvPicPr>
+          <p:nvPr>
+            <p:custDataLst>
+              <p:custData r:id="rId1"/>
+            </p:custDataLst>
+          </p:nvPr>
+        </p:nvPicPr>
+        <p:blipFill>
+          <a:blip r:embed="rId4"/>
+          <a:stretch>
+            <a:fillRect/>
+          </a:stretch>
+        </p:blipFill>
+        <p:spPr>
+          <a:xfrm>
+            <a:off x="-88884" y="-22188"/>
+            <a:ext cx="3183776" cy="860893"/>
+          </a:xfrm>
+          <a:prstGeom prst="rect">
+            <a:avLst/>
+          </a:prstGeom>
+        </p:spPr>
+      </p:pic>
+      <p:sp>
+        <p:nvSpPr>
+          <p:cNvPr id="5" name="TextBox 4">
+            <a:extLst>
+              <a:ext uri="{FF2B5EF4-FFF2-40B4-BE49-F238E27FC236}">
+                <a16:creationId xmlns:a16="http://schemas.microsoft.com/office/drawing/2014/main" id="{DF001F0A-A8BC-EBF7-C57B-526D55E12CFF}"/>
+              </a:ext>
+            </a:extLst>
+          </p:cNvPr>
+          <p:cNvSpPr txBox="1"/>
+          <p:nvPr/>
+        </p:nvSpPr>
+        <p:spPr>
+          <a:xfrm>
+            <a:off x="263863" y="838705"/>
+            <a:ext cx="11664273" cy="1569660"/>
+          </a:xfrm>
+          <a:prstGeom prst="rect">
+            <a:avLst/>
+          </a:prstGeom>
+        </p:spPr>
+        <p:txBody>
+          <a:bodyPr vert="horz" lIns="91440" tIns="45720" rIns="91440" bIns="45720" rtlCol="0" anchor="b">
+            <a:normAutofit fontScale="77500" lnSpcReduction="20000"/>
+          </a:bodyPr>
+          <a:lstStyle>
+            <a:lvl1pPr algn="ctr">
+              <a:spcBef>
+                <a:spcPct val="0"/>
+              </a:spcBef>
+              <a:buNone/>
+              <a:defRPr sz="4800" cap="all">
+                <a:ln w="3175" cmpd="sng">
+                  <a:noFill/>
+                </a:ln>
+                <a:solidFill>
+                  <a:schemeClr val="accent1"/>
+                </a:solidFill>
+                <a:effectLst>
+                  <a:glow rad="38100">
+                    <a:schemeClr val="bg1">
+                      <a:lumMod val="65000"/>
+                      <a:lumOff val="35000"/>
+                      <a:alpha val="50000"/>
+                    </a:schemeClr>
+                  </a:glow>
+                  <a:outerShdw blurRad="28575" dist="31750" dir="13200000" algn="tl" rotWithShape="0">
+                    <a:srgbClr val="000000">
+                      <a:alpha val="25000"/>
+                    </a:srgbClr>
+                  </a:outerShdw>
+                </a:effectLst>
+                <a:latin typeface="+mj-lt"/>
+                <a:ea typeface="+mj-ea"/>
+                <a:cs typeface="+mj-cs"/>
+              </a:defRPr>
+            </a:lvl1pPr>
+            <a:lvl2pPr>
+              <a:defRPr>
+                <a:solidFill>
+                  <a:schemeClr val="tx2"/>
+                </a:solidFill>
+              </a:defRPr>
+            </a:lvl2pPr>
+            <a:lvl3pPr>
+              <a:defRPr>
+                <a:solidFill>
+                  <a:schemeClr val="tx2"/>
+                </a:solidFill>
+              </a:defRPr>
+            </a:lvl3pPr>
+            <a:lvl4pPr>
+              <a:defRPr>
+                <a:solidFill>
+                  <a:schemeClr val="tx2"/>
+                </a:solidFill>
+              </a:defRPr>
+            </a:lvl4pPr>
+            <a:lvl5pPr>
+              <a:defRPr>
+                <a:solidFill>
+                  <a:schemeClr val="tx2"/>
+                </a:solidFill>
+              </a:defRPr>
+            </a:lvl5pPr>
+            <a:lvl6pPr>
+              <a:defRPr>
+                <a:solidFill>
+                  <a:schemeClr val="tx2"/>
+                </a:solidFill>
+              </a:defRPr>
+            </a:lvl6pPr>
+            <a:lvl7pPr>
+              <a:defRPr>
+                <a:solidFill>
+                  <a:schemeClr val="tx2"/>
+                </a:solidFill>
+              </a:defRPr>
+            </a:lvl7pPr>
+            <a:lvl8pPr>
+              <a:defRPr>
+                <a:solidFill>
+                  <a:schemeClr val="tx2"/>
+                </a:solidFill>
+              </a:defRPr>
+            </a:lvl8pPr>
+            <a:lvl9pPr>
+              <a:defRPr>
+                <a:solidFill>
+                  <a:schemeClr val="tx2"/>
+                </a:solidFill>
+              </a:defRPr>
+            </a:lvl9pPr>
+          </a:lstStyle>
+          <a:p>
+            <a:r>
+              <a:rPr lang="en-US" dirty="0"/>
+              <a:t>Presentational Components</a:t>
+            </a:r>
+          </a:p>
+          <a:p>
+            <a:r>
+              <a:rPr lang="en-US" dirty="0"/>
+              <a:t>vs</a:t>
+            </a:r>
+          </a:p>
+          <a:p>
+            <a:r>
+              <a:rPr lang="en-US" dirty="0"/>
+              <a:t>Container Components</a:t>
+            </a:r>
+            <a:endParaRPr lang="en-BE" dirty="0"/>
+          </a:p>
+        </p:txBody>
+      </p:sp>
+      <p:pic>
+        <p:nvPicPr>
+          <p:cNvPr id="10" name="Picture 9">
+            <a:extLst>
+              <a:ext uri="{FF2B5EF4-FFF2-40B4-BE49-F238E27FC236}">
+                <a16:creationId xmlns:a16="http://schemas.microsoft.com/office/drawing/2014/main" id="{F77C0C58-B3AE-792B-900D-2E86D7FA94FE}"/>
+              </a:ext>
+            </a:extLst>
+          </p:cNvPr>
+          <p:cNvPicPr>
+            <a:picLocks noChangeAspect="1"/>
+          </p:cNvPicPr>
+          <p:nvPr/>
+        </p:nvPicPr>
+        <p:blipFill>
+          <a:blip r:embed="rId5"/>
+          <a:stretch>
+            <a:fillRect/>
+          </a:stretch>
+        </p:blipFill>
+        <p:spPr>
+          <a:xfrm>
+            <a:off x="3094892" y="2549333"/>
+            <a:ext cx="6097593" cy="3560994"/>
+          </a:xfrm>
+          <a:prstGeom prst="rect">
+            <a:avLst/>
+          </a:prstGeom>
+        </p:spPr>
+      </p:pic>
+    </p:spTree>
+    <p:extLst>
+      <p:ext uri="{BB962C8B-B14F-4D97-AF65-F5344CB8AC3E}">
+        <p14:creationId xmlns:p14="http://schemas.microsoft.com/office/powerpoint/2010/main" val="856984458"/>
       </p:ext>
     </p:extLst>
   </p:cSld>
@@ -7623,7 +8887,7 @@
         <p:spPr>
           <a:xfrm>
             <a:off x="935247" y="1988695"/>
-            <a:ext cx="11664273" cy="595932"/>
+            <a:ext cx="11664273" cy="2176750"/>
           </a:xfrm>
           <a:prstGeom prst="rect">
             <a:avLst/>
@@ -7650,7 +8914,59 @@
                 <a:ea typeface="Calibri" panose="020F0502020204030204" pitchFamily="34" charset="0"/>
                 <a:cs typeface="Times New Roman" panose="02020603050405020304" pitchFamily="18" charset="0"/>
               </a:rPr>
-              <a:t>What</a:t>
+              <a:t>High Level</a:t>
+            </a:r>
+          </a:p>
+          <a:p>
+            <a:pPr marL="342900" lvl="0" indent="-342900">
+              <a:lnSpc>
+                <a:spcPct val="107000"/>
+              </a:lnSpc>
+              <a:buFont typeface="Symbol" panose="05050102010706020507" pitchFamily="18" charset="2"/>
+              <a:buChar char=""/>
+            </a:pPr>
+            <a:r>
+              <a:rPr lang="en-US" sz="3200" dirty="0">
+                <a:latin typeface="Calibri" panose="020F0502020204030204" pitchFamily="34" charset="0"/>
+                <a:ea typeface="Calibri" panose="020F0502020204030204" pitchFamily="34" charset="0"/>
+                <a:cs typeface="Times New Roman" panose="02020603050405020304" pitchFamily="18" charset="0"/>
+              </a:rPr>
+              <a:t>Why Redux</a:t>
+            </a:r>
+          </a:p>
+          <a:p>
+            <a:pPr marL="342900" lvl="0" indent="-342900">
+              <a:lnSpc>
+                <a:spcPct val="107000"/>
+              </a:lnSpc>
+              <a:buFont typeface="Symbol" panose="05050102010706020507" pitchFamily="18" charset="2"/>
+              <a:buChar char=""/>
+            </a:pPr>
+            <a:r>
+              <a:rPr lang="en-US" sz="3200" dirty="0">
+                <a:effectLst/>
+                <a:latin typeface="Calibri" panose="020F0502020204030204" pitchFamily="34" charset="0"/>
+                <a:ea typeface="Calibri" panose="020F0502020204030204" pitchFamily="34" charset="0"/>
+                <a:cs typeface="Times New Roman" panose="02020603050405020304" pitchFamily="18" charset="0"/>
+              </a:rPr>
+              <a:t>The Store</a:t>
+            </a:r>
+          </a:p>
+          <a:p>
+            <a:pPr marL="342900" lvl="0" indent="-342900">
+              <a:lnSpc>
+                <a:spcPct val="107000"/>
+              </a:lnSpc>
+              <a:buFont typeface="Symbol" panose="05050102010706020507" pitchFamily="18" charset="2"/>
+              <a:buChar char=""/>
+            </a:pPr>
+            <a:r>
+              <a:rPr lang="en-US" sz="3200" dirty="0">
+                <a:latin typeface="Calibri" panose="020F0502020204030204" pitchFamily="34" charset="0"/>
+                <a:ea typeface="Calibri" panose="020F0502020204030204" pitchFamily="34" charset="0"/>
+                <a:cs typeface="Times New Roman" panose="02020603050405020304" pitchFamily="18" charset="0"/>
+              </a:rPr>
+              <a:t>Angular</a:t>
             </a:r>
             <a:endParaRPr lang="en-BE" sz="3200" dirty="0">
               <a:effectLst/>
@@ -7753,19 +9069,11 @@
           <a:p>
             <a:r>
               <a:rPr lang="fr-BE" dirty="0"/>
-              <a:t>How </a:t>
+              <a:t>High </a:t>
             </a:r>
             <a:r>
               <a:rPr lang="fr-BE" dirty="0" err="1"/>
-              <a:t>it</a:t>
-            </a:r>
-            <a:r>
-              <a:rPr lang="fr-BE" dirty="0"/>
-              <a:t> </a:t>
-            </a:r>
-            <a:r>
-              <a:rPr lang="fr-BE" dirty="0" err="1"/>
-              <a:t>works</a:t>
+              <a:t>level</a:t>
             </a:r>
             <a:endParaRPr lang="en-BE" dirty="0"/>
           </a:p>
@@ -7892,8 +9200,8 @@
           <a:lstStyle/>
           <a:p>
             <a:r>
-              <a:rPr lang="fr-BE" dirty="0" err="1"/>
-              <a:t>What</a:t>
+              <a:rPr lang="fr-BE" dirty="0"/>
+              <a:t>WHY</a:t>
             </a:r>
             <a:endParaRPr lang="en-BE" dirty="0"/>
           </a:p>
@@ -7913,8 +9221,8 @@
         </p:nvSpPr>
         <p:spPr>
           <a:xfrm>
-            <a:off x="935247" y="1988695"/>
-            <a:ext cx="11664273" cy="3757567"/>
+            <a:off x="299127" y="1854880"/>
+            <a:ext cx="11664273" cy="4215578"/>
           </a:xfrm>
           <a:prstGeom prst="rect">
             <a:avLst/>
@@ -7935,7 +9243,7 @@
               <a:buChar char=""/>
             </a:pPr>
             <a:r>
-              <a:rPr lang="en-US" sz="3200" dirty="0">
+              <a:rPr lang="en-US" sz="3600" dirty="0">
                 <a:effectLst/>
                 <a:latin typeface="Calibri" panose="020F0502020204030204" pitchFamily="34" charset="0"/>
                 <a:ea typeface="Calibri" panose="020F0502020204030204" pitchFamily="34" charset="0"/>
@@ -7953,14 +9261,14 @@
               <a:buChar char=""/>
             </a:pPr>
             <a:r>
-              <a:rPr lang="en-US" sz="3200" dirty="0">
+              <a:rPr lang="en-US" sz="3600" dirty="0">
                 <a:latin typeface="Calibri" panose="020F0502020204030204" pitchFamily="34" charset="0"/>
                 <a:ea typeface="Calibri" panose="020F0502020204030204" pitchFamily="34" charset="0"/>
                 <a:cs typeface="Times New Roman" panose="02020603050405020304" pitchFamily="18" charset="0"/>
               </a:rPr>
               <a:t>Hot Reloading</a:t>
             </a:r>
-            <a:endParaRPr lang="en-US" sz="3200" dirty="0">
+            <a:endParaRPr lang="en-US" sz="3600" dirty="0">
               <a:effectLst/>
               <a:latin typeface="Calibri" panose="020F0502020204030204" pitchFamily="34" charset="0"/>
               <a:ea typeface="Calibri" panose="020F0502020204030204" pitchFamily="34" charset="0"/>
@@ -7976,7 +9284,7 @@
               <a:buChar char=""/>
             </a:pPr>
             <a:r>
-              <a:rPr lang="en-US" sz="3200" dirty="0">
+              <a:rPr lang="en-US" sz="3600" dirty="0">
                 <a:latin typeface="Calibri" panose="020F0502020204030204" pitchFamily="34" charset="0"/>
                 <a:ea typeface="Calibri" panose="020F0502020204030204" pitchFamily="34" charset="0"/>
                 <a:cs typeface="Times New Roman" panose="02020603050405020304" pitchFamily="18" charset="0"/>
@@ -7993,7 +9301,7 @@
               <a:buChar char=""/>
             </a:pPr>
             <a:r>
-              <a:rPr lang="en-US" sz="3200" dirty="0">
+              <a:rPr lang="en-US" sz="3600" dirty="0">
                 <a:effectLst/>
                 <a:latin typeface="Calibri" panose="020F0502020204030204" pitchFamily="34" charset="0"/>
                 <a:ea typeface="Calibri" panose="020F0502020204030204" pitchFamily="34" charset="0"/>
@@ -8011,13 +9319,13 @@
               <a:buChar char=""/>
             </a:pPr>
             <a:r>
-              <a:rPr lang="en-US" sz="3200" dirty="0">
+              <a:rPr lang="en-US" sz="3600" dirty="0">
                 <a:effectLst/>
                 <a:latin typeface="Calibri" panose="020F0502020204030204" pitchFamily="34" charset="0"/>
                 <a:ea typeface="Calibri" panose="020F0502020204030204" pitchFamily="34" charset="0"/>
                 <a:cs typeface="Times New Roman" panose="02020603050405020304" pitchFamily="18" charset="0"/>
               </a:rPr>
-              <a:t>Restore App State at startup</a:t>
+              <a:t>Restore State at startup / navigation</a:t>
             </a:r>
           </a:p>
           <a:p>
@@ -8029,7 +9337,7 @@
               <a:buChar char=""/>
             </a:pPr>
             <a:r>
-              <a:rPr lang="en-US" sz="3200" dirty="0">
+              <a:rPr lang="en-US" sz="3600" dirty="0">
                 <a:effectLst/>
                 <a:latin typeface="Calibri" panose="020F0502020204030204" pitchFamily="34" charset="0"/>
                 <a:ea typeface="Calibri" panose="020F0502020204030204" pitchFamily="34" charset="0"/>
@@ -8047,20 +9355,14 @@
               <a:buChar char=""/>
             </a:pPr>
             <a:r>
-              <a:rPr lang="en-US" sz="3200" dirty="0">
+              <a:rPr lang="en-US" sz="3600" dirty="0">
                 <a:effectLst/>
                 <a:latin typeface="Calibri" panose="020F0502020204030204" pitchFamily="34" charset="0"/>
                 <a:ea typeface="Calibri" panose="020F0502020204030204" pitchFamily="34" charset="0"/>
                 <a:cs typeface="Times New Roman" panose="02020603050405020304" pitchFamily="18" charset="0"/>
               </a:rPr>
-              <a:t>Middleware</a:t>
-            </a:r>
-            <a:endParaRPr lang="en-BE" sz="3200" dirty="0">
-              <a:effectLst/>
-              <a:latin typeface="Calibri" panose="020F0502020204030204" pitchFamily="34" charset="0"/>
-              <a:ea typeface="Calibri" panose="020F0502020204030204" pitchFamily="34" charset="0"/>
-              <a:cs typeface="Times New Roman" panose="02020603050405020304" pitchFamily="18" charset="0"/>
-            </a:endParaRPr>
+              <a:t>Middleware / Meta-Reducers</a:t>
+            </a:r>
           </a:p>
         </p:txBody>
       </p:sp>
@@ -8146,7 +9448,7 @@
         </p:nvSpPr>
         <p:spPr>
           <a:xfrm>
-            <a:off x="197864" y="725634"/>
+            <a:off x="420888" y="838705"/>
             <a:ext cx="11542512" cy="860893"/>
           </a:xfrm>
         </p:spPr>
@@ -8156,93 +9458,227 @@
           <a:p>
             <a:r>
               <a:rPr lang="fr-BE" dirty="0"/>
-              <a:t>MENU</a:t>
+              <a:t>The Store</a:t>
             </a:r>
             <a:endParaRPr lang="en-BE" dirty="0"/>
           </a:p>
         </p:txBody>
       </p:sp>
-      <p:pic>
-        <p:nvPicPr>
-          <p:cNvPr id="3" name="Picture 2">
+      <p:sp>
+        <p:nvSpPr>
+          <p:cNvPr id="5" name="TextBox 4">
             <a:extLst>
               <a:ext uri="{FF2B5EF4-FFF2-40B4-BE49-F238E27FC236}">
-                <a16:creationId xmlns:a16="http://schemas.microsoft.com/office/drawing/2014/main" id="{A1B5F787-1A62-6A68-09A2-F31F08EA511E}"/>
+                <a16:creationId xmlns:a16="http://schemas.microsoft.com/office/drawing/2014/main" id="{F2056000-F73B-3E78-666F-F6A8397762EB}"/>
               </a:ext>
             </a:extLst>
           </p:cNvPr>
-          <p:cNvPicPr>
-            <a:picLocks noChangeAspect="1"/>
-          </p:cNvPicPr>
+          <p:cNvSpPr txBox="1"/>
           <p:nvPr/>
-        </p:nvPicPr>
-        <p:blipFill>
-          <a:blip r:embed="rId5"/>
-          <a:stretch>
-            <a:fillRect/>
-          </a:stretch>
-        </p:blipFill>
+        </p:nvSpPr>
         <p:spPr>
           <a:xfrm>
-            <a:off x="883502" y="2425663"/>
-            <a:ext cx="9881304" cy="2293272"/>
-          </a:xfrm>
-          <a:prstGeom prst="rect">
-            <a:avLst/>
-          </a:prstGeom>
-        </p:spPr>
-      </p:pic>
-      <p:pic>
-        <p:nvPicPr>
-          <p:cNvPr id="1028" name="Picture 4" descr="What is boilerplate and why do we use it? Necessity of coding style guide">
-            <a:extLst>
-              <a:ext uri="{FF2B5EF4-FFF2-40B4-BE49-F238E27FC236}">
-                <a16:creationId xmlns:a16="http://schemas.microsoft.com/office/drawing/2014/main" id="{DE083DDF-18A6-FBF8-92C5-A9350AEF9F77}"/>
-              </a:ext>
-            </a:extLst>
-          </p:cNvPr>
-          <p:cNvPicPr>
-            <a:picLocks noChangeAspect="1" noChangeArrowheads="1"/>
-          </p:cNvPicPr>
-          <p:nvPr/>
-        </p:nvPicPr>
-        <p:blipFill>
-          <a:blip r:embed="rId6">
-            <a:extLst>
-              <a:ext uri="{28A0092B-C50C-407E-A947-70E740481C1C}">
-                <a14:useLocalDpi xmlns:a14="http://schemas.microsoft.com/office/drawing/2010/main" val="0"/>
-              </a:ext>
-            </a:extLst>
-          </a:blip>
-          <a:srcRect/>
-          <a:stretch>
-            <a:fillRect/>
-          </a:stretch>
-        </p:blipFill>
-        <p:spPr bwMode="auto">
-          <a:xfrm>
-            <a:off x="3005950" y="1667327"/>
-            <a:ext cx="6180100" cy="4635075"/>
+            <a:off x="256479" y="1988695"/>
+            <a:ext cx="11706921" cy="4811445"/>
           </a:xfrm>
           <a:prstGeom prst="rect">
             <a:avLst/>
           </a:prstGeom>
           <a:noFill/>
-          <a:extLst>
-            <a:ext uri="{909E8E84-426E-40DD-AFC4-6F175D3DCCD1}">
-              <a14:hiddenFill xmlns:a14="http://schemas.microsoft.com/office/drawing/2010/main">
-                <a:solidFill>
-                  <a:srgbClr val="FFFFFF"/>
-                </a:solidFill>
-              </a14:hiddenFill>
-            </a:ext>
-          </a:extLst>
         </p:spPr>
-      </p:pic>
+        <p:txBody>
+          <a:bodyPr wrap="square" rtlCol="0">
+            <a:spAutoFit/>
+          </a:bodyPr>
+          <a:lstStyle/>
+          <a:p>
+            <a:pPr marL="342900" indent="-342900">
+              <a:lnSpc>
+                <a:spcPct val="107000"/>
+              </a:lnSpc>
+              <a:buFont typeface="Symbol" panose="05050102010706020507" pitchFamily="18" charset="2"/>
+              <a:buChar char=""/>
+            </a:pPr>
+            <a:r>
+              <a:rPr lang="en-US" sz="3200" dirty="0">
+                <a:effectLst/>
+                <a:latin typeface="Calibri" panose="020F0502020204030204" pitchFamily="34" charset="0"/>
+                <a:ea typeface="Calibri" panose="020F0502020204030204" pitchFamily="34" charset="0"/>
+                <a:cs typeface="Times New Roman" panose="02020603050405020304" pitchFamily="18" charset="0"/>
+              </a:rPr>
+              <a:t>What (not) to put in the store?</a:t>
+            </a:r>
+          </a:p>
+          <a:p>
+            <a:pPr marL="800100" lvl="1" indent="-342900">
+              <a:lnSpc>
+                <a:spcPct val="107000"/>
+              </a:lnSpc>
+              <a:buFont typeface="Symbol" panose="05050102010706020507" pitchFamily="18" charset="2"/>
+              <a:buChar char=""/>
+            </a:pPr>
+            <a:r>
+              <a:rPr lang="en-US" sz="3200" dirty="0">
+                <a:latin typeface="Calibri" panose="020F0502020204030204" pitchFamily="34" charset="0"/>
+                <a:ea typeface="Calibri" panose="020F0502020204030204" pitchFamily="34" charset="0"/>
+                <a:cs typeface="Times New Roman" panose="02020603050405020304" pitchFamily="18" charset="0"/>
+              </a:rPr>
+              <a:t>Fetched data</a:t>
+            </a:r>
+            <a:endParaRPr lang="en-US" sz="2800" dirty="0">
+              <a:effectLst/>
+              <a:latin typeface="Calibri" panose="020F0502020204030204" pitchFamily="34" charset="0"/>
+              <a:ea typeface="Calibri" panose="020F0502020204030204" pitchFamily="34" charset="0"/>
+              <a:cs typeface="Times New Roman" panose="02020603050405020304" pitchFamily="18" charset="0"/>
+            </a:endParaRPr>
+          </a:p>
+          <a:p>
+            <a:pPr marL="800100" lvl="1" indent="-342900">
+              <a:lnSpc>
+                <a:spcPct val="107000"/>
+              </a:lnSpc>
+              <a:buFont typeface="Symbol" panose="05050102010706020507" pitchFamily="18" charset="2"/>
+              <a:buChar char=""/>
+            </a:pPr>
+            <a:r>
+              <a:rPr lang="en-US" sz="3200" dirty="0">
+                <a:effectLst/>
+                <a:latin typeface="Calibri" panose="020F0502020204030204" pitchFamily="34" charset="0"/>
+                <a:ea typeface="Calibri" panose="020F0502020204030204" pitchFamily="34" charset="0"/>
+                <a:cs typeface="Times New Roman" panose="02020603050405020304" pitchFamily="18" charset="0"/>
+              </a:rPr>
+              <a:t>App State</a:t>
+            </a:r>
+          </a:p>
+          <a:p>
+            <a:pPr marL="800100" lvl="1" indent="-342900">
+              <a:lnSpc>
+                <a:spcPct val="107000"/>
+              </a:lnSpc>
+              <a:buFont typeface="Symbol" panose="05050102010706020507" pitchFamily="18" charset="2"/>
+              <a:buChar char=""/>
+            </a:pPr>
+            <a:r>
+              <a:rPr lang="en-US" sz="3200" dirty="0">
+                <a:latin typeface="Calibri" panose="020F0502020204030204" pitchFamily="34" charset="0"/>
+                <a:ea typeface="Calibri" panose="020F0502020204030204" pitchFamily="34" charset="0"/>
+                <a:cs typeface="Times New Roman" panose="02020603050405020304" pitchFamily="18" charset="0"/>
+              </a:rPr>
+              <a:t>Avoid Form Data</a:t>
+            </a:r>
+            <a:endParaRPr lang="en-US" sz="3200" dirty="0">
+              <a:effectLst/>
+              <a:latin typeface="Calibri" panose="020F0502020204030204" pitchFamily="34" charset="0"/>
+              <a:ea typeface="Calibri" panose="020F0502020204030204" pitchFamily="34" charset="0"/>
+              <a:cs typeface="Times New Roman" panose="02020603050405020304" pitchFamily="18" charset="0"/>
+            </a:endParaRPr>
+          </a:p>
+          <a:p>
+            <a:pPr marL="800100" lvl="1" indent="-342900">
+              <a:lnSpc>
+                <a:spcPct val="107000"/>
+              </a:lnSpc>
+              <a:buFont typeface="Symbol" panose="05050102010706020507" pitchFamily="18" charset="2"/>
+              <a:buChar char=""/>
+            </a:pPr>
+            <a:r>
+              <a:rPr lang="en-US" sz="3200" dirty="0">
+                <a:effectLst/>
+                <a:latin typeface="Calibri" panose="020F0502020204030204" pitchFamily="34" charset="0"/>
+                <a:ea typeface="Calibri" panose="020F0502020204030204" pitchFamily="34" charset="0"/>
+                <a:cs typeface="Times New Roman" panose="02020603050405020304" pitchFamily="18" charset="0"/>
+              </a:rPr>
+              <a:t>Avoid Non-Serializable Values</a:t>
+            </a:r>
+          </a:p>
+          <a:p>
+            <a:pPr marL="342900" indent="-342900">
+              <a:lnSpc>
+                <a:spcPct val="107000"/>
+              </a:lnSpc>
+              <a:buFont typeface="Symbol" panose="05050102010706020507" pitchFamily="18" charset="2"/>
+              <a:buChar char=""/>
+            </a:pPr>
+            <a:r>
+              <a:rPr lang="en-US" sz="3200" dirty="0">
+                <a:latin typeface="Calibri" panose="020F0502020204030204" pitchFamily="34" charset="0"/>
+                <a:ea typeface="Calibri" panose="020F0502020204030204" pitchFamily="34" charset="0"/>
+                <a:cs typeface="Times New Roman" panose="02020603050405020304" pitchFamily="18" charset="0"/>
+              </a:rPr>
+              <a:t>Do not mutate the state directly! Always use actions!</a:t>
+            </a:r>
+          </a:p>
+          <a:p>
+            <a:pPr marL="342900" lvl="0" indent="-342900">
+              <a:lnSpc>
+                <a:spcPct val="107000"/>
+              </a:lnSpc>
+              <a:buFont typeface="Symbol" panose="05050102010706020507" pitchFamily="18" charset="2"/>
+              <a:buChar char=""/>
+            </a:pPr>
+            <a:r>
+              <a:rPr lang="en-US" sz="3200" dirty="0">
+                <a:latin typeface="Calibri" panose="020F0502020204030204" pitchFamily="34" charset="0"/>
+                <a:ea typeface="Calibri" panose="020F0502020204030204" pitchFamily="34" charset="0"/>
+                <a:cs typeface="Times New Roman" panose="02020603050405020304" pitchFamily="18" charset="0"/>
+              </a:rPr>
+              <a:t>Avoid deep nesting</a:t>
+            </a:r>
+          </a:p>
+          <a:p>
+            <a:pPr marL="342900" lvl="0" indent="-342900">
+              <a:lnSpc>
+                <a:spcPct val="107000"/>
+              </a:lnSpc>
+              <a:buFont typeface="Symbol" panose="05050102010706020507" pitchFamily="18" charset="2"/>
+              <a:buChar char=""/>
+            </a:pPr>
+            <a:r>
+              <a:rPr lang="en-US" sz="3200" dirty="0" err="1">
+                <a:latin typeface="Calibri" panose="020F0502020204030204" pitchFamily="34" charset="0"/>
+                <a:ea typeface="Calibri" panose="020F0502020204030204" pitchFamily="34" charset="0"/>
+                <a:cs typeface="Times New Roman" panose="02020603050405020304" pitchFamily="18" charset="0"/>
+              </a:rPr>
+              <a:t>UnitTesting</a:t>
+            </a:r>
+            <a:r>
+              <a:rPr lang="en-US" sz="3200" dirty="0">
+                <a:latin typeface="Calibri" panose="020F0502020204030204" pitchFamily="34" charset="0"/>
+                <a:ea typeface="Calibri" panose="020F0502020204030204" pitchFamily="34" charset="0"/>
+                <a:cs typeface="Times New Roman" panose="02020603050405020304" pitchFamily="18" charset="0"/>
+              </a:rPr>
+              <a:t> of State Changes</a:t>
+            </a:r>
+          </a:p>
+          <a:p>
+            <a:pPr marL="342900" lvl="0" indent="-342900">
+              <a:lnSpc>
+                <a:spcPct val="107000"/>
+              </a:lnSpc>
+              <a:buFont typeface="Symbol" panose="05050102010706020507" pitchFamily="18" charset="2"/>
+              <a:buChar char=""/>
+            </a:pPr>
+            <a:r>
+              <a:rPr lang="en-US" sz="3200" dirty="0">
+                <a:effectLst/>
+                <a:latin typeface="Calibri" panose="020F0502020204030204" pitchFamily="34" charset="0"/>
+                <a:ea typeface="Calibri" panose="020F0502020204030204" pitchFamily="34" charset="0"/>
+                <a:cs typeface="Times New Roman" panose="02020603050405020304" pitchFamily="18" charset="0"/>
+              </a:rPr>
+              <a:t>Do not store multiple copies of the same entity</a:t>
+            </a:r>
+            <a:endParaRPr lang="en-US" sz="3200" dirty="0">
+              <a:latin typeface="Calibri" panose="020F0502020204030204" pitchFamily="34" charset="0"/>
+              <a:ea typeface="Calibri" panose="020F0502020204030204" pitchFamily="34" charset="0"/>
+              <a:cs typeface="Times New Roman" panose="02020603050405020304" pitchFamily="18" charset="0"/>
+            </a:endParaRPr>
+          </a:p>
+        </p:txBody>
+      </p:sp>
     </p:spTree>
     <p:extLst>
       <p:ext uri="{BB962C8B-B14F-4D97-AF65-F5344CB8AC3E}">
-        <p14:creationId xmlns:p14="http://schemas.microsoft.com/office/powerpoint/2010/main" val="1183045746"/>
+        <p14:creationId xmlns:p14="http://schemas.microsoft.com/office/powerpoint/2010/main" val="1168078752"/>
       </p:ext>
     </p:extLst>
   </p:cSld>
@@ -8330,66 +9766,51 @@
           <a:lstStyle/>
           <a:p>
             <a:r>
+              <a:rPr lang="fr-BE" dirty="0" err="1"/>
+              <a:t>Angular</a:t>
+            </a:r>
+            <a:r>
               <a:rPr lang="fr-BE" dirty="0"/>
-              <a:t>MENU</a:t>
+              <a:t> </a:t>
+            </a:r>
+            <a:r>
+              <a:rPr lang="fr-BE" dirty="0" err="1"/>
+              <a:t>Frameworks</a:t>
             </a:r>
             <a:endParaRPr lang="en-BE" dirty="0"/>
           </a:p>
         </p:txBody>
       </p:sp>
-      <p:sp>
-        <p:nvSpPr>
-          <p:cNvPr id="5" name="TextBox 4">
+      <p:pic>
+        <p:nvPicPr>
+          <p:cNvPr id="8" name="Picture 7">
             <a:extLst>
               <a:ext uri="{FF2B5EF4-FFF2-40B4-BE49-F238E27FC236}">
-                <a16:creationId xmlns:a16="http://schemas.microsoft.com/office/drawing/2014/main" id="{F2056000-F73B-3E78-666F-F6A8397762EB}"/>
+                <a16:creationId xmlns:a16="http://schemas.microsoft.com/office/drawing/2014/main" id="{9E4F63CE-99DC-7C30-DBDD-B4C69428BF5B}"/>
               </a:ext>
             </a:extLst>
           </p:cNvPr>
-          <p:cNvSpPr txBox="1"/>
+          <p:cNvPicPr>
+            <a:picLocks noChangeAspect="1"/>
+          </p:cNvPicPr>
           <p:nvPr/>
-        </p:nvSpPr>
+        </p:nvPicPr>
+        <p:blipFill>
+          <a:blip r:embed="rId5"/>
+          <a:stretch>
+            <a:fillRect/>
+          </a:stretch>
+        </p:blipFill>
         <p:spPr>
           <a:xfrm>
-            <a:off x="935247" y="1988695"/>
-            <a:ext cx="11664273" cy="595932"/>
+            <a:off x="200762" y="2364499"/>
+            <a:ext cx="11790476" cy="3333333"/>
           </a:xfrm>
           <a:prstGeom prst="rect">
             <a:avLst/>
           </a:prstGeom>
-          <a:noFill/>
         </p:spPr>
-        <p:txBody>
-          <a:bodyPr wrap="square" rtlCol="0">
-            <a:spAutoFit/>
-          </a:bodyPr>
-          <a:lstStyle/>
-          <a:p>
-            <a:pPr marL="342900" lvl="0" indent="-342900">
-              <a:lnSpc>
-                <a:spcPct val="107000"/>
-              </a:lnSpc>
-              <a:buFont typeface="Symbol" panose="05050102010706020507" pitchFamily="18" charset="2"/>
-              <a:buChar char=""/>
-            </a:pPr>
-            <a:r>
-              <a:rPr lang="en-US" sz="3200" dirty="0">
-                <a:effectLst/>
-                <a:latin typeface="Calibri" panose="020F0502020204030204" pitchFamily="34" charset="0"/>
-                <a:ea typeface="Calibri" panose="020F0502020204030204" pitchFamily="34" charset="0"/>
-                <a:cs typeface="Times New Roman" panose="02020603050405020304" pitchFamily="18" charset="0"/>
-              </a:rPr>
-              <a:t>What</a:t>
-            </a:r>
-            <a:endParaRPr lang="en-BE" sz="3200" dirty="0">
-              <a:effectLst/>
-              <a:latin typeface="Calibri" panose="020F0502020204030204" pitchFamily="34" charset="0"/>
-              <a:ea typeface="Calibri" panose="020F0502020204030204" pitchFamily="34" charset="0"/>
-              <a:cs typeface="Times New Roman" panose="02020603050405020304" pitchFamily="18" charset="0"/>
-            </a:endParaRPr>
-          </a:p>
-        </p:txBody>
-      </p:sp>
+      </p:pic>
     </p:spTree>
     <p:extLst>
       <p:ext uri="{BB962C8B-B14F-4D97-AF65-F5344CB8AC3E}">
@@ -8454,120 +9875,195 @@
           </a:prstGeom>
         </p:spPr>
       </p:pic>
-      <p:sp>
-        <p:nvSpPr>
-          <p:cNvPr id="4" name="Title 3">
+      <p:pic>
+        <p:nvPicPr>
+          <p:cNvPr id="1028" name="Picture 4" descr="What is boilerplate and why do we use it? Necessity of coding style guide">
             <a:extLst>
               <a:ext uri="{FF2B5EF4-FFF2-40B4-BE49-F238E27FC236}">
-                <a16:creationId xmlns:a16="http://schemas.microsoft.com/office/drawing/2014/main" id="{29D87857-8B86-4E40-B4FD-6ECD4DA8BEC6}"/>
+                <a16:creationId xmlns:a16="http://schemas.microsoft.com/office/drawing/2014/main" id="{DE083DDF-18A6-FBF8-92C5-A9350AEF9F77}"/>
               </a:ext>
             </a:extLst>
           </p:cNvPr>
-          <p:cNvSpPr>
-            <a:spLocks noGrp="1"/>
-          </p:cNvSpPr>
-          <p:nvPr>
-            <p:ph type="ctrTitle"/>
-          </p:nvPr>
-        </p:nvSpPr>
-        <p:spPr>
-          <a:xfrm>
-            <a:off x="420888" y="838705"/>
-            <a:ext cx="11542512" cy="860893"/>
-          </a:xfrm>
-        </p:spPr>
-        <p:txBody>
-          <a:bodyPr/>
-          <a:lstStyle/>
-          <a:p>
-            <a:r>
-              <a:rPr lang="fr-BE" dirty="0"/>
-              <a:t>The Store</a:t>
-            </a:r>
-            <a:endParaRPr lang="en-BE" dirty="0"/>
-          </a:p>
-        </p:txBody>
-      </p:sp>
-      <p:sp>
-        <p:nvSpPr>
-          <p:cNvPr id="5" name="TextBox 4">
+          <p:cNvPicPr>
+            <a:picLocks noChangeAspect="1" noChangeArrowheads="1"/>
+          </p:cNvPicPr>
+          <p:nvPr/>
+        </p:nvPicPr>
+        <p:blipFill>
+          <a:blip r:embed="rId5">
             <a:extLst>
-              <a:ext uri="{FF2B5EF4-FFF2-40B4-BE49-F238E27FC236}">
-                <a16:creationId xmlns:a16="http://schemas.microsoft.com/office/drawing/2014/main" id="{F2056000-F73B-3E78-666F-F6A8397762EB}"/>
+              <a:ext uri="{28A0092B-C50C-407E-A947-70E740481C1C}">
+                <a14:useLocalDpi xmlns:a14="http://schemas.microsoft.com/office/drawing/2010/main" val="0"/>
               </a:ext>
             </a:extLst>
-          </p:cNvPr>
-          <p:cNvSpPr txBox="1"/>
-          <p:nvPr/>
-        </p:nvSpPr>
-        <p:spPr>
+          </a:blip>
+          <a:srcRect/>
+          <a:stretch>
+            <a:fillRect/>
+          </a:stretch>
+        </p:blipFill>
+        <p:spPr bwMode="auto">
           <a:xfrm>
-            <a:off x="256479" y="1988695"/>
-            <a:ext cx="11706921" cy="1122871"/>
+            <a:off x="2336877" y="838705"/>
+            <a:ext cx="7286626" cy="5464970"/>
           </a:xfrm>
           <a:prstGeom prst="rect">
             <a:avLst/>
           </a:prstGeom>
           <a:noFill/>
+          <a:extLst>
+            <a:ext uri="{909E8E84-426E-40DD-AFC4-6F175D3DCCD1}">
+              <a14:hiddenFill xmlns:a14="http://schemas.microsoft.com/office/drawing/2010/main">
+                <a:solidFill>
+                  <a:srgbClr val="FFFFFF"/>
+                </a:solidFill>
+              </a14:hiddenFill>
+            </a:ext>
+          </a:extLst>
         </p:spPr>
-        <p:txBody>
-          <a:bodyPr wrap="square" rtlCol="0">
-            <a:spAutoFit/>
-          </a:bodyPr>
-          <a:lstStyle/>
-          <a:p>
-            <a:pPr marL="342900" lvl="0" indent="-342900">
-              <a:lnSpc>
-                <a:spcPct val="107000"/>
-              </a:lnSpc>
-              <a:buFont typeface="Symbol" panose="05050102010706020507" pitchFamily="18" charset="2"/>
-              <a:buChar char=""/>
-            </a:pPr>
-            <a:r>
-              <a:rPr lang="en-US" sz="3200" dirty="0">
-                <a:effectLst/>
-                <a:latin typeface="Calibri" panose="020F0502020204030204" pitchFamily="34" charset="0"/>
-                <a:ea typeface="Calibri" panose="020F0502020204030204" pitchFamily="34" charset="0"/>
-                <a:cs typeface="Times New Roman" panose="02020603050405020304" pitchFamily="18" charset="0"/>
-              </a:rPr>
-              <a:t>Don’t store multiple copies of the same entity</a:t>
-            </a:r>
-          </a:p>
-          <a:p>
-            <a:pPr marL="342900" lvl="0" indent="-342900">
-              <a:lnSpc>
-                <a:spcPct val="107000"/>
-              </a:lnSpc>
-              <a:buFont typeface="Symbol" panose="05050102010706020507" pitchFamily="18" charset="2"/>
-              <a:buChar char=""/>
-            </a:pPr>
-            <a:r>
-              <a:rPr lang="en-US" sz="3200" dirty="0">
-                <a:latin typeface="Calibri" panose="020F0502020204030204" pitchFamily="34" charset="0"/>
-                <a:ea typeface="Calibri" panose="020F0502020204030204" pitchFamily="34" charset="0"/>
-                <a:cs typeface="Times New Roman" panose="02020603050405020304" pitchFamily="18" charset="0"/>
-              </a:rPr>
-              <a:t>Avoid deep nesting</a:t>
-            </a:r>
-            <a:endParaRPr lang="en-US" sz="3200" dirty="0">
-              <a:effectLst/>
-              <a:latin typeface="Calibri" panose="020F0502020204030204" pitchFamily="34" charset="0"/>
-              <a:ea typeface="Calibri" panose="020F0502020204030204" pitchFamily="34" charset="0"/>
-              <a:cs typeface="Times New Roman" panose="02020603050405020304" pitchFamily="18" charset="0"/>
-            </a:endParaRPr>
-          </a:p>
-        </p:txBody>
-      </p:sp>
+      </p:pic>
+      <p:pic>
+        <p:nvPicPr>
+          <p:cNvPr id="3" name="Picture 2">
+            <a:extLst>
+              <a:ext uri="{FF2B5EF4-FFF2-40B4-BE49-F238E27FC236}">
+                <a16:creationId xmlns:a16="http://schemas.microsoft.com/office/drawing/2014/main" id="{A1B5F787-1A62-6A68-09A2-F31F08EA511E}"/>
+              </a:ext>
+            </a:extLst>
+          </p:cNvPr>
+          <p:cNvPicPr>
+            <a:picLocks noChangeAspect="1"/>
+          </p:cNvPicPr>
+          <p:nvPr/>
+        </p:nvPicPr>
+        <p:blipFill>
+          <a:blip r:embed="rId6"/>
+          <a:stretch>
+            <a:fillRect/>
+          </a:stretch>
+        </p:blipFill>
+        <p:spPr>
+          <a:xfrm>
+            <a:off x="1039538" y="2282364"/>
+            <a:ext cx="9881304" cy="2293272"/>
+          </a:xfrm>
+          <a:prstGeom prst="rect">
+            <a:avLst/>
+          </a:prstGeom>
+        </p:spPr>
+      </p:pic>
     </p:spTree>
     <p:extLst>
       <p:ext uri="{BB962C8B-B14F-4D97-AF65-F5344CB8AC3E}">
-        <p14:creationId xmlns:p14="http://schemas.microsoft.com/office/powerpoint/2010/main" val="1168078752"/>
+        <p14:creationId xmlns:p14="http://schemas.microsoft.com/office/powerpoint/2010/main" val="1183045746"/>
       </p:ext>
     </p:extLst>
   </p:cSld>
   <p:clrMapOvr>
     <a:masterClrMapping/>
   </p:clrMapOvr>
+  <p:timing>
+    <p:tnLst>
+      <p:par>
+        <p:cTn id="1" dur="indefinite" restart="never" nodeType="tmRoot">
+          <p:childTnLst>
+            <p:seq concurrent="1" nextAc="seek">
+              <p:cTn id="2" dur="indefinite" nodeType="mainSeq">
+                <p:childTnLst>
+                  <p:par>
+                    <p:cTn id="3" fill="hold">
+                      <p:stCondLst>
+                        <p:cond delay="indefinite"/>
+                      </p:stCondLst>
+                      <p:childTnLst>
+                        <p:par>
+                          <p:cTn id="4" fill="hold">
+                            <p:stCondLst>
+                              <p:cond delay="0"/>
+                            </p:stCondLst>
+                            <p:childTnLst>
+                              <p:par>
+                                <p:cTn id="5" presetID="1" presetClass="entr" presetSubtype="0" fill="hold" nodeType="clickEffect">
+                                  <p:stCondLst>
+                                    <p:cond delay="0"/>
+                                  </p:stCondLst>
+                                  <p:childTnLst>
+                                    <p:set>
+                                      <p:cBhvr>
+                                        <p:cTn id="6" dur="1" fill="hold">
+                                          <p:stCondLst>
+                                            <p:cond delay="0"/>
+                                          </p:stCondLst>
+                                        </p:cTn>
+                                        <p:tgtEl>
+                                          <p:spTgt spid="3"/>
+                                        </p:tgtEl>
+                                        <p:attrNameLst>
+                                          <p:attrName>style.visibility</p:attrName>
+                                        </p:attrNameLst>
+                                      </p:cBhvr>
+                                      <p:to>
+                                        <p:strVal val="visible"/>
+                                      </p:to>
+                                    </p:set>
+                                  </p:childTnLst>
+                                </p:cTn>
+                              </p:par>
+                              <p:par>
+                                <p:cTn id="7" presetID="1" presetClass="exit" presetSubtype="0" fill="hold" nodeType="withEffect">
+                                  <p:stCondLst>
+                                    <p:cond delay="0"/>
+                                  </p:stCondLst>
+                                  <p:childTnLst>
+                                    <p:set>
+                                      <p:cBhvr>
+                                        <p:cTn id="8" dur="1" fill="hold">
+                                          <p:stCondLst>
+                                            <p:cond delay="0"/>
+                                          </p:stCondLst>
+                                        </p:cTn>
+                                        <p:tgtEl>
+                                          <p:spTgt spid="1028"/>
+                                        </p:tgtEl>
+                                        <p:attrNameLst>
+                                          <p:attrName>style.visibility</p:attrName>
+                                        </p:attrNameLst>
+                                      </p:cBhvr>
+                                      <p:to>
+                                        <p:strVal val="hidden"/>
+                                      </p:to>
+                                    </p:set>
+                                  </p:childTnLst>
+                                </p:cTn>
+                              </p:par>
+                            </p:childTnLst>
+                          </p:cTn>
+                        </p:par>
+                      </p:childTnLst>
+                    </p:cTn>
+                  </p:par>
+                </p:childTnLst>
+              </p:cTn>
+              <p:prevCondLst>
+                <p:cond evt="onPrev" delay="0">
+                  <p:tgtEl>
+                    <p:sldTgt/>
+                  </p:tgtEl>
+                </p:cond>
+              </p:prevCondLst>
+              <p:nextCondLst>
+                <p:cond evt="onNext" delay="0">
+                  <p:tgtEl>
+                    <p:sldTgt/>
+                  </p:tgtEl>
+                </p:cond>
+              </p:nextCondLst>
+            </p:seq>
+          </p:childTnLst>
+        </p:cTn>
+      </p:par>
+    </p:tnLst>
+  </p:timing>
 </p:sld>
 </file>
 
@@ -8624,51 +10120,6 @@
       </p:pic>
       <p:sp>
         <p:nvSpPr>
-          <p:cNvPr id="5" name="AutoShape 4" descr="Serverless Vs Containers Deploy Speeds">
-            <a:extLst>
-              <a:ext uri="{FF2B5EF4-FFF2-40B4-BE49-F238E27FC236}">
-                <a16:creationId xmlns:a16="http://schemas.microsoft.com/office/drawing/2014/main" id="{74838526-8A97-43C5-AA2E-50438D453F15}"/>
-              </a:ext>
-            </a:extLst>
-          </p:cNvPr>
-          <p:cNvSpPr>
-            <a:spLocks noChangeAspect="1" noChangeArrowheads="1"/>
-          </p:cNvSpPr>
-          <p:nvPr/>
-        </p:nvSpPr>
-        <p:spPr bwMode="auto">
-          <a:xfrm>
-            <a:off x="5943599" y="3276599"/>
-            <a:ext cx="2719137" cy="2719137"/>
-          </a:xfrm>
-          <a:prstGeom prst="rect">
-            <a:avLst/>
-          </a:prstGeom>
-          <a:noFill/>
-          <a:extLst>
-            <a:ext uri="{909E8E84-426E-40DD-AFC4-6F175D3DCCD1}">
-              <a14:hiddenFill xmlns:a14="http://schemas.microsoft.com/office/drawing/2010/main">
-                <a:solidFill>
-                  <a:srgbClr val="FFFFFF"/>
-                </a:solidFill>
-              </a14:hiddenFill>
-            </a:ext>
-          </a:extLst>
-        </p:spPr>
-        <p:txBody>
-          <a:bodyPr vert="horz" wrap="square" lIns="91440" tIns="45720" rIns="91440" bIns="45720" numCol="1" anchor="t" anchorCtr="0" compatLnSpc="1">
-            <a:prstTxWarp prst="textNoShape">
-              <a:avLst/>
-            </a:prstTxWarp>
-          </a:bodyPr>
-          <a:lstStyle/>
-          <a:p>
-            <a:endParaRPr lang="en-BE"/>
-          </a:p>
-        </p:txBody>
-      </p:sp>
-      <p:sp>
-        <p:nvSpPr>
           <p:cNvPr id="4" name="Title 3">
             <a:extLst>
               <a:ext uri="{FF2B5EF4-FFF2-40B4-BE49-F238E27FC236}">
@@ -8685,7 +10136,7 @@
         </p:nvSpPr>
         <p:spPr>
           <a:xfrm>
-            <a:off x="324744" y="2846152"/>
+            <a:off x="420888" y="838705"/>
             <a:ext cx="11542512" cy="860893"/>
           </a:xfrm>
         </p:spPr>
@@ -8695,16 +10146,243 @@
           <a:p>
             <a:r>
               <a:rPr lang="fr-BE" dirty="0"/>
-              <a:t>Questions?</a:t>
+              <a:t>Providers - NGRX</a:t>
             </a:r>
             <a:endParaRPr lang="en-BE" dirty="0"/>
+          </a:p>
+        </p:txBody>
+      </p:sp>
+      <p:sp>
+        <p:nvSpPr>
+          <p:cNvPr id="5" name="TextBox 4">
+            <a:extLst>
+              <a:ext uri="{FF2B5EF4-FFF2-40B4-BE49-F238E27FC236}">
+                <a16:creationId xmlns:a16="http://schemas.microsoft.com/office/drawing/2014/main" id="{F2056000-F73B-3E78-666F-F6A8397762EB}"/>
+              </a:ext>
+            </a:extLst>
+          </p:cNvPr>
+          <p:cNvSpPr txBox="1"/>
+          <p:nvPr/>
+        </p:nvSpPr>
+        <p:spPr>
+          <a:xfrm>
+            <a:off x="338683" y="1699598"/>
+            <a:ext cx="11706921" cy="595932"/>
+          </a:xfrm>
+          <a:prstGeom prst="rect">
+            <a:avLst/>
+          </a:prstGeom>
+          <a:noFill/>
+        </p:spPr>
+        <p:txBody>
+          <a:bodyPr wrap="square" rtlCol="0">
+            <a:spAutoFit/>
+          </a:bodyPr>
+          <a:lstStyle/>
+          <a:p>
+            <a:pPr marL="342900" indent="-342900">
+              <a:lnSpc>
+                <a:spcPct val="107000"/>
+              </a:lnSpc>
+              <a:buFont typeface="Symbol" panose="05050102010706020507" pitchFamily="18" charset="2"/>
+              <a:buChar char=""/>
+            </a:pPr>
+            <a:r>
+              <a:rPr lang="en-US" sz="3200" dirty="0">
+                <a:latin typeface="Calibri" panose="020F0502020204030204" pitchFamily="34" charset="0"/>
+                <a:ea typeface="Calibri" panose="020F0502020204030204" pitchFamily="34" charset="0"/>
+                <a:cs typeface="Times New Roman" panose="02020603050405020304" pitchFamily="18" charset="0"/>
+              </a:rPr>
+              <a:t>Issues?</a:t>
+            </a:r>
+          </a:p>
+        </p:txBody>
+      </p:sp>
+      <p:sp>
+        <p:nvSpPr>
+          <p:cNvPr id="7" name="TextBox 6">
+            <a:extLst>
+              <a:ext uri="{FF2B5EF4-FFF2-40B4-BE49-F238E27FC236}">
+                <a16:creationId xmlns:a16="http://schemas.microsoft.com/office/drawing/2014/main" id="{ED21ECD2-D9E4-349D-544C-CF7BFD7BAA9F}"/>
+              </a:ext>
+            </a:extLst>
+          </p:cNvPr>
+          <p:cNvSpPr txBox="1"/>
+          <p:nvPr/>
+        </p:nvSpPr>
+        <p:spPr>
+          <a:xfrm>
+            <a:off x="242539" y="2295530"/>
+            <a:ext cx="11706921" cy="4978671"/>
+          </a:xfrm>
+          <a:prstGeom prst="rect">
+            <a:avLst/>
+          </a:prstGeom>
+          <a:noFill/>
+        </p:spPr>
+        <p:txBody>
+          <a:bodyPr wrap="square" rtlCol="0">
+            <a:spAutoFit/>
+          </a:bodyPr>
+          <a:lstStyle/>
+          <a:p>
+            <a:pPr marL="800100" lvl="1" indent="-342900">
+              <a:lnSpc>
+                <a:spcPct val="107000"/>
+              </a:lnSpc>
+              <a:buFont typeface="Symbol" panose="05050102010706020507" pitchFamily="18" charset="2"/>
+              <a:buChar char=""/>
+            </a:pPr>
+            <a:r>
+              <a:rPr lang="en-US" sz="3200" b="1" i="0" dirty="0">
+                <a:effectLst/>
+                <a:latin typeface="system-ui"/>
+              </a:rPr>
+              <a:t>Do Not Mutate State</a:t>
+            </a:r>
+          </a:p>
+          <a:p>
+            <a:pPr marL="800100" lvl="1" indent="-342900">
+              <a:lnSpc>
+                <a:spcPct val="107000"/>
+              </a:lnSpc>
+              <a:buFont typeface="Symbol" panose="05050102010706020507" pitchFamily="18" charset="2"/>
+              <a:buChar char=""/>
+            </a:pPr>
+            <a:r>
+              <a:rPr lang="en-US" sz="3200" b="1" i="0" dirty="0">
+                <a:effectLst/>
+                <a:latin typeface="system-ui"/>
+              </a:rPr>
+              <a:t>Structure Files as Feature Folders with Single-File Logic</a:t>
+            </a:r>
+          </a:p>
+          <a:p>
+            <a:pPr marL="800100" lvl="1" indent="-342900">
+              <a:lnSpc>
+                <a:spcPct val="107000"/>
+              </a:lnSpc>
+              <a:buFont typeface="Symbol" panose="05050102010706020507" pitchFamily="18" charset="2"/>
+              <a:buChar char=""/>
+            </a:pPr>
+            <a:r>
+              <a:rPr lang="en-US" sz="3200" b="1" dirty="0">
+                <a:latin typeface="system-ui"/>
+              </a:rPr>
+              <a:t>Put as Much Logic as Possible in Reducers</a:t>
+            </a:r>
+          </a:p>
+          <a:p>
+            <a:pPr marL="800100" lvl="1" indent="-342900">
+              <a:lnSpc>
+                <a:spcPct val="107000"/>
+              </a:lnSpc>
+              <a:buFont typeface="Symbol" panose="05050102010706020507" pitchFamily="18" charset="2"/>
+              <a:buChar char=""/>
+            </a:pPr>
+            <a:r>
+              <a:rPr lang="en-US" sz="2800" b="1" i="0" dirty="0">
+                <a:effectLst/>
+                <a:latin typeface="system-ui"/>
+              </a:rPr>
+              <a:t>Organize State Structure Based on Data Types, Not Components</a:t>
+            </a:r>
+          </a:p>
+          <a:p>
+            <a:pPr marL="800100" lvl="1" indent="-342900">
+              <a:lnSpc>
+                <a:spcPct val="107000"/>
+              </a:lnSpc>
+              <a:buFont typeface="Symbol" panose="05050102010706020507" pitchFamily="18" charset="2"/>
+              <a:buChar char=""/>
+            </a:pPr>
+            <a:r>
+              <a:rPr lang="en-US" sz="3200" b="1" dirty="0">
+                <a:latin typeface="system-ui"/>
+              </a:rPr>
+              <a:t>Normalize Complex Nested/Relational State</a:t>
+            </a:r>
+          </a:p>
+          <a:p>
+            <a:pPr marL="800100" lvl="1" indent="-342900">
+              <a:lnSpc>
+                <a:spcPct val="107000"/>
+              </a:lnSpc>
+              <a:buFont typeface="Symbol" panose="05050102010706020507" pitchFamily="18" charset="2"/>
+              <a:buChar char=""/>
+            </a:pPr>
+            <a:r>
+              <a:rPr lang="en-US" sz="2800" b="1" i="0" dirty="0">
+                <a:effectLst/>
+                <a:latin typeface="system-ui"/>
+              </a:rPr>
+              <a:t>Keep State Minimal and Derive Additional Values</a:t>
+            </a:r>
+          </a:p>
+          <a:p>
+            <a:pPr marL="800100" lvl="1" indent="-342900">
+              <a:lnSpc>
+                <a:spcPct val="107000"/>
+              </a:lnSpc>
+              <a:buFont typeface="Symbol" panose="05050102010706020507" pitchFamily="18" charset="2"/>
+              <a:buChar char=""/>
+            </a:pPr>
+            <a:r>
+              <a:rPr lang="en-US" sz="2800" b="1" i="0" dirty="0">
+                <a:effectLst/>
+                <a:latin typeface="system-ui"/>
+              </a:rPr>
+              <a:t>Model Actions as Events, Not Setters</a:t>
+            </a:r>
+          </a:p>
+          <a:p>
+            <a:pPr marL="800100" lvl="1" indent="-342900">
+              <a:lnSpc>
+                <a:spcPct val="107000"/>
+              </a:lnSpc>
+              <a:buFont typeface="Symbol" panose="05050102010706020507" pitchFamily="18" charset="2"/>
+              <a:buChar char=""/>
+            </a:pPr>
+            <a:r>
+              <a:rPr lang="en-US" sz="2800" b="1" i="0" dirty="0">
+                <a:effectLst/>
+                <a:latin typeface="system-ui"/>
+              </a:rPr>
+              <a:t>Use Selector Functions to Read from Store State</a:t>
+            </a:r>
+          </a:p>
+          <a:p>
+            <a:pPr marL="800100" lvl="1" indent="-342900">
+              <a:lnSpc>
+                <a:spcPct val="107000"/>
+              </a:lnSpc>
+              <a:buFont typeface="Symbol" panose="05050102010706020507" pitchFamily="18" charset="2"/>
+              <a:buChar char=""/>
+            </a:pPr>
+            <a:endParaRPr lang="en-US" sz="2800" b="1" dirty="0">
+              <a:latin typeface="system-ui"/>
+            </a:endParaRPr>
+          </a:p>
+          <a:p>
+            <a:pPr marL="800100" lvl="1" indent="-342900">
+              <a:lnSpc>
+                <a:spcPct val="107000"/>
+              </a:lnSpc>
+              <a:buFont typeface="Symbol" panose="05050102010706020507" pitchFamily="18" charset="2"/>
+              <a:buChar char=""/>
+            </a:pPr>
+            <a:endParaRPr lang="en-US" sz="3200" dirty="0">
+              <a:latin typeface="Calibri" panose="020F0502020204030204" pitchFamily="34" charset="0"/>
+              <a:ea typeface="Calibri" panose="020F0502020204030204" pitchFamily="34" charset="0"/>
+              <a:cs typeface="Times New Roman" panose="02020603050405020304" pitchFamily="18" charset="0"/>
+            </a:endParaRPr>
           </a:p>
         </p:txBody>
       </p:sp>
     </p:spTree>
     <p:extLst>
       <p:ext uri="{BB962C8B-B14F-4D97-AF65-F5344CB8AC3E}">
-        <p14:creationId xmlns:p14="http://schemas.microsoft.com/office/powerpoint/2010/main" val="2992078847"/>
+        <p14:creationId xmlns:p14="http://schemas.microsoft.com/office/powerpoint/2010/main" val="3778187941"/>
       </p:ext>
     </p:extLst>
   </p:cSld>
@@ -8828,7 +10506,7 @@
         </p:nvSpPr>
         <p:spPr>
           <a:xfrm>
-            <a:off x="172343" y="1061957"/>
+            <a:off x="324744" y="2846152"/>
             <a:ext cx="11542512" cy="860893"/>
           </a:xfrm>
         </p:spPr>
@@ -8837,70 +10515,17 @@
           <a:lstStyle/>
           <a:p>
             <a:r>
-              <a:rPr lang="fr-BE" dirty="0" err="1"/>
-              <a:t>resources</a:t>
+              <a:rPr lang="fr-BE" dirty="0"/>
+              <a:t>Questions?</a:t>
             </a:r>
             <a:endParaRPr lang="en-BE" dirty="0"/>
-          </a:p>
-        </p:txBody>
-      </p:sp>
-      <p:sp>
-        <p:nvSpPr>
-          <p:cNvPr id="8" name="TextBox 7">
-            <a:extLst>
-              <a:ext uri="{FF2B5EF4-FFF2-40B4-BE49-F238E27FC236}">
-                <a16:creationId xmlns:a16="http://schemas.microsoft.com/office/drawing/2014/main" id="{E945BC42-63B2-9B21-BC68-C4B2B0C08A19}"/>
-              </a:ext>
-            </a:extLst>
-          </p:cNvPr>
-          <p:cNvSpPr txBox="1"/>
-          <p:nvPr/>
-        </p:nvSpPr>
-        <p:spPr>
-          <a:xfrm>
-            <a:off x="355384" y="2378988"/>
-            <a:ext cx="11664273" cy="1077218"/>
-          </a:xfrm>
-          <a:prstGeom prst="rect">
-            <a:avLst/>
-          </a:prstGeom>
-          <a:noFill/>
-        </p:spPr>
-        <p:txBody>
-          <a:bodyPr wrap="square" rtlCol="0">
-            <a:spAutoFit/>
-          </a:bodyPr>
-          <a:lstStyle/>
-          <a:p>
-            <a:pPr marL="457200" indent="-457200">
-              <a:buFont typeface="Arial" panose="020B0604020202020204" pitchFamily="34" charset="0"/>
-              <a:buChar char="•"/>
-            </a:pPr>
-            <a:r>
-              <a:rPr lang="en-US" sz="3200" dirty="0"/>
-              <a:t>Dan Abramov: </a:t>
-            </a:r>
-            <a:r>
-              <a:rPr lang="en-US" sz="3200" dirty="0">
-                <a:hlinkClick r:id="rId5"/>
-              </a:rPr>
-              <a:t>You Might Not Need Redux</a:t>
-            </a:r>
-            <a:endParaRPr lang="en-US" sz="3200" dirty="0"/>
-          </a:p>
-          <a:p>
-            <a:pPr marL="457200" indent="-457200">
-              <a:buFont typeface="Arial" panose="020B0604020202020204" pitchFamily="34" charset="0"/>
-              <a:buChar char="•"/>
-            </a:pPr>
-            <a:endParaRPr lang="en-BE" sz="3200" dirty="0"/>
           </a:p>
         </p:txBody>
       </p:sp>
     </p:spTree>
     <p:extLst>
       <p:ext uri="{BB962C8B-B14F-4D97-AF65-F5344CB8AC3E}">
-        <p14:creationId xmlns:p14="http://schemas.microsoft.com/office/powerpoint/2010/main" val="1569422120"/>
+        <p14:creationId xmlns:p14="http://schemas.microsoft.com/office/powerpoint/2010/main" val="2992078847"/>
       </p:ext>
     </p:extLst>
   </p:cSld>
@@ -9479,6 +11104,18 @@
 </Control>
 </file>
 
+<file path=customXml/item12.xml><?xml version="1.0" encoding="utf-8"?>
+<Control xmlns="http://schemas.microsoft.com/VisualStudio/2011/storyboarding/control">
+  <Id Name="fdd9b7ab-5c3f-4967-99ac-20e89b475fed" Revision="1" Stencil="System.MyShapes" StencilVersion="1.0"/>
+</Control>
+</file>
+
+<file path=customXml/item13.xml><?xml version="1.0" encoding="utf-8"?>
+<Control xmlns="http://schemas.microsoft.com/VisualStudio/2011/storyboarding/control">
+  <Id Name="fdd9b7ab-5c3f-4967-99ac-20e89b475fed" Revision="1" Stencil="System.MyShapes" StencilVersion="1.0"/>
+</Control>
+</file>
+
 <file path=customXml/item2.xml><?xml version="1.0" encoding="utf-8"?>
 <Control xmlns="http://schemas.microsoft.com/VisualStudio/2011/storyboarding/control">
   <Id Name="fdd9b7ab-5c3f-4967-99ac-20e89b475fed" Revision="1" Stencil="System.MyShapes" StencilVersion="1.0"/>
@@ -9551,6 +11188,22 @@
 </ds:datastoreItem>
 </file>
 
+<file path=customXml/itemProps12.xml><?xml version="1.0" encoding="utf-8"?>
+<ds:datastoreItem xmlns:ds="http://schemas.openxmlformats.org/officeDocument/2006/customXml" ds:itemID="{3077928C-1211-4AFF-8051-8F9730E06D41}">
+  <ds:schemaRefs>
+    <ds:schemaRef ds:uri="http://schemas.microsoft.com/VisualStudio/2011/storyboarding/control"/>
+  </ds:schemaRefs>
+</ds:datastoreItem>
+</file>
+
+<file path=customXml/itemProps13.xml><?xml version="1.0" encoding="utf-8"?>
+<ds:datastoreItem xmlns:ds="http://schemas.openxmlformats.org/officeDocument/2006/customXml" ds:itemID="{37DFCA95-38E1-422A-83DB-FB055F0B45EC}">
+  <ds:schemaRefs>
+    <ds:schemaRef ds:uri="http://schemas.microsoft.com/VisualStudio/2011/storyboarding/control"/>
+  </ds:schemaRefs>
+</ds:datastoreItem>
+</file>
+
 <file path=customXml/itemProps2.xml><?xml version="1.0" encoding="utf-8"?>
 <ds:datastoreItem xmlns:ds="http://schemas.openxmlformats.org/officeDocument/2006/customXml" ds:itemID="{83121EFB-4893-415B-B7BD-F940E893B2BD}">
   <ds:schemaRefs>

--- a/Redux.pptx
+++ b/Redux.pptx
@@ -10154,52 +10154,6 @@
       </p:sp>
       <p:sp>
         <p:nvSpPr>
-          <p:cNvPr id="5" name="TextBox 4">
-            <a:extLst>
-              <a:ext uri="{FF2B5EF4-FFF2-40B4-BE49-F238E27FC236}">
-                <a16:creationId xmlns:a16="http://schemas.microsoft.com/office/drawing/2014/main" id="{F2056000-F73B-3E78-666F-F6A8397762EB}"/>
-              </a:ext>
-            </a:extLst>
-          </p:cNvPr>
-          <p:cNvSpPr txBox="1"/>
-          <p:nvPr/>
-        </p:nvSpPr>
-        <p:spPr>
-          <a:xfrm>
-            <a:off x="338683" y="1699598"/>
-            <a:ext cx="11706921" cy="595932"/>
-          </a:xfrm>
-          <a:prstGeom prst="rect">
-            <a:avLst/>
-          </a:prstGeom>
-          <a:noFill/>
-        </p:spPr>
-        <p:txBody>
-          <a:bodyPr wrap="square" rtlCol="0">
-            <a:spAutoFit/>
-          </a:bodyPr>
-          <a:lstStyle/>
-          <a:p>
-            <a:pPr marL="342900" indent="-342900">
-              <a:lnSpc>
-                <a:spcPct val="107000"/>
-              </a:lnSpc>
-              <a:buFont typeface="Symbol" panose="05050102010706020507" pitchFamily="18" charset="2"/>
-              <a:buChar char=""/>
-            </a:pPr>
-            <a:r>
-              <a:rPr lang="en-US" sz="3200" dirty="0">
-                <a:latin typeface="Calibri" panose="020F0502020204030204" pitchFamily="34" charset="0"/>
-                <a:ea typeface="Calibri" panose="020F0502020204030204" pitchFamily="34" charset="0"/>
-                <a:cs typeface="Times New Roman" panose="02020603050405020304" pitchFamily="18" charset="0"/>
-              </a:rPr>
-              <a:t>Issues?</a:t>
-            </a:r>
-          </a:p>
-        </p:txBody>
-      </p:sp>
-      <p:sp>
-        <p:nvSpPr>
           <p:cNvPr id="7" name="TextBox 6">
             <a:extLst>
               <a:ext uri="{FF2B5EF4-FFF2-40B4-BE49-F238E27FC236}">
@@ -10212,8 +10166,8 @@
         </p:nvSpPr>
         <p:spPr>
           <a:xfrm>
-            <a:off x="242539" y="2295530"/>
-            <a:ext cx="11706921" cy="4978671"/>
+            <a:off x="228600" y="1804877"/>
+            <a:ext cx="11706921" cy="4484754"/>
           </a:xfrm>
           <a:prstGeom prst="rect">
             <a:avLst/>
@@ -10359,22 +10313,15 @@
               <a:buFont typeface="Symbol" panose="05050102010706020507" pitchFamily="18" charset="2"/>
               <a:buChar char=""/>
             </a:pPr>
-            <a:endParaRPr lang="en-US" sz="2800" b="1" dirty="0">
+            <a:r>
+              <a:rPr lang="en-US" sz="2800" b="1" dirty="0">
+                <a:latin typeface="system-ui"/>
+              </a:rPr>
+              <a:t>Single Source Of Truth</a:t>
+            </a:r>
+            <a:endParaRPr lang="en-US" sz="2800" b="1" i="0" dirty="0">
+              <a:effectLst/>
               <a:latin typeface="system-ui"/>
-            </a:endParaRPr>
-          </a:p>
-          <a:p>
-            <a:pPr marL="800100" lvl="1" indent="-342900">
-              <a:lnSpc>
-                <a:spcPct val="107000"/>
-              </a:lnSpc>
-              <a:buFont typeface="Symbol" panose="05050102010706020507" pitchFamily="18" charset="2"/>
-              <a:buChar char=""/>
-            </a:pPr>
-            <a:endParaRPr lang="en-US" sz="3200" dirty="0">
-              <a:latin typeface="Calibri" panose="020F0502020204030204" pitchFamily="34" charset="0"/>
-              <a:ea typeface="Calibri" panose="020F0502020204030204" pitchFamily="34" charset="0"/>
-              <a:cs typeface="Times New Roman" panose="02020603050405020304" pitchFamily="18" charset="0"/>
             </a:endParaRPr>
           </a:p>
         </p:txBody>
@@ -11165,6 +11112,62 @@
 </file>
 
 <file path=customXml/itemProps1.xml><?xml version="1.0" encoding="utf-8"?>
+<ds:datastoreItem xmlns:ds="http://schemas.openxmlformats.org/officeDocument/2006/customXml" ds:itemID="{8A1C2287-9A0E-4847-B77E-255123AED349}">
+  <ds:schemaRefs>
+    <ds:schemaRef ds:uri="http://schemas.microsoft.com/VisualStudio/2011/storyboarding/control"/>
+  </ds:schemaRefs>
+</ds:datastoreItem>
+</file>
+
+<file path=customXml/itemProps10.xml><?xml version="1.0" encoding="utf-8"?>
+<ds:datastoreItem xmlns:ds="http://schemas.openxmlformats.org/officeDocument/2006/customXml" ds:itemID="{7B3F9982-7FBE-426F-9BC0-54899A3B74DF}">
+  <ds:schemaRefs>
+    <ds:schemaRef ds:uri="http://schemas.microsoft.com/VisualStudio/2011/storyboarding/control"/>
+  </ds:schemaRefs>
+</ds:datastoreItem>
+</file>
+
+<file path=customXml/itemProps11.xml><?xml version="1.0" encoding="utf-8"?>
+<ds:datastoreItem xmlns:ds="http://schemas.openxmlformats.org/officeDocument/2006/customXml" ds:itemID="{9BB7D7D8-3A2C-4B0D-95EB-FA326AB44D8F}">
+  <ds:schemaRefs>
+    <ds:schemaRef ds:uri="http://schemas.microsoft.com/VisualStudio/2011/storyboarding/control"/>
+  </ds:schemaRefs>
+</ds:datastoreItem>
+</file>
+
+<file path=customXml/itemProps12.xml><?xml version="1.0" encoding="utf-8"?>
+<ds:datastoreItem xmlns:ds="http://schemas.openxmlformats.org/officeDocument/2006/customXml" ds:itemID="{37DFCA95-38E1-422A-83DB-FB055F0B45EC}">
+  <ds:schemaRefs>
+    <ds:schemaRef ds:uri="http://schemas.microsoft.com/VisualStudio/2011/storyboarding/control"/>
+  </ds:schemaRefs>
+</ds:datastoreItem>
+</file>
+
+<file path=customXml/itemProps13.xml><?xml version="1.0" encoding="utf-8"?>
+<ds:datastoreItem xmlns:ds="http://schemas.openxmlformats.org/officeDocument/2006/customXml" ds:itemID="{F25BAA23-CA26-4303-8A25-F7FEF657A844}">
+  <ds:schemaRefs>
+    <ds:schemaRef ds:uri="http://schemas.microsoft.com/VisualStudio/2011/storyboarding/control"/>
+  </ds:schemaRefs>
+</ds:datastoreItem>
+</file>
+
+<file path=customXml/itemProps2.xml><?xml version="1.0" encoding="utf-8"?>
+<ds:datastoreItem xmlns:ds="http://schemas.openxmlformats.org/officeDocument/2006/customXml" ds:itemID="{3077928C-1211-4AFF-8051-8F9730E06D41}">
+  <ds:schemaRefs>
+    <ds:schemaRef ds:uri="http://schemas.microsoft.com/VisualStudio/2011/storyboarding/control"/>
+  </ds:schemaRefs>
+</ds:datastoreItem>
+</file>
+
+<file path=customXml/itemProps3.xml><?xml version="1.0" encoding="utf-8"?>
+<ds:datastoreItem xmlns:ds="http://schemas.openxmlformats.org/officeDocument/2006/customXml" ds:itemID="{83121EFB-4893-415B-B7BD-F940E893B2BD}">
+  <ds:schemaRefs>
+    <ds:schemaRef ds:uri="http://schemas.microsoft.com/VisualStudio/2011/storyboarding/control"/>
+  </ds:schemaRefs>
+</ds:datastoreItem>
+</file>
+
+<file path=customXml/itemProps4.xml><?xml version="1.0" encoding="utf-8"?>
 <ds:datastoreItem xmlns:ds="http://schemas.openxmlformats.org/officeDocument/2006/customXml" ds:itemID="{602A176D-DD9A-4555-ABCE-0CAAEBDBAF6D}">
   <ds:schemaRefs>
     <ds:schemaRef ds:uri="http://schemas.microsoft.com/VisualStudio/2011/storyboarding/control"/>
@@ -11172,7 +11175,31 @@
 </ds:datastoreItem>
 </file>
 
-<file path=customXml/itemProps10.xml><?xml version="1.0" encoding="utf-8"?>
+<file path=customXml/itemProps5.xml><?xml version="1.0" encoding="utf-8"?>
+<ds:datastoreItem xmlns:ds="http://schemas.openxmlformats.org/officeDocument/2006/customXml" ds:itemID="{904F09AE-A24F-4F40-A827-5D2BB35EF6D8}">
+  <ds:schemaRefs>
+    <ds:schemaRef ds:uri="http://schemas.microsoft.com/VisualStudio/2011/storyboarding/control"/>
+  </ds:schemaRefs>
+</ds:datastoreItem>
+</file>
+
+<file path=customXml/itemProps6.xml><?xml version="1.0" encoding="utf-8"?>
+<ds:datastoreItem xmlns:ds="http://schemas.openxmlformats.org/officeDocument/2006/customXml" ds:itemID="{6451BAD5-41AB-4C51-BEE5-590F39975AFB}">
+  <ds:schemaRefs>
+    <ds:schemaRef ds:uri="http://schemas.microsoft.com/VisualStudio/2011/storyboarding/control"/>
+  </ds:schemaRefs>
+</ds:datastoreItem>
+</file>
+
+<file path=customXml/itemProps7.xml><?xml version="1.0" encoding="utf-8"?>
+<ds:datastoreItem xmlns:ds="http://schemas.openxmlformats.org/officeDocument/2006/customXml" ds:itemID="{758C107C-C448-4241-AE9D-66B5C2D662A6}">
+  <ds:schemaRefs>
+    <ds:schemaRef ds:uri="http://schemas.microsoft.com/VisualStudio/2011/storyboarding/control"/>
+  </ds:schemaRefs>
+</ds:datastoreItem>
+</file>
+
+<file path=customXml/itemProps8.xml><?xml version="1.0" encoding="utf-8"?>
 <ds:datastoreItem xmlns:ds="http://schemas.openxmlformats.org/officeDocument/2006/customXml" ds:itemID="{6D07BE54-C08A-4A00-A052-09AA9FE91835}">
   <ds:schemaRefs>
     <ds:schemaRef ds:uri="http://schemas.microsoft.com/VisualStudio/2011/storyboarding/control"/>
@@ -11180,90 +11207,10 @@
 </ds:datastoreItem>
 </file>
 
-<file path=customXml/itemProps11.xml><?xml version="1.0" encoding="utf-8"?>
-<ds:datastoreItem xmlns:ds="http://schemas.openxmlformats.org/officeDocument/2006/customXml" ds:itemID="{6451BAD5-41AB-4C51-BEE5-590F39975AFB}">
-  <ds:schemaRefs>
-    <ds:schemaRef ds:uri="http://schemas.microsoft.com/VisualStudio/2011/storyboarding/control"/>
-  </ds:schemaRefs>
-</ds:datastoreItem>
-</file>
-
-<file path=customXml/itemProps12.xml><?xml version="1.0" encoding="utf-8"?>
-<ds:datastoreItem xmlns:ds="http://schemas.openxmlformats.org/officeDocument/2006/customXml" ds:itemID="{3077928C-1211-4AFF-8051-8F9730E06D41}">
-  <ds:schemaRefs>
-    <ds:schemaRef ds:uri="http://schemas.microsoft.com/VisualStudio/2011/storyboarding/control"/>
-  </ds:schemaRefs>
-</ds:datastoreItem>
-</file>
-
-<file path=customXml/itemProps13.xml><?xml version="1.0" encoding="utf-8"?>
-<ds:datastoreItem xmlns:ds="http://schemas.openxmlformats.org/officeDocument/2006/customXml" ds:itemID="{37DFCA95-38E1-422A-83DB-FB055F0B45EC}">
-  <ds:schemaRefs>
-    <ds:schemaRef ds:uri="http://schemas.microsoft.com/VisualStudio/2011/storyboarding/control"/>
-  </ds:schemaRefs>
-</ds:datastoreItem>
-</file>
-
-<file path=customXml/itemProps2.xml><?xml version="1.0" encoding="utf-8"?>
-<ds:datastoreItem xmlns:ds="http://schemas.openxmlformats.org/officeDocument/2006/customXml" ds:itemID="{83121EFB-4893-415B-B7BD-F940E893B2BD}">
-  <ds:schemaRefs>
-    <ds:schemaRef ds:uri="http://schemas.microsoft.com/VisualStudio/2011/storyboarding/control"/>
-  </ds:schemaRefs>
-</ds:datastoreItem>
-</file>
-
-<file path=customXml/itemProps3.xml><?xml version="1.0" encoding="utf-8"?>
-<ds:datastoreItem xmlns:ds="http://schemas.openxmlformats.org/officeDocument/2006/customXml" ds:itemID="{F25BAA23-CA26-4303-8A25-F7FEF657A844}">
-  <ds:schemaRefs>
-    <ds:schemaRef ds:uri="http://schemas.microsoft.com/VisualStudio/2011/storyboarding/control"/>
-  </ds:schemaRefs>
-</ds:datastoreItem>
-</file>
-
-<file path=customXml/itemProps4.xml><?xml version="1.0" encoding="utf-8"?>
+<file path=customXml/itemProps9.xml><?xml version="1.0" encoding="utf-8"?>
 <ds:datastoreItem xmlns:ds="http://schemas.openxmlformats.org/officeDocument/2006/customXml" ds:itemID="{C9A349EB-25C0-432F-BCC6-B672C9EAA1C2}">
   <ds:schemaRefs>
     <ds:schemaRef ds:uri="http://schemas.microsoft.com/VisualStudio/2011/storyboarding/control"/>
   </ds:schemaRefs>
 </ds:datastoreItem>
-</file>
-
-<file path=customXml/itemProps5.xml><?xml version="1.0" encoding="utf-8"?>
-<ds:datastoreItem xmlns:ds="http://schemas.openxmlformats.org/officeDocument/2006/customXml" ds:itemID="{758C107C-C448-4241-AE9D-66B5C2D662A6}">
-  <ds:schemaRefs>
-    <ds:schemaRef ds:uri="http://schemas.microsoft.com/VisualStudio/2011/storyboarding/control"/>
-  </ds:schemaRefs>
-</ds:datastoreItem>
-</file>
-
-<file path=customXml/itemProps6.xml><?xml version="1.0" encoding="utf-8"?>
-<ds:datastoreItem xmlns:ds="http://schemas.openxmlformats.org/officeDocument/2006/customXml" ds:itemID="{904F09AE-A24F-4F40-A827-5D2BB35EF6D8}">
-  <ds:schemaRefs>
-    <ds:schemaRef ds:uri="http://schemas.microsoft.com/VisualStudio/2011/storyboarding/control"/>
-  </ds:schemaRefs>
-</ds:datastoreItem>
-</file>
-
-<file path=customXml/itemProps7.xml><?xml version="1.0" encoding="utf-8"?>
-<ds:datastoreItem xmlns:ds="http://schemas.openxmlformats.org/officeDocument/2006/customXml" ds:itemID="{8A1C2287-9A0E-4847-B77E-255123AED349}">
-  <ds:schemaRefs>
-    <ds:schemaRef ds:uri="http://schemas.microsoft.com/VisualStudio/2011/storyboarding/control"/>
-  </ds:schemaRefs>
-</ds:datastoreItem>
-</file>
-
-<file path=customXml/itemProps8.xml><?xml version="1.0" encoding="utf-8"?>
-<ds:datastoreItem xmlns:ds="http://schemas.openxmlformats.org/officeDocument/2006/customXml" ds:itemID="{9BB7D7D8-3A2C-4B0D-95EB-FA326AB44D8F}">
-  <ds:schemaRefs>
-    <ds:schemaRef ds:uri="http://schemas.microsoft.com/VisualStudio/2011/storyboarding/control"/>
-  </ds:schemaRefs>
-</ds:datastoreItem>
-</file>
-
-<file path=customXml/itemProps9.xml><?xml version="1.0" encoding="utf-8"?>
-<ds:datastoreItem xmlns:ds="http://schemas.openxmlformats.org/officeDocument/2006/customXml" ds:itemID="{7B3F9982-7FBE-426F-9BC0-54899A3B74DF}">
-  <ds:schemaRefs>
-    <ds:schemaRef ds:uri="http://schemas.microsoft.com/VisualStudio/2011/storyboarding/control"/>
-  </ds:schemaRefs>
-</ds:datastoreItem>
 </file>
--- a/Redux.pptx
+++ b/Redux.pptx
@@ -8268,7 +8268,7 @@
         <p:spPr>
           <a:xfrm>
             <a:off x="355384" y="2378988"/>
-            <a:ext cx="11664273" cy="1569660"/>
+            <a:ext cx="11664273" cy="2062103"/>
           </a:xfrm>
           <a:prstGeom prst="rect">
             <a:avLst/>
@@ -8307,6 +8307,23 @@
                 <a:hlinkClick r:id="rId6"/>
               </a:rPr>
               <a:t>Redux Style Guide</a:t>
+            </a:r>
+            <a:endParaRPr lang="en-US" sz="3200" dirty="0"/>
+          </a:p>
+          <a:p>
+            <a:pPr marL="457200" indent="-457200">
+              <a:buFont typeface="Arial" panose="020B0604020202020204" pitchFamily="34" charset="0"/>
+              <a:buChar char="•"/>
+            </a:pPr>
+            <a:r>
+              <a:rPr lang="en-US" sz="3200" dirty="0"/>
+              <a:t>Successor of Akita: </a:t>
+            </a:r>
+            <a:r>
+              <a:rPr lang="en-US" sz="3200" dirty="0">
+                <a:hlinkClick r:id="rId7"/>
+              </a:rPr>
+              <a:t>Elf</a:t>
             </a:r>
             <a:endParaRPr lang="en-US" sz="3200" dirty="0"/>
           </a:p>
@@ -11112,6 +11129,62 @@
 </file>
 
 <file path=customXml/itemProps1.xml><?xml version="1.0" encoding="utf-8"?>
+<ds:datastoreItem xmlns:ds="http://schemas.openxmlformats.org/officeDocument/2006/customXml" ds:itemID="{758C107C-C448-4241-AE9D-66B5C2D662A6}">
+  <ds:schemaRefs>
+    <ds:schemaRef ds:uri="http://schemas.microsoft.com/VisualStudio/2011/storyboarding/control"/>
+  </ds:schemaRefs>
+</ds:datastoreItem>
+</file>
+
+<file path=customXml/itemProps10.xml><?xml version="1.0" encoding="utf-8"?>
+<ds:datastoreItem xmlns:ds="http://schemas.openxmlformats.org/officeDocument/2006/customXml" ds:itemID="{C9A349EB-25C0-432F-BCC6-B672C9EAA1C2}">
+  <ds:schemaRefs>
+    <ds:schemaRef ds:uri="http://schemas.microsoft.com/VisualStudio/2011/storyboarding/control"/>
+  </ds:schemaRefs>
+</ds:datastoreItem>
+</file>
+
+<file path=customXml/itemProps11.xml><?xml version="1.0" encoding="utf-8"?>
+<ds:datastoreItem xmlns:ds="http://schemas.openxmlformats.org/officeDocument/2006/customXml" ds:itemID="{6D07BE54-C08A-4A00-A052-09AA9FE91835}">
+  <ds:schemaRefs>
+    <ds:schemaRef ds:uri="http://schemas.microsoft.com/VisualStudio/2011/storyboarding/control"/>
+  </ds:schemaRefs>
+</ds:datastoreItem>
+</file>
+
+<file path=customXml/itemProps12.xml><?xml version="1.0" encoding="utf-8"?>
+<ds:datastoreItem xmlns:ds="http://schemas.openxmlformats.org/officeDocument/2006/customXml" ds:itemID="{F25BAA23-CA26-4303-8A25-F7FEF657A844}">
+  <ds:schemaRefs>
+    <ds:schemaRef ds:uri="http://schemas.microsoft.com/VisualStudio/2011/storyboarding/control"/>
+  </ds:schemaRefs>
+</ds:datastoreItem>
+</file>
+
+<file path=customXml/itemProps13.xml><?xml version="1.0" encoding="utf-8"?>
+<ds:datastoreItem xmlns:ds="http://schemas.openxmlformats.org/officeDocument/2006/customXml" ds:itemID="{83121EFB-4893-415B-B7BD-F940E893B2BD}">
+  <ds:schemaRefs>
+    <ds:schemaRef ds:uri="http://schemas.microsoft.com/VisualStudio/2011/storyboarding/control"/>
+  </ds:schemaRefs>
+</ds:datastoreItem>
+</file>
+
+<file path=customXml/itemProps2.xml><?xml version="1.0" encoding="utf-8"?>
+<ds:datastoreItem xmlns:ds="http://schemas.openxmlformats.org/officeDocument/2006/customXml" ds:itemID="{37DFCA95-38E1-422A-83DB-FB055F0B45EC}">
+  <ds:schemaRefs>
+    <ds:schemaRef ds:uri="http://schemas.microsoft.com/VisualStudio/2011/storyboarding/control"/>
+  </ds:schemaRefs>
+</ds:datastoreItem>
+</file>
+
+<file path=customXml/itemProps3.xml><?xml version="1.0" encoding="utf-8"?>
+<ds:datastoreItem xmlns:ds="http://schemas.openxmlformats.org/officeDocument/2006/customXml" ds:itemID="{3077928C-1211-4AFF-8051-8F9730E06D41}">
+  <ds:schemaRefs>
+    <ds:schemaRef ds:uri="http://schemas.microsoft.com/VisualStudio/2011/storyboarding/control"/>
+  </ds:schemaRefs>
+</ds:datastoreItem>
+</file>
+
+<file path=customXml/itemProps4.xml><?xml version="1.0" encoding="utf-8"?>
 <ds:datastoreItem xmlns:ds="http://schemas.openxmlformats.org/officeDocument/2006/customXml" ds:itemID="{8A1C2287-9A0E-4847-B77E-255123AED349}">
   <ds:schemaRefs>
     <ds:schemaRef ds:uri="http://schemas.microsoft.com/VisualStudio/2011/storyboarding/control"/>
@@ -11119,7 +11192,31 @@
 </ds:datastoreItem>
 </file>
 
-<file path=customXml/itemProps10.xml><?xml version="1.0" encoding="utf-8"?>
+<file path=customXml/itemProps5.xml><?xml version="1.0" encoding="utf-8"?>
+<ds:datastoreItem xmlns:ds="http://schemas.openxmlformats.org/officeDocument/2006/customXml" ds:itemID="{6451BAD5-41AB-4C51-BEE5-590F39975AFB}">
+  <ds:schemaRefs>
+    <ds:schemaRef ds:uri="http://schemas.microsoft.com/VisualStudio/2011/storyboarding/control"/>
+  </ds:schemaRefs>
+</ds:datastoreItem>
+</file>
+
+<file path=customXml/itemProps6.xml><?xml version="1.0" encoding="utf-8"?>
+<ds:datastoreItem xmlns:ds="http://schemas.openxmlformats.org/officeDocument/2006/customXml" ds:itemID="{9BB7D7D8-3A2C-4B0D-95EB-FA326AB44D8F}">
+  <ds:schemaRefs>
+    <ds:schemaRef ds:uri="http://schemas.microsoft.com/VisualStudio/2011/storyboarding/control"/>
+  </ds:schemaRefs>
+</ds:datastoreItem>
+</file>
+
+<file path=customXml/itemProps7.xml><?xml version="1.0" encoding="utf-8"?>
+<ds:datastoreItem xmlns:ds="http://schemas.openxmlformats.org/officeDocument/2006/customXml" ds:itemID="{904F09AE-A24F-4F40-A827-5D2BB35EF6D8}">
+  <ds:schemaRefs>
+    <ds:schemaRef ds:uri="http://schemas.microsoft.com/VisualStudio/2011/storyboarding/control"/>
+  </ds:schemaRefs>
+</ds:datastoreItem>
+</file>
+
+<file path=customXml/itemProps8.xml><?xml version="1.0" encoding="utf-8"?>
 <ds:datastoreItem xmlns:ds="http://schemas.openxmlformats.org/officeDocument/2006/customXml" ds:itemID="{7B3F9982-7FBE-426F-9BC0-54899A3B74DF}">
   <ds:schemaRefs>
     <ds:schemaRef ds:uri="http://schemas.microsoft.com/VisualStudio/2011/storyboarding/control"/>
@@ -11127,90 +11224,10 @@
 </ds:datastoreItem>
 </file>
 
-<file path=customXml/itemProps11.xml><?xml version="1.0" encoding="utf-8"?>
-<ds:datastoreItem xmlns:ds="http://schemas.openxmlformats.org/officeDocument/2006/customXml" ds:itemID="{9BB7D7D8-3A2C-4B0D-95EB-FA326AB44D8F}">
-  <ds:schemaRefs>
-    <ds:schemaRef ds:uri="http://schemas.microsoft.com/VisualStudio/2011/storyboarding/control"/>
-  </ds:schemaRefs>
-</ds:datastoreItem>
-</file>
-
-<file path=customXml/itemProps12.xml><?xml version="1.0" encoding="utf-8"?>
-<ds:datastoreItem xmlns:ds="http://schemas.openxmlformats.org/officeDocument/2006/customXml" ds:itemID="{37DFCA95-38E1-422A-83DB-FB055F0B45EC}">
-  <ds:schemaRefs>
-    <ds:schemaRef ds:uri="http://schemas.microsoft.com/VisualStudio/2011/storyboarding/control"/>
-  </ds:schemaRefs>
-</ds:datastoreItem>
-</file>
-
-<file path=customXml/itemProps13.xml><?xml version="1.0" encoding="utf-8"?>
-<ds:datastoreItem xmlns:ds="http://schemas.openxmlformats.org/officeDocument/2006/customXml" ds:itemID="{F25BAA23-CA26-4303-8A25-F7FEF657A844}">
-  <ds:schemaRefs>
-    <ds:schemaRef ds:uri="http://schemas.microsoft.com/VisualStudio/2011/storyboarding/control"/>
-  </ds:schemaRefs>
-</ds:datastoreItem>
-</file>
-
-<file path=customXml/itemProps2.xml><?xml version="1.0" encoding="utf-8"?>
-<ds:datastoreItem xmlns:ds="http://schemas.openxmlformats.org/officeDocument/2006/customXml" ds:itemID="{3077928C-1211-4AFF-8051-8F9730E06D41}">
-  <ds:schemaRefs>
-    <ds:schemaRef ds:uri="http://schemas.microsoft.com/VisualStudio/2011/storyboarding/control"/>
-  </ds:schemaRefs>
-</ds:datastoreItem>
-</file>
-
-<file path=customXml/itemProps3.xml><?xml version="1.0" encoding="utf-8"?>
-<ds:datastoreItem xmlns:ds="http://schemas.openxmlformats.org/officeDocument/2006/customXml" ds:itemID="{83121EFB-4893-415B-B7BD-F940E893B2BD}">
-  <ds:schemaRefs>
-    <ds:schemaRef ds:uri="http://schemas.microsoft.com/VisualStudio/2011/storyboarding/control"/>
-  </ds:schemaRefs>
-</ds:datastoreItem>
-</file>
-
-<file path=customXml/itemProps4.xml><?xml version="1.0" encoding="utf-8"?>
+<file path=customXml/itemProps9.xml><?xml version="1.0" encoding="utf-8"?>
 <ds:datastoreItem xmlns:ds="http://schemas.openxmlformats.org/officeDocument/2006/customXml" ds:itemID="{602A176D-DD9A-4555-ABCE-0CAAEBDBAF6D}">
   <ds:schemaRefs>
     <ds:schemaRef ds:uri="http://schemas.microsoft.com/VisualStudio/2011/storyboarding/control"/>
   </ds:schemaRefs>
 </ds:datastoreItem>
-</file>
-
-<file path=customXml/itemProps5.xml><?xml version="1.0" encoding="utf-8"?>
-<ds:datastoreItem xmlns:ds="http://schemas.openxmlformats.org/officeDocument/2006/customXml" ds:itemID="{904F09AE-A24F-4F40-A827-5D2BB35EF6D8}">
-  <ds:schemaRefs>
-    <ds:schemaRef ds:uri="http://schemas.microsoft.com/VisualStudio/2011/storyboarding/control"/>
-  </ds:schemaRefs>
-</ds:datastoreItem>
-</file>
-
-<file path=customXml/itemProps6.xml><?xml version="1.0" encoding="utf-8"?>
-<ds:datastoreItem xmlns:ds="http://schemas.openxmlformats.org/officeDocument/2006/customXml" ds:itemID="{6451BAD5-41AB-4C51-BEE5-590F39975AFB}">
-  <ds:schemaRefs>
-    <ds:schemaRef ds:uri="http://schemas.microsoft.com/VisualStudio/2011/storyboarding/control"/>
-  </ds:schemaRefs>
-</ds:datastoreItem>
-</file>
-
-<file path=customXml/itemProps7.xml><?xml version="1.0" encoding="utf-8"?>
-<ds:datastoreItem xmlns:ds="http://schemas.openxmlformats.org/officeDocument/2006/customXml" ds:itemID="{758C107C-C448-4241-AE9D-66B5C2D662A6}">
-  <ds:schemaRefs>
-    <ds:schemaRef ds:uri="http://schemas.microsoft.com/VisualStudio/2011/storyboarding/control"/>
-  </ds:schemaRefs>
-</ds:datastoreItem>
-</file>
-
-<file path=customXml/itemProps8.xml><?xml version="1.0" encoding="utf-8"?>
-<ds:datastoreItem xmlns:ds="http://schemas.openxmlformats.org/officeDocument/2006/customXml" ds:itemID="{6D07BE54-C08A-4A00-A052-09AA9FE91835}">
-  <ds:schemaRefs>
-    <ds:schemaRef ds:uri="http://schemas.microsoft.com/VisualStudio/2011/storyboarding/control"/>
-  </ds:schemaRefs>
-</ds:datastoreItem>
-</file>
-
-<file path=customXml/itemProps9.xml><?xml version="1.0" encoding="utf-8"?>
-<ds:datastoreItem xmlns:ds="http://schemas.openxmlformats.org/officeDocument/2006/customXml" ds:itemID="{C9A349EB-25C0-432F-BCC6-B672C9EAA1C2}">
-  <ds:schemaRefs>
-    <ds:schemaRef ds:uri="http://schemas.microsoft.com/VisualStudio/2011/storyboarding/control"/>
-  </ds:schemaRefs>
-</ds:datastoreItem>
 </file>
--- a/Redux.pptx
+++ b/Redux.pptx
@@ -2,24 +2,25 @@
 <file path=ppt/presentation.xml><?xml version="1.0" encoding="utf-8"?>
 <p:presentation xmlns:a="http://schemas.openxmlformats.org/drawingml/2006/main" xmlns:r="http://schemas.openxmlformats.org/officeDocument/2006/relationships" xmlns:p="http://schemas.openxmlformats.org/presentationml/2006/main" autoCompressPictures="0">
   <p:sldMasterIdLst>
-    <p:sldMasterId id="2147483648" r:id="rId14"/>
+    <p:sldMasterId id="2147483648" r:id="rId15"/>
   </p:sldMasterIdLst>
   <p:notesMasterIdLst>
-    <p:notesMasterId r:id="rId27"/>
+    <p:notesMasterId r:id="rId29"/>
   </p:notesMasterIdLst>
   <p:sldIdLst>
-    <p:sldId id="257" r:id="rId15"/>
-    <p:sldId id="264" r:id="rId16"/>
-    <p:sldId id="294" r:id="rId17"/>
-    <p:sldId id="297" r:id="rId18"/>
-    <p:sldId id="299" r:id="rId19"/>
-    <p:sldId id="296" r:id="rId20"/>
-    <p:sldId id="295" r:id="rId21"/>
-    <p:sldId id="300" r:id="rId22"/>
-    <p:sldId id="276" r:id="rId23"/>
-    <p:sldId id="298" r:id="rId24"/>
-    <p:sldId id="293" r:id="rId25"/>
-    <p:sldId id="301" r:id="rId26"/>
+    <p:sldId id="257" r:id="rId16"/>
+    <p:sldId id="264" r:id="rId17"/>
+    <p:sldId id="294" r:id="rId18"/>
+    <p:sldId id="297" r:id="rId19"/>
+    <p:sldId id="299" r:id="rId20"/>
+    <p:sldId id="296" r:id="rId21"/>
+    <p:sldId id="295" r:id="rId22"/>
+    <p:sldId id="300" r:id="rId23"/>
+    <p:sldId id="302" r:id="rId24"/>
+    <p:sldId id="276" r:id="rId25"/>
+    <p:sldId id="298" r:id="rId26"/>
+    <p:sldId id="293" r:id="rId27"/>
+    <p:sldId id="301" r:id="rId28"/>
   </p:sldIdLst>
   <p:sldSz cx="12192000" cy="6858000"/>
   <p:notesSz cx="6858000" cy="9144000"/>
@@ -131,6 +132,7 @@
             <p14:sldId id="296"/>
             <p14:sldId id="295"/>
             <p14:sldId id="300"/>
+            <p14:sldId id="302"/>
             <p14:sldId id="276"/>
             <p14:sldId id="298"/>
             <p14:sldId id="293"/>
@@ -674,7 +676,7 @@
     </p:spTree>
     <p:extLst>
       <p:ext uri="{BB962C8B-B14F-4D97-AF65-F5344CB8AC3E}">
-        <p14:creationId xmlns:p14="http://schemas.microsoft.com/office/powerpoint/2010/main" val="359264468"/>
+        <p14:creationId xmlns:p14="http://schemas.microsoft.com/office/powerpoint/2010/main" val="972816635"/>
       </p:ext>
     </p:extLst>
   </p:cSld>
@@ -754,6 +756,94 @@
             <a:fld id="{8915C132-08CE-4B37-9E6D-AB9DDA075120}" type="slidenum">
               <a:rPr lang="en-BE" smtClean="0"/>
               <a:t>12</a:t>
+            </a:fld>
+            <a:endParaRPr lang="en-BE"/>
+          </a:p>
+        </p:txBody>
+      </p:sp>
+    </p:spTree>
+    <p:extLst>
+      <p:ext uri="{BB962C8B-B14F-4D97-AF65-F5344CB8AC3E}">
+        <p14:creationId xmlns:p14="http://schemas.microsoft.com/office/powerpoint/2010/main" val="359264468"/>
+      </p:ext>
+    </p:extLst>
+  </p:cSld>
+  <p:clrMapOvr>
+    <a:masterClrMapping/>
+  </p:clrMapOvr>
+</p:notes>
+</file>
+
+<file path=ppt/notesSlides/notesSlide12.xml><?xml version="1.0" encoding="utf-8"?>
+<p:notes xmlns:a="http://schemas.openxmlformats.org/drawingml/2006/main" xmlns:r="http://schemas.openxmlformats.org/officeDocument/2006/relationships" xmlns:p="http://schemas.openxmlformats.org/presentationml/2006/main">
+  <p:cSld>
+    <p:spTree>
+      <p:nvGrpSpPr>
+        <p:cNvPr id="1" name=""/>
+        <p:cNvGrpSpPr/>
+        <p:nvPr/>
+      </p:nvGrpSpPr>
+      <p:grpSpPr>
+        <a:xfrm>
+          <a:off x="0" y="0"/>
+          <a:ext cx="0" cy="0"/>
+          <a:chOff x="0" y="0"/>
+          <a:chExt cx="0" cy="0"/>
+        </a:xfrm>
+      </p:grpSpPr>
+      <p:sp>
+        <p:nvSpPr>
+          <p:cNvPr id="2" name="Slide Image Placeholder 1"/>
+          <p:cNvSpPr>
+            <a:spLocks noGrp="1" noRot="1" noChangeAspect="1"/>
+          </p:cNvSpPr>
+          <p:nvPr>
+            <p:ph type="sldImg"/>
+          </p:nvPr>
+        </p:nvSpPr>
+        <p:spPr/>
+      </p:sp>
+      <p:sp>
+        <p:nvSpPr>
+          <p:cNvPr id="3" name="Notes Placeholder 2"/>
+          <p:cNvSpPr>
+            <a:spLocks noGrp="1"/>
+          </p:cNvSpPr>
+          <p:nvPr>
+            <p:ph type="body" idx="1"/>
+          </p:nvPr>
+        </p:nvSpPr>
+        <p:spPr/>
+        <p:txBody>
+          <a:bodyPr/>
+          <a:lstStyle/>
+          <a:p>
+            <a:pPr marL="0" indent="0">
+              <a:buFont typeface="Arial" panose="020B0604020202020204" pitchFamily="34" charset="0"/>
+              <a:buNone/>
+            </a:pPr>
+            <a:endParaRPr lang="en-BE" dirty="0"/>
+          </a:p>
+        </p:txBody>
+      </p:sp>
+      <p:sp>
+        <p:nvSpPr>
+          <p:cNvPr id="4" name="Slide Number Placeholder 3"/>
+          <p:cNvSpPr>
+            <a:spLocks noGrp="1"/>
+          </p:cNvSpPr>
+          <p:nvPr>
+            <p:ph type="sldNum" sz="quarter" idx="5"/>
+          </p:nvPr>
+        </p:nvSpPr>
+        <p:spPr/>
+        <p:txBody>
+          <a:bodyPr/>
+          <a:lstStyle/>
+          <a:p>
+            <a:fld id="{8915C132-08CE-4B37-9E6D-AB9DDA075120}" type="slidenum">
+              <a:rPr lang="en-BE" smtClean="0"/>
+              <a:t>13</a:t>
             </a:fld>
             <a:endParaRPr lang="en-BE"/>
           </a:p>
@@ -2253,11 +2343,27 @@
           <a:bodyPr/>
           <a:lstStyle/>
           <a:p>
-            <a:pPr marL="0" indent="0">
+            <a:pPr marL="0" marR="0" lvl="0" indent="0" algn="l" defTabSz="914400" rtl="0" eaLnBrk="1" fontAlgn="auto" latinLnBrk="0" hangingPunct="1">
+              <a:lnSpc>
+                <a:spcPct val="100000"/>
+              </a:lnSpc>
+              <a:spcBef>
+                <a:spcPts val="0"/>
+              </a:spcBef>
+              <a:spcAft>
+                <a:spcPts val="0"/>
+              </a:spcAft>
+              <a:buClrTx/>
+              <a:buSzTx/>
               <a:buFont typeface="Arial" panose="020B0604020202020204" pitchFamily="34" charset="0"/>
               <a:buNone/>
+              <a:tabLst/>
+              <a:defRPr/>
             </a:pPr>
-            <a:endParaRPr lang="en-BE" dirty="0"/>
+            <a:endParaRPr lang="en-US" sz="1200" b="1" i="0" dirty="0">
+              <a:effectLst/>
+              <a:latin typeface="system-ui"/>
+            </a:endParaRPr>
           </a:p>
         </p:txBody>
       </p:sp>
@@ -2287,7 +2393,7 @@
     </p:spTree>
     <p:extLst>
       <p:ext uri="{BB962C8B-B14F-4D97-AF65-F5344CB8AC3E}">
-        <p14:creationId xmlns:p14="http://schemas.microsoft.com/office/powerpoint/2010/main" val="751546867"/>
+        <p14:creationId xmlns:p14="http://schemas.microsoft.com/office/powerpoint/2010/main" val="1552536203"/>
       </p:ext>
     </p:extLst>
   </p:cSld>
@@ -2375,7 +2481,7 @@
     </p:spTree>
     <p:extLst>
       <p:ext uri="{BB962C8B-B14F-4D97-AF65-F5344CB8AC3E}">
-        <p14:creationId xmlns:p14="http://schemas.microsoft.com/office/powerpoint/2010/main" val="972816635"/>
+        <p14:creationId xmlns:p14="http://schemas.microsoft.com/office/powerpoint/2010/main" val="751546867"/>
       </p:ext>
     </p:extLst>
   </p:cSld>
@@ -8237,7 +8343,7 @@
         </p:nvSpPr>
         <p:spPr>
           <a:xfrm>
-            <a:off x="172343" y="1061957"/>
+            <a:off x="324744" y="2846152"/>
             <a:ext cx="11542512" cy="860893"/>
           </a:xfrm>
         </p:spPr>
@@ -8246,100 +8352,17 @@
           <a:lstStyle/>
           <a:p>
             <a:r>
-              <a:rPr lang="fr-BE" dirty="0" err="1"/>
-              <a:t>resources</a:t>
+              <a:rPr lang="fr-BE" dirty="0"/>
+              <a:t>Questions?</a:t>
             </a:r>
             <a:endParaRPr lang="en-BE" dirty="0"/>
-          </a:p>
-        </p:txBody>
-      </p:sp>
-      <p:sp>
-        <p:nvSpPr>
-          <p:cNvPr id="8" name="TextBox 7">
-            <a:extLst>
-              <a:ext uri="{FF2B5EF4-FFF2-40B4-BE49-F238E27FC236}">
-                <a16:creationId xmlns:a16="http://schemas.microsoft.com/office/drawing/2014/main" id="{E945BC42-63B2-9B21-BC68-C4B2B0C08A19}"/>
-              </a:ext>
-            </a:extLst>
-          </p:cNvPr>
-          <p:cNvSpPr txBox="1"/>
-          <p:nvPr/>
-        </p:nvSpPr>
-        <p:spPr>
-          <a:xfrm>
-            <a:off x="355384" y="2378988"/>
-            <a:ext cx="11664273" cy="2062103"/>
-          </a:xfrm>
-          <a:prstGeom prst="rect">
-            <a:avLst/>
-          </a:prstGeom>
-          <a:noFill/>
-        </p:spPr>
-        <p:txBody>
-          <a:bodyPr wrap="square" rtlCol="0">
-            <a:spAutoFit/>
-          </a:bodyPr>
-          <a:lstStyle/>
-          <a:p>
-            <a:pPr marL="457200" indent="-457200">
-              <a:buFont typeface="Arial" panose="020B0604020202020204" pitchFamily="34" charset="0"/>
-              <a:buChar char="•"/>
-            </a:pPr>
-            <a:r>
-              <a:rPr lang="en-US" sz="3200" dirty="0"/>
-              <a:t>Dan Abramov: </a:t>
-            </a:r>
-            <a:r>
-              <a:rPr lang="en-US" sz="3200" dirty="0">
-                <a:hlinkClick r:id="rId5"/>
-              </a:rPr>
-              <a:t>You Might Not Need Redux</a:t>
-            </a:r>
-            <a:endParaRPr lang="en-US" sz="3200" dirty="0"/>
-          </a:p>
-          <a:p>
-            <a:pPr marL="457200" indent="-457200">
-              <a:buFont typeface="Arial" panose="020B0604020202020204" pitchFamily="34" charset="0"/>
-              <a:buChar char="•"/>
-            </a:pPr>
-            <a:r>
-              <a:rPr lang="en-US" sz="3200" dirty="0">
-                <a:hlinkClick r:id="rId6"/>
-              </a:rPr>
-              <a:t>Redux Style Guide</a:t>
-            </a:r>
-            <a:endParaRPr lang="en-US" sz="3200" dirty="0"/>
-          </a:p>
-          <a:p>
-            <a:pPr marL="457200" indent="-457200">
-              <a:buFont typeface="Arial" panose="020B0604020202020204" pitchFamily="34" charset="0"/>
-              <a:buChar char="•"/>
-            </a:pPr>
-            <a:r>
-              <a:rPr lang="en-US" sz="3200" dirty="0"/>
-              <a:t>Successor of Akita: </a:t>
-            </a:r>
-            <a:r>
-              <a:rPr lang="en-US" sz="3200" dirty="0">
-                <a:hlinkClick r:id="rId7"/>
-              </a:rPr>
-              <a:t>Elf</a:t>
-            </a:r>
-            <a:endParaRPr lang="en-US" sz="3200" dirty="0"/>
-          </a:p>
-          <a:p>
-            <a:pPr marL="457200" indent="-457200">
-              <a:buFont typeface="Arial" panose="020B0604020202020204" pitchFamily="34" charset="0"/>
-              <a:buChar char="•"/>
-            </a:pPr>
-            <a:endParaRPr lang="en-BE" sz="3200" dirty="0"/>
           </a:p>
         </p:txBody>
       </p:sp>
     </p:spTree>
     <p:extLst>
       <p:ext uri="{BB962C8B-B14F-4D97-AF65-F5344CB8AC3E}">
-        <p14:creationId xmlns:p14="http://schemas.microsoft.com/office/powerpoint/2010/main" val="1569422120"/>
+        <p14:creationId xmlns:p14="http://schemas.microsoft.com/office/powerpoint/2010/main" val="2992078847"/>
       </p:ext>
     </p:extLst>
   </p:cSld>
@@ -8402,6 +8425,232 @@
       </p:pic>
       <p:sp>
         <p:nvSpPr>
+          <p:cNvPr id="5" name="AutoShape 4" descr="Serverless Vs Containers Deploy Speeds">
+            <a:extLst>
+              <a:ext uri="{FF2B5EF4-FFF2-40B4-BE49-F238E27FC236}">
+                <a16:creationId xmlns:a16="http://schemas.microsoft.com/office/drawing/2014/main" id="{74838526-8A97-43C5-AA2E-50438D453F15}"/>
+              </a:ext>
+            </a:extLst>
+          </p:cNvPr>
+          <p:cNvSpPr>
+            <a:spLocks noChangeAspect="1" noChangeArrowheads="1"/>
+          </p:cNvSpPr>
+          <p:nvPr/>
+        </p:nvSpPr>
+        <p:spPr bwMode="auto">
+          <a:xfrm>
+            <a:off x="5943599" y="3276599"/>
+            <a:ext cx="2719137" cy="2719137"/>
+          </a:xfrm>
+          <a:prstGeom prst="rect">
+            <a:avLst/>
+          </a:prstGeom>
+          <a:noFill/>
+          <a:extLst>
+            <a:ext uri="{909E8E84-426E-40DD-AFC4-6F175D3DCCD1}">
+              <a14:hiddenFill xmlns:a14="http://schemas.microsoft.com/office/drawing/2010/main">
+                <a:solidFill>
+                  <a:srgbClr val="FFFFFF"/>
+                </a:solidFill>
+              </a14:hiddenFill>
+            </a:ext>
+          </a:extLst>
+        </p:spPr>
+        <p:txBody>
+          <a:bodyPr vert="horz" wrap="square" lIns="91440" tIns="45720" rIns="91440" bIns="45720" numCol="1" anchor="t" anchorCtr="0" compatLnSpc="1">
+            <a:prstTxWarp prst="textNoShape">
+              <a:avLst/>
+            </a:prstTxWarp>
+          </a:bodyPr>
+          <a:lstStyle/>
+          <a:p>
+            <a:endParaRPr lang="en-BE"/>
+          </a:p>
+        </p:txBody>
+      </p:sp>
+      <p:sp>
+        <p:nvSpPr>
+          <p:cNvPr id="4" name="Title 3">
+            <a:extLst>
+              <a:ext uri="{FF2B5EF4-FFF2-40B4-BE49-F238E27FC236}">
+                <a16:creationId xmlns:a16="http://schemas.microsoft.com/office/drawing/2014/main" id="{29D87857-8B86-4E40-B4FD-6ECD4DA8BEC6}"/>
+              </a:ext>
+            </a:extLst>
+          </p:cNvPr>
+          <p:cNvSpPr>
+            <a:spLocks noGrp="1"/>
+          </p:cNvSpPr>
+          <p:nvPr>
+            <p:ph type="ctrTitle"/>
+          </p:nvPr>
+        </p:nvSpPr>
+        <p:spPr>
+          <a:xfrm>
+            <a:off x="172343" y="1061957"/>
+            <a:ext cx="11542512" cy="860893"/>
+          </a:xfrm>
+        </p:spPr>
+        <p:txBody>
+          <a:bodyPr/>
+          <a:lstStyle/>
+          <a:p>
+            <a:r>
+              <a:rPr lang="fr-BE" dirty="0" err="1"/>
+              <a:t>resources</a:t>
+            </a:r>
+            <a:endParaRPr lang="en-BE" dirty="0"/>
+          </a:p>
+        </p:txBody>
+      </p:sp>
+      <p:sp>
+        <p:nvSpPr>
+          <p:cNvPr id="8" name="TextBox 7">
+            <a:extLst>
+              <a:ext uri="{FF2B5EF4-FFF2-40B4-BE49-F238E27FC236}">
+                <a16:creationId xmlns:a16="http://schemas.microsoft.com/office/drawing/2014/main" id="{E945BC42-63B2-9B21-BC68-C4B2B0C08A19}"/>
+              </a:ext>
+            </a:extLst>
+          </p:cNvPr>
+          <p:cNvSpPr txBox="1"/>
+          <p:nvPr/>
+        </p:nvSpPr>
+        <p:spPr>
+          <a:xfrm>
+            <a:off x="355384" y="2378988"/>
+            <a:ext cx="11664273" cy="2062103"/>
+          </a:xfrm>
+          <a:prstGeom prst="rect">
+            <a:avLst/>
+          </a:prstGeom>
+          <a:noFill/>
+        </p:spPr>
+        <p:txBody>
+          <a:bodyPr wrap="square" rtlCol="0">
+            <a:spAutoFit/>
+          </a:bodyPr>
+          <a:lstStyle/>
+          <a:p>
+            <a:pPr marL="457200" indent="-457200">
+              <a:buFont typeface="Arial" panose="020B0604020202020204" pitchFamily="34" charset="0"/>
+              <a:buChar char="•"/>
+            </a:pPr>
+            <a:r>
+              <a:rPr lang="en-US" sz="3200" dirty="0"/>
+              <a:t>Dan Abramov: </a:t>
+            </a:r>
+            <a:r>
+              <a:rPr lang="en-US" sz="3200" dirty="0">
+                <a:hlinkClick r:id="rId5"/>
+              </a:rPr>
+              <a:t>You Might Not Need Redux</a:t>
+            </a:r>
+            <a:endParaRPr lang="en-US" sz="3200" dirty="0"/>
+          </a:p>
+          <a:p>
+            <a:pPr marL="457200" indent="-457200">
+              <a:buFont typeface="Arial" panose="020B0604020202020204" pitchFamily="34" charset="0"/>
+              <a:buChar char="•"/>
+            </a:pPr>
+            <a:r>
+              <a:rPr lang="en-US" sz="3200" dirty="0">
+                <a:hlinkClick r:id="rId6"/>
+              </a:rPr>
+              <a:t>Redux Style Guide</a:t>
+            </a:r>
+            <a:endParaRPr lang="en-US" sz="3200" dirty="0"/>
+          </a:p>
+          <a:p>
+            <a:pPr marL="457200" indent="-457200">
+              <a:buFont typeface="Arial" panose="020B0604020202020204" pitchFamily="34" charset="0"/>
+              <a:buChar char="•"/>
+            </a:pPr>
+            <a:r>
+              <a:rPr lang="en-US" sz="3200" dirty="0"/>
+              <a:t>Successor of Akita: </a:t>
+            </a:r>
+            <a:r>
+              <a:rPr lang="en-US" sz="3200" dirty="0">
+                <a:hlinkClick r:id="rId7"/>
+              </a:rPr>
+              <a:t>Elf</a:t>
+            </a:r>
+            <a:endParaRPr lang="en-US" sz="3200" dirty="0"/>
+          </a:p>
+          <a:p>
+            <a:pPr marL="457200" indent="-457200">
+              <a:buFont typeface="Arial" panose="020B0604020202020204" pitchFamily="34" charset="0"/>
+              <a:buChar char="•"/>
+            </a:pPr>
+            <a:endParaRPr lang="en-BE" sz="3200" dirty="0"/>
+          </a:p>
+        </p:txBody>
+      </p:sp>
+    </p:spTree>
+    <p:extLst>
+      <p:ext uri="{BB962C8B-B14F-4D97-AF65-F5344CB8AC3E}">
+        <p14:creationId xmlns:p14="http://schemas.microsoft.com/office/powerpoint/2010/main" val="1569422120"/>
+      </p:ext>
+    </p:extLst>
+  </p:cSld>
+  <p:clrMapOvr>
+    <a:masterClrMapping/>
+  </p:clrMapOvr>
+</p:sld>
+</file>
+
+<file path=ppt/slides/slide12.xml><?xml version="1.0" encoding="utf-8"?>
+<p:sld xmlns:a="http://schemas.openxmlformats.org/drawingml/2006/main" xmlns:r="http://schemas.openxmlformats.org/officeDocument/2006/relationships" xmlns:p="http://schemas.openxmlformats.org/presentationml/2006/main">
+  <p:cSld>
+    <p:spTree>
+      <p:nvGrpSpPr>
+        <p:cNvPr id="1" name=""/>
+        <p:cNvGrpSpPr/>
+        <p:nvPr/>
+      </p:nvGrpSpPr>
+      <p:grpSpPr>
+        <a:xfrm>
+          <a:off x="0" y="0"/>
+          <a:ext cx="0" cy="0"/>
+          <a:chOff x="0" y="0"/>
+          <a:chExt cx="0" cy="0"/>
+        </a:xfrm>
+      </p:grpSpPr>
+      <p:pic>
+        <p:nvPicPr>
+          <p:cNvPr id="6" name="Picture 5">
+            <a:extLst>
+              <a:ext uri="{FF2B5EF4-FFF2-40B4-BE49-F238E27FC236}">
+                <a16:creationId xmlns:a16="http://schemas.microsoft.com/office/drawing/2014/main" id="{7D1150AD-E424-490F-A3E6-147D047AF505}"/>
+              </a:ext>
+            </a:extLst>
+          </p:cNvPr>
+          <p:cNvPicPr>
+            <a:picLocks noChangeAspect="1"/>
+          </p:cNvPicPr>
+          <p:nvPr>
+            <p:custDataLst>
+              <p:custData r:id="rId1"/>
+            </p:custDataLst>
+          </p:nvPr>
+        </p:nvPicPr>
+        <p:blipFill>
+          <a:blip r:embed="rId4"/>
+          <a:stretch>
+            <a:fillRect/>
+          </a:stretch>
+        </p:blipFill>
+        <p:spPr>
+          <a:xfrm>
+            <a:off x="-88884" y="-22188"/>
+            <a:ext cx="3183776" cy="860893"/>
+          </a:xfrm>
+          <a:prstGeom prst="rect">
+            <a:avLst/>
+          </a:prstGeom>
+        </p:spPr>
+      </p:pic>
+      <p:sp>
+        <p:nvSpPr>
           <p:cNvPr id="4" name="Title 3">
             <a:extLst>
               <a:ext uri="{FF2B5EF4-FFF2-40B4-BE49-F238E27FC236}">
@@ -8575,7 +8824,7 @@
 </p:sld>
 </file>
 
-<file path=ppt/slides/slide12.xml><?xml version="1.0" encoding="utf-8"?>
+<file path=ppt/slides/slide13.xml><?xml version="1.0" encoding="utf-8"?>
 <p:sld xmlns:a="http://schemas.openxmlformats.org/drawingml/2006/main" xmlns:r="http://schemas.openxmlformats.org/officeDocument/2006/relationships" xmlns:p="http://schemas.openxmlformats.org/presentationml/2006/main">
   <p:cSld>
     <p:spTree>
@@ -10409,51 +10658,6 @@
       </p:pic>
       <p:sp>
         <p:nvSpPr>
-          <p:cNvPr id="5" name="AutoShape 4" descr="Serverless Vs Containers Deploy Speeds">
-            <a:extLst>
-              <a:ext uri="{FF2B5EF4-FFF2-40B4-BE49-F238E27FC236}">
-                <a16:creationId xmlns:a16="http://schemas.microsoft.com/office/drawing/2014/main" id="{74838526-8A97-43C5-AA2E-50438D453F15}"/>
-              </a:ext>
-            </a:extLst>
-          </p:cNvPr>
-          <p:cNvSpPr>
-            <a:spLocks noChangeAspect="1" noChangeArrowheads="1"/>
-          </p:cNvSpPr>
-          <p:nvPr/>
-        </p:nvSpPr>
-        <p:spPr bwMode="auto">
-          <a:xfrm>
-            <a:off x="5943599" y="3276599"/>
-            <a:ext cx="2719137" cy="2719137"/>
-          </a:xfrm>
-          <a:prstGeom prst="rect">
-            <a:avLst/>
-          </a:prstGeom>
-          <a:noFill/>
-          <a:extLst>
-            <a:ext uri="{909E8E84-426E-40DD-AFC4-6F175D3DCCD1}">
-              <a14:hiddenFill xmlns:a14="http://schemas.microsoft.com/office/drawing/2010/main">
-                <a:solidFill>
-                  <a:srgbClr val="FFFFFF"/>
-                </a:solidFill>
-              </a14:hiddenFill>
-            </a:ext>
-          </a:extLst>
-        </p:spPr>
-        <p:txBody>
-          <a:bodyPr vert="horz" wrap="square" lIns="91440" tIns="45720" rIns="91440" bIns="45720" numCol="1" anchor="t" anchorCtr="0" compatLnSpc="1">
-            <a:prstTxWarp prst="textNoShape">
-              <a:avLst/>
-            </a:prstTxWarp>
-          </a:bodyPr>
-          <a:lstStyle/>
-          <a:p>
-            <a:endParaRPr lang="en-BE"/>
-          </a:p>
-        </p:txBody>
-      </p:sp>
-      <p:sp>
-        <p:nvSpPr>
           <p:cNvPr id="4" name="Title 3">
             <a:extLst>
               <a:ext uri="{FF2B5EF4-FFF2-40B4-BE49-F238E27FC236}">
@@ -10470,7 +10674,7 @@
         </p:nvSpPr>
         <p:spPr>
           <a:xfrm>
-            <a:off x="324744" y="2846152"/>
+            <a:off x="324744" y="738344"/>
             <a:ext cx="11542512" cy="860893"/>
           </a:xfrm>
         </p:spPr>
@@ -10480,16 +10684,46 @@
           <a:p>
             <a:r>
               <a:rPr lang="fr-BE" dirty="0"/>
-              <a:t>Questions?</a:t>
+              <a:t>Akita</a:t>
             </a:r>
             <a:endParaRPr lang="en-BE" dirty="0"/>
           </a:p>
         </p:txBody>
       </p:sp>
+      <p:pic>
+        <p:nvPicPr>
+          <p:cNvPr id="8" name="Picture 7">
+            <a:extLst>
+              <a:ext uri="{FF2B5EF4-FFF2-40B4-BE49-F238E27FC236}">
+                <a16:creationId xmlns:a16="http://schemas.microsoft.com/office/drawing/2014/main" id="{809611A6-2869-72BB-B58F-00B0F2055364}"/>
+              </a:ext>
+            </a:extLst>
+          </p:cNvPr>
+          <p:cNvPicPr>
+            <a:picLocks noChangeAspect="1"/>
+          </p:cNvPicPr>
+          <p:nvPr/>
+        </p:nvPicPr>
+        <p:blipFill>
+          <a:blip r:embed="rId5"/>
+          <a:stretch>
+            <a:fillRect/>
+          </a:stretch>
+        </p:blipFill>
+        <p:spPr>
+          <a:xfrm>
+            <a:off x="1836233" y="1699598"/>
+            <a:ext cx="8757426" cy="4916668"/>
+          </a:xfrm>
+          <a:prstGeom prst="rect">
+            <a:avLst/>
+          </a:prstGeom>
+        </p:spPr>
+      </p:pic>
     </p:spTree>
     <p:extLst>
       <p:ext uri="{BB962C8B-B14F-4D97-AF65-F5344CB8AC3E}">
-        <p14:creationId xmlns:p14="http://schemas.microsoft.com/office/powerpoint/2010/main" val="2992078847"/>
+        <p14:creationId xmlns:p14="http://schemas.microsoft.com/office/powerpoint/2010/main" val="3136504583"/>
       </p:ext>
     </p:extLst>
   </p:cSld>
@@ -11080,6 +11314,12 @@
 </Control>
 </file>
 
+<file path=customXml/item14.xml><?xml version="1.0" encoding="utf-8"?>
+<Control xmlns="http://schemas.microsoft.com/VisualStudio/2011/storyboarding/control">
+  <Id Name="fdd9b7ab-5c3f-4967-99ac-20e89b475fed" Revision="1" Stencil="System.MyShapes" StencilVersion="1.0"/>
+</Control>
+</file>
+
 <file path=customXml/item2.xml><?xml version="1.0" encoding="utf-8"?>
 <Control xmlns="http://schemas.microsoft.com/VisualStudio/2011/storyboarding/control">
   <Id Name="fdd9b7ab-5c3f-4967-99ac-20e89b475fed" Revision="1" Stencil="System.MyShapes" StencilVersion="1.0"/>
@@ -11129,6 +11369,70 @@
 </file>
 
 <file path=customXml/itemProps1.xml><?xml version="1.0" encoding="utf-8"?>
+<ds:datastoreItem xmlns:ds="http://schemas.openxmlformats.org/officeDocument/2006/customXml" ds:itemID="{904F09AE-A24F-4F40-A827-5D2BB35EF6D8}">
+  <ds:schemaRefs>
+    <ds:schemaRef ds:uri="http://schemas.microsoft.com/VisualStudio/2011/storyboarding/control"/>
+  </ds:schemaRefs>
+</ds:datastoreItem>
+</file>
+
+<file path=customXml/itemProps10.xml><?xml version="1.0" encoding="utf-8"?>
+<ds:datastoreItem xmlns:ds="http://schemas.openxmlformats.org/officeDocument/2006/customXml" ds:itemID="{602A176D-DD9A-4555-ABCE-0CAAEBDBAF6D}">
+  <ds:schemaRefs>
+    <ds:schemaRef ds:uri="http://schemas.microsoft.com/VisualStudio/2011/storyboarding/control"/>
+  </ds:schemaRefs>
+</ds:datastoreItem>
+</file>
+
+<file path=customXml/itemProps11.xml><?xml version="1.0" encoding="utf-8"?>
+<ds:datastoreItem xmlns:ds="http://schemas.openxmlformats.org/officeDocument/2006/customXml" ds:itemID="{7B3F9982-7FBE-426F-9BC0-54899A3B74DF}">
+  <ds:schemaRefs>
+    <ds:schemaRef ds:uri="http://schemas.microsoft.com/VisualStudio/2011/storyboarding/control"/>
+  </ds:schemaRefs>
+</ds:datastoreItem>
+</file>
+
+<file path=customXml/itemProps12.xml><?xml version="1.0" encoding="utf-8"?>
+<ds:datastoreItem xmlns:ds="http://schemas.openxmlformats.org/officeDocument/2006/customXml" ds:itemID="{83121EFB-4893-415B-B7BD-F940E893B2BD}">
+  <ds:schemaRefs>
+    <ds:schemaRef ds:uri="http://schemas.microsoft.com/VisualStudio/2011/storyboarding/control"/>
+  </ds:schemaRefs>
+</ds:datastoreItem>
+</file>
+
+<file path=customXml/itemProps13.xml><?xml version="1.0" encoding="utf-8"?>
+<ds:datastoreItem xmlns:ds="http://schemas.openxmlformats.org/officeDocument/2006/customXml" ds:itemID="{3077928C-1211-4AFF-8051-8F9730E06D41}">
+  <ds:schemaRefs>
+    <ds:schemaRef ds:uri="http://schemas.microsoft.com/VisualStudio/2011/storyboarding/control"/>
+  </ds:schemaRefs>
+</ds:datastoreItem>
+</file>
+
+<file path=customXml/itemProps14.xml><?xml version="1.0" encoding="utf-8"?>
+<ds:datastoreItem xmlns:ds="http://schemas.openxmlformats.org/officeDocument/2006/customXml" ds:itemID="{5B6044FC-5A7F-4CA1-AE3E-66F2487BF7A6}">
+  <ds:schemaRefs>
+    <ds:schemaRef ds:uri="http://schemas.microsoft.com/VisualStudio/2011/storyboarding/control"/>
+  </ds:schemaRefs>
+</ds:datastoreItem>
+</file>
+
+<file path=customXml/itemProps2.xml><?xml version="1.0" encoding="utf-8"?>
+<ds:datastoreItem xmlns:ds="http://schemas.openxmlformats.org/officeDocument/2006/customXml" ds:itemID="{F25BAA23-CA26-4303-8A25-F7FEF657A844}">
+  <ds:schemaRefs>
+    <ds:schemaRef ds:uri="http://schemas.microsoft.com/VisualStudio/2011/storyboarding/control"/>
+  </ds:schemaRefs>
+</ds:datastoreItem>
+</file>
+
+<file path=customXml/itemProps3.xml><?xml version="1.0" encoding="utf-8"?>
+<ds:datastoreItem xmlns:ds="http://schemas.openxmlformats.org/officeDocument/2006/customXml" ds:itemID="{37DFCA95-38E1-422A-83DB-FB055F0B45EC}">
+  <ds:schemaRefs>
+    <ds:schemaRef ds:uri="http://schemas.microsoft.com/VisualStudio/2011/storyboarding/control"/>
+  </ds:schemaRefs>
+</ds:datastoreItem>
+</file>
+
+<file path=customXml/itemProps4.xml><?xml version="1.0" encoding="utf-8"?>
 <ds:datastoreItem xmlns:ds="http://schemas.openxmlformats.org/officeDocument/2006/customXml" ds:itemID="{758C107C-C448-4241-AE9D-66B5C2D662A6}">
   <ds:schemaRefs>
     <ds:schemaRef ds:uri="http://schemas.microsoft.com/VisualStudio/2011/storyboarding/control"/>
@@ -11136,7 +11440,31 @@
 </ds:datastoreItem>
 </file>
 
-<file path=customXml/itemProps10.xml><?xml version="1.0" encoding="utf-8"?>
+<file path=customXml/itemProps5.xml><?xml version="1.0" encoding="utf-8"?>
+<ds:datastoreItem xmlns:ds="http://schemas.openxmlformats.org/officeDocument/2006/customXml" ds:itemID="{9BB7D7D8-3A2C-4B0D-95EB-FA326AB44D8F}">
+  <ds:schemaRefs>
+    <ds:schemaRef ds:uri="http://schemas.microsoft.com/VisualStudio/2011/storyboarding/control"/>
+  </ds:schemaRefs>
+</ds:datastoreItem>
+</file>
+
+<file path=customXml/itemProps6.xml><?xml version="1.0" encoding="utf-8"?>
+<ds:datastoreItem xmlns:ds="http://schemas.openxmlformats.org/officeDocument/2006/customXml" ds:itemID="{6D07BE54-C08A-4A00-A052-09AA9FE91835}">
+  <ds:schemaRefs>
+    <ds:schemaRef ds:uri="http://schemas.microsoft.com/VisualStudio/2011/storyboarding/control"/>
+  </ds:schemaRefs>
+</ds:datastoreItem>
+</file>
+
+<file path=customXml/itemProps7.xml><?xml version="1.0" encoding="utf-8"?>
+<ds:datastoreItem xmlns:ds="http://schemas.openxmlformats.org/officeDocument/2006/customXml" ds:itemID="{6451BAD5-41AB-4C51-BEE5-590F39975AFB}">
+  <ds:schemaRefs>
+    <ds:schemaRef ds:uri="http://schemas.microsoft.com/VisualStudio/2011/storyboarding/control"/>
+  </ds:schemaRefs>
+</ds:datastoreItem>
+</file>
+
+<file path=customXml/itemProps8.xml><?xml version="1.0" encoding="utf-8"?>
 <ds:datastoreItem xmlns:ds="http://schemas.openxmlformats.org/officeDocument/2006/customXml" ds:itemID="{C9A349EB-25C0-432F-BCC6-B672C9EAA1C2}">
   <ds:schemaRefs>
     <ds:schemaRef ds:uri="http://schemas.microsoft.com/VisualStudio/2011/storyboarding/control"/>
@@ -11144,90 +11472,10 @@
 </ds:datastoreItem>
 </file>
 
-<file path=customXml/itemProps11.xml><?xml version="1.0" encoding="utf-8"?>
-<ds:datastoreItem xmlns:ds="http://schemas.openxmlformats.org/officeDocument/2006/customXml" ds:itemID="{6D07BE54-C08A-4A00-A052-09AA9FE91835}">
-  <ds:schemaRefs>
-    <ds:schemaRef ds:uri="http://schemas.microsoft.com/VisualStudio/2011/storyboarding/control"/>
-  </ds:schemaRefs>
-</ds:datastoreItem>
-</file>
-
-<file path=customXml/itemProps12.xml><?xml version="1.0" encoding="utf-8"?>
-<ds:datastoreItem xmlns:ds="http://schemas.openxmlformats.org/officeDocument/2006/customXml" ds:itemID="{F25BAA23-CA26-4303-8A25-F7FEF657A844}">
-  <ds:schemaRefs>
-    <ds:schemaRef ds:uri="http://schemas.microsoft.com/VisualStudio/2011/storyboarding/control"/>
-  </ds:schemaRefs>
-</ds:datastoreItem>
-</file>
-
-<file path=customXml/itemProps13.xml><?xml version="1.0" encoding="utf-8"?>
-<ds:datastoreItem xmlns:ds="http://schemas.openxmlformats.org/officeDocument/2006/customXml" ds:itemID="{83121EFB-4893-415B-B7BD-F940E893B2BD}">
-  <ds:schemaRefs>
-    <ds:schemaRef ds:uri="http://schemas.microsoft.com/VisualStudio/2011/storyboarding/control"/>
-  </ds:schemaRefs>
-</ds:datastoreItem>
-</file>
-
-<file path=customXml/itemProps2.xml><?xml version="1.0" encoding="utf-8"?>
-<ds:datastoreItem xmlns:ds="http://schemas.openxmlformats.org/officeDocument/2006/customXml" ds:itemID="{37DFCA95-38E1-422A-83DB-FB055F0B45EC}">
-  <ds:schemaRefs>
-    <ds:schemaRef ds:uri="http://schemas.microsoft.com/VisualStudio/2011/storyboarding/control"/>
-  </ds:schemaRefs>
-</ds:datastoreItem>
-</file>
-
-<file path=customXml/itemProps3.xml><?xml version="1.0" encoding="utf-8"?>
-<ds:datastoreItem xmlns:ds="http://schemas.openxmlformats.org/officeDocument/2006/customXml" ds:itemID="{3077928C-1211-4AFF-8051-8F9730E06D41}">
-  <ds:schemaRefs>
-    <ds:schemaRef ds:uri="http://schemas.microsoft.com/VisualStudio/2011/storyboarding/control"/>
-  </ds:schemaRefs>
-</ds:datastoreItem>
-</file>
-
-<file path=customXml/itemProps4.xml><?xml version="1.0" encoding="utf-8"?>
+<file path=customXml/itemProps9.xml><?xml version="1.0" encoding="utf-8"?>
 <ds:datastoreItem xmlns:ds="http://schemas.openxmlformats.org/officeDocument/2006/customXml" ds:itemID="{8A1C2287-9A0E-4847-B77E-255123AED349}">
   <ds:schemaRefs>
     <ds:schemaRef ds:uri="http://schemas.microsoft.com/VisualStudio/2011/storyboarding/control"/>
   </ds:schemaRefs>
 </ds:datastoreItem>
-</file>
-
-<file path=customXml/itemProps5.xml><?xml version="1.0" encoding="utf-8"?>
-<ds:datastoreItem xmlns:ds="http://schemas.openxmlformats.org/officeDocument/2006/customXml" ds:itemID="{6451BAD5-41AB-4C51-BEE5-590F39975AFB}">
-  <ds:schemaRefs>
-    <ds:schemaRef ds:uri="http://schemas.microsoft.com/VisualStudio/2011/storyboarding/control"/>
-  </ds:schemaRefs>
-</ds:datastoreItem>
-</file>
-
-<file path=customXml/itemProps6.xml><?xml version="1.0" encoding="utf-8"?>
-<ds:datastoreItem xmlns:ds="http://schemas.openxmlformats.org/officeDocument/2006/customXml" ds:itemID="{9BB7D7D8-3A2C-4B0D-95EB-FA326AB44D8F}">
-  <ds:schemaRefs>
-    <ds:schemaRef ds:uri="http://schemas.microsoft.com/VisualStudio/2011/storyboarding/control"/>
-  </ds:schemaRefs>
-</ds:datastoreItem>
-</file>
-
-<file path=customXml/itemProps7.xml><?xml version="1.0" encoding="utf-8"?>
-<ds:datastoreItem xmlns:ds="http://schemas.openxmlformats.org/officeDocument/2006/customXml" ds:itemID="{904F09AE-A24F-4F40-A827-5D2BB35EF6D8}">
-  <ds:schemaRefs>
-    <ds:schemaRef ds:uri="http://schemas.microsoft.com/VisualStudio/2011/storyboarding/control"/>
-  </ds:schemaRefs>
-</ds:datastoreItem>
-</file>
-
-<file path=customXml/itemProps8.xml><?xml version="1.0" encoding="utf-8"?>
-<ds:datastoreItem xmlns:ds="http://schemas.openxmlformats.org/officeDocument/2006/customXml" ds:itemID="{7B3F9982-7FBE-426F-9BC0-54899A3B74DF}">
-  <ds:schemaRefs>
-    <ds:schemaRef ds:uri="http://schemas.microsoft.com/VisualStudio/2011/storyboarding/control"/>
-  </ds:schemaRefs>
-</ds:datastoreItem>
-</file>
-
-<file path=customXml/itemProps9.xml><?xml version="1.0" encoding="utf-8"?>
-<ds:datastoreItem xmlns:ds="http://schemas.openxmlformats.org/officeDocument/2006/customXml" ds:itemID="{602A176D-DD9A-4555-ABCE-0CAAEBDBAF6D}">
-  <ds:schemaRefs>
-    <ds:schemaRef ds:uri="http://schemas.microsoft.com/VisualStudio/2011/storyboarding/control"/>
-  </ds:schemaRefs>
-</ds:datastoreItem>
 </file>
--- a/Redux.pptx
+++ b/Redux.pptx
@@ -13,14 +13,14 @@
     <p:sldId id="294" r:id="rId18"/>
     <p:sldId id="297" r:id="rId19"/>
     <p:sldId id="299" r:id="rId20"/>
-    <p:sldId id="296" r:id="rId21"/>
-    <p:sldId id="295" r:id="rId22"/>
-    <p:sldId id="300" r:id="rId23"/>
-    <p:sldId id="302" r:id="rId24"/>
-    <p:sldId id="276" r:id="rId25"/>
-    <p:sldId id="298" r:id="rId26"/>
-    <p:sldId id="293" r:id="rId27"/>
-    <p:sldId id="301" r:id="rId28"/>
+    <p:sldId id="301" r:id="rId21"/>
+    <p:sldId id="296" r:id="rId22"/>
+    <p:sldId id="295" r:id="rId23"/>
+    <p:sldId id="300" r:id="rId24"/>
+    <p:sldId id="302" r:id="rId25"/>
+    <p:sldId id="276" r:id="rId26"/>
+    <p:sldId id="298" r:id="rId27"/>
+    <p:sldId id="293" r:id="rId28"/>
   </p:sldIdLst>
   <p:sldSz cx="12192000" cy="6858000"/>
   <p:notesSz cx="6858000" cy="9144000"/>
@@ -129,6 +129,7 @@
             <p14:sldId id="294"/>
             <p14:sldId id="297"/>
             <p14:sldId id="299"/>
+            <p14:sldId id="301"/>
             <p14:sldId id="296"/>
             <p14:sldId id="295"/>
             <p14:sldId id="300"/>
@@ -136,7 +137,6 @@
             <p14:sldId id="276"/>
             <p14:sldId id="298"/>
             <p14:sldId id="293"/>
-            <p14:sldId id="301"/>
           </p14:sldIdLst>
         </p14:section>
       </p14:sectionLst>
@@ -242,7 +242,7 @@
           <a:p>
             <a:fld id="{46C003B6-BCEA-46F3-841E-7B3EC6052E68}" type="datetimeFigureOut">
               <a:rPr lang="en-BE" smtClean="0"/>
-              <a:t>22/05/2022</a:t>
+              <a:t>08/06/2022</a:t>
             </a:fld>
             <a:endParaRPr lang="en-BE"/>
           </a:p>
@@ -676,7 +676,7 @@
     </p:spTree>
     <p:extLst>
       <p:ext uri="{BB962C8B-B14F-4D97-AF65-F5344CB8AC3E}">
-        <p14:creationId xmlns:p14="http://schemas.microsoft.com/office/powerpoint/2010/main" val="972816635"/>
+        <p14:creationId xmlns:p14="http://schemas.microsoft.com/office/powerpoint/2010/main" val="751546867"/>
       </p:ext>
     </p:extLst>
   </p:cSld>
@@ -764,7 +764,7 @@
     </p:spTree>
     <p:extLst>
       <p:ext uri="{BB962C8B-B14F-4D97-AF65-F5344CB8AC3E}">
-        <p14:creationId xmlns:p14="http://schemas.microsoft.com/office/powerpoint/2010/main" val="359264468"/>
+        <p14:creationId xmlns:p14="http://schemas.microsoft.com/office/powerpoint/2010/main" val="972816635"/>
       </p:ext>
     </p:extLst>
   </p:cSld>
@@ -852,7 +852,7 @@
     </p:spTree>
     <p:extLst>
       <p:ext uri="{BB962C8B-B14F-4D97-AF65-F5344CB8AC3E}">
-        <p14:creationId xmlns:p14="http://schemas.microsoft.com/office/powerpoint/2010/main" val="191222800"/>
+        <p14:creationId xmlns:p14="http://schemas.microsoft.com/office/powerpoint/2010/main" val="359264468"/>
       </p:ext>
     </p:extLst>
   </p:cSld>
@@ -1148,11 +1148,171 @@
           <a:bodyPr/>
           <a:lstStyle/>
           <a:p>
+            <a:pPr marL="0" marR="0" lvl="0" indent="0" algn="l" defTabSz="914400" rtl="0" eaLnBrk="1" fontAlgn="auto" latinLnBrk="0" hangingPunct="1">
+              <a:lnSpc>
+                <a:spcPct val="100000"/>
+              </a:lnSpc>
+              <a:spcBef>
+                <a:spcPts val="0"/>
+              </a:spcBef>
+              <a:spcAft>
+                <a:spcPts val="0"/>
+              </a:spcAft>
+              <a:buClrTx/>
+              <a:buSzTx/>
+              <a:buFont typeface="Arial" panose="020B0604020202020204" pitchFamily="34" charset="0"/>
+              <a:buNone/>
+              <a:tabLst/>
+              <a:defRPr/>
+            </a:pPr>
+            <a:r>
+              <a:rPr lang="en-US" sz="1200" b="1" dirty="0">
+                <a:effectLst/>
+                <a:latin typeface="Calibri" panose="020F0502020204030204" pitchFamily="34" charset="0"/>
+                <a:ea typeface="Calibri" panose="020F0502020204030204" pitchFamily="34" charset="0"/>
+                <a:cs typeface="Times New Roman" panose="02020603050405020304" pitchFamily="18" charset="0"/>
+              </a:rPr>
+              <a:t>Dream it up:</a:t>
+            </a:r>
+          </a:p>
+          <a:p>
             <a:pPr marL="0" indent="0">
               <a:buFont typeface="Arial" panose="020B0604020202020204" pitchFamily="34" charset="0"/>
               <a:buNone/>
             </a:pPr>
             <a:endParaRPr lang="en-US" dirty="0"/>
+          </a:p>
+          <a:p>
+            <a:pPr marL="0" indent="0">
+              <a:buFont typeface="Arial" panose="020B0604020202020204" pitchFamily="34" charset="0"/>
+              <a:buNone/>
+            </a:pPr>
+            <a:r>
+              <a:rPr lang="en-US" b="1" dirty="0"/>
+              <a:t>Handling Concurrent Users</a:t>
+            </a:r>
+          </a:p>
+          <a:p>
+            <a:pPr marL="0" indent="0">
+              <a:buFont typeface="Arial" panose="020B0604020202020204" pitchFamily="34" charset="0"/>
+              <a:buNone/>
+            </a:pPr>
+            <a:r>
+              <a:rPr lang="en-US" dirty="0"/>
+              <a:t>Fetch a list of TODOs.</a:t>
+            </a:r>
+          </a:p>
+          <a:p>
+            <a:pPr marL="0" indent="0">
+              <a:buFont typeface="Arial" panose="020B0604020202020204" pitchFamily="34" charset="0"/>
+              <a:buNone/>
+            </a:pPr>
+            <a:r>
+              <a:rPr lang="en-US" dirty="0"/>
+              <a:t>- When navigating back to the list: fetch a list of TODOs with a modified date after the time the list was first fetched (or last refreshed)</a:t>
+            </a:r>
+          </a:p>
+          <a:p>
+            <a:pPr marL="171450" indent="-171450">
+              <a:buFontTx/>
+              <a:buChar char="-"/>
+            </a:pPr>
+            <a:r>
+              <a:rPr lang="en-US" dirty="0"/>
+              <a:t>When navigating to the details of an item:</a:t>
+            </a:r>
+          </a:p>
+          <a:p>
+            <a:pPr marL="628650" lvl="1" indent="-171450">
+              <a:buFontTx/>
+              <a:buChar char="-"/>
+            </a:pPr>
+            <a:r>
+              <a:rPr lang="en-US" dirty="0"/>
+              <a:t>We can display all properties</a:t>
+            </a:r>
+          </a:p>
+          <a:p>
+            <a:pPr marL="628650" lvl="1" indent="-171450">
+              <a:buFontTx/>
+              <a:buChar char="-"/>
+            </a:pPr>
+            <a:r>
+              <a:rPr lang="en-US" dirty="0"/>
+              <a:t>Fetch from the backend to see if we have the last version</a:t>
+            </a:r>
+          </a:p>
+          <a:p>
+            <a:pPr marL="628650" lvl="1" indent="-171450">
+              <a:buFontTx/>
+              <a:buChar char="-"/>
+            </a:pPr>
+            <a:r>
+              <a:rPr lang="en-US" dirty="0"/>
+              <a:t>If we do not have the last version, show this on the screen “This record has been updated by xxx”</a:t>
+            </a:r>
+          </a:p>
+          <a:p>
+            <a:pPr marL="628650" lvl="1" indent="-171450">
+              <a:buFontTx/>
+              <a:buChar char="-"/>
+            </a:pPr>
+            <a:r>
+              <a:rPr lang="en-US" dirty="0"/>
+              <a:t>If a value for a field has changed, display this on the field: Current Value: X, New Value: Y</a:t>
+            </a:r>
+          </a:p>
+          <a:p>
+            <a:pPr marL="0" indent="0">
+              <a:buFont typeface="Arial" panose="020B0604020202020204" pitchFamily="34" charset="0"/>
+              <a:buNone/>
+            </a:pPr>
+            <a:endParaRPr lang="en-US" dirty="0"/>
+          </a:p>
+          <a:p>
+            <a:pPr marL="0" indent="0">
+              <a:buFont typeface="Arial" panose="020B0604020202020204" pitchFamily="34" charset="0"/>
+              <a:buNone/>
+            </a:pPr>
+            <a:r>
+              <a:rPr lang="en-US" b="1" dirty="0"/>
+              <a:t>Offload Expensive Queries</a:t>
+            </a:r>
+          </a:p>
+          <a:p>
+            <a:pPr marL="0" indent="0">
+              <a:buFontTx/>
+              <a:buNone/>
+            </a:pPr>
+            <a:r>
+              <a:rPr lang="en-US" b="0" dirty="0"/>
+              <a:t>Reduce the amount of joins needed in a query by</a:t>
+            </a:r>
+          </a:p>
+          <a:p>
+            <a:pPr marL="171450" indent="-171450">
+              <a:buFontTx/>
+              <a:buChar char="-"/>
+            </a:pPr>
+            <a:r>
+              <a:rPr lang="en-US" b="0" dirty="0"/>
+              <a:t>Having all reference data in the store</a:t>
+            </a:r>
+          </a:p>
+          <a:p>
+            <a:pPr marL="171450" indent="-171450">
+              <a:buFontTx/>
+              <a:buChar char="-"/>
+            </a:pPr>
+            <a:r>
+              <a:rPr lang="en-US" b="0" dirty="0"/>
+              <a:t>Having (small) entities in </a:t>
+            </a:r>
+            <a:r>
+              <a:rPr lang="en-US" b="0"/>
+              <a:t>the store</a:t>
+            </a:r>
+            <a:endParaRPr lang="en-US" b="0" dirty="0"/>
           </a:p>
         </p:txBody>
       </p:sp>
@@ -1467,7 +1627,7 @@
     </p:spTree>
     <p:extLst>
       <p:ext uri="{BB962C8B-B14F-4D97-AF65-F5344CB8AC3E}">
-        <p14:creationId xmlns:p14="http://schemas.microsoft.com/office/powerpoint/2010/main" val="845150822"/>
+        <p14:creationId xmlns:p14="http://schemas.microsoft.com/office/powerpoint/2010/main" val="191222800"/>
       </p:ext>
     </p:extLst>
   </p:cSld>
@@ -1555,7 +1715,7 @@
     </p:spTree>
     <p:extLst>
       <p:ext uri="{BB962C8B-B14F-4D97-AF65-F5344CB8AC3E}">
-        <p14:creationId xmlns:p14="http://schemas.microsoft.com/office/powerpoint/2010/main" val="2745524561"/>
+        <p14:creationId xmlns:p14="http://schemas.microsoft.com/office/powerpoint/2010/main" val="845150822"/>
       </p:ext>
     </p:extLst>
   </p:cSld>
@@ -1609,657 +1769,11 @@
           <a:bodyPr/>
           <a:lstStyle/>
           <a:p>
-            <a:pPr marL="0" marR="0" lvl="0" indent="0" algn="l" defTabSz="914400" rtl="0" eaLnBrk="1" fontAlgn="auto" latinLnBrk="0" hangingPunct="1">
-              <a:lnSpc>
-                <a:spcPct val="100000"/>
-              </a:lnSpc>
-              <a:spcBef>
-                <a:spcPts val="0"/>
-              </a:spcBef>
-              <a:spcAft>
-                <a:spcPts val="0"/>
-              </a:spcAft>
-              <a:buClrTx/>
-              <a:buSzTx/>
+            <a:pPr marL="0" indent="0">
               <a:buFont typeface="Arial" panose="020B0604020202020204" pitchFamily="34" charset="0"/>
               <a:buNone/>
-              <a:tabLst/>
-              <a:defRPr/>
             </a:pPr>
-            <a:r>
-              <a:rPr lang="en-US" sz="1200" b="1" i="0" dirty="0">
-                <a:effectLst/>
-                <a:latin typeface="system-ui"/>
-              </a:rPr>
-              <a:t>Structure Files as Feature Folders with Single-File Logic: </a:t>
-            </a:r>
-            <a:r>
-              <a:rPr lang="en-US" sz="1200" b="0" i="0" dirty="0">
-                <a:effectLst/>
-                <a:latin typeface="system-ui"/>
-              </a:rPr>
-              <a:t>Don’t have folders “actions”, “reducers”, “stores”, “components” but have a folder Vouchers, Settings, Providers.</a:t>
-            </a:r>
-          </a:p>
-          <a:p>
-            <a:pPr marL="0" marR="0" lvl="0" indent="0" algn="l" defTabSz="914400" rtl="0" eaLnBrk="1" fontAlgn="auto" latinLnBrk="0" hangingPunct="1">
-              <a:lnSpc>
-                <a:spcPct val="100000"/>
-              </a:lnSpc>
-              <a:spcBef>
-                <a:spcPts val="0"/>
-              </a:spcBef>
-              <a:spcAft>
-                <a:spcPts val="0"/>
-              </a:spcAft>
-              <a:buClrTx/>
-              <a:buSzTx/>
-              <a:buFont typeface="Arial" panose="020B0604020202020204" pitchFamily="34" charset="0"/>
-              <a:buNone/>
-              <a:tabLst/>
-              <a:defRPr/>
-            </a:pPr>
-            <a:endParaRPr lang="en-US" sz="1200" b="0" i="0" dirty="0">
-              <a:effectLst/>
-              <a:latin typeface="system-ui"/>
-            </a:endParaRPr>
-          </a:p>
-          <a:p>
-            <a:pPr marL="0" marR="0" lvl="0" indent="0" algn="l" defTabSz="914400" rtl="0" eaLnBrk="1" fontAlgn="auto" latinLnBrk="0" hangingPunct="1">
-              <a:lnSpc>
-                <a:spcPct val="100000"/>
-              </a:lnSpc>
-              <a:spcBef>
-                <a:spcPts val="0"/>
-              </a:spcBef>
-              <a:spcAft>
-                <a:spcPts val="0"/>
-              </a:spcAft>
-              <a:buClrTx/>
-              <a:buSzTx/>
-              <a:buFont typeface="Arial" panose="020B0604020202020204" pitchFamily="34" charset="0"/>
-              <a:buNone/>
-              <a:tabLst/>
-              <a:defRPr/>
-            </a:pPr>
-            <a:r>
-              <a:rPr lang="en-US" sz="1200" b="1" dirty="0">
-                <a:latin typeface="system-ui"/>
-              </a:rPr>
-              <a:t>Put as Much Logic as Possible in Reducers:</a:t>
-            </a:r>
-          </a:p>
-          <a:p>
-            <a:pPr marL="171450" marR="0" lvl="0" indent="-171450" algn="l" defTabSz="914400" rtl="0" eaLnBrk="1" fontAlgn="auto" latinLnBrk="0" hangingPunct="1">
-              <a:lnSpc>
-                <a:spcPct val="100000"/>
-              </a:lnSpc>
-              <a:spcBef>
-                <a:spcPts val="0"/>
-              </a:spcBef>
-              <a:spcAft>
-                <a:spcPts val="0"/>
-              </a:spcAft>
-              <a:buClrTx/>
-              <a:buSzTx/>
-              <a:buFontTx/>
-              <a:buChar char="-"/>
-              <a:tabLst/>
-              <a:defRPr/>
-            </a:pPr>
-            <a:r>
-              <a:rPr lang="en-US" sz="1200" b="0" dirty="0">
-                <a:latin typeface="system-ui"/>
-              </a:rPr>
-              <a:t>Do not map to a different model in a component before dispatching the action.</a:t>
-            </a:r>
-          </a:p>
-          <a:p>
-            <a:pPr marL="171450" marR="0" lvl="0" indent="-171450" algn="l" defTabSz="914400" rtl="0" eaLnBrk="1" fontAlgn="auto" latinLnBrk="0" hangingPunct="1">
-              <a:lnSpc>
-                <a:spcPct val="100000"/>
-              </a:lnSpc>
-              <a:spcBef>
-                <a:spcPts val="0"/>
-              </a:spcBef>
-              <a:spcAft>
-                <a:spcPts val="0"/>
-              </a:spcAft>
-              <a:buClrTx/>
-              <a:buSzTx/>
-              <a:buFontTx/>
-              <a:buChar char="-"/>
-              <a:tabLst/>
-              <a:defRPr/>
-            </a:pPr>
-            <a:r>
-              <a:rPr lang="en-US" sz="1200" b="0" dirty="0">
-                <a:latin typeface="system-ui"/>
-              </a:rPr>
-              <a:t>Do not map to a different model in a component before displaying the state</a:t>
-            </a:r>
-          </a:p>
-          <a:p>
-            <a:pPr marL="171450" marR="0" lvl="0" indent="-171450" algn="l" defTabSz="914400" rtl="0" eaLnBrk="1" fontAlgn="auto" latinLnBrk="0" hangingPunct="1">
-              <a:lnSpc>
-                <a:spcPct val="100000"/>
-              </a:lnSpc>
-              <a:spcBef>
-                <a:spcPts val="0"/>
-              </a:spcBef>
-              <a:spcAft>
-                <a:spcPts val="0"/>
-              </a:spcAft>
-              <a:buClrTx/>
-              <a:buSzTx/>
-              <a:buFontTx/>
-              <a:buChar char="-"/>
-              <a:tabLst/>
-              <a:defRPr/>
-            </a:pPr>
-            <a:r>
-              <a:rPr lang="en-US" sz="1200" b="0" dirty="0">
-                <a:latin typeface="system-ui"/>
-              </a:rPr>
-              <a:t>Ideally there are no mappers (so only one model and less code) but this cannot always be achieved</a:t>
-            </a:r>
-            <a:endParaRPr lang="en-US" sz="1200" b="1" dirty="0">
-              <a:latin typeface="system-ui"/>
-            </a:endParaRPr>
-          </a:p>
-          <a:p>
-            <a:pPr marL="0" marR="0" lvl="0" indent="0" algn="l" defTabSz="914400" rtl="0" eaLnBrk="1" fontAlgn="auto" latinLnBrk="0" hangingPunct="1">
-              <a:lnSpc>
-                <a:spcPct val="100000"/>
-              </a:lnSpc>
-              <a:spcBef>
-                <a:spcPts val="0"/>
-              </a:spcBef>
-              <a:spcAft>
-                <a:spcPts val="0"/>
-              </a:spcAft>
-              <a:buClrTx/>
-              <a:buSzTx/>
-              <a:buFont typeface="Arial" panose="020B0604020202020204" pitchFamily="34" charset="0"/>
-              <a:buNone/>
-              <a:tabLst/>
-              <a:defRPr/>
-            </a:pPr>
-            <a:endParaRPr lang="en-US" sz="1200" b="1" i="0" dirty="0">
-              <a:effectLst/>
-              <a:latin typeface="system-ui"/>
-            </a:endParaRPr>
-          </a:p>
-          <a:p>
-            <a:pPr marL="0" marR="0" lvl="0" indent="0" algn="l" defTabSz="914400" rtl="0" eaLnBrk="1" fontAlgn="auto" latinLnBrk="0" hangingPunct="1">
-              <a:lnSpc>
-                <a:spcPct val="100000"/>
-              </a:lnSpc>
-              <a:spcBef>
-                <a:spcPts val="0"/>
-              </a:spcBef>
-              <a:spcAft>
-                <a:spcPts val="0"/>
-              </a:spcAft>
-              <a:buClrTx/>
-              <a:buSzTx/>
-              <a:buFont typeface="Arial" panose="020B0604020202020204" pitchFamily="34" charset="0"/>
-              <a:buNone/>
-              <a:tabLst/>
-              <a:defRPr/>
-            </a:pPr>
-            <a:r>
-              <a:rPr lang="en-US" sz="1200" b="1" i="0" dirty="0">
-                <a:effectLst/>
-                <a:latin typeface="system-ui"/>
-              </a:rPr>
-              <a:t>Organize State Structure Based on Data Types, Not Components: </a:t>
-            </a:r>
-            <a:r>
-              <a:rPr lang="en-US" sz="1200" b="0" i="0" dirty="0">
-                <a:effectLst/>
-                <a:latin typeface="system-ui"/>
-              </a:rPr>
-              <a:t>Do not create providers, </a:t>
-            </a:r>
-            <a:r>
-              <a:rPr lang="en-US" sz="1200" b="0" i="0" dirty="0" err="1">
-                <a:effectLst/>
-                <a:latin typeface="system-ui"/>
-              </a:rPr>
-              <a:t>activeProviders</a:t>
-            </a:r>
-            <a:r>
-              <a:rPr lang="en-US" sz="1200" b="0" i="0" dirty="0">
-                <a:effectLst/>
-                <a:latin typeface="system-ui"/>
-              </a:rPr>
-              <a:t> and </a:t>
-            </a:r>
-            <a:r>
-              <a:rPr lang="en-US" sz="1200" b="0" i="0" dirty="0" err="1">
-                <a:effectLst/>
-                <a:latin typeface="system-ui"/>
-              </a:rPr>
-              <a:t>providerDetails</a:t>
-            </a:r>
-            <a:r>
-              <a:rPr lang="en-US" sz="1200" b="0" i="0" dirty="0">
-                <a:effectLst/>
-                <a:latin typeface="system-ui"/>
-              </a:rPr>
-              <a:t> reducers but create just one providers reducer</a:t>
-            </a:r>
-          </a:p>
-          <a:p>
-            <a:pPr marL="0" marR="0" lvl="0" indent="0" algn="l" defTabSz="914400" rtl="0" eaLnBrk="1" fontAlgn="auto" latinLnBrk="0" hangingPunct="1">
-              <a:lnSpc>
-                <a:spcPct val="100000"/>
-              </a:lnSpc>
-              <a:spcBef>
-                <a:spcPts val="0"/>
-              </a:spcBef>
-              <a:spcAft>
-                <a:spcPts val="0"/>
-              </a:spcAft>
-              <a:buClrTx/>
-              <a:buSzTx/>
-              <a:buFont typeface="Arial" panose="020B0604020202020204" pitchFamily="34" charset="0"/>
-              <a:buNone/>
-              <a:tabLst/>
-              <a:defRPr/>
-            </a:pPr>
-            <a:r>
-              <a:rPr lang="en-US" sz="1200" b="0" i="0" dirty="0">
-                <a:effectLst/>
-                <a:latin typeface="system-ui"/>
-                <a:sym typeface="Wingdings" panose="05000000000000000000" pitchFamily="2" charset="2"/>
-              </a:rPr>
-              <a:t> Also called “</a:t>
-            </a:r>
-            <a:r>
-              <a:rPr lang="en-US" b="0" i="0" dirty="0">
-                <a:solidFill>
-                  <a:srgbClr val="292929"/>
-                </a:solidFill>
-                <a:effectLst/>
-                <a:latin typeface="charter"/>
-              </a:rPr>
-              <a:t>Ducks methodology</a:t>
-            </a:r>
-            <a:r>
-              <a:rPr lang="en-US" sz="1200" b="0" i="0" dirty="0">
-                <a:solidFill>
-                  <a:srgbClr val="292929"/>
-                </a:solidFill>
-                <a:effectLst/>
-                <a:latin typeface="system-ui"/>
-              </a:rPr>
-              <a:t>”</a:t>
-            </a:r>
-            <a:endParaRPr lang="en-US" sz="1200" b="1" i="0" dirty="0">
-              <a:effectLst/>
-              <a:latin typeface="system-ui"/>
-            </a:endParaRPr>
-          </a:p>
-          <a:p>
-            <a:pPr marL="0" marR="0" lvl="0" indent="0" algn="l" defTabSz="914400" rtl="0" eaLnBrk="1" fontAlgn="auto" latinLnBrk="0" hangingPunct="1">
-              <a:lnSpc>
-                <a:spcPct val="100000"/>
-              </a:lnSpc>
-              <a:spcBef>
-                <a:spcPts val="0"/>
-              </a:spcBef>
-              <a:spcAft>
-                <a:spcPts val="0"/>
-              </a:spcAft>
-              <a:buClrTx/>
-              <a:buSzTx/>
-              <a:buFont typeface="Arial" panose="020B0604020202020204" pitchFamily="34" charset="0"/>
-              <a:buNone/>
-              <a:tabLst/>
-              <a:defRPr/>
-            </a:pPr>
-            <a:endParaRPr lang="en-US" b="1" i="0" dirty="0">
-              <a:solidFill>
-                <a:srgbClr val="1C1E21"/>
-              </a:solidFill>
-              <a:effectLst/>
-              <a:latin typeface="system-ui"/>
-            </a:endParaRPr>
-          </a:p>
-          <a:p>
-            <a:pPr marL="0" marR="0" lvl="0" indent="0" algn="l" defTabSz="914400" rtl="0" eaLnBrk="1" fontAlgn="auto" latinLnBrk="0" hangingPunct="1">
-              <a:lnSpc>
-                <a:spcPct val="100000"/>
-              </a:lnSpc>
-              <a:spcBef>
-                <a:spcPts val="0"/>
-              </a:spcBef>
-              <a:spcAft>
-                <a:spcPts val="0"/>
-              </a:spcAft>
-              <a:buClrTx/>
-              <a:buSzTx/>
-              <a:buFont typeface="Arial" panose="020B0604020202020204" pitchFamily="34" charset="0"/>
-              <a:buNone/>
-              <a:tabLst/>
-              <a:defRPr/>
-            </a:pPr>
-            <a:r>
-              <a:rPr lang="en-US" b="1" i="0" dirty="0">
-                <a:solidFill>
-                  <a:srgbClr val="1C1E21"/>
-                </a:solidFill>
-                <a:effectLst/>
-                <a:latin typeface="system-ui"/>
-              </a:rPr>
-              <a:t>Normalize Complex Nested/Relational State: </a:t>
-            </a:r>
-            <a:r>
-              <a:rPr lang="en-US" b="0" i="0" dirty="0">
-                <a:solidFill>
-                  <a:srgbClr val="1C1E21"/>
-                </a:solidFill>
-                <a:effectLst/>
-                <a:latin typeface="system-ui"/>
-              </a:rPr>
-              <a:t>Example: Taking Enterprise &amp; </a:t>
-            </a:r>
-            <a:r>
-              <a:rPr lang="en-US" b="0" i="0" dirty="0" err="1">
-                <a:solidFill>
-                  <a:srgbClr val="1C1E21"/>
-                </a:solidFill>
-                <a:effectLst/>
-                <a:latin typeface="system-ui"/>
-              </a:rPr>
-              <a:t>EnterpriseContact</a:t>
-            </a:r>
-            <a:r>
-              <a:rPr lang="en-US" b="0" i="0" dirty="0">
-                <a:solidFill>
-                  <a:srgbClr val="1C1E21"/>
-                </a:solidFill>
-                <a:effectLst/>
-                <a:latin typeface="system-ui"/>
-              </a:rPr>
-              <a:t> together or separately </a:t>
-            </a:r>
-            <a:r>
-              <a:rPr lang="en-US" b="0" i="0" dirty="0">
-                <a:solidFill>
-                  <a:srgbClr val="1C1E21"/>
-                </a:solidFill>
-                <a:effectLst/>
-                <a:latin typeface="system-ui"/>
-                <a:sym typeface="Wingdings" panose="05000000000000000000" pitchFamily="2" charset="2"/>
-              </a:rPr>
-              <a:t> 2 arrays is easier</a:t>
-            </a:r>
-          </a:p>
-          <a:p>
-            <a:pPr marL="0" marR="0" lvl="0" indent="0" algn="l" defTabSz="914400" rtl="0" eaLnBrk="1" fontAlgn="auto" latinLnBrk="0" hangingPunct="1">
-              <a:lnSpc>
-                <a:spcPct val="100000"/>
-              </a:lnSpc>
-              <a:spcBef>
-                <a:spcPts val="0"/>
-              </a:spcBef>
-              <a:spcAft>
-                <a:spcPts val="0"/>
-              </a:spcAft>
-              <a:buClrTx/>
-              <a:buSzTx/>
-              <a:buFont typeface="Arial" panose="020B0604020202020204" pitchFamily="34" charset="0"/>
-              <a:buNone/>
-              <a:tabLst/>
-              <a:defRPr/>
-            </a:pPr>
-            <a:endParaRPr lang="en-US" b="0" i="0" dirty="0">
-              <a:solidFill>
-                <a:srgbClr val="1C1E21"/>
-              </a:solidFill>
-              <a:effectLst/>
-              <a:latin typeface="system-ui"/>
-              <a:sym typeface="Wingdings" panose="05000000000000000000" pitchFamily="2" charset="2"/>
-            </a:endParaRPr>
-          </a:p>
-          <a:p>
-            <a:pPr marL="0" marR="0" lvl="0" indent="0" algn="l" defTabSz="914400" rtl="0" eaLnBrk="1" fontAlgn="auto" latinLnBrk="0" hangingPunct="1">
-              <a:lnSpc>
-                <a:spcPct val="100000"/>
-              </a:lnSpc>
-              <a:spcBef>
-                <a:spcPts val="0"/>
-              </a:spcBef>
-              <a:spcAft>
-                <a:spcPts val="0"/>
-              </a:spcAft>
-              <a:buClrTx/>
-              <a:buSzTx/>
-              <a:buFont typeface="Arial" panose="020B0604020202020204" pitchFamily="34" charset="0"/>
-              <a:buNone/>
-              <a:tabLst/>
-              <a:defRPr/>
-            </a:pPr>
-            <a:r>
-              <a:rPr lang="en-US" sz="1200" b="1" i="0" dirty="0">
-                <a:effectLst/>
-                <a:latin typeface="system-ui"/>
-              </a:rPr>
-              <a:t>Keep State Minimal and Derive Additional Values</a:t>
-            </a:r>
-            <a:r>
-              <a:rPr lang="en-US" sz="1200" b="0" i="0" dirty="0">
-                <a:solidFill>
-                  <a:srgbClr val="1C1E21"/>
-                </a:solidFill>
-                <a:effectLst/>
-                <a:latin typeface="system-ui"/>
-              </a:rPr>
-              <a:t>: loading, loaded, …</a:t>
-            </a:r>
-          </a:p>
-          <a:p>
-            <a:pPr marL="0" marR="0" lvl="0" indent="0" algn="l" defTabSz="914400" rtl="0" eaLnBrk="1" fontAlgn="auto" latinLnBrk="0" hangingPunct="1">
-              <a:lnSpc>
-                <a:spcPct val="100000"/>
-              </a:lnSpc>
-              <a:spcBef>
-                <a:spcPts val="0"/>
-              </a:spcBef>
-              <a:spcAft>
-                <a:spcPts val="0"/>
-              </a:spcAft>
-              <a:buClrTx/>
-              <a:buSzTx/>
-              <a:buFont typeface="Arial" panose="020B0604020202020204" pitchFamily="34" charset="0"/>
-              <a:buNone/>
-              <a:tabLst/>
-              <a:defRPr/>
-            </a:pPr>
-            <a:endParaRPr lang="en-US" sz="1200" b="0" i="0" dirty="0">
-              <a:solidFill>
-                <a:srgbClr val="1C1E21"/>
-              </a:solidFill>
-              <a:effectLst/>
-              <a:latin typeface="system-ui"/>
-            </a:endParaRPr>
-          </a:p>
-          <a:p>
-            <a:pPr marL="0" marR="0" lvl="0" indent="0" algn="l" defTabSz="914400" rtl="0" eaLnBrk="1" fontAlgn="auto" latinLnBrk="0" hangingPunct="1">
-              <a:lnSpc>
-                <a:spcPct val="100000"/>
-              </a:lnSpc>
-              <a:spcBef>
-                <a:spcPts val="0"/>
-              </a:spcBef>
-              <a:spcAft>
-                <a:spcPts val="0"/>
-              </a:spcAft>
-              <a:buClrTx/>
-              <a:buSzTx/>
-              <a:buFont typeface="Arial" panose="020B0604020202020204" pitchFamily="34" charset="0"/>
-              <a:buNone/>
-              <a:tabLst/>
-              <a:defRPr/>
-            </a:pPr>
-            <a:r>
-              <a:rPr lang="en-US" sz="1200" b="1" i="0" dirty="0">
-                <a:effectLst/>
-                <a:latin typeface="system-ui"/>
-              </a:rPr>
-              <a:t>Model Actions as Events, Not Setters: </a:t>
-            </a:r>
-            <a:r>
-              <a:rPr lang="en-US" sz="1200" b="0" i="0" dirty="0" err="1">
-                <a:effectLst/>
-                <a:latin typeface="system-ui"/>
-              </a:rPr>
-              <a:t>SetFilters</a:t>
-            </a:r>
-            <a:r>
-              <a:rPr lang="en-US" sz="1200" b="0" i="0" dirty="0">
-                <a:effectLst/>
-                <a:latin typeface="system-ui"/>
-              </a:rPr>
-              <a:t>, </a:t>
-            </a:r>
-            <a:r>
-              <a:rPr lang="en-US" sz="1200" b="0" i="0" dirty="0" err="1">
-                <a:effectLst/>
-                <a:latin typeface="system-ui"/>
-              </a:rPr>
-              <a:t>SetPagination</a:t>
-            </a:r>
-            <a:r>
-              <a:rPr lang="en-US" sz="1200" b="0" i="0" dirty="0">
-                <a:effectLst/>
-                <a:latin typeface="system-ui"/>
-              </a:rPr>
-              <a:t>, </a:t>
-            </a:r>
-            <a:r>
-              <a:rPr lang="en-US" sz="1200" b="0" i="0" dirty="0" err="1">
-                <a:effectLst/>
-                <a:latin typeface="system-ui"/>
-              </a:rPr>
-              <a:t>SetSorting</a:t>
-            </a:r>
-            <a:r>
-              <a:rPr lang="en-US" sz="1200" b="0" i="0" dirty="0">
-                <a:effectLst/>
-                <a:latin typeface="system-ui"/>
-              </a:rPr>
-              <a:t>, </a:t>
-            </a:r>
-            <a:r>
-              <a:rPr lang="en-US" sz="1200" b="0" i="0" dirty="0" err="1">
-                <a:effectLst/>
-                <a:latin typeface="system-ui"/>
-              </a:rPr>
-              <a:t>ResetPage</a:t>
-            </a:r>
-            <a:r>
-              <a:rPr lang="en-US" sz="1200" b="0" i="0" dirty="0">
-                <a:effectLst/>
-                <a:latin typeface="system-ui"/>
-              </a:rPr>
-              <a:t> </a:t>
-            </a:r>
-            <a:r>
-              <a:rPr lang="en-US" sz="1200" b="0" i="0" dirty="0">
-                <a:effectLst/>
-                <a:latin typeface="system-ui"/>
-                <a:sym typeface="Wingdings" panose="05000000000000000000" pitchFamily="2" charset="2"/>
-              </a:rPr>
-              <a:t> </a:t>
-            </a:r>
-            <a:r>
-              <a:rPr lang="en-US" sz="1200" b="0" i="0" dirty="0" err="1">
-                <a:effectLst/>
-                <a:latin typeface="system-ui"/>
-                <a:sym typeface="Wingdings" panose="05000000000000000000" pitchFamily="2" charset="2"/>
-              </a:rPr>
-              <a:t>SetFilters</a:t>
-            </a:r>
-            <a:r>
-              <a:rPr lang="en-US" sz="1200" b="0" i="0" dirty="0">
-                <a:effectLst/>
-                <a:latin typeface="system-ui"/>
-                <a:sym typeface="Wingdings" panose="05000000000000000000" pitchFamily="2" charset="2"/>
-              </a:rPr>
-              <a:t>(). At </a:t>
-            </a:r>
-            <a:r>
-              <a:rPr lang="en-US" sz="1200" b="0" i="0" dirty="0" err="1">
-                <a:effectLst/>
-                <a:latin typeface="system-ui"/>
-                <a:sym typeface="Wingdings" panose="05000000000000000000" pitchFamily="2" charset="2"/>
-              </a:rPr>
-              <a:t>ngOnDestroy</a:t>
-            </a:r>
-            <a:r>
-              <a:rPr lang="en-US" sz="1200" b="0" i="0" dirty="0">
-                <a:effectLst/>
-                <a:latin typeface="system-ui"/>
-                <a:sym typeface="Wingdings" panose="05000000000000000000" pitchFamily="2" charset="2"/>
-              </a:rPr>
-              <a:t>: launches </a:t>
-            </a:r>
-            <a:r>
-              <a:rPr lang="en-US" sz="1200" b="0" i="0" dirty="0" err="1">
-                <a:effectLst/>
-                <a:latin typeface="system-ui"/>
-                <a:sym typeface="Wingdings" panose="05000000000000000000" pitchFamily="2" charset="2"/>
-              </a:rPr>
-              <a:t>SetFilters</a:t>
-            </a:r>
-            <a:r>
-              <a:rPr lang="en-US" sz="1200" b="0" i="0" dirty="0">
-                <a:effectLst/>
-                <a:latin typeface="system-ui"/>
-                <a:sym typeface="Wingdings" panose="05000000000000000000" pitchFamily="2" charset="2"/>
-              </a:rPr>
-              <a:t>, </a:t>
-            </a:r>
-            <a:r>
-              <a:rPr lang="en-US" sz="1200" b="0" i="0" dirty="0" err="1">
-                <a:effectLst/>
-                <a:latin typeface="system-ui"/>
-                <a:sym typeface="Wingdings" panose="05000000000000000000" pitchFamily="2" charset="2"/>
-              </a:rPr>
-              <a:t>SetPagination</a:t>
-            </a:r>
-            <a:r>
-              <a:rPr lang="en-US" sz="1200" b="0" i="0" dirty="0">
-                <a:effectLst/>
-                <a:latin typeface="system-ui"/>
-                <a:sym typeface="Wingdings" panose="05000000000000000000" pitchFamily="2" charset="2"/>
-              </a:rPr>
-              <a:t>, </a:t>
-            </a:r>
-            <a:r>
-              <a:rPr lang="en-US" sz="1200" b="0" i="0" dirty="0" err="1">
-                <a:effectLst/>
-                <a:latin typeface="system-ui"/>
-                <a:sym typeface="Wingdings" panose="05000000000000000000" pitchFamily="2" charset="2"/>
-              </a:rPr>
-              <a:t>SetSorting</a:t>
-            </a:r>
-            <a:r>
-              <a:rPr lang="en-US" sz="1200" b="0" i="0" dirty="0">
-                <a:effectLst/>
-                <a:latin typeface="system-ui"/>
-                <a:sym typeface="Wingdings" panose="05000000000000000000" pitchFamily="2" charset="2"/>
-              </a:rPr>
-              <a:t> in sequence.</a:t>
-            </a:r>
-            <a:endParaRPr lang="en-US" sz="1200" b="1" i="0" dirty="0">
-              <a:effectLst/>
-              <a:latin typeface="system-ui"/>
-            </a:endParaRPr>
+            <a:endParaRPr lang="en-BE" dirty="0"/>
           </a:p>
         </p:txBody>
       </p:sp>
@@ -2289,7 +1803,7 @@
     </p:spTree>
     <p:extLst>
       <p:ext uri="{BB962C8B-B14F-4D97-AF65-F5344CB8AC3E}">
-        <p14:creationId xmlns:p14="http://schemas.microsoft.com/office/powerpoint/2010/main" val="3814227080"/>
+        <p14:creationId xmlns:p14="http://schemas.microsoft.com/office/powerpoint/2010/main" val="2745524561"/>
       </p:ext>
     </p:extLst>
   </p:cSld>
@@ -2360,6 +1874,636 @@
               <a:tabLst/>
               <a:defRPr/>
             </a:pPr>
+            <a:r>
+              <a:rPr lang="en-US" sz="1200" b="1" i="0" dirty="0">
+                <a:effectLst/>
+                <a:latin typeface="system-ui"/>
+              </a:rPr>
+              <a:t>Structure Files as Feature Folders with Single-File Logic: </a:t>
+            </a:r>
+            <a:r>
+              <a:rPr lang="en-US" sz="1200" b="0" i="0" dirty="0">
+                <a:effectLst/>
+                <a:latin typeface="system-ui"/>
+              </a:rPr>
+              <a:t>Don’t have folders “actions”, “reducers”, “stores”, “components” but have a folder Vouchers, Settings, Providers.</a:t>
+            </a:r>
+          </a:p>
+          <a:p>
+            <a:pPr marL="0" marR="0" lvl="0" indent="0" algn="l" defTabSz="914400" rtl="0" eaLnBrk="1" fontAlgn="auto" latinLnBrk="0" hangingPunct="1">
+              <a:lnSpc>
+                <a:spcPct val="100000"/>
+              </a:lnSpc>
+              <a:spcBef>
+                <a:spcPts val="0"/>
+              </a:spcBef>
+              <a:spcAft>
+                <a:spcPts val="0"/>
+              </a:spcAft>
+              <a:buClrTx/>
+              <a:buSzTx/>
+              <a:buFont typeface="Arial" panose="020B0604020202020204" pitchFamily="34" charset="0"/>
+              <a:buNone/>
+              <a:tabLst/>
+              <a:defRPr/>
+            </a:pPr>
+            <a:endParaRPr lang="en-US" sz="1200" b="0" i="0" dirty="0">
+              <a:effectLst/>
+              <a:latin typeface="system-ui"/>
+            </a:endParaRPr>
+          </a:p>
+          <a:p>
+            <a:pPr marL="0" marR="0" lvl="0" indent="0" algn="l" defTabSz="914400" rtl="0" eaLnBrk="1" fontAlgn="auto" latinLnBrk="0" hangingPunct="1">
+              <a:lnSpc>
+                <a:spcPct val="100000"/>
+              </a:lnSpc>
+              <a:spcBef>
+                <a:spcPts val="0"/>
+              </a:spcBef>
+              <a:spcAft>
+                <a:spcPts val="0"/>
+              </a:spcAft>
+              <a:buClrTx/>
+              <a:buSzTx/>
+              <a:buFont typeface="Arial" panose="020B0604020202020204" pitchFamily="34" charset="0"/>
+              <a:buNone/>
+              <a:tabLst/>
+              <a:defRPr/>
+            </a:pPr>
+            <a:r>
+              <a:rPr lang="en-US" sz="1200" b="1" dirty="0">
+                <a:latin typeface="system-ui"/>
+              </a:rPr>
+              <a:t>Put as Much Logic as Possible in Reducers:</a:t>
+            </a:r>
+          </a:p>
+          <a:p>
+            <a:pPr marL="171450" marR="0" lvl="0" indent="-171450" algn="l" defTabSz="914400" rtl="0" eaLnBrk="1" fontAlgn="auto" latinLnBrk="0" hangingPunct="1">
+              <a:lnSpc>
+                <a:spcPct val="100000"/>
+              </a:lnSpc>
+              <a:spcBef>
+                <a:spcPts val="0"/>
+              </a:spcBef>
+              <a:spcAft>
+                <a:spcPts val="0"/>
+              </a:spcAft>
+              <a:buClrTx/>
+              <a:buSzTx/>
+              <a:buFontTx/>
+              <a:buChar char="-"/>
+              <a:tabLst/>
+              <a:defRPr/>
+            </a:pPr>
+            <a:r>
+              <a:rPr lang="en-US" sz="1200" b="0" dirty="0">
+                <a:latin typeface="system-ui"/>
+              </a:rPr>
+              <a:t>Do not map to a different model in a component before dispatching the action.</a:t>
+            </a:r>
+          </a:p>
+          <a:p>
+            <a:pPr marL="171450" marR="0" lvl="0" indent="-171450" algn="l" defTabSz="914400" rtl="0" eaLnBrk="1" fontAlgn="auto" latinLnBrk="0" hangingPunct="1">
+              <a:lnSpc>
+                <a:spcPct val="100000"/>
+              </a:lnSpc>
+              <a:spcBef>
+                <a:spcPts val="0"/>
+              </a:spcBef>
+              <a:spcAft>
+                <a:spcPts val="0"/>
+              </a:spcAft>
+              <a:buClrTx/>
+              <a:buSzTx/>
+              <a:buFontTx/>
+              <a:buChar char="-"/>
+              <a:tabLst/>
+              <a:defRPr/>
+            </a:pPr>
+            <a:r>
+              <a:rPr lang="en-US" sz="1200" b="0" dirty="0">
+                <a:latin typeface="system-ui"/>
+              </a:rPr>
+              <a:t>Do not map to a different model in a component before displaying the state</a:t>
+            </a:r>
+          </a:p>
+          <a:p>
+            <a:pPr marL="171450" marR="0" lvl="0" indent="-171450" algn="l" defTabSz="914400" rtl="0" eaLnBrk="1" fontAlgn="auto" latinLnBrk="0" hangingPunct="1">
+              <a:lnSpc>
+                <a:spcPct val="100000"/>
+              </a:lnSpc>
+              <a:spcBef>
+                <a:spcPts val="0"/>
+              </a:spcBef>
+              <a:spcAft>
+                <a:spcPts val="0"/>
+              </a:spcAft>
+              <a:buClrTx/>
+              <a:buSzTx/>
+              <a:buFontTx/>
+              <a:buChar char="-"/>
+              <a:tabLst/>
+              <a:defRPr/>
+            </a:pPr>
+            <a:r>
+              <a:rPr lang="en-US" sz="1200" b="0" dirty="0">
+                <a:latin typeface="system-ui"/>
+              </a:rPr>
+              <a:t>Ideally there are no mappers (so only one model and less code) but this cannot always be achieved</a:t>
+            </a:r>
+            <a:endParaRPr lang="en-US" sz="1200" b="1" dirty="0">
+              <a:latin typeface="system-ui"/>
+            </a:endParaRPr>
+          </a:p>
+          <a:p>
+            <a:pPr marL="0" marR="0" lvl="0" indent="0" algn="l" defTabSz="914400" rtl="0" eaLnBrk="1" fontAlgn="auto" latinLnBrk="0" hangingPunct="1">
+              <a:lnSpc>
+                <a:spcPct val="100000"/>
+              </a:lnSpc>
+              <a:spcBef>
+                <a:spcPts val="0"/>
+              </a:spcBef>
+              <a:spcAft>
+                <a:spcPts val="0"/>
+              </a:spcAft>
+              <a:buClrTx/>
+              <a:buSzTx/>
+              <a:buFont typeface="Arial" panose="020B0604020202020204" pitchFamily="34" charset="0"/>
+              <a:buNone/>
+              <a:tabLst/>
+              <a:defRPr/>
+            </a:pPr>
+            <a:endParaRPr lang="en-US" sz="1200" b="1" i="0" dirty="0">
+              <a:effectLst/>
+              <a:latin typeface="system-ui"/>
+            </a:endParaRPr>
+          </a:p>
+          <a:p>
+            <a:pPr marL="0" marR="0" lvl="0" indent="0" algn="l" defTabSz="914400" rtl="0" eaLnBrk="1" fontAlgn="auto" latinLnBrk="0" hangingPunct="1">
+              <a:lnSpc>
+                <a:spcPct val="100000"/>
+              </a:lnSpc>
+              <a:spcBef>
+                <a:spcPts val="0"/>
+              </a:spcBef>
+              <a:spcAft>
+                <a:spcPts val="0"/>
+              </a:spcAft>
+              <a:buClrTx/>
+              <a:buSzTx/>
+              <a:buFont typeface="Arial" panose="020B0604020202020204" pitchFamily="34" charset="0"/>
+              <a:buNone/>
+              <a:tabLst/>
+              <a:defRPr/>
+            </a:pPr>
+            <a:r>
+              <a:rPr lang="en-US" sz="1200" b="1" i="0" dirty="0">
+                <a:effectLst/>
+                <a:latin typeface="system-ui"/>
+              </a:rPr>
+              <a:t>Organize State Structure Based on Data Types, Not Components: </a:t>
+            </a:r>
+            <a:r>
+              <a:rPr lang="en-US" sz="1200" b="0" i="0" dirty="0">
+                <a:effectLst/>
+                <a:latin typeface="system-ui"/>
+              </a:rPr>
+              <a:t>Do not create providers, </a:t>
+            </a:r>
+            <a:r>
+              <a:rPr lang="en-US" sz="1200" b="0" i="0" dirty="0" err="1">
+                <a:effectLst/>
+                <a:latin typeface="system-ui"/>
+              </a:rPr>
+              <a:t>activeProviders</a:t>
+            </a:r>
+            <a:r>
+              <a:rPr lang="en-US" sz="1200" b="0" i="0" dirty="0">
+                <a:effectLst/>
+                <a:latin typeface="system-ui"/>
+              </a:rPr>
+              <a:t> and </a:t>
+            </a:r>
+            <a:r>
+              <a:rPr lang="en-US" sz="1200" b="0" i="0" dirty="0" err="1">
+                <a:effectLst/>
+                <a:latin typeface="system-ui"/>
+              </a:rPr>
+              <a:t>providerDetails</a:t>
+            </a:r>
+            <a:r>
+              <a:rPr lang="en-US" sz="1200" b="0" i="0" dirty="0">
+                <a:effectLst/>
+                <a:latin typeface="system-ui"/>
+              </a:rPr>
+              <a:t> reducers but create just one providers reducer</a:t>
+            </a:r>
+          </a:p>
+          <a:p>
+            <a:pPr marL="0" marR="0" lvl="0" indent="0" algn="l" defTabSz="914400" rtl="0" eaLnBrk="1" fontAlgn="auto" latinLnBrk="0" hangingPunct="1">
+              <a:lnSpc>
+                <a:spcPct val="100000"/>
+              </a:lnSpc>
+              <a:spcBef>
+                <a:spcPts val="0"/>
+              </a:spcBef>
+              <a:spcAft>
+                <a:spcPts val="0"/>
+              </a:spcAft>
+              <a:buClrTx/>
+              <a:buSzTx/>
+              <a:buFont typeface="Arial" panose="020B0604020202020204" pitchFamily="34" charset="0"/>
+              <a:buNone/>
+              <a:tabLst/>
+              <a:defRPr/>
+            </a:pPr>
+            <a:r>
+              <a:rPr lang="en-US" sz="1200" b="0" i="0" dirty="0">
+                <a:effectLst/>
+                <a:latin typeface="system-ui"/>
+                <a:sym typeface="Wingdings" panose="05000000000000000000" pitchFamily="2" charset="2"/>
+              </a:rPr>
+              <a:t> Also called “</a:t>
+            </a:r>
+            <a:r>
+              <a:rPr lang="en-US" b="0" i="0" dirty="0">
+                <a:solidFill>
+                  <a:srgbClr val="292929"/>
+                </a:solidFill>
+                <a:effectLst/>
+                <a:latin typeface="charter"/>
+              </a:rPr>
+              <a:t>Ducks methodology</a:t>
+            </a:r>
+            <a:r>
+              <a:rPr lang="en-US" sz="1200" b="0" i="0" dirty="0">
+                <a:solidFill>
+                  <a:srgbClr val="292929"/>
+                </a:solidFill>
+                <a:effectLst/>
+                <a:latin typeface="system-ui"/>
+              </a:rPr>
+              <a:t>”</a:t>
+            </a:r>
+            <a:endParaRPr lang="en-US" sz="1200" b="1" i="0" dirty="0">
+              <a:effectLst/>
+              <a:latin typeface="system-ui"/>
+            </a:endParaRPr>
+          </a:p>
+          <a:p>
+            <a:pPr marL="0" marR="0" lvl="0" indent="0" algn="l" defTabSz="914400" rtl="0" eaLnBrk="1" fontAlgn="auto" latinLnBrk="0" hangingPunct="1">
+              <a:lnSpc>
+                <a:spcPct val="100000"/>
+              </a:lnSpc>
+              <a:spcBef>
+                <a:spcPts val="0"/>
+              </a:spcBef>
+              <a:spcAft>
+                <a:spcPts val="0"/>
+              </a:spcAft>
+              <a:buClrTx/>
+              <a:buSzTx/>
+              <a:buFont typeface="Arial" panose="020B0604020202020204" pitchFamily="34" charset="0"/>
+              <a:buNone/>
+              <a:tabLst/>
+              <a:defRPr/>
+            </a:pPr>
+            <a:endParaRPr lang="en-US" b="1" i="0" dirty="0">
+              <a:solidFill>
+                <a:srgbClr val="1C1E21"/>
+              </a:solidFill>
+              <a:effectLst/>
+              <a:latin typeface="system-ui"/>
+            </a:endParaRPr>
+          </a:p>
+          <a:p>
+            <a:pPr marL="0" marR="0" lvl="0" indent="0" algn="l" defTabSz="914400" rtl="0" eaLnBrk="1" fontAlgn="auto" latinLnBrk="0" hangingPunct="1">
+              <a:lnSpc>
+                <a:spcPct val="100000"/>
+              </a:lnSpc>
+              <a:spcBef>
+                <a:spcPts val="0"/>
+              </a:spcBef>
+              <a:spcAft>
+                <a:spcPts val="0"/>
+              </a:spcAft>
+              <a:buClrTx/>
+              <a:buSzTx/>
+              <a:buFont typeface="Arial" panose="020B0604020202020204" pitchFamily="34" charset="0"/>
+              <a:buNone/>
+              <a:tabLst/>
+              <a:defRPr/>
+            </a:pPr>
+            <a:r>
+              <a:rPr lang="en-US" b="1" i="0" dirty="0">
+                <a:solidFill>
+                  <a:srgbClr val="1C1E21"/>
+                </a:solidFill>
+                <a:effectLst/>
+                <a:latin typeface="system-ui"/>
+              </a:rPr>
+              <a:t>Normalize Complex Nested/Relational State: </a:t>
+            </a:r>
+            <a:r>
+              <a:rPr lang="en-US" b="0" i="0" dirty="0">
+                <a:solidFill>
+                  <a:srgbClr val="1C1E21"/>
+                </a:solidFill>
+                <a:effectLst/>
+                <a:latin typeface="system-ui"/>
+              </a:rPr>
+              <a:t>Example: Taking Enterprise &amp; </a:t>
+            </a:r>
+            <a:r>
+              <a:rPr lang="en-US" b="0" i="0" dirty="0" err="1">
+                <a:solidFill>
+                  <a:srgbClr val="1C1E21"/>
+                </a:solidFill>
+                <a:effectLst/>
+                <a:latin typeface="system-ui"/>
+              </a:rPr>
+              <a:t>EnterpriseContact</a:t>
+            </a:r>
+            <a:r>
+              <a:rPr lang="en-US" b="0" i="0" dirty="0">
+                <a:solidFill>
+                  <a:srgbClr val="1C1E21"/>
+                </a:solidFill>
+                <a:effectLst/>
+                <a:latin typeface="system-ui"/>
+              </a:rPr>
+              <a:t> together or separately </a:t>
+            </a:r>
+            <a:r>
+              <a:rPr lang="en-US" b="0" i="0" dirty="0">
+                <a:solidFill>
+                  <a:srgbClr val="1C1E21"/>
+                </a:solidFill>
+                <a:effectLst/>
+                <a:latin typeface="system-ui"/>
+                <a:sym typeface="Wingdings" panose="05000000000000000000" pitchFamily="2" charset="2"/>
+              </a:rPr>
+              <a:t> 2 arrays is easier</a:t>
+            </a:r>
+          </a:p>
+          <a:p>
+            <a:pPr marL="0" marR="0" lvl="0" indent="0" algn="l" defTabSz="914400" rtl="0" eaLnBrk="1" fontAlgn="auto" latinLnBrk="0" hangingPunct="1">
+              <a:lnSpc>
+                <a:spcPct val="100000"/>
+              </a:lnSpc>
+              <a:spcBef>
+                <a:spcPts val="0"/>
+              </a:spcBef>
+              <a:spcAft>
+                <a:spcPts val="0"/>
+              </a:spcAft>
+              <a:buClrTx/>
+              <a:buSzTx/>
+              <a:buFont typeface="Arial" panose="020B0604020202020204" pitchFamily="34" charset="0"/>
+              <a:buNone/>
+              <a:tabLst/>
+              <a:defRPr/>
+            </a:pPr>
+            <a:endParaRPr lang="en-US" b="0" i="0" dirty="0">
+              <a:solidFill>
+                <a:srgbClr val="1C1E21"/>
+              </a:solidFill>
+              <a:effectLst/>
+              <a:latin typeface="system-ui"/>
+              <a:sym typeface="Wingdings" panose="05000000000000000000" pitchFamily="2" charset="2"/>
+            </a:endParaRPr>
+          </a:p>
+          <a:p>
+            <a:pPr marL="0" marR="0" lvl="0" indent="0" algn="l" defTabSz="914400" rtl="0" eaLnBrk="1" fontAlgn="auto" latinLnBrk="0" hangingPunct="1">
+              <a:lnSpc>
+                <a:spcPct val="100000"/>
+              </a:lnSpc>
+              <a:spcBef>
+                <a:spcPts val="0"/>
+              </a:spcBef>
+              <a:spcAft>
+                <a:spcPts val="0"/>
+              </a:spcAft>
+              <a:buClrTx/>
+              <a:buSzTx/>
+              <a:buFont typeface="Arial" panose="020B0604020202020204" pitchFamily="34" charset="0"/>
+              <a:buNone/>
+              <a:tabLst/>
+              <a:defRPr/>
+            </a:pPr>
+            <a:r>
+              <a:rPr lang="en-US" sz="1200" b="1" i="0" dirty="0">
+                <a:effectLst/>
+                <a:latin typeface="system-ui"/>
+              </a:rPr>
+              <a:t>Keep State Minimal and Derive Additional Values</a:t>
+            </a:r>
+            <a:r>
+              <a:rPr lang="en-US" sz="1200" b="0" i="0" dirty="0">
+                <a:solidFill>
+                  <a:srgbClr val="1C1E21"/>
+                </a:solidFill>
+                <a:effectLst/>
+                <a:latin typeface="system-ui"/>
+              </a:rPr>
+              <a:t>: loading, loaded, …</a:t>
+            </a:r>
+          </a:p>
+          <a:p>
+            <a:pPr marL="0" marR="0" lvl="0" indent="0" algn="l" defTabSz="914400" rtl="0" eaLnBrk="1" fontAlgn="auto" latinLnBrk="0" hangingPunct="1">
+              <a:lnSpc>
+                <a:spcPct val="100000"/>
+              </a:lnSpc>
+              <a:spcBef>
+                <a:spcPts val="0"/>
+              </a:spcBef>
+              <a:spcAft>
+                <a:spcPts val="0"/>
+              </a:spcAft>
+              <a:buClrTx/>
+              <a:buSzTx/>
+              <a:buFont typeface="Arial" panose="020B0604020202020204" pitchFamily="34" charset="0"/>
+              <a:buNone/>
+              <a:tabLst/>
+              <a:defRPr/>
+            </a:pPr>
+            <a:endParaRPr lang="en-US" sz="1200" b="0" i="0" dirty="0">
+              <a:solidFill>
+                <a:srgbClr val="1C1E21"/>
+              </a:solidFill>
+              <a:effectLst/>
+              <a:latin typeface="system-ui"/>
+            </a:endParaRPr>
+          </a:p>
+          <a:p>
+            <a:pPr marL="0" marR="0" lvl="0" indent="0" algn="l" defTabSz="914400" rtl="0" eaLnBrk="1" fontAlgn="auto" latinLnBrk="0" hangingPunct="1">
+              <a:lnSpc>
+                <a:spcPct val="100000"/>
+              </a:lnSpc>
+              <a:spcBef>
+                <a:spcPts val="0"/>
+              </a:spcBef>
+              <a:spcAft>
+                <a:spcPts val="0"/>
+              </a:spcAft>
+              <a:buClrTx/>
+              <a:buSzTx/>
+              <a:buFont typeface="Arial" panose="020B0604020202020204" pitchFamily="34" charset="0"/>
+              <a:buNone/>
+              <a:tabLst/>
+              <a:defRPr/>
+            </a:pPr>
+            <a:r>
+              <a:rPr lang="en-US" sz="1200" b="1" i="0" dirty="0">
+                <a:effectLst/>
+                <a:latin typeface="system-ui"/>
+              </a:rPr>
+              <a:t>Model Actions as Events, Not Setters: </a:t>
+            </a:r>
+            <a:r>
+              <a:rPr lang="en-US" sz="1200" b="0" i="0" dirty="0" err="1">
+                <a:effectLst/>
+                <a:latin typeface="system-ui"/>
+              </a:rPr>
+              <a:t>SetFilters</a:t>
+            </a:r>
+            <a:r>
+              <a:rPr lang="en-US" sz="1200" b="0" i="0" dirty="0">
+                <a:effectLst/>
+                <a:latin typeface="system-ui"/>
+              </a:rPr>
+              <a:t>, </a:t>
+            </a:r>
+            <a:r>
+              <a:rPr lang="en-US" sz="1200" b="0" i="0" dirty="0" err="1">
+                <a:effectLst/>
+                <a:latin typeface="system-ui"/>
+              </a:rPr>
+              <a:t>SetPagination</a:t>
+            </a:r>
+            <a:r>
+              <a:rPr lang="en-US" sz="1200" b="0" i="0" dirty="0">
+                <a:effectLst/>
+                <a:latin typeface="system-ui"/>
+              </a:rPr>
+              <a:t>, </a:t>
+            </a:r>
+            <a:r>
+              <a:rPr lang="en-US" sz="1200" b="0" i="0" dirty="0" err="1">
+                <a:effectLst/>
+                <a:latin typeface="system-ui"/>
+              </a:rPr>
+              <a:t>SetSorting</a:t>
+            </a:r>
+            <a:r>
+              <a:rPr lang="en-US" sz="1200" b="0" i="0" dirty="0">
+                <a:effectLst/>
+                <a:latin typeface="system-ui"/>
+              </a:rPr>
+              <a:t>, </a:t>
+            </a:r>
+            <a:r>
+              <a:rPr lang="en-US" sz="1200" b="0" i="0" dirty="0" err="1">
+                <a:effectLst/>
+                <a:latin typeface="system-ui"/>
+              </a:rPr>
+              <a:t>ResetPage</a:t>
+            </a:r>
+            <a:r>
+              <a:rPr lang="en-US" sz="1200" b="0" i="0" dirty="0">
+                <a:effectLst/>
+                <a:latin typeface="system-ui"/>
+              </a:rPr>
+              <a:t> </a:t>
+            </a:r>
+            <a:r>
+              <a:rPr lang="en-US" sz="1200" b="0" i="0" dirty="0">
+                <a:effectLst/>
+                <a:latin typeface="system-ui"/>
+                <a:sym typeface="Wingdings" panose="05000000000000000000" pitchFamily="2" charset="2"/>
+              </a:rPr>
+              <a:t> </a:t>
+            </a:r>
+            <a:r>
+              <a:rPr lang="en-US" sz="1200" b="0" i="0" dirty="0" err="1">
+                <a:effectLst/>
+                <a:latin typeface="system-ui"/>
+                <a:sym typeface="Wingdings" panose="05000000000000000000" pitchFamily="2" charset="2"/>
+              </a:rPr>
+              <a:t>SetFilters</a:t>
+            </a:r>
+            <a:r>
+              <a:rPr lang="en-US" sz="1200" b="0" i="0" dirty="0">
+                <a:effectLst/>
+                <a:latin typeface="system-ui"/>
+                <a:sym typeface="Wingdings" panose="05000000000000000000" pitchFamily="2" charset="2"/>
+              </a:rPr>
+              <a:t>(). At </a:t>
+            </a:r>
+            <a:r>
+              <a:rPr lang="en-US" sz="1200" b="0" i="0" dirty="0" err="1">
+                <a:effectLst/>
+                <a:latin typeface="system-ui"/>
+                <a:sym typeface="Wingdings" panose="05000000000000000000" pitchFamily="2" charset="2"/>
+              </a:rPr>
+              <a:t>ngOnDestroy</a:t>
+            </a:r>
+            <a:r>
+              <a:rPr lang="en-US" sz="1200" b="0" i="0" dirty="0">
+                <a:effectLst/>
+                <a:latin typeface="system-ui"/>
+                <a:sym typeface="Wingdings" panose="05000000000000000000" pitchFamily="2" charset="2"/>
+              </a:rPr>
+              <a:t>: launches </a:t>
+            </a:r>
+            <a:r>
+              <a:rPr lang="en-US" sz="1200" b="0" i="0" dirty="0" err="1">
+                <a:effectLst/>
+                <a:latin typeface="system-ui"/>
+                <a:sym typeface="Wingdings" panose="05000000000000000000" pitchFamily="2" charset="2"/>
+              </a:rPr>
+              <a:t>SetFilters</a:t>
+            </a:r>
+            <a:r>
+              <a:rPr lang="en-US" sz="1200" b="0" i="0" dirty="0">
+                <a:effectLst/>
+                <a:latin typeface="system-ui"/>
+                <a:sym typeface="Wingdings" panose="05000000000000000000" pitchFamily="2" charset="2"/>
+              </a:rPr>
+              <a:t>, </a:t>
+            </a:r>
+            <a:r>
+              <a:rPr lang="en-US" sz="1200" b="0" i="0" dirty="0" err="1">
+                <a:effectLst/>
+                <a:latin typeface="system-ui"/>
+                <a:sym typeface="Wingdings" panose="05000000000000000000" pitchFamily="2" charset="2"/>
+              </a:rPr>
+              <a:t>SetPagination</a:t>
+            </a:r>
+            <a:r>
+              <a:rPr lang="en-US" sz="1200" b="0" i="0" dirty="0">
+                <a:effectLst/>
+                <a:latin typeface="system-ui"/>
+                <a:sym typeface="Wingdings" panose="05000000000000000000" pitchFamily="2" charset="2"/>
+              </a:rPr>
+              <a:t>, </a:t>
+            </a:r>
+            <a:r>
+              <a:rPr lang="en-US" sz="1200" b="0" i="0" dirty="0" err="1">
+                <a:effectLst/>
+                <a:latin typeface="system-ui"/>
+                <a:sym typeface="Wingdings" panose="05000000000000000000" pitchFamily="2" charset="2"/>
+              </a:rPr>
+              <a:t>SetSorting</a:t>
+            </a:r>
+            <a:r>
+              <a:rPr lang="en-US" sz="1200" b="0" i="0" dirty="0">
+                <a:effectLst/>
+                <a:latin typeface="system-ui"/>
+                <a:sym typeface="Wingdings" panose="05000000000000000000" pitchFamily="2" charset="2"/>
+              </a:rPr>
+              <a:t> in sequence.</a:t>
+            </a:r>
             <a:endParaRPr lang="en-US" sz="1200" b="1" i="0" dirty="0">
               <a:effectLst/>
               <a:latin typeface="system-ui"/>
@@ -2393,7 +2537,7 @@
     </p:spTree>
     <p:extLst>
       <p:ext uri="{BB962C8B-B14F-4D97-AF65-F5344CB8AC3E}">
-        <p14:creationId xmlns:p14="http://schemas.microsoft.com/office/powerpoint/2010/main" val="1552536203"/>
+        <p14:creationId xmlns:p14="http://schemas.microsoft.com/office/powerpoint/2010/main" val="3814227080"/>
       </p:ext>
     </p:extLst>
   </p:cSld>
@@ -2447,11 +2591,27 @@
           <a:bodyPr/>
           <a:lstStyle/>
           <a:p>
-            <a:pPr marL="0" indent="0">
+            <a:pPr marL="0" marR="0" lvl="0" indent="0" algn="l" defTabSz="914400" rtl="0" eaLnBrk="1" fontAlgn="auto" latinLnBrk="0" hangingPunct="1">
+              <a:lnSpc>
+                <a:spcPct val="100000"/>
+              </a:lnSpc>
+              <a:spcBef>
+                <a:spcPts val="0"/>
+              </a:spcBef>
+              <a:spcAft>
+                <a:spcPts val="0"/>
+              </a:spcAft>
+              <a:buClrTx/>
+              <a:buSzTx/>
               <a:buFont typeface="Arial" panose="020B0604020202020204" pitchFamily="34" charset="0"/>
               <a:buNone/>
+              <a:tabLst/>
+              <a:defRPr/>
             </a:pPr>
-            <a:endParaRPr lang="en-BE" dirty="0"/>
+            <a:endParaRPr lang="en-US" sz="1200" b="1" i="0" dirty="0">
+              <a:effectLst/>
+              <a:latin typeface="system-ui"/>
+            </a:endParaRPr>
           </a:p>
         </p:txBody>
       </p:sp>
@@ -2481,7 +2641,7 @@
     </p:spTree>
     <p:extLst>
       <p:ext uri="{BB962C8B-B14F-4D97-AF65-F5344CB8AC3E}">
-        <p14:creationId xmlns:p14="http://schemas.microsoft.com/office/powerpoint/2010/main" val="751546867"/>
+        <p14:creationId xmlns:p14="http://schemas.microsoft.com/office/powerpoint/2010/main" val="1552536203"/>
       </p:ext>
     </p:extLst>
   </p:cSld>
@@ -2694,7 +2854,7 @@
             <a:fld id="{B61BEF0D-F0BB-DE4B-95CE-6DB70DBA9567}" type="datetimeFigureOut">
               <a:rPr lang="en-US" dirty="0"/>
               <a:pPr/>
-              <a:t>5/22/2022</a:t>
+              <a:t>6/8/2022</a:t>
             </a:fld>
             <a:endParaRPr lang="en-US" dirty="0"/>
           </a:p>
@@ -2982,7 +3142,7 @@
             <a:fld id="{B61BEF0D-F0BB-DE4B-95CE-6DB70DBA9567}" type="datetimeFigureOut">
               <a:rPr lang="en-US" dirty="0"/>
               <a:pPr/>
-              <a:t>5/22/2022</a:t>
+              <a:t>6/8/2022</a:t>
             </a:fld>
             <a:endParaRPr lang="en-US" dirty="0"/>
           </a:p>
@@ -3227,7 +3387,7 @@
             <a:fld id="{B61BEF0D-F0BB-DE4B-95CE-6DB70DBA9567}" type="datetimeFigureOut">
               <a:rPr lang="en-US" dirty="0"/>
               <a:pPr/>
-              <a:t>5/22/2022</a:t>
+              <a:t>6/8/2022</a:t>
             </a:fld>
             <a:endParaRPr lang="en-US" dirty="0"/>
           </a:p>
@@ -3760,7 +3920,7 @@
             <a:fld id="{B61BEF0D-F0BB-DE4B-95CE-6DB70DBA9567}" type="datetimeFigureOut">
               <a:rPr lang="en-US" dirty="0"/>
               <a:pPr/>
-              <a:t>5/22/2022</a:t>
+              <a:t>6/8/2022</a:t>
             </a:fld>
             <a:endParaRPr lang="en-US" dirty="0"/>
           </a:p>
@@ -4005,7 +4165,7 @@
             <a:fld id="{B61BEF0D-F0BB-DE4B-95CE-6DB70DBA9567}" type="datetimeFigureOut">
               <a:rPr lang="en-US" dirty="0"/>
               <a:pPr/>
-              <a:t>5/22/2022</a:t>
+              <a:t>6/8/2022</a:t>
             </a:fld>
             <a:endParaRPr lang="en-US" dirty="0"/>
           </a:p>
@@ -4545,7 +4705,7 @@
             <a:fld id="{B61BEF0D-F0BB-DE4B-95CE-6DB70DBA9567}" type="datetimeFigureOut">
               <a:rPr lang="en-US" dirty="0"/>
               <a:pPr/>
-              <a:t>5/22/2022</a:t>
+              <a:t>6/8/2022</a:t>
             </a:fld>
             <a:endParaRPr lang="en-US" dirty="0"/>
           </a:p>
@@ -4852,7 +5012,7 @@
             <a:fld id="{B61BEF0D-F0BB-DE4B-95CE-6DB70DBA9567}" type="datetimeFigureOut">
               <a:rPr lang="en-US" dirty="0"/>
               <a:pPr/>
-              <a:t>5/22/2022</a:t>
+              <a:t>6/8/2022</a:t>
             </a:fld>
             <a:endParaRPr lang="en-US" dirty="0"/>
           </a:p>
@@ -5024,7 +5184,7 @@
             <a:fld id="{B61BEF0D-F0BB-DE4B-95CE-6DB70DBA9567}" type="datetimeFigureOut">
               <a:rPr lang="en-US" dirty="0"/>
               <a:pPr/>
-              <a:t>5/22/2022</a:t>
+              <a:t>6/8/2022</a:t>
             </a:fld>
             <a:endParaRPr lang="en-US" dirty="0"/>
           </a:p>
@@ -5201,7 +5361,7 @@
             <a:fld id="{B61BEF0D-F0BB-DE4B-95CE-6DB70DBA9567}" type="datetimeFigureOut">
               <a:rPr lang="en-US" dirty="0"/>
               <a:pPr/>
-              <a:t>5/22/2022</a:t>
+              <a:t>6/8/2022</a:t>
             </a:fld>
             <a:endParaRPr lang="en-US" dirty="0"/>
           </a:p>
@@ -5368,7 +5528,7 @@
             <a:fld id="{B61BEF0D-F0BB-DE4B-95CE-6DB70DBA9567}" type="datetimeFigureOut">
               <a:rPr lang="en-US" dirty="0"/>
               <a:pPr/>
-              <a:t>5/22/2022</a:t>
+              <a:t>6/8/2022</a:t>
             </a:fld>
             <a:endParaRPr lang="en-US" dirty="0"/>
           </a:p>
@@ -5611,7 +5771,7 @@
             <a:fld id="{B61BEF0D-F0BB-DE4B-95CE-6DB70DBA9567}" type="datetimeFigureOut">
               <a:rPr lang="en-US" dirty="0"/>
               <a:pPr/>
-              <a:t>5/22/2022</a:t>
+              <a:t>6/8/2022</a:t>
             </a:fld>
             <a:endParaRPr lang="en-US" dirty="0"/>
           </a:p>
@@ -5900,7 +6060,7 @@
             <a:fld id="{B61BEF0D-F0BB-DE4B-95CE-6DB70DBA9567}" type="datetimeFigureOut">
               <a:rPr lang="en-US" dirty="0"/>
               <a:pPr/>
-              <a:t>5/22/2022</a:t>
+              <a:t>6/8/2022</a:t>
             </a:fld>
             <a:endParaRPr lang="en-US" dirty="0"/>
           </a:p>
@@ -6327,7 +6487,7 @@
             <a:fld id="{B61BEF0D-F0BB-DE4B-95CE-6DB70DBA9567}" type="datetimeFigureOut">
               <a:rPr lang="en-US" dirty="0"/>
               <a:pPr/>
-              <a:t>5/22/2022</a:t>
+              <a:t>6/8/2022</a:t>
             </a:fld>
             <a:endParaRPr lang="en-US" dirty="0"/>
           </a:p>
@@ -6447,7 +6607,7 @@
             <a:fld id="{B61BEF0D-F0BB-DE4B-95CE-6DB70DBA9567}" type="datetimeFigureOut">
               <a:rPr lang="en-US" dirty="0"/>
               <a:pPr/>
-              <a:t>5/22/2022</a:t>
+              <a:t>6/8/2022</a:t>
             </a:fld>
             <a:endParaRPr lang="en-US" dirty="0"/>
           </a:p>
@@ -6539,7 +6699,7 @@
             <a:fld id="{B61BEF0D-F0BB-DE4B-95CE-6DB70DBA9567}" type="datetimeFigureOut">
               <a:rPr lang="en-US" dirty="0"/>
               <a:pPr/>
-              <a:t>5/22/2022</a:t>
+              <a:t>6/8/2022</a:t>
             </a:fld>
             <a:endParaRPr lang="en-US" dirty="0"/>
           </a:p>
@@ -6819,7 +6979,7 @@
             <a:fld id="{B61BEF0D-F0BB-DE4B-95CE-6DB70DBA9567}" type="datetimeFigureOut">
               <a:rPr lang="en-US" dirty="0"/>
               <a:pPr/>
-              <a:t>5/22/2022</a:t>
+              <a:t>6/8/2022</a:t>
             </a:fld>
             <a:endParaRPr lang="en-US" dirty="0"/>
           </a:p>
@@ -7107,7 +7267,7 @@
             <a:fld id="{B61BEF0D-F0BB-DE4B-95CE-6DB70DBA9567}" type="datetimeFigureOut">
               <a:rPr lang="en-US" dirty="0"/>
               <a:pPr/>
-              <a:t>5/22/2022</a:t>
+              <a:t>6/8/2022</a:t>
             </a:fld>
             <a:endParaRPr lang="en-US" dirty="0"/>
           </a:p>
@@ -7335,7 +7495,7 @@
             <a:fld id="{B61BEF0D-F0BB-DE4B-95CE-6DB70DBA9567}" type="datetimeFigureOut">
               <a:rPr lang="en-US" dirty="0"/>
               <a:pPr/>
-              <a:t>5/22/2022</a:t>
+              <a:t>6/8/2022</a:t>
             </a:fld>
             <a:endParaRPr lang="en-US" dirty="0"/>
           </a:p>
@@ -8282,51 +8442,6 @@
       </p:pic>
       <p:sp>
         <p:nvSpPr>
-          <p:cNvPr id="5" name="AutoShape 4" descr="Serverless Vs Containers Deploy Speeds">
-            <a:extLst>
-              <a:ext uri="{FF2B5EF4-FFF2-40B4-BE49-F238E27FC236}">
-                <a16:creationId xmlns:a16="http://schemas.microsoft.com/office/drawing/2014/main" id="{74838526-8A97-43C5-AA2E-50438D453F15}"/>
-              </a:ext>
-            </a:extLst>
-          </p:cNvPr>
-          <p:cNvSpPr>
-            <a:spLocks noChangeAspect="1" noChangeArrowheads="1"/>
-          </p:cNvSpPr>
-          <p:nvPr/>
-        </p:nvSpPr>
-        <p:spPr bwMode="auto">
-          <a:xfrm>
-            <a:off x="5943599" y="3276599"/>
-            <a:ext cx="2719137" cy="2719137"/>
-          </a:xfrm>
-          <a:prstGeom prst="rect">
-            <a:avLst/>
-          </a:prstGeom>
-          <a:noFill/>
-          <a:extLst>
-            <a:ext uri="{909E8E84-426E-40DD-AFC4-6F175D3DCCD1}">
-              <a14:hiddenFill xmlns:a14="http://schemas.microsoft.com/office/drawing/2010/main">
-                <a:solidFill>
-                  <a:srgbClr val="FFFFFF"/>
-                </a:solidFill>
-              </a14:hiddenFill>
-            </a:ext>
-          </a:extLst>
-        </p:spPr>
-        <p:txBody>
-          <a:bodyPr vert="horz" wrap="square" lIns="91440" tIns="45720" rIns="91440" bIns="45720" numCol="1" anchor="t" anchorCtr="0" compatLnSpc="1">
-            <a:prstTxWarp prst="textNoShape">
-              <a:avLst/>
-            </a:prstTxWarp>
-          </a:bodyPr>
-          <a:lstStyle/>
-          <a:p>
-            <a:endParaRPr lang="en-BE"/>
-          </a:p>
-        </p:txBody>
-      </p:sp>
-      <p:sp>
-        <p:nvSpPr>
           <p:cNvPr id="4" name="Title 3">
             <a:extLst>
               <a:ext uri="{FF2B5EF4-FFF2-40B4-BE49-F238E27FC236}">
@@ -8343,7 +8458,7 @@
         </p:nvSpPr>
         <p:spPr>
           <a:xfrm>
-            <a:off x="324744" y="2846152"/>
+            <a:off x="324744" y="738344"/>
             <a:ext cx="11542512" cy="860893"/>
           </a:xfrm>
         </p:spPr>
@@ -8353,16 +8468,46 @@
           <a:p>
             <a:r>
               <a:rPr lang="fr-BE" dirty="0"/>
-              <a:t>Questions?</a:t>
+              <a:t>Akita</a:t>
             </a:r>
             <a:endParaRPr lang="en-BE" dirty="0"/>
           </a:p>
         </p:txBody>
       </p:sp>
+      <p:pic>
+        <p:nvPicPr>
+          <p:cNvPr id="8" name="Picture 7">
+            <a:extLst>
+              <a:ext uri="{FF2B5EF4-FFF2-40B4-BE49-F238E27FC236}">
+                <a16:creationId xmlns:a16="http://schemas.microsoft.com/office/drawing/2014/main" id="{809611A6-2869-72BB-B58F-00B0F2055364}"/>
+              </a:ext>
+            </a:extLst>
+          </p:cNvPr>
+          <p:cNvPicPr>
+            <a:picLocks noChangeAspect="1"/>
+          </p:cNvPicPr>
+          <p:nvPr/>
+        </p:nvPicPr>
+        <p:blipFill>
+          <a:blip r:embed="rId5"/>
+          <a:stretch>
+            <a:fillRect/>
+          </a:stretch>
+        </p:blipFill>
+        <p:spPr>
+          <a:xfrm>
+            <a:off x="1836233" y="1699598"/>
+            <a:ext cx="8757426" cy="4916668"/>
+          </a:xfrm>
+          <a:prstGeom prst="rect">
+            <a:avLst/>
+          </a:prstGeom>
+        </p:spPr>
+      </p:pic>
     </p:spTree>
     <p:extLst>
       <p:ext uri="{BB962C8B-B14F-4D97-AF65-F5344CB8AC3E}">
-        <p14:creationId xmlns:p14="http://schemas.microsoft.com/office/powerpoint/2010/main" val="2992078847"/>
+        <p14:creationId xmlns:p14="http://schemas.microsoft.com/office/powerpoint/2010/main" val="3136504583"/>
       </p:ext>
     </p:extLst>
   </p:cSld>
@@ -8486,7 +8631,7 @@
         </p:nvSpPr>
         <p:spPr>
           <a:xfrm>
-            <a:off x="172343" y="1061957"/>
+            <a:off x="324744" y="2846152"/>
             <a:ext cx="11542512" cy="860893"/>
           </a:xfrm>
         </p:spPr>
@@ -8495,100 +8640,17 @@
           <a:lstStyle/>
           <a:p>
             <a:r>
-              <a:rPr lang="fr-BE" dirty="0" err="1"/>
-              <a:t>resources</a:t>
+              <a:rPr lang="fr-BE" dirty="0"/>
+              <a:t>Questions?</a:t>
             </a:r>
             <a:endParaRPr lang="en-BE" dirty="0"/>
-          </a:p>
-        </p:txBody>
-      </p:sp>
-      <p:sp>
-        <p:nvSpPr>
-          <p:cNvPr id="8" name="TextBox 7">
-            <a:extLst>
-              <a:ext uri="{FF2B5EF4-FFF2-40B4-BE49-F238E27FC236}">
-                <a16:creationId xmlns:a16="http://schemas.microsoft.com/office/drawing/2014/main" id="{E945BC42-63B2-9B21-BC68-C4B2B0C08A19}"/>
-              </a:ext>
-            </a:extLst>
-          </p:cNvPr>
-          <p:cNvSpPr txBox="1"/>
-          <p:nvPr/>
-        </p:nvSpPr>
-        <p:spPr>
-          <a:xfrm>
-            <a:off x="355384" y="2378988"/>
-            <a:ext cx="11664273" cy="2062103"/>
-          </a:xfrm>
-          <a:prstGeom prst="rect">
-            <a:avLst/>
-          </a:prstGeom>
-          <a:noFill/>
-        </p:spPr>
-        <p:txBody>
-          <a:bodyPr wrap="square" rtlCol="0">
-            <a:spAutoFit/>
-          </a:bodyPr>
-          <a:lstStyle/>
-          <a:p>
-            <a:pPr marL="457200" indent="-457200">
-              <a:buFont typeface="Arial" panose="020B0604020202020204" pitchFamily="34" charset="0"/>
-              <a:buChar char="•"/>
-            </a:pPr>
-            <a:r>
-              <a:rPr lang="en-US" sz="3200" dirty="0"/>
-              <a:t>Dan Abramov: </a:t>
-            </a:r>
-            <a:r>
-              <a:rPr lang="en-US" sz="3200" dirty="0">
-                <a:hlinkClick r:id="rId5"/>
-              </a:rPr>
-              <a:t>You Might Not Need Redux</a:t>
-            </a:r>
-            <a:endParaRPr lang="en-US" sz="3200" dirty="0"/>
-          </a:p>
-          <a:p>
-            <a:pPr marL="457200" indent="-457200">
-              <a:buFont typeface="Arial" panose="020B0604020202020204" pitchFamily="34" charset="0"/>
-              <a:buChar char="•"/>
-            </a:pPr>
-            <a:r>
-              <a:rPr lang="en-US" sz="3200" dirty="0">
-                <a:hlinkClick r:id="rId6"/>
-              </a:rPr>
-              <a:t>Redux Style Guide</a:t>
-            </a:r>
-            <a:endParaRPr lang="en-US" sz="3200" dirty="0"/>
-          </a:p>
-          <a:p>
-            <a:pPr marL="457200" indent="-457200">
-              <a:buFont typeface="Arial" panose="020B0604020202020204" pitchFamily="34" charset="0"/>
-              <a:buChar char="•"/>
-            </a:pPr>
-            <a:r>
-              <a:rPr lang="en-US" sz="3200" dirty="0"/>
-              <a:t>Successor of Akita: </a:t>
-            </a:r>
-            <a:r>
-              <a:rPr lang="en-US" sz="3200" dirty="0">
-                <a:hlinkClick r:id="rId7"/>
-              </a:rPr>
-              <a:t>Elf</a:t>
-            </a:r>
-            <a:endParaRPr lang="en-US" sz="3200" dirty="0"/>
-          </a:p>
-          <a:p>
-            <a:pPr marL="457200" indent="-457200">
-              <a:buFont typeface="Arial" panose="020B0604020202020204" pitchFamily="34" charset="0"/>
-              <a:buChar char="•"/>
-            </a:pPr>
-            <a:endParaRPr lang="en-BE" sz="3200" dirty="0"/>
           </a:p>
         </p:txBody>
       </p:sp>
     </p:spTree>
     <p:extLst>
       <p:ext uri="{BB962C8B-B14F-4D97-AF65-F5344CB8AC3E}">
-        <p14:creationId xmlns:p14="http://schemas.microsoft.com/office/powerpoint/2010/main" val="1569422120"/>
+        <p14:creationId xmlns:p14="http://schemas.microsoft.com/office/powerpoint/2010/main" val="2992078847"/>
       </p:ext>
     </p:extLst>
   </p:cSld>
@@ -8651,6 +8713,51 @@
       </p:pic>
       <p:sp>
         <p:nvSpPr>
+          <p:cNvPr id="5" name="AutoShape 4" descr="Serverless Vs Containers Deploy Speeds">
+            <a:extLst>
+              <a:ext uri="{FF2B5EF4-FFF2-40B4-BE49-F238E27FC236}">
+                <a16:creationId xmlns:a16="http://schemas.microsoft.com/office/drawing/2014/main" id="{74838526-8A97-43C5-AA2E-50438D453F15}"/>
+              </a:ext>
+            </a:extLst>
+          </p:cNvPr>
+          <p:cNvSpPr>
+            <a:spLocks noChangeAspect="1" noChangeArrowheads="1"/>
+          </p:cNvSpPr>
+          <p:nvPr/>
+        </p:nvSpPr>
+        <p:spPr bwMode="auto">
+          <a:xfrm>
+            <a:off x="5943599" y="3276599"/>
+            <a:ext cx="2719137" cy="2719137"/>
+          </a:xfrm>
+          <a:prstGeom prst="rect">
+            <a:avLst/>
+          </a:prstGeom>
+          <a:noFill/>
+          <a:extLst>
+            <a:ext uri="{909E8E84-426E-40DD-AFC4-6F175D3DCCD1}">
+              <a14:hiddenFill xmlns:a14="http://schemas.microsoft.com/office/drawing/2010/main">
+                <a:solidFill>
+                  <a:srgbClr val="FFFFFF"/>
+                </a:solidFill>
+              </a14:hiddenFill>
+            </a:ext>
+          </a:extLst>
+        </p:spPr>
+        <p:txBody>
+          <a:bodyPr vert="horz" wrap="square" lIns="91440" tIns="45720" rIns="91440" bIns="45720" numCol="1" anchor="t" anchorCtr="0" compatLnSpc="1">
+            <a:prstTxWarp prst="textNoShape">
+              <a:avLst/>
+            </a:prstTxWarp>
+          </a:bodyPr>
+          <a:lstStyle/>
+          <a:p>
+            <a:endParaRPr lang="en-BE"/>
+          </a:p>
+        </p:txBody>
+      </p:sp>
+      <p:sp>
+        <p:nvSpPr>
           <p:cNvPr id="4" name="Title 3">
             <a:extLst>
               <a:ext uri="{FF2B5EF4-FFF2-40B4-BE49-F238E27FC236}">
@@ -8667,7 +8774,7 @@
         </p:nvSpPr>
         <p:spPr>
           <a:xfrm>
-            <a:off x="172343" y="1245952"/>
+            <a:off x="172343" y="1061957"/>
             <a:ext cx="11542512" cy="860893"/>
           </a:xfrm>
         </p:spPr>
@@ -8676,8 +8783,8 @@
           <a:lstStyle/>
           <a:p>
             <a:r>
-              <a:rPr lang="en-US" dirty="0"/>
-              <a:t>Next session?</a:t>
+              <a:rPr lang="fr-BE" dirty="0" err="1"/>
+              <a:t>resources</a:t>
             </a:r>
             <a:endParaRPr lang="en-BE" dirty="0"/>
           </a:p>
@@ -8685,10 +8792,10 @@
       </p:sp>
       <p:sp>
         <p:nvSpPr>
-          <p:cNvPr id="5" name="TextBox 4">
+          <p:cNvPr id="8" name="TextBox 7">
             <a:extLst>
               <a:ext uri="{FF2B5EF4-FFF2-40B4-BE49-F238E27FC236}">
-                <a16:creationId xmlns:a16="http://schemas.microsoft.com/office/drawing/2014/main" id="{DF001F0A-A8BC-EBF7-C57B-526D55E12CFF}"/>
+                <a16:creationId xmlns:a16="http://schemas.microsoft.com/office/drawing/2014/main" id="{E945BC42-63B2-9B21-BC68-C4B2B0C08A19}"/>
               </a:ext>
             </a:extLst>
           </p:cNvPr>
@@ -8698,7 +8805,7 @@
         <p:spPr>
           <a:xfrm>
             <a:off x="355384" y="2378988"/>
-            <a:ext cx="11664273" cy="2703689"/>
+            <a:ext cx="11664273" cy="2554545"/>
           </a:xfrm>
           <a:prstGeom prst="rect">
             <a:avLst/>
@@ -8711,110 +8818,90 @@
           </a:bodyPr>
           <a:lstStyle/>
           <a:p>
-            <a:pPr marL="342900" lvl="0" indent="-342900">
-              <a:lnSpc>
-                <a:spcPct val="107000"/>
-              </a:lnSpc>
-              <a:buFont typeface="Symbol" panose="05050102010706020507" pitchFamily="18" charset="2"/>
-              <a:buChar char=""/>
+            <a:pPr marL="457200" indent="-457200">
+              <a:buFont typeface="Arial" panose="020B0604020202020204" pitchFamily="34" charset="0"/>
+              <a:buChar char="•"/>
             </a:pPr>
             <a:r>
+              <a:rPr lang="en-US" sz="3200" dirty="0"/>
+              <a:t>Dan Abramov: </a:t>
+            </a:r>
+            <a:r>
               <a:rPr lang="en-US" sz="3200" dirty="0">
-                <a:effectLst/>
-                <a:latin typeface="Calibri" panose="020F0502020204030204" pitchFamily="34" charset="0"/>
-                <a:ea typeface="Calibri" panose="020F0502020204030204" pitchFamily="34" charset="0"/>
-                <a:cs typeface="Times New Roman" panose="02020603050405020304" pitchFamily="18" charset="0"/>
+                <a:hlinkClick r:id="rId5"/>
               </a:rPr>
-              <a:t>Angular</a:t>
-            </a:r>
-          </a:p>
-          <a:p>
-            <a:pPr marL="342900" lvl="0" indent="-342900">
-              <a:lnSpc>
-                <a:spcPct val="107000"/>
-              </a:lnSpc>
-              <a:buFont typeface="Symbol" panose="05050102010706020507" pitchFamily="18" charset="2"/>
-              <a:buChar char=""/>
+              <a:t>You Might Not Need Redux</a:t>
+            </a:r>
+            <a:endParaRPr lang="en-US" sz="3200" dirty="0"/>
+          </a:p>
+          <a:p>
+            <a:pPr marL="457200" indent="-457200">
+              <a:buFont typeface="Arial" panose="020B0604020202020204" pitchFamily="34" charset="0"/>
+              <a:buChar char="•"/>
             </a:pPr>
             <a:r>
               <a:rPr lang="en-US" sz="3200" dirty="0">
-                <a:latin typeface="Calibri" panose="020F0502020204030204" pitchFamily="34" charset="0"/>
-                <a:ea typeface="Calibri" panose="020F0502020204030204" pitchFamily="34" charset="0"/>
-                <a:cs typeface="Times New Roman" panose="02020603050405020304" pitchFamily="18" charset="0"/>
+                <a:hlinkClick r:id="rId6"/>
               </a:rPr>
-              <a:t>RXJS</a:t>
-            </a:r>
-          </a:p>
-          <a:p>
-            <a:pPr marL="342900" lvl="0" indent="-342900">
-              <a:lnSpc>
-                <a:spcPct val="107000"/>
-              </a:lnSpc>
-              <a:buFont typeface="Symbol" panose="05050102010706020507" pitchFamily="18" charset="2"/>
-              <a:buChar char=""/>
+              <a:t>Redux Style Guide</a:t>
+            </a:r>
+            <a:endParaRPr lang="en-US" sz="3200" dirty="0"/>
+          </a:p>
+          <a:p>
+            <a:pPr marL="457200" indent="-457200">
+              <a:buFont typeface="Arial" panose="020B0604020202020204" pitchFamily="34" charset="0"/>
+              <a:buChar char="•"/>
             </a:pPr>
             <a:r>
+              <a:rPr lang="en-US" sz="3200" dirty="0"/>
+              <a:t>Successor of Akita: </a:t>
+            </a:r>
+            <a:r>
               <a:rPr lang="en-US" sz="3200" dirty="0">
-                <a:effectLst/>
-                <a:latin typeface="Calibri" panose="020F0502020204030204" pitchFamily="34" charset="0"/>
-                <a:ea typeface="Calibri" panose="020F0502020204030204" pitchFamily="34" charset="0"/>
-                <a:cs typeface="Times New Roman" panose="02020603050405020304" pitchFamily="18" charset="0"/>
+                <a:hlinkClick r:id="rId7"/>
               </a:rPr>
-              <a:t>TypeScript</a:t>
-            </a:r>
-          </a:p>
-          <a:p>
-            <a:pPr marL="342900" lvl="0" indent="-342900">
-              <a:lnSpc>
-                <a:spcPct val="107000"/>
-              </a:lnSpc>
-              <a:buFont typeface="Symbol" panose="05050102010706020507" pitchFamily="18" charset="2"/>
-              <a:buChar char=""/>
+              <a:t>Elf</a:t>
+            </a:r>
+            <a:endParaRPr lang="en-US" sz="3200" dirty="0"/>
+          </a:p>
+          <a:p>
+            <a:pPr marL="457200" indent="-457200">
+              <a:buFont typeface="Arial" panose="020B0604020202020204" pitchFamily="34" charset="0"/>
+              <a:buChar char="•"/>
             </a:pPr>
             <a:r>
+              <a:rPr lang="en-US" sz="3200" dirty="0"/>
+              <a:t>Successor of </a:t>
+            </a:r>
+            <a:r>
+              <a:rPr lang="en-US" sz="3200" dirty="0" err="1"/>
+              <a:t>Vuex</a:t>
+            </a:r>
+            <a:r>
+              <a:rPr lang="en-US" sz="3200" dirty="0"/>
+              <a:t>: </a:t>
+            </a:r>
+            <a:r>
               <a:rPr lang="en-US" sz="3200" dirty="0" err="1">
-                <a:latin typeface="Calibri" panose="020F0502020204030204" pitchFamily="34" charset="0"/>
-                <a:ea typeface="Calibri" panose="020F0502020204030204" pitchFamily="34" charset="0"/>
-                <a:cs typeface="Times New Roman" panose="02020603050405020304" pitchFamily="18" charset="0"/>
+                <a:hlinkClick r:id="rId8"/>
               </a:rPr>
-              <a:t>NServiceBus</a:t>
-            </a:r>
-            <a:endParaRPr lang="en-US" sz="3200" dirty="0">
-              <a:latin typeface="Calibri" panose="020F0502020204030204" pitchFamily="34" charset="0"/>
-              <a:ea typeface="Calibri" panose="020F0502020204030204" pitchFamily="34" charset="0"/>
-              <a:cs typeface="Times New Roman" panose="02020603050405020304" pitchFamily="18" charset="0"/>
-            </a:endParaRPr>
-          </a:p>
-          <a:p>
-            <a:pPr marL="342900" lvl="0" indent="-342900">
-              <a:lnSpc>
-                <a:spcPct val="107000"/>
-              </a:lnSpc>
-              <a:buFont typeface="Symbol" panose="05050102010706020507" pitchFamily="18" charset="2"/>
-              <a:buChar char=""/>
+              <a:t>Pinia</a:t>
+            </a:r>
+            <a:endParaRPr lang="en-US" sz="3200" dirty="0"/>
+          </a:p>
+          <a:p>
+            <a:pPr marL="457200" indent="-457200">
+              <a:buFont typeface="Arial" panose="020B0604020202020204" pitchFamily="34" charset="0"/>
+              <a:buChar char="•"/>
             </a:pPr>
-            <a:r>
-              <a:rPr lang="en-US" sz="3200" dirty="0" err="1">
-                <a:effectLst/>
-                <a:latin typeface="Calibri" panose="020F0502020204030204" pitchFamily="34" charset="0"/>
-                <a:ea typeface="Calibri" panose="020F0502020204030204" pitchFamily="34" charset="0"/>
-                <a:cs typeface="Times New Roman" panose="02020603050405020304" pitchFamily="18" charset="0"/>
-              </a:rPr>
-              <a:t>ServiceFabric</a:t>
-            </a:r>
-            <a:endParaRPr lang="en-BE" sz="3200" dirty="0">
-              <a:effectLst/>
-              <a:latin typeface="Calibri" panose="020F0502020204030204" pitchFamily="34" charset="0"/>
-              <a:ea typeface="Calibri" panose="020F0502020204030204" pitchFamily="34" charset="0"/>
-              <a:cs typeface="Times New Roman" panose="02020603050405020304" pitchFamily="18" charset="0"/>
-            </a:endParaRPr>
+            <a:endParaRPr lang="en-BE" sz="3200" dirty="0"/>
           </a:p>
         </p:txBody>
       </p:sp>
     </p:spTree>
     <p:extLst>
       <p:ext uri="{BB962C8B-B14F-4D97-AF65-F5344CB8AC3E}">
-        <p14:creationId xmlns:p14="http://schemas.microsoft.com/office/powerpoint/2010/main" val="3390473929"/>
+        <p14:creationId xmlns:p14="http://schemas.microsoft.com/office/powerpoint/2010/main" val="1569422120"/>
       </p:ext>
     </p:extLst>
   </p:cSld>
@@ -8877,6 +8964,40 @@
       </p:pic>
       <p:sp>
         <p:nvSpPr>
+          <p:cNvPr id="4" name="Title 3">
+            <a:extLst>
+              <a:ext uri="{FF2B5EF4-FFF2-40B4-BE49-F238E27FC236}">
+                <a16:creationId xmlns:a16="http://schemas.microsoft.com/office/drawing/2014/main" id="{29D87857-8B86-4E40-B4FD-6ECD4DA8BEC6}"/>
+              </a:ext>
+            </a:extLst>
+          </p:cNvPr>
+          <p:cNvSpPr>
+            <a:spLocks noGrp="1"/>
+          </p:cNvSpPr>
+          <p:nvPr>
+            <p:ph type="ctrTitle"/>
+          </p:nvPr>
+        </p:nvSpPr>
+        <p:spPr>
+          <a:xfrm>
+            <a:off x="172343" y="1245952"/>
+            <a:ext cx="11542512" cy="860893"/>
+          </a:xfrm>
+        </p:spPr>
+        <p:txBody>
+          <a:bodyPr/>
+          <a:lstStyle/>
+          <a:p>
+            <a:r>
+              <a:rPr lang="en-US" dirty="0"/>
+              <a:t>Next session?</a:t>
+            </a:r>
+            <a:endParaRPr lang="en-BE" dirty="0"/>
+          </a:p>
+        </p:txBody>
+      </p:sp>
+      <p:sp>
+        <p:nvSpPr>
           <p:cNvPr id="5" name="TextBox 4">
             <a:extLst>
               <a:ext uri="{FF2B5EF4-FFF2-40B4-BE49-F238E27FC236}">
@@ -8889,161 +9010,124 @@
         </p:nvSpPr>
         <p:spPr>
           <a:xfrm>
-            <a:off x="263863" y="838705"/>
-            <a:ext cx="11664273" cy="1569660"/>
+            <a:off x="355384" y="2378988"/>
+            <a:ext cx="11664273" cy="2703689"/>
           </a:xfrm>
           <a:prstGeom prst="rect">
             <a:avLst/>
           </a:prstGeom>
+          <a:noFill/>
         </p:spPr>
         <p:txBody>
-          <a:bodyPr vert="horz" lIns="91440" tIns="45720" rIns="91440" bIns="45720" rtlCol="0" anchor="b">
-            <a:normAutofit fontScale="77500" lnSpcReduction="20000"/>
+          <a:bodyPr wrap="square" rtlCol="0">
+            <a:spAutoFit/>
           </a:bodyPr>
-          <a:lstStyle>
-            <a:lvl1pPr algn="ctr">
-              <a:spcBef>
-                <a:spcPct val="0"/>
-              </a:spcBef>
-              <a:buNone/>
-              <a:defRPr sz="4800" cap="all">
-                <a:ln w="3175" cmpd="sng">
-                  <a:noFill/>
-                </a:ln>
-                <a:solidFill>
-                  <a:schemeClr val="accent1"/>
-                </a:solidFill>
-                <a:effectLst>
-                  <a:glow rad="38100">
-                    <a:schemeClr val="bg1">
-                      <a:lumMod val="65000"/>
-                      <a:lumOff val="35000"/>
-                      <a:alpha val="50000"/>
-                    </a:schemeClr>
-                  </a:glow>
-                  <a:outerShdw blurRad="28575" dist="31750" dir="13200000" algn="tl" rotWithShape="0">
-                    <a:srgbClr val="000000">
-                      <a:alpha val="25000"/>
-                    </a:srgbClr>
-                  </a:outerShdw>
-                </a:effectLst>
-                <a:latin typeface="+mj-lt"/>
-                <a:ea typeface="+mj-ea"/>
-                <a:cs typeface="+mj-cs"/>
-              </a:defRPr>
-            </a:lvl1pPr>
-            <a:lvl2pPr>
-              <a:defRPr>
-                <a:solidFill>
-                  <a:schemeClr val="tx2"/>
-                </a:solidFill>
-              </a:defRPr>
-            </a:lvl2pPr>
-            <a:lvl3pPr>
-              <a:defRPr>
-                <a:solidFill>
-                  <a:schemeClr val="tx2"/>
-                </a:solidFill>
-              </a:defRPr>
-            </a:lvl3pPr>
-            <a:lvl4pPr>
-              <a:defRPr>
-                <a:solidFill>
-                  <a:schemeClr val="tx2"/>
-                </a:solidFill>
-              </a:defRPr>
-            </a:lvl4pPr>
-            <a:lvl5pPr>
-              <a:defRPr>
-                <a:solidFill>
-                  <a:schemeClr val="tx2"/>
-                </a:solidFill>
-              </a:defRPr>
-            </a:lvl5pPr>
-            <a:lvl6pPr>
-              <a:defRPr>
-                <a:solidFill>
-                  <a:schemeClr val="tx2"/>
-                </a:solidFill>
-              </a:defRPr>
-            </a:lvl6pPr>
-            <a:lvl7pPr>
-              <a:defRPr>
-                <a:solidFill>
-                  <a:schemeClr val="tx2"/>
-                </a:solidFill>
-              </a:defRPr>
-            </a:lvl7pPr>
-            <a:lvl8pPr>
-              <a:defRPr>
-                <a:solidFill>
-                  <a:schemeClr val="tx2"/>
-                </a:solidFill>
-              </a:defRPr>
-            </a:lvl8pPr>
-            <a:lvl9pPr>
-              <a:defRPr>
-                <a:solidFill>
-                  <a:schemeClr val="tx2"/>
-                </a:solidFill>
-              </a:defRPr>
-            </a:lvl9pPr>
-          </a:lstStyle>
-          <a:p>
-            <a:r>
-              <a:rPr lang="en-US" dirty="0"/>
-              <a:t>Presentational Components</a:t>
-            </a:r>
-          </a:p>
-          <a:p>
-            <a:r>
-              <a:rPr lang="en-US" dirty="0"/>
-              <a:t>vs</a:t>
-            </a:r>
-          </a:p>
-          <a:p>
-            <a:r>
-              <a:rPr lang="en-US" dirty="0"/>
-              <a:t>Container Components</a:t>
-            </a:r>
-            <a:endParaRPr lang="en-BE" dirty="0"/>
-          </a:p>
-        </p:txBody>
-      </p:sp>
-      <p:pic>
-        <p:nvPicPr>
-          <p:cNvPr id="10" name="Picture 9">
-            <a:extLst>
-              <a:ext uri="{FF2B5EF4-FFF2-40B4-BE49-F238E27FC236}">
-                <a16:creationId xmlns:a16="http://schemas.microsoft.com/office/drawing/2014/main" id="{F77C0C58-B3AE-792B-900D-2E86D7FA94FE}"/>
-              </a:ext>
-            </a:extLst>
-          </p:cNvPr>
-          <p:cNvPicPr>
-            <a:picLocks noChangeAspect="1"/>
-          </p:cNvPicPr>
-          <p:nvPr/>
-        </p:nvPicPr>
-        <p:blipFill>
-          <a:blip r:embed="rId5"/>
-          <a:stretch>
-            <a:fillRect/>
-          </a:stretch>
-        </p:blipFill>
-        <p:spPr>
-          <a:xfrm>
-            <a:off x="3094892" y="2549333"/>
-            <a:ext cx="6097593" cy="3560994"/>
-          </a:xfrm>
-          <a:prstGeom prst="rect">
-            <a:avLst/>
-          </a:prstGeom>
-        </p:spPr>
-      </p:pic>
+          <a:lstStyle/>
+          <a:p>
+            <a:pPr marL="342900" lvl="0" indent="-342900">
+              <a:lnSpc>
+                <a:spcPct val="107000"/>
+              </a:lnSpc>
+              <a:buFont typeface="Symbol" panose="05050102010706020507" pitchFamily="18" charset="2"/>
+              <a:buChar char=""/>
+            </a:pPr>
+            <a:r>
+              <a:rPr lang="en-US" sz="3200" dirty="0">
+                <a:effectLst/>
+                <a:latin typeface="Calibri" panose="020F0502020204030204" pitchFamily="34" charset="0"/>
+                <a:ea typeface="Calibri" panose="020F0502020204030204" pitchFamily="34" charset="0"/>
+                <a:cs typeface="Times New Roman" panose="02020603050405020304" pitchFamily="18" charset="0"/>
+              </a:rPr>
+              <a:t>Angular</a:t>
+            </a:r>
+          </a:p>
+          <a:p>
+            <a:pPr marL="342900" lvl="0" indent="-342900">
+              <a:lnSpc>
+                <a:spcPct val="107000"/>
+              </a:lnSpc>
+              <a:buFont typeface="Symbol" panose="05050102010706020507" pitchFamily="18" charset="2"/>
+              <a:buChar char=""/>
+            </a:pPr>
+            <a:r>
+              <a:rPr lang="en-US" sz="3200" dirty="0">
+                <a:latin typeface="Calibri" panose="020F0502020204030204" pitchFamily="34" charset="0"/>
+                <a:ea typeface="Calibri" panose="020F0502020204030204" pitchFamily="34" charset="0"/>
+                <a:cs typeface="Times New Roman" panose="02020603050405020304" pitchFamily="18" charset="0"/>
+              </a:rPr>
+              <a:t>RXJS</a:t>
+            </a:r>
+          </a:p>
+          <a:p>
+            <a:pPr marL="342900" lvl="0" indent="-342900">
+              <a:lnSpc>
+                <a:spcPct val="107000"/>
+              </a:lnSpc>
+              <a:buFont typeface="Symbol" panose="05050102010706020507" pitchFamily="18" charset="2"/>
+              <a:buChar char=""/>
+            </a:pPr>
+            <a:r>
+              <a:rPr lang="en-US" sz="3200" dirty="0">
+                <a:effectLst/>
+                <a:latin typeface="Calibri" panose="020F0502020204030204" pitchFamily="34" charset="0"/>
+                <a:ea typeface="Calibri" panose="020F0502020204030204" pitchFamily="34" charset="0"/>
+                <a:cs typeface="Times New Roman" panose="02020603050405020304" pitchFamily="18" charset="0"/>
+              </a:rPr>
+              <a:t>TypeScript</a:t>
+            </a:r>
+          </a:p>
+          <a:p>
+            <a:pPr marL="342900" lvl="0" indent="-342900">
+              <a:lnSpc>
+                <a:spcPct val="107000"/>
+              </a:lnSpc>
+              <a:buFont typeface="Symbol" panose="05050102010706020507" pitchFamily="18" charset="2"/>
+              <a:buChar char=""/>
+            </a:pPr>
+            <a:r>
+              <a:rPr lang="en-US" sz="3200" dirty="0" err="1">
+                <a:latin typeface="Calibri" panose="020F0502020204030204" pitchFamily="34" charset="0"/>
+                <a:ea typeface="Calibri" panose="020F0502020204030204" pitchFamily="34" charset="0"/>
+                <a:cs typeface="Times New Roman" panose="02020603050405020304" pitchFamily="18" charset="0"/>
+              </a:rPr>
+              <a:t>NServiceBus</a:t>
+            </a:r>
+            <a:endParaRPr lang="en-US" sz="3200" dirty="0">
+              <a:latin typeface="Calibri" panose="020F0502020204030204" pitchFamily="34" charset="0"/>
+              <a:ea typeface="Calibri" panose="020F0502020204030204" pitchFamily="34" charset="0"/>
+              <a:cs typeface="Times New Roman" panose="02020603050405020304" pitchFamily="18" charset="0"/>
+            </a:endParaRPr>
+          </a:p>
+          <a:p>
+            <a:pPr marL="342900" lvl="0" indent="-342900">
+              <a:lnSpc>
+                <a:spcPct val="107000"/>
+              </a:lnSpc>
+              <a:buFont typeface="Symbol" panose="05050102010706020507" pitchFamily="18" charset="2"/>
+              <a:buChar char=""/>
+            </a:pPr>
+            <a:r>
+              <a:rPr lang="en-US" sz="3200" dirty="0" err="1">
+                <a:effectLst/>
+                <a:latin typeface="Calibri" panose="020F0502020204030204" pitchFamily="34" charset="0"/>
+                <a:ea typeface="Calibri" panose="020F0502020204030204" pitchFamily="34" charset="0"/>
+                <a:cs typeface="Times New Roman" panose="02020603050405020304" pitchFamily="18" charset="0"/>
+              </a:rPr>
+              <a:t>ServiceFabric</a:t>
+            </a:r>
+            <a:endParaRPr lang="en-BE" sz="3200" dirty="0">
+              <a:effectLst/>
+              <a:latin typeface="Calibri" panose="020F0502020204030204" pitchFamily="34" charset="0"/>
+              <a:ea typeface="Calibri" panose="020F0502020204030204" pitchFamily="34" charset="0"/>
+              <a:cs typeface="Times New Roman" panose="02020603050405020304" pitchFamily="18" charset="0"/>
+            </a:endParaRPr>
+          </a:p>
+        </p:txBody>
+      </p:sp>
     </p:spTree>
     <p:extLst>
       <p:ext uri="{BB962C8B-B14F-4D97-AF65-F5344CB8AC3E}">
-        <p14:creationId xmlns:p14="http://schemas.microsoft.com/office/powerpoint/2010/main" val="856984458"/>
+        <p14:creationId xmlns:p14="http://schemas.microsoft.com/office/powerpoint/2010/main" val="3390473929"/>
       </p:ext>
     </p:extLst>
   </p:cSld>
@@ -9488,7 +9572,7 @@
         <p:spPr>
           <a:xfrm>
             <a:off x="299127" y="1854880"/>
-            <a:ext cx="11664273" cy="4215578"/>
+            <a:ext cx="11664273" cy="4808368"/>
           </a:xfrm>
           <a:prstGeom prst="rect">
             <a:avLst/>
@@ -9629,6 +9713,29 @@
               </a:rPr>
               <a:t>Middleware / Meta-Reducers</a:t>
             </a:r>
+          </a:p>
+          <a:p>
+            <a:pPr marL="342900" lvl="0" indent="-342900">
+              <a:lnSpc>
+                <a:spcPct val="107000"/>
+              </a:lnSpc>
+              <a:buFont typeface="Symbol" panose="05050102010706020507" pitchFamily="18" charset="2"/>
+              <a:buChar char=""/>
+            </a:pPr>
+            <a:r>
+              <a:rPr lang="en-US" sz="3600" dirty="0">
+                <a:latin typeface="Calibri" panose="020F0502020204030204" pitchFamily="34" charset="0"/>
+                <a:ea typeface="Calibri" panose="020F0502020204030204" pitchFamily="34" charset="0"/>
+                <a:cs typeface="Times New Roman" panose="02020603050405020304" pitchFamily="18" charset="0"/>
+              </a:rPr>
+              <a:t>Dream it up</a:t>
+            </a:r>
+            <a:endParaRPr lang="en-US" sz="3600" dirty="0">
+              <a:effectLst/>
+              <a:latin typeface="Calibri" panose="020F0502020204030204" pitchFamily="34" charset="0"/>
+              <a:ea typeface="Calibri" panose="020F0502020204030204" pitchFamily="34" charset="0"/>
+              <a:cs typeface="Times New Roman" panose="02020603050405020304" pitchFamily="18" charset="0"/>
+            </a:endParaRPr>
           </a:p>
         </p:txBody>
       </p:sp>
@@ -9714,7 +9821,7 @@
         </p:nvSpPr>
         <p:spPr>
           <a:xfrm>
-            <a:off x="420888" y="838705"/>
+            <a:off x="338683" y="725971"/>
             <a:ext cx="11542512" cy="860893"/>
           </a:xfrm>
         </p:spPr>
@@ -9744,8 +9851,8 @@
         </p:nvSpPr>
         <p:spPr>
           <a:xfrm>
-            <a:off x="256479" y="1988695"/>
-            <a:ext cx="11706921" cy="4811445"/>
+            <a:off x="242539" y="1519616"/>
+            <a:ext cx="11706921" cy="5338384"/>
           </a:xfrm>
           <a:prstGeom prst="rect">
             <a:avLst/>
@@ -9815,6 +9922,29 @@
               </a:rPr>
               <a:t>App State</a:t>
             </a:r>
+          </a:p>
+          <a:p>
+            <a:pPr marL="800100" lvl="1" indent="-342900">
+              <a:lnSpc>
+                <a:spcPct val="107000"/>
+              </a:lnSpc>
+              <a:buFont typeface="Symbol" panose="05050102010706020507" pitchFamily="18" charset="2"/>
+              <a:buChar char=""/>
+            </a:pPr>
+            <a:r>
+              <a:rPr lang="en-US" sz="3200" dirty="0">
+                <a:latin typeface="Calibri" panose="020F0502020204030204" pitchFamily="34" charset="0"/>
+                <a:ea typeface="Calibri" panose="020F0502020204030204" pitchFamily="34" charset="0"/>
+                <a:cs typeface="Times New Roman" panose="02020603050405020304" pitchFamily="18" charset="0"/>
+              </a:rPr>
+              <a:t>Avoid Calculated Data</a:t>
+            </a:r>
+            <a:endParaRPr lang="en-US" sz="3200" dirty="0">
+              <a:effectLst/>
+              <a:latin typeface="Calibri" panose="020F0502020204030204" pitchFamily="34" charset="0"/>
+              <a:ea typeface="Calibri" panose="020F0502020204030204" pitchFamily="34" charset="0"/>
+              <a:cs typeface="Times New Roman" panose="02020603050405020304" pitchFamily="18" charset="0"/>
+            </a:endParaRPr>
           </a:p>
           <a:p>
             <a:pPr marL="800100" lvl="1" indent="-342900">
@@ -9955,6 +10085,235 @@
 </file>
 
 <file path=ppt/slides/slide6.xml><?xml version="1.0" encoding="utf-8"?>
+<p:sld xmlns:a="http://schemas.openxmlformats.org/drawingml/2006/main" xmlns:r="http://schemas.openxmlformats.org/officeDocument/2006/relationships" xmlns:p="http://schemas.openxmlformats.org/presentationml/2006/main">
+  <p:cSld>
+    <p:spTree>
+      <p:nvGrpSpPr>
+        <p:cNvPr id="1" name=""/>
+        <p:cNvGrpSpPr/>
+        <p:nvPr/>
+      </p:nvGrpSpPr>
+      <p:grpSpPr>
+        <a:xfrm>
+          <a:off x="0" y="0"/>
+          <a:ext cx="0" cy="0"/>
+          <a:chOff x="0" y="0"/>
+          <a:chExt cx="0" cy="0"/>
+        </a:xfrm>
+      </p:grpSpPr>
+      <p:pic>
+        <p:nvPicPr>
+          <p:cNvPr id="6" name="Picture 5">
+            <a:extLst>
+              <a:ext uri="{FF2B5EF4-FFF2-40B4-BE49-F238E27FC236}">
+                <a16:creationId xmlns:a16="http://schemas.microsoft.com/office/drawing/2014/main" id="{7D1150AD-E424-490F-A3E6-147D047AF505}"/>
+              </a:ext>
+            </a:extLst>
+          </p:cNvPr>
+          <p:cNvPicPr>
+            <a:picLocks noChangeAspect="1"/>
+          </p:cNvPicPr>
+          <p:nvPr>
+            <p:custDataLst>
+              <p:custData r:id="rId1"/>
+            </p:custDataLst>
+          </p:nvPr>
+        </p:nvPicPr>
+        <p:blipFill>
+          <a:blip r:embed="rId4"/>
+          <a:stretch>
+            <a:fillRect/>
+          </a:stretch>
+        </p:blipFill>
+        <p:spPr>
+          <a:xfrm>
+            <a:off x="-88884" y="-22188"/>
+            <a:ext cx="3183776" cy="860893"/>
+          </a:xfrm>
+          <a:prstGeom prst="rect">
+            <a:avLst/>
+          </a:prstGeom>
+        </p:spPr>
+      </p:pic>
+      <p:sp>
+        <p:nvSpPr>
+          <p:cNvPr id="5" name="TextBox 4">
+            <a:extLst>
+              <a:ext uri="{FF2B5EF4-FFF2-40B4-BE49-F238E27FC236}">
+                <a16:creationId xmlns:a16="http://schemas.microsoft.com/office/drawing/2014/main" id="{DF001F0A-A8BC-EBF7-C57B-526D55E12CFF}"/>
+              </a:ext>
+            </a:extLst>
+          </p:cNvPr>
+          <p:cNvSpPr txBox="1"/>
+          <p:nvPr/>
+        </p:nvSpPr>
+        <p:spPr>
+          <a:xfrm>
+            <a:off x="263863" y="838705"/>
+            <a:ext cx="11664273" cy="1569660"/>
+          </a:xfrm>
+          <a:prstGeom prst="rect">
+            <a:avLst/>
+          </a:prstGeom>
+        </p:spPr>
+        <p:txBody>
+          <a:bodyPr vert="horz" lIns="91440" tIns="45720" rIns="91440" bIns="45720" rtlCol="0" anchor="b">
+            <a:normAutofit fontScale="77500" lnSpcReduction="20000"/>
+          </a:bodyPr>
+          <a:lstStyle>
+            <a:lvl1pPr algn="ctr">
+              <a:spcBef>
+                <a:spcPct val="0"/>
+              </a:spcBef>
+              <a:buNone/>
+              <a:defRPr sz="4800" cap="all">
+                <a:ln w="3175" cmpd="sng">
+                  <a:noFill/>
+                </a:ln>
+                <a:solidFill>
+                  <a:schemeClr val="accent1"/>
+                </a:solidFill>
+                <a:effectLst>
+                  <a:glow rad="38100">
+                    <a:schemeClr val="bg1">
+                      <a:lumMod val="65000"/>
+                      <a:lumOff val="35000"/>
+                      <a:alpha val="50000"/>
+                    </a:schemeClr>
+                  </a:glow>
+                  <a:outerShdw blurRad="28575" dist="31750" dir="13200000" algn="tl" rotWithShape="0">
+                    <a:srgbClr val="000000">
+                      <a:alpha val="25000"/>
+                    </a:srgbClr>
+                  </a:outerShdw>
+                </a:effectLst>
+                <a:latin typeface="+mj-lt"/>
+                <a:ea typeface="+mj-ea"/>
+                <a:cs typeface="+mj-cs"/>
+              </a:defRPr>
+            </a:lvl1pPr>
+            <a:lvl2pPr>
+              <a:defRPr>
+                <a:solidFill>
+                  <a:schemeClr val="tx2"/>
+                </a:solidFill>
+              </a:defRPr>
+            </a:lvl2pPr>
+            <a:lvl3pPr>
+              <a:defRPr>
+                <a:solidFill>
+                  <a:schemeClr val="tx2"/>
+                </a:solidFill>
+              </a:defRPr>
+            </a:lvl3pPr>
+            <a:lvl4pPr>
+              <a:defRPr>
+                <a:solidFill>
+                  <a:schemeClr val="tx2"/>
+                </a:solidFill>
+              </a:defRPr>
+            </a:lvl4pPr>
+            <a:lvl5pPr>
+              <a:defRPr>
+                <a:solidFill>
+                  <a:schemeClr val="tx2"/>
+                </a:solidFill>
+              </a:defRPr>
+            </a:lvl5pPr>
+            <a:lvl6pPr>
+              <a:defRPr>
+                <a:solidFill>
+                  <a:schemeClr val="tx2"/>
+                </a:solidFill>
+              </a:defRPr>
+            </a:lvl6pPr>
+            <a:lvl7pPr>
+              <a:defRPr>
+                <a:solidFill>
+                  <a:schemeClr val="tx2"/>
+                </a:solidFill>
+              </a:defRPr>
+            </a:lvl7pPr>
+            <a:lvl8pPr>
+              <a:defRPr>
+                <a:solidFill>
+                  <a:schemeClr val="tx2"/>
+                </a:solidFill>
+              </a:defRPr>
+            </a:lvl8pPr>
+            <a:lvl9pPr>
+              <a:defRPr>
+                <a:solidFill>
+                  <a:schemeClr val="tx2"/>
+                </a:solidFill>
+              </a:defRPr>
+            </a:lvl9pPr>
+          </a:lstStyle>
+          <a:p>
+            <a:r>
+              <a:rPr lang="en-US" dirty="0"/>
+              <a:t>Presentational Components</a:t>
+            </a:r>
+          </a:p>
+          <a:p>
+            <a:r>
+              <a:rPr lang="en-US" dirty="0"/>
+              <a:t>vs</a:t>
+            </a:r>
+          </a:p>
+          <a:p>
+            <a:r>
+              <a:rPr lang="en-US" dirty="0"/>
+              <a:t>Container Components</a:t>
+            </a:r>
+            <a:endParaRPr lang="en-BE" dirty="0"/>
+          </a:p>
+        </p:txBody>
+      </p:sp>
+      <p:pic>
+        <p:nvPicPr>
+          <p:cNvPr id="10" name="Picture 9">
+            <a:extLst>
+              <a:ext uri="{FF2B5EF4-FFF2-40B4-BE49-F238E27FC236}">
+                <a16:creationId xmlns:a16="http://schemas.microsoft.com/office/drawing/2014/main" id="{F77C0C58-B3AE-792B-900D-2E86D7FA94FE}"/>
+              </a:ext>
+            </a:extLst>
+          </p:cNvPr>
+          <p:cNvPicPr>
+            <a:picLocks noChangeAspect="1"/>
+          </p:cNvPicPr>
+          <p:nvPr/>
+        </p:nvPicPr>
+        <p:blipFill>
+          <a:blip r:embed="rId5"/>
+          <a:stretch>
+            <a:fillRect/>
+          </a:stretch>
+        </p:blipFill>
+        <p:spPr>
+          <a:xfrm>
+            <a:off x="3094892" y="2549333"/>
+            <a:ext cx="6097593" cy="3560994"/>
+          </a:xfrm>
+          <a:prstGeom prst="rect">
+            <a:avLst/>
+          </a:prstGeom>
+        </p:spPr>
+      </p:pic>
+    </p:spTree>
+    <p:extLst>
+      <p:ext uri="{BB962C8B-B14F-4D97-AF65-F5344CB8AC3E}">
+        <p14:creationId xmlns:p14="http://schemas.microsoft.com/office/powerpoint/2010/main" val="856984458"/>
+      </p:ext>
+    </p:extLst>
+  </p:cSld>
+  <p:clrMapOvr>
+    <a:masterClrMapping/>
+  </p:clrMapOvr>
+</p:sld>
+</file>
+
+<file path=ppt/slides/slide7.xml><?xml version="1.0" encoding="utf-8"?>
 <p:sld xmlns:a="http://schemas.openxmlformats.org/drawingml/2006/main" xmlns:r="http://schemas.openxmlformats.org/officeDocument/2006/relationships" xmlns:p="http://schemas.openxmlformats.org/presentationml/2006/main">
   <p:cSld>
     <p:spTree>
@@ -10090,7 +10449,7 @@
 </p:sld>
 </file>
 
-<file path=ppt/slides/slide7.xml><?xml version="1.0" encoding="utf-8"?>
+<file path=ppt/slides/slide8.xml><?xml version="1.0" encoding="utf-8"?>
 <p:sld xmlns:a="http://schemas.openxmlformats.org/drawingml/2006/main" xmlns:r="http://schemas.openxmlformats.org/officeDocument/2006/relationships" xmlns:p="http://schemas.openxmlformats.org/presentationml/2006/main">
   <p:cSld>
     <p:spTree>
@@ -10333,278 +10692,6 @@
 </p:sld>
 </file>
 
-<file path=ppt/slides/slide8.xml><?xml version="1.0" encoding="utf-8"?>
-<p:sld xmlns:a="http://schemas.openxmlformats.org/drawingml/2006/main" xmlns:r="http://schemas.openxmlformats.org/officeDocument/2006/relationships" xmlns:p="http://schemas.openxmlformats.org/presentationml/2006/main">
-  <p:cSld>
-    <p:spTree>
-      <p:nvGrpSpPr>
-        <p:cNvPr id="1" name=""/>
-        <p:cNvGrpSpPr/>
-        <p:nvPr/>
-      </p:nvGrpSpPr>
-      <p:grpSpPr>
-        <a:xfrm>
-          <a:off x="0" y="0"/>
-          <a:ext cx="0" cy="0"/>
-          <a:chOff x="0" y="0"/>
-          <a:chExt cx="0" cy="0"/>
-        </a:xfrm>
-      </p:grpSpPr>
-      <p:pic>
-        <p:nvPicPr>
-          <p:cNvPr id="6" name="Picture 5">
-            <a:extLst>
-              <a:ext uri="{FF2B5EF4-FFF2-40B4-BE49-F238E27FC236}">
-                <a16:creationId xmlns:a16="http://schemas.microsoft.com/office/drawing/2014/main" id="{7D1150AD-E424-490F-A3E6-147D047AF505}"/>
-              </a:ext>
-            </a:extLst>
-          </p:cNvPr>
-          <p:cNvPicPr>
-            <a:picLocks noChangeAspect="1"/>
-          </p:cNvPicPr>
-          <p:nvPr>
-            <p:custDataLst>
-              <p:custData r:id="rId1"/>
-            </p:custDataLst>
-          </p:nvPr>
-        </p:nvPicPr>
-        <p:blipFill>
-          <a:blip r:embed="rId4"/>
-          <a:stretch>
-            <a:fillRect/>
-          </a:stretch>
-        </p:blipFill>
-        <p:spPr>
-          <a:xfrm>
-            <a:off x="-88884" y="-22188"/>
-            <a:ext cx="3183776" cy="860893"/>
-          </a:xfrm>
-          <a:prstGeom prst="rect">
-            <a:avLst/>
-          </a:prstGeom>
-        </p:spPr>
-      </p:pic>
-      <p:sp>
-        <p:nvSpPr>
-          <p:cNvPr id="4" name="Title 3">
-            <a:extLst>
-              <a:ext uri="{FF2B5EF4-FFF2-40B4-BE49-F238E27FC236}">
-                <a16:creationId xmlns:a16="http://schemas.microsoft.com/office/drawing/2014/main" id="{29D87857-8B86-4E40-B4FD-6ECD4DA8BEC6}"/>
-              </a:ext>
-            </a:extLst>
-          </p:cNvPr>
-          <p:cNvSpPr>
-            <a:spLocks noGrp="1"/>
-          </p:cNvSpPr>
-          <p:nvPr>
-            <p:ph type="ctrTitle"/>
-          </p:nvPr>
-        </p:nvSpPr>
-        <p:spPr>
-          <a:xfrm>
-            <a:off x="420888" y="838705"/>
-            <a:ext cx="11542512" cy="860893"/>
-          </a:xfrm>
-        </p:spPr>
-        <p:txBody>
-          <a:bodyPr/>
-          <a:lstStyle/>
-          <a:p>
-            <a:r>
-              <a:rPr lang="fr-BE" dirty="0"/>
-              <a:t>Providers - NGRX</a:t>
-            </a:r>
-            <a:endParaRPr lang="en-BE" dirty="0"/>
-          </a:p>
-        </p:txBody>
-      </p:sp>
-      <p:sp>
-        <p:nvSpPr>
-          <p:cNvPr id="7" name="TextBox 6">
-            <a:extLst>
-              <a:ext uri="{FF2B5EF4-FFF2-40B4-BE49-F238E27FC236}">
-                <a16:creationId xmlns:a16="http://schemas.microsoft.com/office/drawing/2014/main" id="{ED21ECD2-D9E4-349D-544C-CF7BFD7BAA9F}"/>
-              </a:ext>
-            </a:extLst>
-          </p:cNvPr>
-          <p:cNvSpPr txBox="1"/>
-          <p:nvPr/>
-        </p:nvSpPr>
-        <p:spPr>
-          <a:xfrm>
-            <a:off x="228600" y="1804877"/>
-            <a:ext cx="11706921" cy="4484754"/>
-          </a:xfrm>
-          <a:prstGeom prst="rect">
-            <a:avLst/>
-          </a:prstGeom>
-          <a:noFill/>
-        </p:spPr>
-        <p:txBody>
-          <a:bodyPr wrap="square" rtlCol="0">
-            <a:spAutoFit/>
-          </a:bodyPr>
-          <a:lstStyle/>
-          <a:p>
-            <a:pPr marL="800100" lvl="1" indent="-342900">
-              <a:lnSpc>
-                <a:spcPct val="107000"/>
-              </a:lnSpc>
-              <a:buFont typeface="Symbol" panose="05050102010706020507" pitchFamily="18" charset="2"/>
-              <a:buChar char=""/>
-            </a:pPr>
-            <a:r>
-              <a:rPr lang="en-US" sz="3200" b="1" i="0" dirty="0">
-                <a:effectLst/>
-                <a:latin typeface="system-ui"/>
-              </a:rPr>
-              <a:t>Do Not Mutate State</a:t>
-            </a:r>
-          </a:p>
-          <a:p>
-            <a:pPr marL="800100" lvl="1" indent="-342900">
-              <a:lnSpc>
-                <a:spcPct val="107000"/>
-              </a:lnSpc>
-              <a:buFont typeface="Symbol" panose="05050102010706020507" pitchFamily="18" charset="2"/>
-              <a:buChar char=""/>
-            </a:pPr>
-            <a:r>
-              <a:rPr lang="en-US" sz="3200" b="1" i="0" dirty="0">
-                <a:effectLst/>
-                <a:latin typeface="system-ui"/>
-              </a:rPr>
-              <a:t>Structure Files as Feature Folders with Single-File Logic</a:t>
-            </a:r>
-          </a:p>
-          <a:p>
-            <a:pPr marL="800100" lvl="1" indent="-342900">
-              <a:lnSpc>
-                <a:spcPct val="107000"/>
-              </a:lnSpc>
-              <a:buFont typeface="Symbol" panose="05050102010706020507" pitchFamily="18" charset="2"/>
-              <a:buChar char=""/>
-            </a:pPr>
-            <a:r>
-              <a:rPr lang="en-US" sz="3200" b="1" dirty="0">
-                <a:latin typeface="system-ui"/>
-              </a:rPr>
-              <a:t>Put as Much Logic as Possible in Reducers</a:t>
-            </a:r>
-          </a:p>
-          <a:p>
-            <a:pPr marL="800100" lvl="1" indent="-342900">
-              <a:lnSpc>
-                <a:spcPct val="107000"/>
-              </a:lnSpc>
-              <a:buFont typeface="Symbol" panose="05050102010706020507" pitchFamily="18" charset="2"/>
-              <a:buChar char=""/>
-            </a:pPr>
-            <a:r>
-              <a:rPr lang="en-US" sz="2800" b="1" i="0" dirty="0">
-                <a:effectLst/>
-                <a:latin typeface="system-ui"/>
-              </a:rPr>
-              <a:t>Organize State Structure Based on Data Types, Not Components</a:t>
-            </a:r>
-          </a:p>
-          <a:p>
-            <a:pPr marL="800100" lvl="1" indent="-342900">
-              <a:lnSpc>
-                <a:spcPct val="107000"/>
-              </a:lnSpc>
-              <a:buFont typeface="Symbol" panose="05050102010706020507" pitchFamily="18" charset="2"/>
-              <a:buChar char=""/>
-            </a:pPr>
-            <a:r>
-              <a:rPr lang="en-US" sz="3200" b="1" dirty="0">
-                <a:latin typeface="system-ui"/>
-              </a:rPr>
-              <a:t>Normalize Complex Nested/Relational State</a:t>
-            </a:r>
-          </a:p>
-          <a:p>
-            <a:pPr marL="800100" lvl="1" indent="-342900">
-              <a:lnSpc>
-                <a:spcPct val="107000"/>
-              </a:lnSpc>
-              <a:buFont typeface="Symbol" panose="05050102010706020507" pitchFamily="18" charset="2"/>
-              <a:buChar char=""/>
-            </a:pPr>
-            <a:r>
-              <a:rPr lang="en-US" sz="2800" b="1" i="0" dirty="0">
-                <a:effectLst/>
-                <a:latin typeface="system-ui"/>
-              </a:rPr>
-              <a:t>Keep State Minimal and Derive Additional Values</a:t>
-            </a:r>
-          </a:p>
-          <a:p>
-            <a:pPr marL="800100" lvl="1" indent="-342900">
-              <a:lnSpc>
-                <a:spcPct val="107000"/>
-              </a:lnSpc>
-              <a:buFont typeface="Symbol" panose="05050102010706020507" pitchFamily="18" charset="2"/>
-              <a:buChar char=""/>
-            </a:pPr>
-            <a:r>
-              <a:rPr lang="en-US" sz="2800" b="1" i="0" dirty="0">
-                <a:effectLst/>
-                <a:latin typeface="system-ui"/>
-              </a:rPr>
-              <a:t>Model Actions as Events, Not Setters</a:t>
-            </a:r>
-          </a:p>
-          <a:p>
-            <a:pPr marL="800100" lvl="1" indent="-342900">
-              <a:lnSpc>
-                <a:spcPct val="107000"/>
-              </a:lnSpc>
-              <a:buFont typeface="Symbol" panose="05050102010706020507" pitchFamily="18" charset="2"/>
-              <a:buChar char=""/>
-            </a:pPr>
-            <a:r>
-              <a:rPr lang="en-US" sz="2800" b="1" i="0" dirty="0">
-                <a:effectLst/>
-                <a:latin typeface="system-ui"/>
-              </a:rPr>
-              <a:t>Use Selector Functions to Read from Store State</a:t>
-            </a:r>
-          </a:p>
-          <a:p>
-            <a:pPr marL="800100" lvl="1" indent="-342900">
-              <a:lnSpc>
-                <a:spcPct val="107000"/>
-              </a:lnSpc>
-              <a:buFont typeface="Symbol" panose="05050102010706020507" pitchFamily="18" charset="2"/>
-              <a:buChar char=""/>
-            </a:pPr>
-            <a:r>
-              <a:rPr lang="en-US" sz="2800" b="1" dirty="0">
-                <a:latin typeface="system-ui"/>
-              </a:rPr>
-              <a:t>Single Source Of Truth</a:t>
-            </a:r>
-            <a:endParaRPr lang="en-US" sz="2800" b="1" i="0" dirty="0">
-              <a:effectLst/>
-              <a:latin typeface="system-ui"/>
-            </a:endParaRPr>
-          </a:p>
-        </p:txBody>
-      </p:sp>
-    </p:spTree>
-    <p:extLst>
-      <p:ext uri="{BB962C8B-B14F-4D97-AF65-F5344CB8AC3E}">
-        <p14:creationId xmlns:p14="http://schemas.microsoft.com/office/powerpoint/2010/main" val="3778187941"/>
-      </p:ext>
-    </p:extLst>
-  </p:cSld>
-  <p:clrMapOvr>
-    <a:masterClrMapping/>
-  </p:clrMapOvr>
-</p:sld>
-</file>
-
 <file path=ppt/slides/slide9.xml><?xml version="1.0" encoding="utf-8"?>
 <p:sld xmlns:a="http://schemas.openxmlformats.org/drawingml/2006/main" xmlns:r="http://schemas.openxmlformats.org/officeDocument/2006/relationships" xmlns:p="http://schemas.openxmlformats.org/presentationml/2006/main">
   <p:cSld>
@@ -10674,7 +10761,7 @@
         </p:nvSpPr>
         <p:spPr>
           <a:xfrm>
-            <a:off x="324744" y="738344"/>
+            <a:off x="420888" y="838705"/>
             <a:ext cx="11542512" cy="860893"/>
           </a:xfrm>
         </p:spPr>
@@ -10684,46 +10771,190 @@
           <a:p>
             <a:r>
               <a:rPr lang="fr-BE" dirty="0"/>
-              <a:t>Akita</a:t>
+              <a:t>Use case: Providers - NGRX</a:t>
             </a:r>
             <a:endParaRPr lang="en-BE" dirty="0"/>
           </a:p>
         </p:txBody>
       </p:sp>
-      <p:pic>
-        <p:nvPicPr>
-          <p:cNvPr id="8" name="Picture 7">
+      <p:sp>
+        <p:nvSpPr>
+          <p:cNvPr id="7" name="TextBox 6">
             <a:extLst>
               <a:ext uri="{FF2B5EF4-FFF2-40B4-BE49-F238E27FC236}">
-                <a16:creationId xmlns:a16="http://schemas.microsoft.com/office/drawing/2014/main" id="{809611A6-2869-72BB-B58F-00B0F2055364}"/>
+                <a16:creationId xmlns:a16="http://schemas.microsoft.com/office/drawing/2014/main" id="{ED21ECD2-D9E4-349D-544C-CF7BFD7BAA9F}"/>
               </a:ext>
             </a:extLst>
           </p:cNvPr>
-          <p:cNvPicPr>
-            <a:picLocks noChangeAspect="1"/>
-          </p:cNvPicPr>
+          <p:cNvSpPr txBox="1"/>
           <p:nvPr/>
-        </p:nvPicPr>
-        <p:blipFill>
-          <a:blip r:embed="rId5"/>
-          <a:stretch>
-            <a:fillRect/>
-          </a:stretch>
-        </p:blipFill>
+        </p:nvSpPr>
         <p:spPr>
           <a:xfrm>
-            <a:off x="1836233" y="1699598"/>
-            <a:ext cx="8757426" cy="4916668"/>
+            <a:off x="228600" y="1804877"/>
+            <a:ext cx="11706921" cy="4484754"/>
           </a:xfrm>
           <a:prstGeom prst="rect">
             <a:avLst/>
           </a:prstGeom>
+          <a:noFill/>
         </p:spPr>
-      </p:pic>
+        <p:txBody>
+          <a:bodyPr wrap="square" rtlCol="0">
+            <a:spAutoFit/>
+          </a:bodyPr>
+          <a:lstStyle/>
+          <a:p>
+            <a:pPr marL="800100" lvl="1" indent="-342900">
+              <a:lnSpc>
+                <a:spcPct val="107000"/>
+              </a:lnSpc>
+              <a:buFont typeface="Symbol" panose="05050102010706020507" pitchFamily="18" charset="2"/>
+              <a:buChar char=""/>
+            </a:pPr>
+            <a:r>
+              <a:rPr lang="en-US" sz="3200" b="1" i="0" dirty="0">
+                <a:effectLst/>
+                <a:latin typeface="system-ui"/>
+              </a:rPr>
+              <a:t>Do Not Mutate State</a:t>
+            </a:r>
+          </a:p>
+          <a:p>
+            <a:pPr marL="800100" lvl="1" indent="-342900">
+              <a:lnSpc>
+                <a:spcPct val="107000"/>
+              </a:lnSpc>
+              <a:buFont typeface="Symbol" panose="05050102010706020507" pitchFamily="18" charset="2"/>
+              <a:buChar char=""/>
+            </a:pPr>
+            <a:r>
+              <a:rPr lang="en-US" sz="3200" b="1" i="0" dirty="0">
+                <a:effectLst/>
+                <a:latin typeface="system-ui"/>
+              </a:rPr>
+              <a:t>Structure Files as Feature Folders with Single-File Logic</a:t>
+            </a:r>
+          </a:p>
+          <a:p>
+            <a:pPr marL="800100" lvl="1" indent="-342900">
+              <a:lnSpc>
+                <a:spcPct val="107000"/>
+              </a:lnSpc>
+              <a:buFont typeface="Symbol" panose="05050102010706020507" pitchFamily="18" charset="2"/>
+              <a:buChar char=""/>
+            </a:pPr>
+            <a:r>
+              <a:rPr lang="en-US" sz="3200" b="1" dirty="0">
+                <a:latin typeface="system-ui"/>
+              </a:rPr>
+              <a:t>Put as Much Logic as Possible in Reducers</a:t>
+            </a:r>
+          </a:p>
+          <a:p>
+            <a:pPr marL="800100" lvl="1" indent="-342900">
+              <a:lnSpc>
+                <a:spcPct val="107000"/>
+              </a:lnSpc>
+              <a:buFont typeface="Symbol" panose="05050102010706020507" pitchFamily="18" charset="2"/>
+              <a:buChar char=""/>
+            </a:pPr>
+            <a:r>
+              <a:rPr lang="en-US" sz="2800" b="1" i="0" dirty="0">
+                <a:effectLst/>
+                <a:latin typeface="system-ui"/>
+              </a:rPr>
+              <a:t>Organize State Structure Based on Data Types, Not Components</a:t>
+            </a:r>
+          </a:p>
+          <a:p>
+            <a:pPr marL="800100" lvl="1" indent="-342900">
+              <a:lnSpc>
+                <a:spcPct val="107000"/>
+              </a:lnSpc>
+              <a:buFont typeface="Symbol" panose="05050102010706020507" pitchFamily="18" charset="2"/>
+              <a:buChar char=""/>
+            </a:pPr>
+            <a:r>
+              <a:rPr lang="en-US" sz="3200" b="1" dirty="0">
+                <a:latin typeface="system-ui"/>
+              </a:rPr>
+              <a:t>Normalize Complex Nested/Relational State</a:t>
+            </a:r>
+          </a:p>
+          <a:p>
+            <a:pPr marL="800100" lvl="1" indent="-342900">
+              <a:lnSpc>
+                <a:spcPct val="107000"/>
+              </a:lnSpc>
+              <a:buFont typeface="Symbol" panose="05050102010706020507" pitchFamily="18" charset="2"/>
+              <a:buChar char=""/>
+            </a:pPr>
+            <a:r>
+              <a:rPr lang="en-US" sz="2800" b="1" i="0" dirty="0">
+                <a:effectLst/>
+                <a:latin typeface="system-ui"/>
+              </a:rPr>
+              <a:t>Keep State Minimal and Derive Additional Values</a:t>
+            </a:r>
+          </a:p>
+          <a:p>
+            <a:pPr marL="800100" lvl="1" indent="-342900">
+              <a:lnSpc>
+                <a:spcPct val="107000"/>
+              </a:lnSpc>
+              <a:buFont typeface="Symbol" panose="05050102010706020507" pitchFamily="18" charset="2"/>
+              <a:buChar char=""/>
+            </a:pPr>
+            <a:r>
+              <a:rPr lang="en-US" sz="2800" b="1" i="0" dirty="0">
+                <a:effectLst/>
+                <a:latin typeface="system-ui"/>
+              </a:rPr>
+              <a:t>Model Actions as Events, Not Setters</a:t>
+            </a:r>
+          </a:p>
+          <a:p>
+            <a:pPr marL="800100" lvl="1" indent="-342900">
+              <a:lnSpc>
+                <a:spcPct val="107000"/>
+              </a:lnSpc>
+              <a:buFont typeface="Symbol" panose="05050102010706020507" pitchFamily="18" charset="2"/>
+              <a:buChar char=""/>
+            </a:pPr>
+            <a:r>
+              <a:rPr lang="en-US" sz="2800" b="1" i="0" dirty="0">
+                <a:effectLst/>
+                <a:latin typeface="system-ui"/>
+              </a:rPr>
+              <a:t>Use Selector Functions to Read from Store State</a:t>
+            </a:r>
+          </a:p>
+          <a:p>
+            <a:pPr marL="800100" lvl="1" indent="-342900">
+              <a:lnSpc>
+                <a:spcPct val="107000"/>
+              </a:lnSpc>
+              <a:buFont typeface="Symbol" panose="05050102010706020507" pitchFamily="18" charset="2"/>
+              <a:buChar char=""/>
+            </a:pPr>
+            <a:r>
+              <a:rPr lang="en-US" sz="2800" b="1" dirty="0">
+                <a:latin typeface="system-ui"/>
+              </a:rPr>
+              <a:t>Single Source Of Truth</a:t>
+            </a:r>
+            <a:endParaRPr lang="en-US" sz="2800" b="1" i="0" dirty="0">
+              <a:effectLst/>
+              <a:latin typeface="system-ui"/>
+            </a:endParaRPr>
+          </a:p>
+        </p:txBody>
+      </p:sp>
     </p:spTree>
     <p:extLst>
       <p:ext uri="{BB962C8B-B14F-4D97-AF65-F5344CB8AC3E}">
-        <p14:creationId xmlns:p14="http://schemas.microsoft.com/office/powerpoint/2010/main" val="3136504583"/>
+        <p14:creationId xmlns:p14="http://schemas.microsoft.com/office/powerpoint/2010/main" val="3778187941"/>
       </p:ext>
     </p:extLst>
   </p:cSld>
@@ -11369,7 +11600,7 @@
 </file>
 
 <file path=customXml/itemProps1.xml><?xml version="1.0" encoding="utf-8"?>
-<ds:datastoreItem xmlns:ds="http://schemas.openxmlformats.org/officeDocument/2006/customXml" ds:itemID="{904F09AE-A24F-4F40-A827-5D2BB35EF6D8}">
+<ds:datastoreItem xmlns:ds="http://schemas.openxmlformats.org/officeDocument/2006/customXml" ds:itemID="{9BB7D7D8-3A2C-4B0D-95EB-FA326AB44D8F}">
   <ds:schemaRefs>
     <ds:schemaRef ds:uri="http://schemas.microsoft.com/VisualStudio/2011/storyboarding/control"/>
   </ds:schemaRefs>
@@ -11377,7 +11608,7 @@
 </file>
 
 <file path=customXml/itemProps10.xml><?xml version="1.0" encoding="utf-8"?>
-<ds:datastoreItem xmlns:ds="http://schemas.openxmlformats.org/officeDocument/2006/customXml" ds:itemID="{602A176D-DD9A-4555-ABCE-0CAAEBDBAF6D}">
+<ds:datastoreItem xmlns:ds="http://schemas.openxmlformats.org/officeDocument/2006/customXml" ds:itemID="{758C107C-C448-4241-AE9D-66B5C2D662A6}">
   <ds:schemaRefs>
     <ds:schemaRef ds:uri="http://schemas.microsoft.com/VisualStudio/2011/storyboarding/control"/>
   </ds:schemaRefs>
@@ -11385,7 +11616,7 @@
 </file>
 
 <file path=customXml/itemProps11.xml><?xml version="1.0" encoding="utf-8"?>
-<ds:datastoreItem xmlns:ds="http://schemas.openxmlformats.org/officeDocument/2006/customXml" ds:itemID="{7B3F9982-7FBE-426F-9BC0-54899A3B74DF}">
+<ds:datastoreItem xmlns:ds="http://schemas.openxmlformats.org/officeDocument/2006/customXml" ds:itemID="{37DFCA95-38E1-422A-83DB-FB055F0B45EC}">
   <ds:schemaRefs>
     <ds:schemaRef ds:uri="http://schemas.microsoft.com/VisualStudio/2011/storyboarding/control"/>
   </ds:schemaRefs>
@@ -11393,7 +11624,7 @@
 </file>
 
 <file path=customXml/itemProps12.xml><?xml version="1.0" encoding="utf-8"?>
-<ds:datastoreItem xmlns:ds="http://schemas.openxmlformats.org/officeDocument/2006/customXml" ds:itemID="{83121EFB-4893-415B-B7BD-F940E893B2BD}">
+<ds:datastoreItem xmlns:ds="http://schemas.openxmlformats.org/officeDocument/2006/customXml" ds:itemID="{602A176D-DD9A-4555-ABCE-0CAAEBDBAF6D}">
   <ds:schemaRefs>
     <ds:schemaRef ds:uri="http://schemas.microsoft.com/VisualStudio/2011/storyboarding/control"/>
   </ds:schemaRefs>
@@ -11409,6 +11640,46 @@
 </file>
 
 <file path=customXml/itemProps14.xml><?xml version="1.0" encoding="utf-8"?>
+<ds:datastoreItem xmlns:ds="http://schemas.openxmlformats.org/officeDocument/2006/customXml" ds:itemID="{F25BAA23-CA26-4303-8A25-F7FEF657A844}">
+  <ds:schemaRefs>
+    <ds:schemaRef ds:uri="http://schemas.microsoft.com/VisualStudio/2011/storyboarding/control"/>
+  </ds:schemaRefs>
+</ds:datastoreItem>
+</file>
+
+<file path=customXml/itemProps2.xml><?xml version="1.0" encoding="utf-8"?>
+<ds:datastoreItem xmlns:ds="http://schemas.openxmlformats.org/officeDocument/2006/customXml" ds:itemID="{C9A349EB-25C0-432F-BCC6-B672C9EAA1C2}">
+  <ds:schemaRefs>
+    <ds:schemaRef ds:uri="http://schemas.microsoft.com/VisualStudio/2011/storyboarding/control"/>
+  </ds:schemaRefs>
+</ds:datastoreItem>
+</file>
+
+<file path=customXml/itemProps3.xml><?xml version="1.0" encoding="utf-8"?>
+<ds:datastoreItem xmlns:ds="http://schemas.openxmlformats.org/officeDocument/2006/customXml" ds:itemID="{83121EFB-4893-415B-B7BD-F940E893B2BD}">
+  <ds:schemaRefs>
+    <ds:schemaRef ds:uri="http://schemas.microsoft.com/VisualStudio/2011/storyboarding/control"/>
+  </ds:schemaRefs>
+</ds:datastoreItem>
+</file>
+
+<file path=customXml/itemProps4.xml><?xml version="1.0" encoding="utf-8"?>
+<ds:datastoreItem xmlns:ds="http://schemas.openxmlformats.org/officeDocument/2006/customXml" ds:itemID="{6451BAD5-41AB-4C51-BEE5-590F39975AFB}">
+  <ds:schemaRefs>
+    <ds:schemaRef ds:uri="http://schemas.microsoft.com/VisualStudio/2011/storyboarding/control"/>
+  </ds:schemaRefs>
+</ds:datastoreItem>
+</file>
+
+<file path=customXml/itemProps5.xml><?xml version="1.0" encoding="utf-8"?>
+<ds:datastoreItem xmlns:ds="http://schemas.openxmlformats.org/officeDocument/2006/customXml" ds:itemID="{7B3F9982-7FBE-426F-9BC0-54899A3B74DF}">
+  <ds:schemaRefs>
+    <ds:schemaRef ds:uri="http://schemas.microsoft.com/VisualStudio/2011/storyboarding/control"/>
+  </ds:schemaRefs>
+</ds:datastoreItem>
+</file>
+
+<file path=customXml/itemProps6.xml><?xml version="1.0" encoding="utf-8"?>
 <ds:datastoreItem xmlns:ds="http://schemas.openxmlformats.org/officeDocument/2006/customXml" ds:itemID="{5B6044FC-5A7F-4CA1-AE3E-66F2487BF7A6}">
   <ds:schemaRefs>
     <ds:schemaRef ds:uri="http://schemas.microsoft.com/VisualStudio/2011/storyboarding/control"/>
@@ -11416,39 +11687,7 @@
 </ds:datastoreItem>
 </file>
 
-<file path=customXml/itemProps2.xml><?xml version="1.0" encoding="utf-8"?>
-<ds:datastoreItem xmlns:ds="http://schemas.openxmlformats.org/officeDocument/2006/customXml" ds:itemID="{F25BAA23-CA26-4303-8A25-F7FEF657A844}">
-  <ds:schemaRefs>
-    <ds:schemaRef ds:uri="http://schemas.microsoft.com/VisualStudio/2011/storyboarding/control"/>
-  </ds:schemaRefs>
-</ds:datastoreItem>
-</file>
-
-<file path=customXml/itemProps3.xml><?xml version="1.0" encoding="utf-8"?>
-<ds:datastoreItem xmlns:ds="http://schemas.openxmlformats.org/officeDocument/2006/customXml" ds:itemID="{37DFCA95-38E1-422A-83DB-FB055F0B45EC}">
-  <ds:schemaRefs>
-    <ds:schemaRef ds:uri="http://schemas.microsoft.com/VisualStudio/2011/storyboarding/control"/>
-  </ds:schemaRefs>
-</ds:datastoreItem>
-</file>
-
-<file path=customXml/itemProps4.xml><?xml version="1.0" encoding="utf-8"?>
-<ds:datastoreItem xmlns:ds="http://schemas.openxmlformats.org/officeDocument/2006/customXml" ds:itemID="{758C107C-C448-4241-AE9D-66B5C2D662A6}">
-  <ds:schemaRefs>
-    <ds:schemaRef ds:uri="http://schemas.microsoft.com/VisualStudio/2011/storyboarding/control"/>
-  </ds:schemaRefs>
-</ds:datastoreItem>
-</file>
-
-<file path=customXml/itemProps5.xml><?xml version="1.0" encoding="utf-8"?>
-<ds:datastoreItem xmlns:ds="http://schemas.openxmlformats.org/officeDocument/2006/customXml" ds:itemID="{9BB7D7D8-3A2C-4B0D-95EB-FA326AB44D8F}">
-  <ds:schemaRefs>
-    <ds:schemaRef ds:uri="http://schemas.microsoft.com/VisualStudio/2011/storyboarding/control"/>
-  </ds:schemaRefs>
-</ds:datastoreItem>
-</file>
-
-<file path=customXml/itemProps6.xml><?xml version="1.0" encoding="utf-8"?>
+<file path=customXml/itemProps7.xml><?xml version="1.0" encoding="utf-8"?>
 <ds:datastoreItem xmlns:ds="http://schemas.openxmlformats.org/officeDocument/2006/customXml" ds:itemID="{6D07BE54-C08A-4A00-A052-09AA9FE91835}">
   <ds:schemaRefs>
     <ds:schemaRef ds:uri="http://schemas.microsoft.com/VisualStudio/2011/storyboarding/control"/>
@@ -11456,16 +11695,8 @@
 </ds:datastoreItem>
 </file>
 
-<file path=customXml/itemProps7.xml><?xml version="1.0" encoding="utf-8"?>
-<ds:datastoreItem xmlns:ds="http://schemas.openxmlformats.org/officeDocument/2006/customXml" ds:itemID="{6451BAD5-41AB-4C51-BEE5-590F39975AFB}">
-  <ds:schemaRefs>
-    <ds:schemaRef ds:uri="http://schemas.microsoft.com/VisualStudio/2011/storyboarding/control"/>
-  </ds:schemaRefs>
-</ds:datastoreItem>
-</file>
-
 <file path=customXml/itemProps8.xml><?xml version="1.0" encoding="utf-8"?>
-<ds:datastoreItem xmlns:ds="http://schemas.openxmlformats.org/officeDocument/2006/customXml" ds:itemID="{C9A349EB-25C0-432F-BCC6-B672C9EAA1C2}">
+<ds:datastoreItem xmlns:ds="http://schemas.openxmlformats.org/officeDocument/2006/customXml" ds:itemID="{8A1C2287-9A0E-4847-B77E-255123AED349}">
   <ds:schemaRefs>
     <ds:schemaRef ds:uri="http://schemas.microsoft.com/VisualStudio/2011/storyboarding/control"/>
   </ds:schemaRefs>
@@ -11473,7 +11704,7 @@
 </file>
 
 <file path=customXml/itemProps9.xml><?xml version="1.0" encoding="utf-8"?>
-<ds:datastoreItem xmlns:ds="http://schemas.openxmlformats.org/officeDocument/2006/customXml" ds:itemID="{8A1C2287-9A0E-4847-B77E-255123AED349}">
+<ds:datastoreItem xmlns:ds="http://schemas.openxmlformats.org/officeDocument/2006/customXml" ds:itemID="{904F09AE-A24F-4F40-A827-5D2BB35EF6D8}">
   <ds:schemaRefs>
     <ds:schemaRef ds:uri="http://schemas.microsoft.com/VisualStudio/2011/storyboarding/control"/>
   </ds:schemaRefs>

--- a/Redux.pptx
+++ b/Redux.pptx
@@ -242,7 +242,7 @@
           <a:p>
             <a:fld id="{46C003B6-BCEA-46F3-841E-7B3EC6052E68}" type="datetimeFigureOut">
               <a:rPr lang="en-BE" smtClean="0"/>
-              <a:t>08/06/2022</a:t>
+              <a:t>01/02/2023</a:t>
             </a:fld>
             <a:endParaRPr lang="en-BE"/>
           </a:p>
@@ -2854,7 +2854,7 @@
             <a:fld id="{B61BEF0D-F0BB-DE4B-95CE-6DB70DBA9567}" type="datetimeFigureOut">
               <a:rPr lang="en-US" dirty="0"/>
               <a:pPr/>
-              <a:t>6/8/2022</a:t>
+              <a:t>2/1/2023</a:t>
             </a:fld>
             <a:endParaRPr lang="en-US" dirty="0"/>
           </a:p>
@@ -3142,7 +3142,7 @@
             <a:fld id="{B61BEF0D-F0BB-DE4B-95CE-6DB70DBA9567}" type="datetimeFigureOut">
               <a:rPr lang="en-US" dirty="0"/>
               <a:pPr/>
-              <a:t>6/8/2022</a:t>
+              <a:t>2/1/2023</a:t>
             </a:fld>
             <a:endParaRPr lang="en-US" dirty="0"/>
           </a:p>
@@ -3387,7 +3387,7 @@
             <a:fld id="{B61BEF0D-F0BB-DE4B-95CE-6DB70DBA9567}" type="datetimeFigureOut">
               <a:rPr lang="en-US" dirty="0"/>
               <a:pPr/>
-              <a:t>6/8/2022</a:t>
+              <a:t>2/1/2023</a:t>
             </a:fld>
             <a:endParaRPr lang="en-US" dirty="0"/>
           </a:p>
@@ -3920,7 +3920,7 @@
             <a:fld id="{B61BEF0D-F0BB-DE4B-95CE-6DB70DBA9567}" type="datetimeFigureOut">
               <a:rPr lang="en-US" dirty="0"/>
               <a:pPr/>
-              <a:t>6/8/2022</a:t>
+              <a:t>2/1/2023</a:t>
             </a:fld>
             <a:endParaRPr lang="en-US" dirty="0"/>
           </a:p>
@@ -4165,7 +4165,7 @@
             <a:fld id="{B61BEF0D-F0BB-DE4B-95CE-6DB70DBA9567}" type="datetimeFigureOut">
               <a:rPr lang="en-US" dirty="0"/>
               <a:pPr/>
-              <a:t>6/8/2022</a:t>
+              <a:t>2/1/2023</a:t>
             </a:fld>
             <a:endParaRPr lang="en-US" dirty="0"/>
           </a:p>
@@ -4705,7 +4705,7 @@
             <a:fld id="{B61BEF0D-F0BB-DE4B-95CE-6DB70DBA9567}" type="datetimeFigureOut">
               <a:rPr lang="en-US" dirty="0"/>
               <a:pPr/>
-              <a:t>6/8/2022</a:t>
+              <a:t>2/1/2023</a:t>
             </a:fld>
             <a:endParaRPr lang="en-US" dirty="0"/>
           </a:p>
@@ -5012,7 +5012,7 @@
             <a:fld id="{B61BEF0D-F0BB-DE4B-95CE-6DB70DBA9567}" type="datetimeFigureOut">
               <a:rPr lang="en-US" dirty="0"/>
               <a:pPr/>
-              <a:t>6/8/2022</a:t>
+              <a:t>2/1/2023</a:t>
             </a:fld>
             <a:endParaRPr lang="en-US" dirty="0"/>
           </a:p>
@@ -5184,7 +5184,7 @@
             <a:fld id="{B61BEF0D-F0BB-DE4B-95CE-6DB70DBA9567}" type="datetimeFigureOut">
               <a:rPr lang="en-US" dirty="0"/>
               <a:pPr/>
-              <a:t>6/8/2022</a:t>
+              <a:t>2/1/2023</a:t>
             </a:fld>
             <a:endParaRPr lang="en-US" dirty="0"/>
           </a:p>
@@ -5361,7 +5361,7 @@
             <a:fld id="{B61BEF0D-F0BB-DE4B-95CE-6DB70DBA9567}" type="datetimeFigureOut">
               <a:rPr lang="en-US" dirty="0"/>
               <a:pPr/>
-              <a:t>6/8/2022</a:t>
+              <a:t>2/1/2023</a:t>
             </a:fld>
             <a:endParaRPr lang="en-US" dirty="0"/>
           </a:p>
@@ -5528,7 +5528,7 @@
             <a:fld id="{B61BEF0D-F0BB-DE4B-95CE-6DB70DBA9567}" type="datetimeFigureOut">
               <a:rPr lang="en-US" dirty="0"/>
               <a:pPr/>
-              <a:t>6/8/2022</a:t>
+              <a:t>2/1/2023</a:t>
             </a:fld>
             <a:endParaRPr lang="en-US" dirty="0"/>
           </a:p>
@@ -5771,7 +5771,7 @@
             <a:fld id="{B61BEF0D-F0BB-DE4B-95CE-6DB70DBA9567}" type="datetimeFigureOut">
               <a:rPr lang="en-US" dirty="0"/>
               <a:pPr/>
-              <a:t>6/8/2022</a:t>
+              <a:t>2/1/2023</a:t>
             </a:fld>
             <a:endParaRPr lang="en-US" dirty="0"/>
           </a:p>
@@ -6060,7 +6060,7 @@
             <a:fld id="{B61BEF0D-F0BB-DE4B-95CE-6DB70DBA9567}" type="datetimeFigureOut">
               <a:rPr lang="en-US" dirty="0"/>
               <a:pPr/>
-              <a:t>6/8/2022</a:t>
+              <a:t>2/1/2023</a:t>
             </a:fld>
             <a:endParaRPr lang="en-US" dirty="0"/>
           </a:p>
@@ -6487,7 +6487,7 @@
             <a:fld id="{B61BEF0D-F0BB-DE4B-95CE-6DB70DBA9567}" type="datetimeFigureOut">
               <a:rPr lang="en-US" dirty="0"/>
               <a:pPr/>
-              <a:t>6/8/2022</a:t>
+              <a:t>2/1/2023</a:t>
             </a:fld>
             <a:endParaRPr lang="en-US" dirty="0"/>
           </a:p>
@@ -6607,7 +6607,7 @@
             <a:fld id="{B61BEF0D-F0BB-DE4B-95CE-6DB70DBA9567}" type="datetimeFigureOut">
               <a:rPr lang="en-US" dirty="0"/>
               <a:pPr/>
-              <a:t>6/8/2022</a:t>
+              <a:t>2/1/2023</a:t>
             </a:fld>
             <a:endParaRPr lang="en-US" dirty="0"/>
           </a:p>
@@ -6699,7 +6699,7 @@
             <a:fld id="{B61BEF0D-F0BB-DE4B-95CE-6DB70DBA9567}" type="datetimeFigureOut">
               <a:rPr lang="en-US" dirty="0"/>
               <a:pPr/>
-              <a:t>6/8/2022</a:t>
+              <a:t>2/1/2023</a:t>
             </a:fld>
             <a:endParaRPr lang="en-US" dirty="0"/>
           </a:p>
@@ -6979,7 +6979,7 @@
             <a:fld id="{B61BEF0D-F0BB-DE4B-95CE-6DB70DBA9567}" type="datetimeFigureOut">
               <a:rPr lang="en-US" dirty="0"/>
               <a:pPr/>
-              <a:t>6/8/2022</a:t>
+              <a:t>2/1/2023</a:t>
             </a:fld>
             <a:endParaRPr lang="en-US" dirty="0"/>
           </a:p>
@@ -7267,7 +7267,7 @@
             <a:fld id="{B61BEF0D-F0BB-DE4B-95CE-6DB70DBA9567}" type="datetimeFigureOut">
               <a:rPr lang="en-US" dirty="0"/>
               <a:pPr/>
-              <a:t>6/8/2022</a:t>
+              <a:t>2/1/2023</a:t>
             </a:fld>
             <a:endParaRPr lang="en-US" dirty="0"/>
           </a:p>
@@ -7495,7 +7495,7 @@
             <a:fld id="{B61BEF0D-F0BB-DE4B-95CE-6DB70DBA9567}" type="datetimeFigureOut">
               <a:rPr lang="en-US" dirty="0"/>
               <a:pPr/>
-              <a:t>6/8/2022</a:t>
+              <a:t>2/1/2023</a:t>
             </a:fld>
             <a:endParaRPr lang="en-US" dirty="0"/>
           </a:p>
@@ -8376,6 +8376,267 @@
           </a:p>
         </p:txBody>
       </p:sp>
+      <p:sp>
+        <p:nvSpPr>
+          <p:cNvPr id="2" name="Rectangle: Rounded Corners 1">
+            <a:extLst>
+              <a:ext uri="{FF2B5EF4-FFF2-40B4-BE49-F238E27FC236}">
+                <a16:creationId xmlns:a16="http://schemas.microsoft.com/office/drawing/2014/main" id="{5BA40C1B-F55C-F71E-2945-2B1CA1DAC495}"/>
+              </a:ext>
+            </a:extLst>
+          </p:cNvPr>
+          <p:cNvSpPr/>
+          <p:nvPr/>
+        </p:nvSpPr>
+        <p:spPr>
+          <a:xfrm>
+            <a:off x="9707220" y="6255785"/>
+            <a:ext cx="2357041" cy="441793"/>
+          </a:xfrm>
+          <a:prstGeom prst="roundRect">
+            <a:avLst/>
+          </a:prstGeom>
+          <a:solidFill>
+            <a:srgbClr val="FFEE93"/>
+          </a:solidFill>
+          <a:ln>
+            <a:solidFill>
+              <a:srgbClr val="FFC09F"/>
+            </a:solidFill>
+          </a:ln>
+        </p:spPr>
+        <p:style>
+          <a:lnRef idx="1">
+            <a:schemeClr val="accent1"/>
+          </a:lnRef>
+          <a:fillRef idx="3">
+            <a:schemeClr val="accent1"/>
+          </a:fillRef>
+          <a:effectRef idx="2">
+            <a:schemeClr val="accent1"/>
+          </a:effectRef>
+          <a:fontRef idx="minor">
+            <a:schemeClr val="lt1"/>
+          </a:fontRef>
+        </p:style>
+        <p:txBody>
+          <a:bodyPr rtlCol="0" anchor="ctr"/>
+          <a:lstStyle/>
+          <a:p>
+            <a:pPr algn="ctr"/>
+            <a:r>
+              <a:rPr lang="en-US" b="1" dirty="0" err="1">
+                <a:solidFill>
+                  <a:srgbClr val="FFC09F"/>
+                </a:solidFill>
+              </a:rPr>
+              <a:t>FrontendTrack</a:t>
+            </a:r>
+            <a:endParaRPr lang="en-BE" b="1" dirty="0">
+              <a:solidFill>
+                <a:srgbClr val="FFC09F"/>
+              </a:solidFill>
+            </a:endParaRPr>
+          </a:p>
+        </p:txBody>
+      </p:sp>
+      <p:sp>
+        <p:nvSpPr>
+          <p:cNvPr id="3" name="Rectangle 2">
+            <a:extLst>
+              <a:ext uri="{FF2B5EF4-FFF2-40B4-BE49-F238E27FC236}">
+                <a16:creationId xmlns:a16="http://schemas.microsoft.com/office/drawing/2014/main" id="{DC6C78FF-9FE5-052B-85CA-56701F8A0E58}"/>
+              </a:ext>
+            </a:extLst>
+          </p:cNvPr>
+          <p:cNvSpPr/>
+          <p:nvPr/>
+        </p:nvSpPr>
+        <p:spPr>
+          <a:xfrm>
+            <a:off x="172343" y="6255784"/>
+            <a:ext cx="1846957" cy="441793"/>
+          </a:xfrm>
+          <a:prstGeom prst="rect">
+            <a:avLst/>
+          </a:prstGeom>
+        </p:spPr>
+        <p:style>
+          <a:lnRef idx="2">
+            <a:schemeClr val="accent6">
+              <a:shade val="50000"/>
+            </a:schemeClr>
+          </a:lnRef>
+          <a:fillRef idx="1">
+            <a:schemeClr val="accent6"/>
+          </a:fillRef>
+          <a:effectRef idx="0">
+            <a:schemeClr val="accent6"/>
+          </a:effectRef>
+          <a:fontRef idx="minor">
+            <a:schemeClr val="lt1"/>
+          </a:fontRef>
+        </p:style>
+        <p:txBody>
+          <a:bodyPr rtlCol="0" anchor="ctr"/>
+          <a:lstStyle/>
+          <a:p>
+            <a:pPr algn="ctr"/>
+            <a:r>
+              <a:rPr lang="fr-BE" dirty="0" err="1"/>
+              <a:t>Theoretical</a:t>
+            </a:r>
+            <a:endParaRPr lang="en-BE" dirty="0"/>
+          </a:p>
+        </p:txBody>
+      </p:sp>
+      <p:sp>
+        <p:nvSpPr>
+          <p:cNvPr id="7" name="Rectangle 6">
+            <a:extLst>
+              <a:ext uri="{FF2B5EF4-FFF2-40B4-BE49-F238E27FC236}">
+                <a16:creationId xmlns:a16="http://schemas.microsoft.com/office/drawing/2014/main" id="{1095F562-09B9-5275-A4E8-42E76B01CF0B}"/>
+              </a:ext>
+            </a:extLst>
+          </p:cNvPr>
+          <p:cNvSpPr/>
+          <p:nvPr/>
+        </p:nvSpPr>
+        <p:spPr>
+          <a:xfrm>
+            <a:off x="2171413" y="6259358"/>
+            <a:ext cx="1846957" cy="441793"/>
+          </a:xfrm>
+          <a:prstGeom prst="rect">
+            <a:avLst/>
+          </a:prstGeom>
+        </p:spPr>
+        <p:style>
+          <a:lnRef idx="2">
+            <a:schemeClr val="accent4">
+              <a:shade val="50000"/>
+            </a:schemeClr>
+          </a:lnRef>
+          <a:fillRef idx="1">
+            <a:schemeClr val="accent4"/>
+          </a:fillRef>
+          <a:effectRef idx="0">
+            <a:schemeClr val="accent4"/>
+          </a:effectRef>
+          <a:fontRef idx="minor">
+            <a:schemeClr val="lt1"/>
+          </a:fontRef>
+        </p:style>
+        <p:txBody>
+          <a:bodyPr rtlCol="0" anchor="ctr"/>
+          <a:lstStyle/>
+          <a:p>
+            <a:pPr algn="ctr"/>
+            <a:r>
+              <a:rPr lang="fr-BE" dirty="0"/>
+              <a:t>Introduction</a:t>
+            </a:r>
+            <a:endParaRPr lang="en-BE" dirty="0"/>
+          </a:p>
+        </p:txBody>
+      </p:sp>
+      <p:sp>
+        <p:nvSpPr>
+          <p:cNvPr id="9" name="TextBox 8">
+            <a:extLst>
+              <a:ext uri="{FF2B5EF4-FFF2-40B4-BE49-F238E27FC236}">
+                <a16:creationId xmlns:a16="http://schemas.microsoft.com/office/drawing/2014/main" id="{426A5067-A3B9-9A81-456B-2D99E3729E2E}"/>
+              </a:ext>
+            </a:extLst>
+          </p:cNvPr>
+          <p:cNvSpPr txBox="1"/>
+          <p:nvPr/>
+        </p:nvSpPr>
+        <p:spPr>
+          <a:xfrm>
+            <a:off x="11327281" y="263415"/>
+            <a:ext cx="736980" cy="595932"/>
+          </a:xfrm>
+          <a:prstGeom prst="rect">
+            <a:avLst/>
+          </a:prstGeom>
+          <a:noFill/>
+        </p:spPr>
+        <p:txBody>
+          <a:bodyPr wrap="square" rtlCol="0">
+            <a:spAutoFit/>
+          </a:bodyPr>
+          <a:lstStyle/>
+          <a:p>
+            <a:pPr lvl="0">
+              <a:lnSpc>
+                <a:spcPct val="107000"/>
+              </a:lnSpc>
+            </a:pPr>
+            <a:r>
+              <a:rPr lang="en-US" sz="3200" dirty="0">
+                <a:latin typeface="Calibri" panose="020F0502020204030204" pitchFamily="34" charset="0"/>
+                <a:ea typeface="Calibri" panose="020F0502020204030204" pitchFamily="34" charset="0"/>
+                <a:cs typeface="Times New Roman" panose="02020603050405020304" pitchFamily="18" charset="0"/>
+              </a:rPr>
+              <a:t>1h</a:t>
+            </a:r>
+            <a:endParaRPr lang="en-BE" sz="3200" dirty="0">
+              <a:effectLst/>
+              <a:latin typeface="Calibri" panose="020F0502020204030204" pitchFamily="34" charset="0"/>
+              <a:ea typeface="Calibri" panose="020F0502020204030204" pitchFamily="34" charset="0"/>
+              <a:cs typeface="Times New Roman" panose="02020603050405020304" pitchFamily="18" charset="0"/>
+            </a:endParaRPr>
+          </a:p>
+        </p:txBody>
+      </p:sp>
+      <p:pic>
+        <p:nvPicPr>
+          <p:cNvPr id="10" name="Picture 2" descr="Clock PNG, Clock Transparent Background - FreeIconsPNG">
+            <a:extLst>
+              <a:ext uri="{FF2B5EF4-FFF2-40B4-BE49-F238E27FC236}">
+                <a16:creationId xmlns:a16="http://schemas.microsoft.com/office/drawing/2014/main" id="{335D1142-FB5E-0A60-C93E-A6EB71F034B7}"/>
+              </a:ext>
+            </a:extLst>
+          </p:cNvPr>
+          <p:cNvPicPr>
+            <a:picLocks noChangeAspect="1" noChangeArrowheads="1"/>
+          </p:cNvPicPr>
+          <p:nvPr/>
+        </p:nvPicPr>
+        <p:blipFill>
+          <a:blip r:embed="rId4">
+            <a:extLst>
+              <a:ext uri="{28A0092B-C50C-407E-A947-70E740481C1C}">
+                <a14:useLocalDpi xmlns:a14="http://schemas.microsoft.com/office/drawing/2010/main" val="0"/>
+              </a:ext>
+            </a:extLst>
+          </a:blip>
+          <a:srcRect/>
+          <a:stretch>
+            <a:fillRect/>
+          </a:stretch>
+        </p:blipFill>
+        <p:spPr bwMode="auto">
+          <a:xfrm>
+            <a:off x="10467472" y="192891"/>
+            <a:ext cx="736980" cy="736980"/>
+          </a:xfrm>
+          <a:prstGeom prst="rect">
+            <a:avLst/>
+          </a:prstGeom>
+          <a:noFill/>
+          <a:extLst>
+            <a:ext uri="{909E8E84-426E-40DD-AFC4-6F175D3DCCD1}">
+              <a14:hiddenFill xmlns:a14="http://schemas.microsoft.com/office/drawing/2010/main">
+                <a:solidFill>
+                  <a:srgbClr val="FFFFFF"/>
+                </a:solidFill>
+              </a14:hiddenFill>
+            </a:ext>
+          </a:extLst>
+        </p:spPr>
+      </p:pic>
     </p:spTree>
     <p:extLst>
       <p:ext uri="{BB962C8B-B14F-4D97-AF65-F5344CB8AC3E}">
@@ -11600,7 +11861,7 @@
 </file>
 
 <file path=customXml/itemProps1.xml><?xml version="1.0" encoding="utf-8"?>
-<ds:datastoreItem xmlns:ds="http://schemas.openxmlformats.org/officeDocument/2006/customXml" ds:itemID="{9BB7D7D8-3A2C-4B0D-95EB-FA326AB44D8F}">
+<ds:datastoreItem xmlns:ds="http://schemas.openxmlformats.org/officeDocument/2006/customXml" ds:itemID="{3077928C-1211-4AFF-8051-8F9730E06D41}">
   <ds:schemaRefs>
     <ds:schemaRef ds:uri="http://schemas.microsoft.com/VisualStudio/2011/storyboarding/control"/>
   </ds:schemaRefs>
@@ -11616,6 +11877,86 @@
 </file>
 
 <file path=customXml/itemProps11.xml><?xml version="1.0" encoding="utf-8"?>
+<ds:datastoreItem xmlns:ds="http://schemas.openxmlformats.org/officeDocument/2006/customXml" ds:itemID="{6451BAD5-41AB-4C51-BEE5-590F39975AFB}">
+  <ds:schemaRefs>
+    <ds:schemaRef ds:uri="http://schemas.microsoft.com/VisualStudio/2011/storyboarding/control"/>
+  </ds:schemaRefs>
+</ds:datastoreItem>
+</file>
+
+<file path=customXml/itemProps12.xml><?xml version="1.0" encoding="utf-8"?>
+<ds:datastoreItem xmlns:ds="http://schemas.openxmlformats.org/officeDocument/2006/customXml" ds:itemID="{904F09AE-A24F-4F40-A827-5D2BB35EF6D8}">
+  <ds:schemaRefs>
+    <ds:schemaRef ds:uri="http://schemas.microsoft.com/VisualStudio/2011/storyboarding/control"/>
+  </ds:schemaRefs>
+</ds:datastoreItem>
+</file>
+
+<file path=customXml/itemProps13.xml><?xml version="1.0" encoding="utf-8"?>
+<ds:datastoreItem xmlns:ds="http://schemas.openxmlformats.org/officeDocument/2006/customXml" ds:itemID="{F25BAA23-CA26-4303-8A25-F7FEF657A844}">
+  <ds:schemaRefs>
+    <ds:schemaRef ds:uri="http://schemas.microsoft.com/VisualStudio/2011/storyboarding/control"/>
+  </ds:schemaRefs>
+</ds:datastoreItem>
+</file>
+
+<file path=customXml/itemProps14.xml><?xml version="1.0" encoding="utf-8"?>
+<ds:datastoreItem xmlns:ds="http://schemas.openxmlformats.org/officeDocument/2006/customXml" ds:itemID="{8A1C2287-9A0E-4847-B77E-255123AED349}">
+  <ds:schemaRefs>
+    <ds:schemaRef ds:uri="http://schemas.microsoft.com/VisualStudio/2011/storyboarding/control"/>
+  </ds:schemaRefs>
+</ds:datastoreItem>
+</file>
+
+<file path=customXml/itemProps2.xml><?xml version="1.0" encoding="utf-8"?>
+<ds:datastoreItem xmlns:ds="http://schemas.openxmlformats.org/officeDocument/2006/customXml" ds:itemID="{83121EFB-4893-415B-B7BD-F940E893B2BD}">
+  <ds:schemaRefs>
+    <ds:schemaRef ds:uri="http://schemas.microsoft.com/VisualStudio/2011/storyboarding/control"/>
+  </ds:schemaRefs>
+</ds:datastoreItem>
+</file>
+
+<file path=customXml/itemProps3.xml><?xml version="1.0" encoding="utf-8"?>
+<ds:datastoreItem xmlns:ds="http://schemas.openxmlformats.org/officeDocument/2006/customXml" ds:itemID="{6D07BE54-C08A-4A00-A052-09AA9FE91835}">
+  <ds:schemaRefs>
+    <ds:schemaRef ds:uri="http://schemas.microsoft.com/VisualStudio/2011/storyboarding/control"/>
+  </ds:schemaRefs>
+</ds:datastoreItem>
+</file>
+
+<file path=customXml/itemProps4.xml><?xml version="1.0" encoding="utf-8"?>
+<ds:datastoreItem xmlns:ds="http://schemas.openxmlformats.org/officeDocument/2006/customXml" ds:itemID="{602A176D-DD9A-4555-ABCE-0CAAEBDBAF6D}">
+  <ds:schemaRefs>
+    <ds:schemaRef ds:uri="http://schemas.microsoft.com/VisualStudio/2011/storyboarding/control"/>
+  </ds:schemaRefs>
+</ds:datastoreItem>
+</file>
+
+<file path=customXml/itemProps5.xml><?xml version="1.0" encoding="utf-8"?>
+<ds:datastoreItem xmlns:ds="http://schemas.openxmlformats.org/officeDocument/2006/customXml" ds:itemID="{C9A349EB-25C0-432F-BCC6-B672C9EAA1C2}">
+  <ds:schemaRefs>
+    <ds:schemaRef ds:uri="http://schemas.microsoft.com/VisualStudio/2011/storyboarding/control"/>
+  </ds:schemaRefs>
+</ds:datastoreItem>
+</file>
+
+<file path=customXml/itemProps6.xml><?xml version="1.0" encoding="utf-8"?>
+<ds:datastoreItem xmlns:ds="http://schemas.openxmlformats.org/officeDocument/2006/customXml" ds:itemID="{9BB7D7D8-3A2C-4B0D-95EB-FA326AB44D8F}">
+  <ds:schemaRefs>
+    <ds:schemaRef ds:uri="http://schemas.microsoft.com/VisualStudio/2011/storyboarding/control"/>
+  </ds:schemaRefs>
+</ds:datastoreItem>
+</file>
+
+<file path=customXml/itemProps7.xml><?xml version="1.0" encoding="utf-8"?>
+<ds:datastoreItem xmlns:ds="http://schemas.openxmlformats.org/officeDocument/2006/customXml" ds:itemID="{5B6044FC-5A7F-4CA1-AE3E-66F2487BF7A6}">
+  <ds:schemaRefs>
+    <ds:schemaRef ds:uri="http://schemas.microsoft.com/VisualStudio/2011/storyboarding/control"/>
+  </ds:schemaRefs>
+</ds:datastoreItem>
+</file>
+
+<file path=customXml/itemProps8.xml><?xml version="1.0" encoding="utf-8"?>
 <ds:datastoreItem xmlns:ds="http://schemas.openxmlformats.org/officeDocument/2006/customXml" ds:itemID="{37DFCA95-38E1-422A-83DB-FB055F0B45EC}">
   <ds:schemaRefs>
     <ds:schemaRef ds:uri="http://schemas.microsoft.com/VisualStudio/2011/storyboarding/control"/>
@@ -11623,90 +11964,10 @@
 </ds:datastoreItem>
 </file>
 
-<file path=customXml/itemProps12.xml><?xml version="1.0" encoding="utf-8"?>
-<ds:datastoreItem xmlns:ds="http://schemas.openxmlformats.org/officeDocument/2006/customXml" ds:itemID="{602A176D-DD9A-4555-ABCE-0CAAEBDBAF6D}">
-  <ds:schemaRefs>
-    <ds:schemaRef ds:uri="http://schemas.microsoft.com/VisualStudio/2011/storyboarding/control"/>
-  </ds:schemaRefs>
-</ds:datastoreItem>
-</file>
-
-<file path=customXml/itemProps13.xml><?xml version="1.0" encoding="utf-8"?>
-<ds:datastoreItem xmlns:ds="http://schemas.openxmlformats.org/officeDocument/2006/customXml" ds:itemID="{3077928C-1211-4AFF-8051-8F9730E06D41}">
-  <ds:schemaRefs>
-    <ds:schemaRef ds:uri="http://schemas.microsoft.com/VisualStudio/2011/storyboarding/control"/>
-  </ds:schemaRefs>
-</ds:datastoreItem>
-</file>
-
-<file path=customXml/itemProps14.xml><?xml version="1.0" encoding="utf-8"?>
-<ds:datastoreItem xmlns:ds="http://schemas.openxmlformats.org/officeDocument/2006/customXml" ds:itemID="{F25BAA23-CA26-4303-8A25-F7FEF657A844}">
-  <ds:schemaRefs>
-    <ds:schemaRef ds:uri="http://schemas.microsoft.com/VisualStudio/2011/storyboarding/control"/>
-  </ds:schemaRefs>
-</ds:datastoreItem>
-</file>
-
-<file path=customXml/itemProps2.xml><?xml version="1.0" encoding="utf-8"?>
-<ds:datastoreItem xmlns:ds="http://schemas.openxmlformats.org/officeDocument/2006/customXml" ds:itemID="{C9A349EB-25C0-432F-BCC6-B672C9EAA1C2}">
-  <ds:schemaRefs>
-    <ds:schemaRef ds:uri="http://schemas.microsoft.com/VisualStudio/2011/storyboarding/control"/>
-  </ds:schemaRefs>
-</ds:datastoreItem>
-</file>
-
-<file path=customXml/itemProps3.xml><?xml version="1.0" encoding="utf-8"?>
-<ds:datastoreItem xmlns:ds="http://schemas.openxmlformats.org/officeDocument/2006/customXml" ds:itemID="{83121EFB-4893-415B-B7BD-F940E893B2BD}">
-  <ds:schemaRefs>
-    <ds:schemaRef ds:uri="http://schemas.microsoft.com/VisualStudio/2011/storyboarding/control"/>
-  </ds:schemaRefs>
-</ds:datastoreItem>
-</file>
-
-<file path=customXml/itemProps4.xml><?xml version="1.0" encoding="utf-8"?>
-<ds:datastoreItem xmlns:ds="http://schemas.openxmlformats.org/officeDocument/2006/customXml" ds:itemID="{6451BAD5-41AB-4C51-BEE5-590F39975AFB}">
-  <ds:schemaRefs>
-    <ds:schemaRef ds:uri="http://schemas.microsoft.com/VisualStudio/2011/storyboarding/control"/>
-  </ds:schemaRefs>
-</ds:datastoreItem>
-</file>
-
-<file path=customXml/itemProps5.xml><?xml version="1.0" encoding="utf-8"?>
+<file path=customXml/itemProps9.xml><?xml version="1.0" encoding="utf-8"?>
 <ds:datastoreItem xmlns:ds="http://schemas.openxmlformats.org/officeDocument/2006/customXml" ds:itemID="{7B3F9982-7FBE-426F-9BC0-54899A3B74DF}">
   <ds:schemaRefs>
     <ds:schemaRef ds:uri="http://schemas.microsoft.com/VisualStudio/2011/storyboarding/control"/>
   </ds:schemaRefs>
 </ds:datastoreItem>
-</file>
-
-<file path=customXml/itemProps6.xml><?xml version="1.0" encoding="utf-8"?>
-<ds:datastoreItem xmlns:ds="http://schemas.openxmlformats.org/officeDocument/2006/customXml" ds:itemID="{5B6044FC-5A7F-4CA1-AE3E-66F2487BF7A6}">
-  <ds:schemaRefs>
-    <ds:schemaRef ds:uri="http://schemas.microsoft.com/VisualStudio/2011/storyboarding/control"/>
-  </ds:schemaRefs>
-</ds:datastoreItem>
-</file>
-
-<file path=customXml/itemProps7.xml><?xml version="1.0" encoding="utf-8"?>
-<ds:datastoreItem xmlns:ds="http://schemas.openxmlformats.org/officeDocument/2006/customXml" ds:itemID="{6D07BE54-C08A-4A00-A052-09AA9FE91835}">
-  <ds:schemaRefs>
-    <ds:schemaRef ds:uri="http://schemas.microsoft.com/VisualStudio/2011/storyboarding/control"/>
-  </ds:schemaRefs>
-</ds:datastoreItem>
-</file>
-
-<file path=customXml/itemProps8.xml><?xml version="1.0" encoding="utf-8"?>
-<ds:datastoreItem xmlns:ds="http://schemas.openxmlformats.org/officeDocument/2006/customXml" ds:itemID="{8A1C2287-9A0E-4847-B77E-255123AED349}">
-  <ds:schemaRefs>
-    <ds:schemaRef ds:uri="http://schemas.microsoft.com/VisualStudio/2011/storyboarding/control"/>
-  </ds:schemaRefs>
-</ds:datastoreItem>
-</file>
-
-<file path=customXml/itemProps9.xml><?xml version="1.0" encoding="utf-8"?>
-<ds:datastoreItem xmlns:ds="http://schemas.openxmlformats.org/officeDocument/2006/customXml" ds:itemID="{904F09AE-A24F-4F40-A827-5D2BB35EF6D8}">
-  <ds:schemaRefs>
-    <ds:schemaRef ds:uri="http://schemas.microsoft.com/VisualStudio/2011/storyboarding/control"/>
-  </ds:schemaRefs>
-</ds:datastoreItem>
 </file>
--- a/Redux.pptx
+++ b/Redux.pptx
@@ -5,7 +5,7 @@
     <p:sldMasterId id="2147483648" r:id="rId15"/>
   </p:sldMasterIdLst>
   <p:notesMasterIdLst>
-    <p:notesMasterId r:id="rId29"/>
+    <p:notesMasterId r:id="rId28"/>
   </p:notesMasterIdLst>
   <p:sldIdLst>
     <p:sldId id="257" r:id="rId16"/>
@@ -20,7 +20,6 @@
     <p:sldId id="302" r:id="rId25"/>
     <p:sldId id="276" r:id="rId26"/>
     <p:sldId id="298" r:id="rId27"/>
-    <p:sldId id="293" r:id="rId28"/>
   </p:sldIdLst>
   <p:sldSz cx="12192000" cy="6858000"/>
   <p:notesSz cx="6858000" cy="9144000"/>
@@ -136,7 +135,6 @@
             <p14:sldId id="302"/>
             <p14:sldId id="276"/>
             <p14:sldId id="298"/>
-            <p14:sldId id="293"/>
           </p14:sldIdLst>
         </p14:section>
       </p14:sectionLst>
@@ -242,7 +240,7 @@
           <a:p>
             <a:fld id="{46C003B6-BCEA-46F3-841E-7B3EC6052E68}" type="datetimeFigureOut">
               <a:rPr lang="en-BE" smtClean="0"/>
-              <a:t>01/02/2023</a:t>
+              <a:t>30/05/2024</a:t>
             </a:fld>
             <a:endParaRPr lang="en-BE"/>
           </a:p>
@@ -774,94 +772,6 @@
 </p:notes>
 </file>
 
-<file path=ppt/notesSlides/notesSlide12.xml><?xml version="1.0" encoding="utf-8"?>
-<p:notes xmlns:a="http://schemas.openxmlformats.org/drawingml/2006/main" xmlns:r="http://schemas.openxmlformats.org/officeDocument/2006/relationships" xmlns:p="http://schemas.openxmlformats.org/presentationml/2006/main">
-  <p:cSld>
-    <p:spTree>
-      <p:nvGrpSpPr>
-        <p:cNvPr id="1" name=""/>
-        <p:cNvGrpSpPr/>
-        <p:nvPr/>
-      </p:nvGrpSpPr>
-      <p:grpSpPr>
-        <a:xfrm>
-          <a:off x="0" y="0"/>
-          <a:ext cx="0" cy="0"/>
-          <a:chOff x="0" y="0"/>
-          <a:chExt cx="0" cy="0"/>
-        </a:xfrm>
-      </p:grpSpPr>
-      <p:sp>
-        <p:nvSpPr>
-          <p:cNvPr id="2" name="Slide Image Placeholder 1"/>
-          <p:cNvSpPr>
-            <a:spLocks noGrp="1" noRot="1" noChangeAspect="1"/>
-          </p:cNvSpPr>
-          <p:nvPr>
-            <p:ph type="sldImg"/>
-          </p:nvPr>
-        </p:nvSpPr>
-        <p:spPr/>
-      </p:sp>
-      <p:sp>
-        <p:nvSpPr>
-          <p:cNvPr id="3" name="Notes Placeholder 2"/>
-          <p:cNvSpPr>
-            <a:spLocks noGrp="1"/>
-          </p:cNvSpPr>
-          <p:nvPr>
-            <p:ph type="body" idx="1"/>
-          </p:nvPr>
-        </p:nvSpPr>
-        <p:spPr/>
-        <p:txBody>
-          <a:bodyPr/>
-          <a:lstStyle/>
-          <a:p>
-            <a:pPr marL="0" indent="0">
-              <a:buFont typeface="Arial" panose="020B0604020202020204" pitchFamily="34" charset="0"/>
-              <a:buNone/>
-            </a:pPr>
-            <a:endParaRPr lang="en-BE" dirty="0"/>
-          </a:p>
-        </p:txBody>
-      </p:sp>
-      <p:sp>
-        <p:nvSpPr>
-          <p:cNvPr id="4" name="Slide Number Placeholder 3"/>
-          <p:cNvSpPr>
-            <a:spLocks noGrp="1"/>
-          </p:cNvSpPr>
-          <p:nvPr>
-            <p:ph type="sldNum" sz="quarter" idx="5"/>
-          </p:nvPr>
-        </p:nvSpPr>
-        <p:spPr/>
-        <p:txBody>
-          <a:bodyPr/>
-          <a:lstStyle/>
-          <a:p>
-            <a:fld id="{8915C132-08CE-4B37-9E6D-AB9DDA075120}" type="slidenum">
-              <a:rPr lang="en-BE" smtClean="0"/>
-              <a:t>13</a:t>
-            </a:fld>
-            <a:endParaRPr lang="en-BE"/>
-          </a:p>
-        </p:txBody>
-      </p:sp>
-    </p:spTree>
-    <p:extLst>
-      <p:ext uri="{BB962C8B-B14F-4D97-AF65-F5344CB8AC3E}">
-        <p14:creationId xmlns:p14="http://schemas.microsoft.com/office/powerpoint/2010/main" val="359264468"/>
-      </p:ext>
-    </p:extLst>
-  </p:cSld>
-  <p:clrMapOvr>
-    <a:masterClrMapping/>
-  </p:clrMapOvr>
-</p:notes>
-</file>
-
 <file path=ppt/notesSlides/notesSlide2.xml><?xml version="1.0" encoding="utf-8"?>
 <p:notes xmlns:a="http://schemas.openxmlformats.org/drawingml/2006/main" xmlns:r="http://schemas.openxmlformats.org/officeDocument/2006/relationships" xmlns:p="http://schemas.openxmlformats.org/presentationml/2006/main">
   <p:cSld>
@@ -1306,13 +1216,8 @@
             </a:pPr>
             <a:r>
               <a:rPr lang="en-US" b="0" dirty="0"/>
-              <a:t>Having (small) entities in </a:t>
-            </a:r>
-            <a:r>
-              <a:rPr lang="en-US" b="0"/>
-              <a:t>the store</a:t>
-            </a:r>
-            <a:endParaRPr lang="en-US" b="0" dirty="0"/>
+              <a:t>Having (small) entities in the store</a:t>
+            </a:r>
           </a:p>
         </p:txBody>
       </p:sp>
@@ -1685,7 +1590,11 @@
               <a:buFont typeface="Arial" panose="020B0604020202020204" pitchFamily="34" charset="0"/>
               <a:buNone/>
             </a:pPr>
-            <a:endParaRPr lang="en-BE" dirty="0"/>
+            <a:r>
+              <a:rPr lang="en-US" b="1" dirty="0"/>
+              <a:t>Akita is now Elf</a:t>
+            </a:r>
+            <a:endParaRPr lang="en-BE" b="1" dirty="0"/>
           </a:p>
         </p:txBody>
       </p:sp>
@@ -2854,7 +2763,7 @@
             <a:fld id="{B61BEF0D-F0BB-DE4B-95CE-6DB70DBA9567}" type="datetimeFigureOut">
               <a:rPr lang="en-US" dirty="0"/>
               <a:pPr/>
-              <a:t>2/1/2023</a:t>
+              <a:t>5/30/2024</a:t>
             </a:fld>
             <a:endParaRPr lang="en-US" dirty="0"/>
           </a:p>
@@ -3142,7 +3051,7 @@
             <a:fld id="{B61BEF0D-F0BB-DE4B-95CE-6DB70DBA9567}" type="datetimeFigureOut">
               <a:rPr lang="en-US" dirty="0"/>
               <a:pPr/>
-              <a:t>2/1/2023</a:t>
+              <a:t>5/30/2024</a:t>
             </a:fld>
             <a:endParaRPr lang="en-US" dirty="0"/>
           </a:p>
@@ -3387,7 +3296,7 @@
             <a:fld id="{B61BEF0D-F0BB-DE4B-95CE-6DB70DBA9567}" type="datetimeFigureOut">
               <a:rPr lang="en-US" dirty="0"/>
               <a:pPr/>
-              <a:t>2/1/2023</a:t>
+              <a:t>5/30/2024</a:t>
             </a:fld>
             <a:endParaRPr lang="en-US" dirty="0"/>
           </a:p>
@@ -3920,7 +3829,7 @@
             <a:fld id="{B61BEF0D-F0BB-DE4B-95CE-6DB70DBA9567}" type="datetimeFigureOut">
               <a:rPr lang="en-US" dirty="0"/>
               <a:pPr/>
-              <a:t>2/1/2023</a:t>
+              <a:t>5/30/2024</a:t>
             </a:fld>
             <a:endParaRPr lang="en-US" dirty="0"/>
           </a:p>
@@ -4165,7 +4074,7 @@
             <a:fld id="{B61BEF0D-F0BB-DE4B-95CE-6DB70DBA9567}" type="datetimeFigureOut">
               <a:rPr lang="en-US" dirty="0"/>
               <a:pPr/>
-              <a:t>2/1/2023</a:t>
+              <a:t>5/30/2024</a:t>
             </a:fld>
             <a:endParaRPr lang="en-US" dirty="0"/>
           </a:p>
@@ -4705,7 +4614,7 @@
             <a:fld id="{B61BEF0D-F0BB-DE4B-95CE-6DB70DBA9567}" type="datetimeFigureOut">
               <a:rPr lang="en-US" dirty="0"/>
               <a:pPr/>
-              <a:t>2/1/2023</a:t>
+              <a:t>5/30/2024</a:t>
             </a:fld>
             <a:endParaRPr lang="en-US" dirty="0"/>
           </a:p>
@@ -5012,7 +4921,7 @@
             <a:fld id="{B61BEF0D-F0BB-DE4B-95CE-6DB70DBA9567}" type="datetimeFigureOut">
               <a:rPr lang="en-US" dirty="0"/>
               <a:pPr/>
-              <a:t>2/1/2023</a:t>
+              <a:t>5/30/2024</a:t>
             </a:fld>
             <a:endParaRPr lang="en-US" dirty="0"/>
           </a:p>
@@ -5184,7 +5093,7 @@
             <a:fld id="{B61BEF0D-F0BB-DE4B-95CE-6DB70DBA9567}" type="datetimeFigureOut">
               <a:rPr lang="en-US" dirty="0"/>
               <a:pPr/>
-              <a:t>2/1/2023</a:t>
+              <a:t>5/30/2024</a:t>
             </a:fld>
             <a:endParaRPr lang="en-US" dirty="0"/>
           </a:p>
@@ -5361,7 +5270,7 @@
             <a:fld id="{B61BEF0D-F0BB-DE4B-95CE-6DB70DBA9567}" type="datetimeFigureOut">
               <a:rPr lang="en-US" dirty="0"/>
               <a:pPr/>
-              <a:t>2/1/2023</a:t>
+              <a:t>5/30/2024</a:t>
             </a:fld>
             <a:endParaRPr lang="en-US" dirty="0"/>
           </a:p>
@@ -5528,7 +5437,7 @@
             <a:fld id="{B61BEF0D-F0BB-DE4B-95CE-6DB70DBA9567}" type="datetimeFigureOut">
               <a:rPr lang="en-US" dirty="0"/>
               <a:pPr/>
-              <a:t>2/1/2023</a:t>
+              <a:t>5/30/2024</a:t>
             </a:fld>
             <a:endParaRPr lang="en-US" dirty="0"/>
           </a:p>
@@ -5771,7 +5680,7 @@
             <a:fld id="{B61BEF0D-F0BB-DE4B-95CE-6DB70DBA9567}" type="datetimeFigureOut">
               <a:rPr lang="en-US" dirty="0"/>
               <a:pPr/>
-              <a:t>2/1/2023</a:t>
+              <a:t>5/30/2024</a:t>
             </a:fld>
             <a:endParaRPr lang="en-US" dirty="0"/>
           </a:p>
@@ -6060,7 +5969,7 @@
             <a:fld id="{B61BEF0D-F0BB-DE4B-95CE-6DB70DBA9567}" type="datetimeFigureOut">
               <a:rPr lang="en-US" dirty="0"/>
               <a:pPr/>
-              <a:t>2/1/2023</a:t>
+              <a:t>5/30/2024</a:t>
             </a:fld>
             <a:endParaRPr lang="en-US" dirty="0"/>
           </a:p>
@@ -6487,7 +6396,7 @@
             <a:fld id="{B61BEF0D-F0BB-DE4B-95CE-6DB70DBA9567}" type="datetimeFigureOut">
               <a:rPr lang="en-US" dirty="0"/>
               <a:pPr/>
-              <a:t>2/1/2023</a:t>
+              <a:t>5/30/2024</a:t>
             </a:fld>
             <a:endParaRPr lang="en-US" dirty="0"/>
           </a:p>
@@ -6607,7 +6516,7 @@
             <a:fld id="{B61BEF0D-F0BB-DE4B-95CE-6DB70DBA9567}" type="datetimeFigureOut">
               <a:rPr lang="en-US" dirty="0"/>
               <a:pPr/>
-              <a:t>2/1/2023</a:t>
+              <a:t>5/30/2024</a:t>
             </a:fld>
             <a:endParaRPr lang="en-US" dirty="0"/>
           </a:p>
@@ -6699,7 +6608,7 @@
             <a:fld id="{B61BEF0D-F0BB-DE4B-95CE-6DB70DBA9567}" type="datetimeFigureOut">
               <a:rPr lang="en-US" dirty="0"/>
               <a:pPr/>
-              <a:t>2/1/2023</a:t>
+              <a:t>5/30/2024</a:t>
             </a:fld>
             <a:endParaRPr lang="en-US" dirty="0"/>
           </a:p>
@@ -6979,7 +6888,7 @@
             <a:fld id="{B61BEF0D-F0BB-DE4B-95CE-6DB70DBA9567}" type="datetimeFigureOut">
               <a:rPr lang="en-US" dirty="0"/>
               <a:pPr/>
-              <a:t>2/1/2023</a:t>
+              <a:t>5/30/2024</a:t>
             </a:fld>
             <a:endParaRPr lang="en-US" dirty="0"/>
           </a:p>
@@ -7267,7 +7176,7 @@
             <a:fld id="{B61BEF0D-F0BB-DE4B-95CE-6DB70DBA9567}" type="datetimeFigureOut">
               <a:rPr lang="en-US" dirty="0"/>
               <a:pPr/>
-              <a:t>2/1/2023</a:t>
+              <a:t>5/30/2024</a:t>
             </a:fld>
             <a:endParaRPr lang="en-US" dirty="0"/>
           </a:p>
@@ -7495,7 +7404,7 @@
             <a:fld id="{B61BEF0D-F0BB-DE4B-95CE-6DB70DBA9567}" type="datetimeFigureOut">
               <a:rPr lang="en-US" dirty="0"/>
               <a:pPr/>
-              <a:t>2/1/2023</a:t>
+              <a:t>5/30/2024</a:t>
             </a:fld>
             <a:endParaRPr lang="en-US" dirty="0"/>
           </a:p>
@@ -8729,7 +8638,7 @@
           <a:p>
             <a:r>
               <a:rPr lang="fr-BE" dirty="0"/>
-              <a:t>Akita</a:t>
+              <a:t>Akita / Elf</a:t>
             </a:r>
             <a:endParaRPr lang="en-BE" dirty="0"/>
           </a:p>
@@ -9172,232 +9081,6 @@
 </p:sld>
 </file>
 
-<file path=ppt/slides/slide13.xml><?xml version="1.0" encoding="utf-8"?>
-<p:sld xmlns:a="http://schemas.openxmlformats.org/drawingml/2006/main" xmlns:r="http://schemas.openxmlformats.org/officeDocument/2006/relationships" xmlns:p="http://schemas.openxmlformats.org/presentationml/2006/main">
-  <p:cSld>
-    <p:spTree>
-      <p:nvGrpSpPr>
-        <p:cNvPr id="1" name=""/>
-        <p:cNvGrpSpPr/>
-        <p:nvPr/>
-      </p:nvGrpSpPr>
-      <p:grpSpPr>
-        <a:xfrm>
-          <a:off x="0" y="0"/>
-          <a:ext cx="0" cy="0"/>
-          <a:chOff x="0" y="0"/>
-          <a:chExt cx="0" cy="0"/>
-        </a:xfrm>
-      </p:grpSpPr>
-      <p:pic>
-        <p:nvPicPr>
-          <p:cNvPr id="6" name="Picture 5">
-            <a:extLst>
-              <a:ext uri="{FF2B5EF4-FFF2-40B4-BE49-F238E27FC236}">
-                <a16:creationId xmlns:a16="http://schemas.microsoft.com/office/drawing/2014/main" id="{7D1150AD-E424-490F-A3E6-147D047AF505}"/>
-              </a:ext>
-            </a:extLst>
-          </p:cNvPr>
-          <p:cNvPicPr>
-            <a:picLocks noChangeAspect="1"/>
-          </p:cNvPicPr>
-          <p:nvPr>
-            <p:custDataLst>
-              <p:custData r:id="rId1"/>
-            </p:custDataLst>
-          </p:nvPr>
-        </p:nvPicPr>
-        <p:blipFill>
-          <a:blip r:embed="rId4"/>
-          <a:stretch>
-            <a:fillRect/>
-          </a:stretch>
-        </p:blipFill>
-        <p:spPr>
-          <a:xfrm>
-            <a:off x="-88884" y="-22188"/>
-            <a:ext cx="3183776" cy="860893"/>
-          </a:xfrm>
-          <a:prstGeom prst="rect">
-            <a:avLst/>
-          </a:prstGeom>
-        </p:spPr>
-      </p:pic>
-      <p:sp>
-        <p:nvSpPr>
-          <p:cNvPr id="4" name="Title 3">
-            <a:extLst>
-              <a:ext uri="{FF2B5EF4-FFF2-40B4-BE49-F238E27FC236}">
-                <a16:creationId xmlns:a16="http://schemas.microsoft.com/office/drawing/2014/main" id="{29D87857-8B86-4E40-B4FD-6ECD4DA8BEC6}"/>
-              </a:ext>
-            </a:extLst>
-          </p:cNvPr>
-          <p:cNvSpPr>
-            <a:spLocks noGrp="1"/>
-          </p:cNvSpPr>
-          <p:nvPr>
-            <p:ph type="ctrTitle"/>
-          </p:nvPr>
-        </p:nvSpPr>
-        <p:spPr>
-          <a:xfrm>
-            <a:off x="172343" y="1245952"/>
-            <a:ext cx="11542512" cy="860893"/>
-          </a:xfrm>
-        </p:spPr>
-        <p:txBody>
-          <a:bodyPr/>
-          <a:lstStyle/>
-          <a:p>
-            <a:r>
-              <a:rPr lang="en-US" dirty="0"/>
-              <a:t>Next session?</a:t>
-            </a:r>
-            <a:endParaRPr lang="en-BE" dirty="0"/>
-          </a:p>
-        </p:txBody>
-      </p:sp>
-      <p:sp>
-        <p:nvSpPr>
-          <p:cNvPr id="5" name="TextBox 4">
-            <a:extLst>
-              <a:ext uri="{FF2B5EF4-FFF2-40B4-BE49-F238E27FC236}">
-                <a16:creationId xmlns:a16="http://schemas.microsoft.com/office/drawing/2014/main" id="{DF001F0A-A8BC-EBF7-C57B-526D55E12CFF}"/>
-              </a:ext>
-            </a:extLst>
-          </p:cNvPr>
-          <p:cNvSpPr txBox="1"/>
-          <p:nvPr/>
-        </p:nvSpPr>
-        <p:spPr>
-          <a:xfrm>
-            <a:off x="355384" y="2378988"/>
-            <a:ext cx="11664273" cy="2703689"/>
-          </a:xfrm>
-          <a:prstGeom prst="rect">
-            <a:avLst/>
-          </a:prstGeom>
-          <a:noFill/>
-        </p:spPr>
-        <p:txBody>
-          <a:bodyPr wrap="square" rtlCol="0">
-            <a:spAutoFit/>
-          </a:bodyPr>
-          <a:lstStyle/>
-          <a:p>
-            <a:pPr marL="342900" lvl="0" indent="-342900">
-              <a:lnSpc>
-                <a:spcPct val="107000"/>
-              </a:lnSpc>
-              <a:buFont typeface="Symbol" panose="05050102010706020507" pitchFamily="18" charset="2"/>
-              <a:buChar char=""/>
-            </a:pPr>
-            <a:r>
-              <a:rPr lang="en-US" sz="3200" dirty="0">
-                <a:effectLst/>
-                <a:latin typeface="Calibri" panose="020F0502020204030204" pitchFamily="34" charset="0"/>
-                <a:ea typeface="Calibri" panose="020F0502020204030204" pitchFamily="34" charset="0"/>
-                <a:cs typeface="Times New Roman" panose="02020603050405020304" pitchFamily="18" charset="0"/>
-              </a:rPr>
-              <a:t>Angular</a:t>
-            </a:r>
-          </a:p>
-          <a:p>
-            <a:pPr marL="342900" lvl="0" indent="-342900">
-              <a:lnSpc>
-                <a:spcPct val="107000"/>
-              </a:lnSpc>
-              <a:buFont typeface="Symbol" panose="05050102010706020507" pitchFamily="18" charset="2"/>
-              <a:buChar char=""/>
-            </a:pPr>
-            <a:r>
-              <a:rPr lang="en-US" sz="3200" dirty="0">
-                <a:latin typeface="Calibri" panose="020F0502020204030204" pitchFamily="34" charset="0"/>
-                <a:ea typeface="Calibri" panose="020F0502020204030204" pitchFamily="34" charset="0"/>
-                <a:cs typeface="Times New Roman" panose="02020603050405020304" pitchFamily="18" charset="0"/>
-              </a:rPr>
-              <a:t>RXJS</a:t>
-            </a:r>
-          </a:p>
-          <a:p>
-            <a:pPr marL="342900" lvl="0" indent="-342900">
-              <a:lnSpc>
-                <a:spcPct val="107000"/>
-              </a:lnSpc>
-              <a:buFont typeface="Symbol" panose="05050102010706020507" pitchFamily="18" charset="2"/>
-              <a:buChar char=""/>
-            </a:pPr>
-            <a:r>
-              <a:rPr lang="en-US" sz="3200" dirty="0">
-                <a:effectLst/>
-                <a:latin typeface="Calibri" panose="020F0502020204030204" pitchFamily="34" charset="0"/>
-                <a:ea typeface="Calibri" panose="020F0502020204030204" pitchFamily="34" charset="0"/>
-                <a:cs typeface="Times New Roman" panose="02020603050405020304" pitchFamily="18" charset="0"/>
-              </a:rPr>
-              <a:t>TypeScript</a:t>
-            </a:r>
-          </a:p>
-          <a:p>
-            <a:pPr marL="342900" lvl="0" indent="-342900">
-              <a:lnSpc>
-                <a:spcPct val="107000"/>
-              </a:lnSpc>
-              <a:buFont typeface="Symbol" panose="05050102010706020507" pitchFamily="18" charset="2"/>
-              <a:buChar char=""/>
-            </a:pPr>
-            <a:r>
-              <a:rPr lang="en-US" sz="3200" dirty="0" err="1">
-                <a:latin typeface="Calibri" panose="020F0502020204030204" pitchFamily="34" charset="0"/>
-                <a:ea typeface="Calibri" panose="020F0502020204030204" pitchFamily="34" charset="0"/>
-                <a:cs typeface="Times New Roman" panose="02020603050405020304" pitchFamily="18" charset="0"/>
-              </a:rPr>
-              <a:t>NServiceBus</a:t>
-            </a:r>
-            <a:endParaRPr lang="en-US" sz="3200" dirty="0">
-              <a:latin typeface="Calibri" panose="020F0502020204030204" pitchFamily="34" charset="0"/>
-              <a:ea typeface="Calibri" panose="020F0502020204030204" pitchFamily="34" charset="0"/>
-              <a:cs typeface="Times New Roman" panose="02020603050405020304" pitchFamily="18" charset="0"/>
-            </a:endParaRPr>
-          </a:p>
-          <a:p>
-            <a:pPr marL="342900" lvl="0" indent="-342900">
-              <a:lnSpc>
-                <a:spcPct val="107000"/>
-              </a:lnSpc>
-              <a:buFont typeface="Symbol" panose="05050102010706020507" pitchFamily="18" charset="2"/>
-              <a:buChar char=""/>
-            </a:pPr>
-            <a:r>
-              <a:rPr lang="en-US" sz="3200" dirty="0" err="1">
-                <a:effectLst/>
-                <a:latin typeface="Calibri" panose="020F0502020204030204" pitchFamily="34" charset="0"/>
-                <a:ea typeface="Calibri" panose="020F0502020204030204" pitchFamily="34" charset="0"/>
-                <a:cs typeface="Times New Roman" panose="02020603050405020304" pitchFamily="18" charset="0"/>
-              </a:rPr>
-              <a:t>ServiceFabric</a:t>
-            </a:r>
-            <a:endParaRPr lang="en-BE" sz="3200" dirty="0">
-              <a:effectLst/>
-              <a:latin typeface="Calibri" panose="020F0502020204030204" pitchFamily="34" charset="0"/>
-              <a:ea typeface="Calibri" panose="020F0502020204030204" pitchFamily="34" charset="0"/>
-              <a:cs typeface="Times New Roman" panose="02020603050405020304" pitchFamily="18" charset="0"/>
-            </a:endParaRPr>
-          </a:p>
-        </p:txBody>
-      </p:sp>
-    </p:spTree>
-    <p:extLst>
-      <p:ext uri="{BB962C8B-B14F-4D97-AF65-F5344CB8AC3E}">
-        <p14:creationId xmlns:p14="http://schemas.microsoft.com/office/powerpoint/2010/main" val="3390473929"/>
-      </p:ext>
-    </p:extLst>
-  </p:cSld>
-  <p:clrMapOvr>
-    <a:masterClrMapping/>
-  </p:clrMapOvr>
-</p:sld>
-</file>
-
 <file path=ppt/slides/slide2.xml><?xml version="1.0" encoding="utf-8"?>
 <p:sld xmlns:a="http://schemas.openxmlformats.org/drawingml/2006/main" xmlns:r="http://schemas.openxmlformats.org/officeDocument/2006/relationships" xmlns:p="http://schemas.openxmlformats.org/presentationml/2006/main">
   <p:cSld>
@@ -9498,7 +9181,7 @@
         <p:spPr>
           <a:xfrm>
             <a:off x="935247" y="1988695"/>
-            <a:ext cx="11664273" cy="2176750"/>
+            <a:ext cx="10746213" cy="4391202"/>
           </a:xfrm>
           <a:prstGeom prst="rect">
             <a:avLst/>
@@ -9519,7 +9202,7 @@
               <a:buChar char=""/>
             </a:pPr>
             <a:r>
-              <a:rPr lang="en-US" sz="3200" dirty="0">
+              <a:rPr lang="en-US" sz="6600" dirty="0">
                 <a:effectLst/>
                 <a:latin typeface="Calibri" panose="020F0502020204030204" pitchFamily="34" charset="0"/>
                 <a:ea typeface="Calibri" panose="020F0502020204030204" pitchFamily="34" charset="0"/>
@@ -9537,7 +9220,7 @@
               <a:buChar char=""/>
             </a:pPr>
             <a:r>
-              <a:rPr lang="en-US" sz="3200" dirty="0">
+              <a:rPr lang="en-US" sz="6600" dirty="0">
                 <a:latin typeface="Calibri" panose="020F0502020204030204" pitchFamily="34" charset="0"/>
                 <a:ea typeface="Calibri" panose="020F0502020204030204" pitchFamily="34" charset="0"/>
                 <a:cs typeface="Times New Roman" panose="02020603050405020304" pitchFamily="18" charset="0"/>
@@ -9554,7 +9237,7 @@
               <a:buChar char=""/>
             </a:pPr>
             <a:r>
-              <a:rPr lang="en-US" sz="3200" dirty="0">
+              <a:rPr lang="en-US" sz="6600" dirty="0">
                 <a:effectLst/>
                 <a:latin typeface="Calibri" panose="020F0502020204030204" pitchFamily="34" charset="0"/>
                 <a:ea typeface="Calibri" panose="020F0502020204030204" pitchFamily="34" charset="0"/>
@@ -9572,14 +9255,14 @@
               <a:buChar char=""/>
             </a:pPr>
             <a:r>
-              <a:rPr lang="en-US" sz="3200" dirty="0">
+              <a:rPr lang="en-US" sz="6600" dirty="0">
                 <a:latin typeface="Calibri" panose="020F0502020204030204" pitchFamily="34" charset="0"/>
                 <a:ea typeface="Calibri" panose="020F0502020204030204" pitchFamily="34" charset="0"/>
                 <a:cs typeface="Times New Roman" panose="02020603050405020304" pitchFamily="18" charset="0"/>
               </a:rPr>
               <a:t>Angular</a:t>
             </a:r>
-            <a:endParaRPr lang="en-BE" sz="3200" dirty="0">
+            <a:endParaRPr lang="en-BE" sz="6600" dirty="0">
               <a:effectLst/>
               <a:latin typeface="Calibri" panose="020F0502020204030204" pitchFamily="34" charset="0"/>
               <a:ea typeface="Calibri" panose="020F0502020204030204" pitchFamily="34" charset="0"/>
@@ -10010,6 +9693,431 @@
   <p:clrMapOvr>
     <a:masterClrMapping/>
   </p:clrMapOvr>
+  <p:timing>
+    <p:tnLst>
+      <p:par>
+        <p:cTn id="1" dur="indefinite" restart="never" nodeType="tmRoot">
+          <p:childTnLst>
+            <p:seq concurrent="1" nextAc="seek">
+              <p:cTn id="2" dur="indefinite" nodeType="mainSeq">
+                <p:childTnLst>
+                  <p:par>
+                    <p:cTn id="3" fill="hold">
+                      <p:stCondLst>
+                        <p:cond delay="indefinite"/>
+                      </p:stCondLst>
+                      <p:childTnLst>
+                        <p:par>
+                          <p:cTn id="4" fill="hold">
+                            <p:stCondLst>
+                              <p:cond delay="0"/>
+                            </p:stCondLst>
+                            <p:childTnLst>
+                              <p:par>
+                                <p:cTn id="5" presetID="1" presetClass="entr" presetSubtype="0" fill="hold" grpId="0" nodeType="clickEffect">
+                                  <p:stCondLst>
+                                    <p:cond delay="0"/>
+                                  </p:stCondLst>
+                                  <p:childTnLst>
+                                    <p:set>
+                                      <p:cBhvr>
+                                        <p:cTn id="6" dur="1" fill="hold">
+                                          <p:stCondLst>
+                                            <p:cond delay="0"/>
+                                          </p:stCondLst>
+                                        </p:cTn>
+                                        <p:tgtEl>
+                                          <p:spTgt spid="5">
+                                            <p:txEl>
+                                              <p:pRg st="0" end="0"/>
+                                            </p:txEl>
+                                          </p:spTgt>
+                                        </p:tgtEl>
+                                        <p:attrNameLst>
+                                          <p:attrName>style.visibility</p:attrName>
+                                        </p:attrNameLst>
+                                      </p:cBhvr>
+                                      <p:to>
+                                        <p:strVal val="visible"/>
+                                      </p:to>
+                                    </p:set>
+                                  </p:childTnLst>
+                                </p:cTn>
+                              </p:par>
+                            </p:childTnLst>
+                          </p:cTn>
+                        </p:par>
+                      </p:childTnLst>
+                    </p:cTn>
+                  </p:par>
+                  <p:par>
+                    <p:cTn id="7" fill="hold">
+                      <p:stCondLst>
+                        <p:cond delay="indefinite"/>
+                      </p:stCondLst>
+                      <p:childTnLst>
+                        <p:par>
+                          <p:cTn id="8" fill="hold">
+                            <p:stCondLst>
+                              <p:cond delay="0"/>
+                            </p:stCondLst>
+                            <p:childTnLst>
+                              <p:par>
+                                <p:cTn id="9" presetID="1" presetClass="entr" presetSubtype="0" fill="hold" grpId="0" nodeType="clickEffect">
+                                  <p:stCondLst>
+                                    <p:cond delay="0"/>
+                                  </p:stCondLst>
+                                  <p:childTnLst>
+                                    <p:set>
+                                      <p:cBhvr>
+                                        <p:cTn id="10" dur="1" fill="hold">
+                                          <p:stCondLst>
+                                            <p:cond delay="0"/>
+                                          </p:stCondLst>
+                                        </p:cTn>
+                                        <p:tgtEl>
+                                          <p:spTgt spid="5">
+                                            <p:txEl>
+                                              <p:pRg st="1" end="1"/>
+                                            </p:txEl>
+                                          </p:spTgt>
+                                        </p:tgtEl>
+                                        <p:attrNameLst>
+                                          <p:attrName>style.visibility</p:attrName>
+                                        </p:attrNameLst>
+                                      </p:cBhvr>
+                                      <p:to>
+                                        <p:strVal val="visible"/>
+                                      </p:to>
+                                    </p:set>
+                                  </p:childTnLst>
+                                </p:cTn>
+                              </p:par>
+                            </p:childTnLst>
+                          </p:cTn>
+                        </p:par>
+                      </p:childTnLst>
+                    </p:cTn>
+                  </p:par>
+                  <p:par>
+                    <p:cTn id="11" fill="hold">
+                      <p:stCondLst>
+                        <p:cond delay="indefinite"/>
+                      </p:stCondLst>
+                      <p:childTnLst>
+                        <p:par>
+                          <p:cTn id="12" fill="hold">
+                            <p:stCondLst>
+                              <p:cond delay="0"/>
+                            </p:stCondLst>
+                            <p:childTnLst>
+                              <p:par>
+                                <p:cTn id="13" presetID="1" presetClass="entr" presetSubtype="0" fill="hold" grpId="0" nodeType="clickEffect">
+                                  <p:stCondLst>
+                                    <p:cond delay="0"/>
+                                  </p:stCondLst>
+                                  <p:childTnLst>
+                                    <p:set>
+                                      <p:cBhvr>
+                                        <p:cTn id="14" dur="1" fill="hold">
+                                          <p:stCondLst>
+                                            <p:cond delay="0"/>
+                                          </p:stCondLst>
+                                        </p:cTn>
+                                        <p:tgtEl>
+                                          <p:spTgt spid="5">
+                                            <p:txEl>
+                                              <p:pRg st="2" end="2"/>
+                                            </p:txEl>
+                                          </p:spTgt>
+                                        </p:tgtEl>
+                                        <p:attrNameLst>
+                                          <p:attrName>style.visibility</p:attrName>
+                                        </p:attrNameLst>
+                                      </p:cBhvr>
+                                      <p:to>
+                                        <p:strVal val="visible"/>
+                                      </p:to>
+                                    </p:set>
+                                  </p:childTnLst>
+                                </p:cTn>
+                              </p:par>
+                            </p:childTnLst>
+                          </p:cTn>
+                        </p:par>
+                      </p:childTnLst>
+                    </p:cTn>
+                  </p:par>
+                  <p:par>
+                    <p:cTn id="15" fill="hold">
+                      <p:stCondLst>
+                        <p:cond delay="indefinite"/>
+                      </p:stCondLst>
+                      <p:childTnLst>
+                        <p:par>
+                          <p:cTn id="16" fill="hold">
+                            <p:stCondLst>
+                              <p:cond delay="0"/>
+                            </p:stCondLst>
+                            <p:childTnLst>
+                              <p:par>
+                                <p:cTn id="17" presetID="1" presetClass="entr" presetSubtype="0" fill="hold" grpId="0" nodeType="clickEffect">
+                                  <p:stCondLst>
+                                    <p:cond delay="0"/>
+                                  </p:stCondLst>
+                                  <p:childTnLst>
+                                    <p:set>
+                                      <p:cBhvr>
+                                        <p:cTn id="18" dur="1" fill="hold">
+                                          <p:stCondLst>
+                                            <p:cond delay="0"/>
+                                          </p:stCondLst>
+                                        </p:cTn>
+                                        <p:tgtEl>
+                                          <p:spTgt spid="5">
+                                            <p:txEl>
+                                              <p:pRg st="3" end="3"/>
+                                            </p:txEl>
+                                          </p:spTgt>
+                                        </p:tgtEl>
+                                        <p:attrNameLst>
+                                          <p:attrName>style.visibility</p:attrName>
+                                        </p:attrNameLst>
+                                      </p:cBhvr>
+                                      <p:to>
+                                        <p:strVal val="visible"/>
+                                      </p:to>
+                                    </p:set>
+                                  </p:childTnLst>
+                                </p:cTn>
+                              </p:par>
+                            </p:childTnLst>
+                          </p:cTn>
+                        </p:par>
+                      </p:childTnLst>
+                    </p:cTn>
+                  </p:par>
+                  <p:par>
+                    <p:cTn id="19" fill="hold">
+                      <p:stCondLst>
+                        <p:cond delay="indefinite"/>
+                      </p:stCondLst>
+                      <p:childTnLst>
+                        <p:par>
+                          <p:cTn id="20" fill="hold">
+                            <p:stCondLst>
+                              <p:cond delay="0"/>
+                            </p:stCondLst>
+                            <p:childTnLst>
+                              <p:par>
+                                <p:cTn id="21" presetID="1" presetClass="entr" presetSubtype="0" fill="hold" grpId="0" nodeType="clickEffect">
+                                  <p:stCondLst>
+                                    <p:cond delay="0"/>
+                                  </p:stCondLst>
+                                  <p:childTnLst>
+                                    <p:set>
+                                      <p:cBhvr>
+                                        <p:cTn id="22" dur="1" fill="hold">
+                                          <p:stCondLst>
+                                            <p:cond delay="0"/>
+                                          </p:stCondLst>
+                                        </p:cTn>
+                                        <p:tgtEl>
+                                          <p:spTgt spid="5">
+                                            <p:txEl>
+                                              <p:pRg st="4" end="4"/>
+                                            </p:txEl>
+                                          </p:spTgt>
+                                        </p:tgtEl>
+                                        <p:attrNameLst>
+                                          <p:attrName>style.visibility</p:attrName>
+                                        </p:attrNameLst>
+                                      </p:cBhvr>
+                                      <p:to>
+                                        <p:strVal val="visible"/>
+                                      </p:to>
+                                    </p:set>
+                                  </p:childTnLst>
+                                </p:cTn>
+                              </p:par>
+                            </p:childTnLst>
+                          </p:cTn>
+                        </p:par>
+                      </p:childTnLst>
+                    </p:cTn>
+                  </p:par>
+                  <p:par>
+                    <p:cTn id="23" fill="hold">
+                      <p:stCondLst>
+                        <p:cond delay="indefinite"/>
+                      </p:stCondLst>
+                      <p:childTnLst>
+                        <p:par>
+                          <p:cTn id="24" fill="hold">
+                            <p:stCondLst>
+                              <p:cond delay="0"/>
+                            </p:stCondLst>
+                            <p:childTnLst>
+                              <p:par>
+                                <p:cTn id="25" presetID="1" presetClass="entr" presetSubtype="0" fill="hold" grpId="0" nodeType="clickEffect">
+                                  <p:stCondLst>
+                                    <p:cond delay="0"/>
+                                  </p:stCondLst>
+                                  <p:childTnLst>
+                                    <p:set>
+                                      <p:cBhvr>
+                                        <p:cTn id="26" dur="1" fill="hold">
+                                          <p:stCondLst>
+                                            <p:cond delay="0"/>
+                                          </p:stCondLst>
+                                        </p:cTn>
+                                        <p:tgtEl>
+                                          <p:spTgt spid="5">
+                                            <p:txEl>
+                                              <p:pRg st="5" end="5"/>
+                                            </p:txEl>
+                                          </p:spTgt>
+                                        </p:tgtEl>
+                                        <p:attrNameLst>
+                                          <p:attrName>style.visibility</p:attrName>
+                                        </p:attrNameLst>
+                                      </p:cBhvr>
+                                      <p:to>
+                                        <p:strVal val="visible"/>
+                                      </p:to>
+                                    </p:set>
+                                  </p:childTnLst>
+                                </p:cTn>
+                              </p:par>
+                            </p:childTnLst>
+                          </p:cTn>
+                        </p:par>
+                      </p:childTnLst>
+                    </p:cTn>
+                  </p:par>
+                  <p:par>
+                    <p:cTn id="27" fill="hold">
+                      <p:stCondLst>
+                        <p:cond delay="indefinite"/>
+                      </p:stCondLst>
+                      <p:childTnLst>
+                        <p:par>
+                          <p:cTn id="28" fill="hold">
+                            <p:stCondLst>
+                              <p:cond delay="0"/>
+                            </p:stCondLst>
+                            <p:childTnLst>
+                              <p:par>
+                                <p:cTn id="29" presetID="1" presetClass="entr" presetSubtype="0" fill="hold" grpId="0" nodeType="clickEffect">
+                                  <p:stCondLst>
+                                    <p:cond delay="0"/>
+                                  </p:stCondLst>
+                                  <p:childTnLst>
+                                    <p:set>
+                                      <p:cBhvr>
+                                        <p:cTn id="30" dur="1" fill="hold">
+                                          <p:stCondLst>
+                                            <p:cond delay="0"/>
+                                          </p:stCondLst>
+                                        </p:cTn>
+                                        <p:tgtEl>
+                                          <p:spTgt spid="5">
+                                            <p:txEl>
+                                              <p:pRg st="6" end="6"/>
+                                            </p:txEl>
+                                          </p:spTgt>
+                                        </p:tgtEl>
+                                        <p:attrNameLst>
+                                          <p:attrName>style.visibility</p:attrName>
+                                        </p:attrNameLst>
+                                      </p:cBhvr>
+                                      <p:to>
+                                        <p:strVal val="visible"/>
+                                      </p:to>
+                                    </p:set>
+                                  </p:childTnLst>
+                                </p:cTn>
+                              </p:par>
+                            </p:childTnLst>
+                          </p:cTn>
+                        </p:par>
+                      </p:childTnLst>
+                    </p:cTn>
+                  </p:par>
+                  <p:par>
+                    <p:cTn id="31" fill="hold">
+                      <p:stCondLst>
+                        <p:cond delay="indefinite"/>
+                      </p:stCondLst>
+                      <p:childTnLst>
+                        <p:par>
+                          <p:cTn id="32" fill="hold">
+                            <p:stCondLst>
+                              <p:cond delay="0"/>
+                            </p:stCondLst>
+                            <p:childTnLst>
+                              <p:par>
+                                <p:cTn id="33" presetID="1" presetClass="entr" presetSubtype="0" fill="hold" grpId="0" nodeType="clickEffect">
+                                  <p:stCondLst>
+                                    <p:cond delay="0"/>
+                                  </p:stCondLst>
+                                  <p:childTnLst>
+                                    <p:set>
+                                      <p:cBhvr>
+                                        <p:cTn id="34" dur="1" fill="hold">
+                                          <p:stCondLst>
+                                            <p:cond delay="0"/>
+                                          </p:stCondLst>
+                                        </p:cTn>
+                                        <p:tgtEl>
+                                          <p:spTgt spid="5">
+                                            <p:txEl>
+                                              <p:pRg st="7" end="7"/>
+                                            </p:txEl>
+                                          </p:spTgt>
+                                        </p:tgtEl>
+                                        <p:attrNameLst>
+                                          <p:attrName>style.visibility</p:attrName>
+                                        </p:attrNameLst>
+                                      </p:cBhvr>
+                                      <p:to>
+                                        <p:strVal val="visible"/>
+                                      </p:to>
+                                    </p:set>
+                                  </p:childTnLst>
+                                </p:cTn>
+                              </p:par>
+                            </p:childTnLst>
+                          </p:cTn>
+                        </p:par>
+                      </p:childTnLst>
+                    </p:cTn>
+                  </p:par>
+                </p:childTnLst>
+              </p:cTn>
+              <p:prevCondLst>
+                <p:cond evt="onPrev" delay="0">
+                  <p:tgtEl>
+                    <p:sldTgt/>
+                  </p:tgtEl>
+                </p:cond>
+              </p:prevCondLst>
+              <p:nextCondLst>
+                <p:cond evt="onNext" delay="0">
+                  <p:tgtEl>
+                    <p:sldTgt/>
+                  </p:tgtEl>
+                </p:cond>
+              </p:nextCondLst>
+            </p:seq>
+          </p:childTnLst>
+        </p:cTn>
+      </p:par>
+    </p:tnLst>
+    <p:bldLst>
+      <p:bldP spid="5" grpId="0" build="p"/>
+    </p:bldLst>
+  </p:timing>
 </p:sld>
 </file>
 
@@ -10342,6 +10450,529 @@
   <p:clrMapOvr>
     <a:masterClrMapping/>
   </p:clrMapOvr>
+  <p:timing>
+    <p:tnLst>
+      <p:par>
+        <p:cTn id="1" dur="indefinite" restart="never" nodeType="tmRoot">
+          <p:childTnLst>
+            <p:seq concurrent="1" nextAc="seek">
+              <p:cTn id="2" dur="indefinite" nodeType="mainSeq">
+                <p:childTnLst>
+                  <p:par>
+                    <p:cTn id="3" fill="hold">
+                      <p:stCondLst>
+                        <p:cond delay="indefinite"/>
+                      </p:stCondLst>
+                      <p:childTnLst>
+                        <p:par>
+                          <p:cTn id="4" fill="hold">
+                            <p:stCondLst>
+                              <p:cond delay="0"/>
+                            </p:stCondLst>
+                            <p:childTnLst>
+                              <p:par>
+                                <p:cTn id="5" presetID="1" presetClass="entr" presetSubtype="0" fill="hold" grpId="0" nodeType="clickEffect">
+                                  <p:stCondLst>
+                                    <p:cond delay="0"/>
+                                  </p:stCondLst>
+                                  <p:childTnLst>
+                                    <p:set>
+                                      <p:cBhvr>
+                                        <p:cTn id="6" dur="1" fill="hold">
+                                          <p:stCondLst>
+                                            <p:cond delay="0"/>
+                                          </p:stCondLst>
+                                        </p:cTn>
+                                        <p:tgtEl>
+                                          <p:spTgt spid="5">
+                                            <p:txEl>
+                                              <p:pRg st="0" end="0"/>
+                                            </p:txEl>
+                                          </p:spTgt>
+                                        </p:tgtEl>
+                                        <p:attrNameLst>
+                                          <p:attrName>style.visibility</p:attrName>
+                                        </p:attrNameLst>
+                                      </p:cBhvr>
+                                      <p:to>
+                                        <p:strVal val="visible"/>
+                                      </p:to>
+                                    </p:set>
+                                  </p:childTnLst>
+                                </p:cTn>
+                              </p:par>
+                            </p:childTnLst>
+                          </p:cTn>
+                        </p:par>
+                      </p:childTnLst>
+                    </p:cTn>
+                  </p:par>
+                  <p:par>
+                    <p:cTn id="7" fill="hold">
+                      <p:stCondLst>
+                        <p:cond delay="indefinite"/>
+                      </p:stCondLst>
+                      <p:childTnLst>
+                        <p:par>
+                          <p:cTn id="8" fill="hold">
+                            <p:stCondLst>
+                              <p:cond delay="0"/>
+                            </p:stCondLst>
+                            <p:childTnLst>
+                              <p:par>
+                                <p:cTn id="9" presetID="1" presetClass="entr" presetSubtype="0" fill="hold" grpId="0" nodeType="clickEffect">
+                                  <p:stCondLst>
+                                    <p:cond delay="0"/>
+                                  </p:stCondLst>
+                                  <p:childTnLst>
+                                    <p:set>
+                                      <p:cBhvr>
+                                        <p:cTn id="10" dur="1" fill="hold">
+                                          <p:stCondLst>
+                                            <p:cond delay="0"/>
+                                          </p:stCondLst>
+                                        </p:cTn>
+                                        <p:tgtEl>
+                                          <p:spTgt spid="5">
+                                            <p:txEl>
+                                              <p:pRg st="1" end="1"/>
+                                            </p:txEl>
+                                          </p:spTgt>
+                                        </p:tgtEl>
+                                        <p:attrNameLst>
+                                          <p:attrName>style.visibility</p:attrName>
+                                        </p:attrNameLst>
+                                      </p:cBhvr>
+                                      <p:to>
+                                        <p:strVal val="visible"/>
+                                      </p:to>
+                                    </p:set>
+                                  </p:childTnLst>
+                                </p:cTn>
+                              </p:par>
+                            </p:childTnLst>
+                          </p:cTn>
+                        </p:par>
+                      </p:childTnLst>
+                    </p:cTn>
+                  </p:par>
+                  <p:par>
+                    <p:cTn id="11" fill="hold">
+                      <p:stCondLst>
+                        <p:cond delay="indefinite"/>
+                      </p:stCondLst>
+                      <p:childTnLst>
+                        <p:par>
+                          <p:cTn id="12" fill="hold">
+                            <p:stCondLst>
+                              <p:cond delay="0"/>
+                            </p:stCondLst>
+                            <p:childTnLst>
+                              <p:par>
+                                <p:cTn id="13" presetID="1" presetClass="entr" presetSubtype="0" fill="hold" grpId="0" nodeType="clickEffect">
+                                  <p:stCondLst>
+                                    <p:cond delay="0"/>
+                                  </p:stCondLst>
+                                  <p:childTnLst>
+                                    <p:set>
+                                      <p:cBhvr>
+                                        <p:cTn id="14" dur="1" fill="hold">
+                                          <p:stCondLst>
+                                            <p:cond delay="0"/>
+                                          </p:stCondLst>
+                                        </p:cTn>
+                                        <p:tgtEl>
+                                          <p:spTgt spid="5">
+                                            <p:txEl>
+                                              <p:pRg st="2" end="2"/>
+                                            </p:txEl>
+                                          </p:spTgt>
+                                        </p:tgtEl>
+                                        <p:attrNameLst>
+                                          <p:attrName>style.visibility</p:attrName>
+                                        </p:attrNameLst>
+                                      </p:cBhvr>
+                                      <p:to>
+                                        <p:strVal val="visible"/>
+                                      </p:to>
+                                    </p:set>
+                                  </p:childTnLst>
+                                </p:cTn>
+                              </p:par>
+                            </p:childTnLst>
+                          </p:cTn>
+                        </p:par>
+                      </p:childTnLst>
+                    </p:cTn>
+                  </p:par>
+                  <p:par>
+                    <p:cTn id="15" fill="hold">
+                      <p:stCondLst>
+                        <p:cond delay="indefinite"/>
+                      </p:stCondLst>
+                      <p:childTnLst>
+                        <p:par>
+                          <p:cTn id="16" fill="hold">
+                            <p:stCondLst>
+                              <p:cond delay="0"/>
+                            </p:stCondLst>
+                            <p:childTnLst>
+                              <p:par>
+                                <p:cTn id="17" presetID="1" presetClass="entr" presetSubtype="0" fill="hold" grpId="0" nodeType="clickEffect">
+                                  <p:stCondLst>
+                                    <p:cond delay="0"/>
+                                  </p:stCondLst>
+                                  <p:childTnLst>
+                                    <p:set>
+                                      <p:cBhvr>
+                                        <p:cTn id="18" dur="1" fill="hold">
+                                          <p:stCondLst>
+                                            <p:cond delay="0"/>
+                                          </p:stCondLst>
+                                        </p:cTn>
+                                        <p:tgtEl>
+                                          <p:spTgt spid="5">
+                                            <p:txEl>
+                                              <p:pRg st="3" end="3"/>
+                                            </p:txEl>
+                                          </p:spTgt>
+                                        </p:tgtEl>
+                                        <p:attrNameLst>
+                                          <p:attrName>style.visibility</p:attrName>
+                                        </p:attrNameLst>
+                                      </p:cBhvr>
+                                      <p:to>
+                                        <p:strVal val="visible"/>
+                                      </p:to>
+                                    </p:set>
+                                  </p:childTnLst>
+                                </p:cTn>
+                              </p:par>
+                            </p:childTnLst>
+                          </p:cTn>
+                        </p:par>
+                      </p:childTnLst>
+                    </p:cTn>
+                  </p:par>
+                  <p:par>
+                    <p:cTn id="19" fill="hold">
+                      <p:stCondLst>
+                        <p:cond delay="indefinite"/>
+                      </p:stCondLst>
+                      <p:childTnLst>
+                        <p:par>
+                          <p:cTn id="20" fill="hold">
+                            <p:stCondLst>
+                              <p:cond delay="0"/>
+                            </p:stCondLst>
+                            <p:childTnLst>
+                              <p:par>
+                                <p:cTn id="21" presetID="1" presetClass="entr" presetSubtype="0" fill="hold" grpId="0" nodeType="clickEffect">
+                                  <p:stCondLst>
+                                    <p:cond delay="0"/>
+                                  </p:stCondLst>
+                                  <p:childTnLst>
+                                    <p:set>
+                                      <p:cBhvr>
+                                        <p:cTn id="22" dur="1" fill="hold">
+                                          <p:stCondLst>
+                                            <p:cond delay="0"/>
+                                          </p:stCondLst>
+                                        </p:cTn>
+                                        <p:tgtEl>
+                                          <p:spTgt spid="5">
+                                            <p:txEl>
+                                              <p:pRg st="4" end="4"/>
+                                            </p:txEl>
+                                          </p:spTgt>
+                                        </p:tgtEl>
+                                        <p:attrNameLst>
+                                          <p:attrName>style.visibility</p:attrName>
+                                        </p:attrNameLst>
+                                      </p:cBhvr>
+                                      <p:to>
+                                        <p:strVal val="visible"/>
+                                      </p:to>
+                                    </p:set>
+                                  </p:childTnLst>
+                                </p:cTn>
+                              </p:par>
+                            </p:childTnLst>
+                          </p:cTn>
+                        </p:par>
+                      </p:childTnLst>
+                    </p:cTn>
+                  </p:par>
+                  <p:par>
+                    <p:cTn id="23" fill="hold">
+                      <p:stCondLst>
+                        <p:cond delay="indefinite"/>
+                      </p:stCondLst>
+                      <p:childTnLst>
+                        <p:par>
+                          <p:cTn id="24" fill="hold">
+                            <p:stCondLst>
+                              <p:cond delay="0"/>
+                            </p:stCondLst>
+                            <p:childTnLst>
+                              <p:par>
+                                <p:cTn id="25" presetID="1" presetClass="entr" presetSubtype="0" fill="hold" grpId="0" nodeType="clickEffect">
+                                  <p:stCondLst>
+                                    <p:cond delay="0"/>
+                                  </p:stCondLst>
+                                  <p:childTnLst>
+                                    <p:set>
+                                      <p:cBhvr>
+                                        <p:cTn id="26" dur="1" fill="hold">
+                                          <p:stCondLst>
+                                            <p:cond delay="0"/>
+                                          </p:stCondLst>
+                                        </p:cTn>
+                                        <p:tgtEl>
+                                          <p:spTgt spid="5">
+                                            <p:txEl>
+                                              <p:pRg st="5" end="5"/>
+                                            </p:txEl>
+                                          </p:spTgt>
+                                        </p:tgtEl>
+                                        <p:attrNameLst>
+                                          <p:attrName>style.visibility</p:attrName>
+                                        </p:attrNameLst>
+                                      </p:cBhvr>
+                                      <p:to>
+                                        <p:strVal val="visible"/>
+                                      </p:to>
+                                    </p:set>
+                                  </p:childTnLst>
+                                </p:cTn>
+                              </p:par>
+                            </p:childTnLst>
+                          </p:cTn>
+                        </p:par>
+                      </p:childTnLst>
+                    </p:cTn>
+                  </p:par>
+                  <p:par>
+                    <p:cTn id="27" fill="hold">
+                      <p:stCondLst>
+                        <p:cond delay="indefinite"/>
+                      </p:stCondLst>
+                      <p:childTnLst>
+                        <p:par>
+                          <p:cTn id="28" fill="hold">
+                            <p:stCondLst>
+                              <p:cond delay="0"/>
+                            </p:stCondLst>
+                            <p:childTnLst>
+                              <p:par>
+                                <p:cTn id="29" presetID="1" presetClass="entr" presetSubtype="0" fill="hold" grpId="0" nodeType="clickEffect">
+                                  <p:stCondLst>
+                                    <p:cond delay="0"/>
+                                  </p:stCondLst>
+                                  <p:childTnLst>
+                                    <p:set>
+                                      <p:cBhvr>
+                                        <p:cTn id="30" dur="1" fill="hold">
+                                          <p:stCondLst>
+                                            <p:cond delay="0"/>
+                                          </p:stCondLst>
+                                        </p:cTn>
+                                        <p:tgtEl>
+                                          <p:spTgt spid="5">
+                                            <p:txEl>
+                                              <p:pRg st="6" end="6"/>
+                                            </p:txEl>
+                                          </p:spTgt>
+                                        </p:tgtEl>
+                                        <p:attrNameLst>
+                                          <p:attrName>style.visibility</p:attrName>
+                                        </p:attrNameLst>
+                                      </p:cBhvr>
+                                      <p:to>
+                                        <p:strVal val="visible"/>
+                                      </p:to>
+                                    </p:set>
+                                  </p:childTnLst>
+                                </p:cTn>
+                              </p:par>
+                            </p:childTnLst>
+                          </p:cTn>
+                        </p:par>
+                      </p:childTnLst>
+                    </p:cTn>
+                  </p:par>
+                  <p:par>
+                    <p:cTn id="31" fill="hold">
+                      <p:stCondLst>
+                        <p:cond delay="indefinite"/>
+                      </p:stCondLst>
+                      <p:childTnLst>
+                        <p:par>
+                          <p:cTn id="32" fill="hold">
+                            <p:stCondLst>
+                              <p:cond delay="0"/>
+                            </p:stCondLst>
+                            <p:childTnLst>
+                              <p:par>
+                                <p:cTn id="33" presetID="1" presetClass="entr" presetSubtype="0" fill="hold" grpId="0" nodeType="clickEffect">
+                                  <p:stCondLst>
+                                    <p:cond delay="0"/>
+                                  </p:stCondLst>
+                                  <p:childTnLst>
+                                    <p:set>
+                                      <p:cBhvr>
+                                        <p:cTn id="34" dur="1" fill="hold">
+                                          <p:stCondLst>
+                                            <p:cond delay="0"/>
+                                          </p:stCondLst>
+                                        </p:cTn>
+                                        <p:tgtEl>
+                                          <p:spTgt spid="5">
+                                            <p:txEl>
+                                              <p:pRg st="7" end="7"/>
+                                            </p:txEl>
+                                          </p:spTgt>
+                                        </p:tgtEl>
+                                        <p:attrNameLst>
+                                          <p:attrName>style.visibility</p:attrName>
+                                        </p:attrNameLst>
+                                      </p:cBhvr>
+                                      <p:to>
+                                        <p:strVal val="visible"/>
+                                      </p:to>
+                                    </p:set>
+                                  </p:childTnLst>
+                                </p:cTn>
+                              </p:par>
+                            </p:childTnLst>
+                          </p:cTn>
+                        </p:par>
+                      </p:childTnLst>
+                    </p:cTn>
+                  </p:par>
+                  <p:par>
+                    <p:cTn id="35" fill="hold">
+                      <p:stCondLst>
+                        <p:cond delay="indefinite"/>
+                      </p:stCondLst>
+                      <p:childTnLst>
+                        <p:par>
+                          <p:cTn id="36" fill="hold">
+                            <p:stCondLst>
+                              <p:cond delay="0"/>
+                            </p:stCondLst>
+                            <p:childTnLst>
+                              <p:par>
+                                <p:cTn id="37" presetID="1" presetClass="entr" presetSubtype="0" fill="hold" grpId="0" nodeType="clickEffect">
+                                  <p:stCondLst>
+                                    <p:cond delay="0"/>
+                                  </p:stCondLst>
+                                  <p:childTnLst>
+                                    <p:set>
+                                      <p:cBhvr>
+                                        <p:cTn id="38" dur="1" fill="hold">
+                                          <p:stCondLst>
+                                            <p:cond delay="0"/>
+                                          </p:stCondLst>
+                                        </p:cTn>
+                                        <p:tgtEl>
+                                          <p:spTgt spid="5">
+                                            <p:txEl>
+                                              <p:pRg st="8" end="8"/>
+                                            </p:txEl>
+                                          </p:spTgt>
+                                        </p:tgtEl>
+                                        <p:attrNameLst>
+                                          <p:attrName>style.visibility</p:attrName>
+                                        </p:attrNameLst>
+                                      </p:cBhvr>
+                                      <p:to>
+                                        <p:strVal val="visible"/>
+                                      </p:to>
+                                    </p:set>
+                                  </p:childTnLst>
+                                </p:cTn>
+                              </p:par>
+                            </p:childTnLst>
+                          </p:cTn>
+                        </p:par>
+                      </p:childTnLst>
+                    </p:cTn>
+                  </p:par>
+                  <p:par>
+                    <p:cTn id="39" fill="hold">
+                      <p:stCondLst>
+                        <p:cond delay="indefinite"/>
+                      </p:stCondLst>
+                      <p:childTnLst>
+                        <p:par>
+                          <p:cTn id="40" fill="hold">
+                            <p:stCondLst>
+                              <p:cond delay="0"/>
+                            </p:stCondLst>
+                            <p:childTnLst>
+                              <p:par>
+                                <p:cTn id="41" presetID="1" presetClass="entr" presetSubtype="0" fill="hold" grpId="0" nodeType="clickEffect">
+                                  <p:stCondLst>
+                                    <p:cond delay="0"/>
+                                  </p:stCondLst>
+                                  <p:childTnLst>
+                                    <p:set>
+                                      <p:cBhvr>
+                                        <p:cTn id="42" dur="1" fill="hold">
+                                          <p:stCondLst>
+                                            <p:cond delay="0"/>
+                                          </p:stCondLst>
+                                        </p:cTn>
+                                        <p:tgtEl>
+                                          <p:spTgt spid="5">
+                                            <p:txEl>
+                                              <p:pRg st="9" end="9"/>
+                                            </p:txEl>
+                                          </p:spTgt>
+                                        </p:tgtEl>
+                                        <p:attrNameLst>
+                                          <p:attrName>style.visibility</p:attrName>
+                                        </p:attrNameLst>
+                                      </p:cBhvr>
+                                      <p:to>
+                                        <p:strVal val="visible"/>
+                                      </p:to>
+                                    </p:set>
+                                  </p:childTnLst>
+                                </p:cTn>
+                              </p:par>
+                            </p:childTnLst>
+                          </p:cTn>
+                        </p:par>
+                      </p:childTnLst>
+                    </p:cTn>
+                  </p:par>
+                </p:childTnLst>
+              </p:cTn>
+              <p:prevCondLst>
+                <p:cond evt="onPrev" delay="0">
+                  <p:tgtEl>
+                    <p:sldTgt/>
+                  </p:tgtEl>
+                </p:cond>
+              </p:prevCondLst>
+              <p:nextCondLst>
+                <p:cond evt="onNext" delay="0">
+                  <p:tgtEl>
+                    <p:sldTgt/>
+                  </p:tgtEl>
+                </p:cond>
+              </p:nextCondLst>
+            </p:seq>
+          </p:childTnLst>
+        </p:cTn>
+      </p:par>
+    </p:tnLst>
+    <p:bldLst>
+      <p:bldP spid="5" grpId="0" build="p" bldLvl="2"/>
+    </p:bldLst>
+  </p:timing>
 </p:sld>
 </file>
 
@@ -11222,6 +11853,480 @@
   <p:clrMapOvr>
     <a:masterClrMapping/>
   </p:clrMapOvr>
+  <p:timing>
+    <p:tnLst>
+      <p:par>
+        <p:cTn id="1" dur="indefinite" restart="never" nodeType="tmRoot">
+          <p:childTnLst>
+            <p:seq concurrent="1" nextAc="seek">
+              <p:cTn id="2" dur="indefinite" nodeType="mainSeq">
+                <p:childTnLst>
+                  <p:par>
+                    <p:cTn id="3" fill="hold">
+                      <p:stCondLst>
+                        <p:cond delay="indefinite"/>
+                      </p:stCondLst>
+                      <p:childTnLst>
+                        <p:par>
+                          <p:cTn id="4" fill="hold">
+                            <p:stCondLst>
+                              <p:cond delay="0"/>
+                            </p:stCondLst>
+                            <p:childTnLst>
+                              <p:par>
+                                <p:cTn id="5" presetID="1" presetClass="entr" presetSubtype="0" fill="hold" grpId="0" nodeType="clickEffect">
+                                  <p:stCondLst>
+                                    <p:cond delay="0"/>
+                                  </p:stCondLst>
+                                  <p:childTnLst>
+                                    <p:set>
+                                      <p:cBhvr>
+                                        <p:cTn id="6" dur="1" fill="hold">
+                                          <p:stCondLst>
+                                            <p:cond delay="0"/>
+                                          </p:stCondLst>
+                                        </p:cTn>
+                                        <p:tgtEl>
+                                          <p:spTgt spid="7">
+                                            <p:txEl>
+                                              <p:pRg st="0" end="0"/>
+                                            </p:txEl>
+                                          </p:spTgt>
+                                        </p:tgtEl>
+                                        <p:attrNameLst>
+                                          <p:attrName>style.visibility</p:attrName>
+                                        </p:attrNameLst>
+                                      </p:cBhvr>
+                                      <p:to>
+                                        <p:strVal val="visible"/>
+                                      </p:to>
+                                    </p:set>
+                                  </p:childTnLst>
+                                </p:cTn>
+                              </p:par>
+                            </p:childTnLst>
+                          </p:cTn>
+                        </p:par>
+                      </p:childTnLst>
+                    </p:cTn>
+                  </p:par>
+                  <p:par>
+                    <p:cTn id="7" fill="hold">
+                      <p:stCondLst>
+                        <p:cond delay="indefinite"/>
+                      </p:stCondLst>
+                      <p:childTnLst>
+                        <p:par>
+                          <p:cTn id="8" fill="hold">
+                            <p:stCondLst>
+                              <p:cond delay="0"/>
+                            </p:stCondLst>
+                            <p:childTnLst>
+                              <p:par>
+                                <p:cTn id="9" presetID="1" presetClass="entr" presetSubtype="0" fill="hold" grpId="0" nodeType="clickEffect">
+                                  <p:stCondLst>
+                                    <p:cond delay="0"/>
+                                  </p:stCondLst>
+                                  <p:childTnLst>
+                                    <p:set>
+                                      <p:cBhvr>
+                                        <p:cTn id="10" dur="1" fill="hold">
+                                          <p:stCondLst>
+                                            <p:cond delay="0"/>
+                                          </p:stCondLst>
+                                        </p:cTn>
+                                        <p:tgtEl>
+                                          <p:spTgt spid="7">
+                                            <p:txEl>
+                                              <p:pRg st="1" end="1"/>
+                                            </p:txEl>
+                                          </p:spTgt>
+                                        </p:tgtEl>
+                                        <p:attrNameLst>
+                                          <p:attrName>style.visibility</p:attrName>
+                                        </p:attrNameLst>
+                                      </p:cBhvr>
+                                      <p:to>
+                                        <p:strVal val="visible"/>
+                                      </p:to>
+                                    </p:set>
+                                  </p:childTnLst>
+                                </p:cTn>
+                              </p:par>
+                            </p:childTnLst>
+                          </p:cTn>
+                        </p:par>
+                      </p:childTnLst>
+                    </p:cTn>
+                  </p:par>
+                  <p:par>
+                    <p:cTn id="11" fill="hold">
+                      <p:stCondLst>
+                        <p:cond delay="indefinite"/>
+                      </p:stCondLst>
+                      <p:childTnLst>
+                        <p:par>
+                          <p:cTn id="12" fill="hold">
+                            <p:stCondLst>
+                              <p:cond delay="0"/>
+                            </p:stCondLst>
+                            <p:childTnLst>
+                              <p:par>
+                                <p:cTn id="13" presetID="1" presetClass="entr" presetSubtype="0" fill="hold" grpId="0" nodeType="clickEffect">
+                                  <p:stCondLst>
+                                    <p:cond delay="0"/>
+                                  </p:stCondLst>
+                                  <p:childTnLst>
+                                    <p:set>
+                                      <p:cBhvr>
+                                        <p:cTn id="14" dur="1" fill="hold">
+                                          <p:stCondLst>
+                                            <p:cond delay="0"/>
+                                          </p:stCondLst>
+                                        </p:cTn>
+                                        <p:tgtEl>
+                                          <p:spTgt spid="7">
+                                            <p:txEl>
+                                              <p:pRg st="2" end="2"/>
+                                            </p:txEl>
+                                          </p:spTgt>
+                                        </p:tgtEl>
+                                        <p:attrNameLst>
+                                          <p:attrName>style.visibility</p:attrName>
+                                        </p:attrNameLst>
+                                      </p:cBhvr>
+                                      <p:to>
+                                        <p:strVal val="visible"/>
+                                      </p:to>
+                                    </p:set>
+                                  </p:childTnLst>
+                                </p:cTn>
+                              </p:par>
+                            </p:childTnLst>
+                          </p:cTn>
+                        </p:par>
+                      </p:childTnLst>
+                    </p:cTn>
+                  </p:par>
+                  <p:par>
+                    <p:cTn id="15" fill="hold">
+                      <p:stCondLst>
+                        <p:cond delay="indefinite"/>
+                      </p:stCondLst>
+                      <p:childTnLst>
+                        <p:par>
+                          <p:cTn id="16" fill="hold">
+                            <p:stCondLst>
+                              <p:cond delay="0"/>
+                            </p:stCondLst>
+                            <p:childTnLst>
+                              <p:par>
+                                <p:cTn id="17" presetID="1" presetClass="entr" presetSubtype="0" fill="hold" grpId="0" nodeType="clickEffect">
+                                  <p:stCondLst>
+                                    <p:cond delay="0"/>
+                                  </p:stCondLst>
+                                  <p:childTnLst>
+                                    <p:set>
+                                      <p:cBhvr>
+                                        <p:cTn id="18" dur="1" fill="hold">
+                                          <p:stCondLst>
+                                            <p:cond delay="0"/>
+                                          </p:stCondLst>
+                                        </p:cTn>
+                                        <p:tgtEl>
+                                          <p:spTgt spid="7">
+                                            <p:txEl>
+                                              <p:pRg st="3" end="3"/>
+                                            </p:txEl>
+                                          </p:spTgt>
+                                        </p:tgtEl>
+                                        <p:attrNameLst>
+                                          <p:attrName>style.visibility</p:attrName>
+                                        </p:attrNameLst>
+                                      </p:cBhvr>
+                                      <p:to>
+                                        <p:strVal val="visible"/>
+                                      </p:to>
+                                    </p:set>
+                                  </p:childTnLst>
+                                </p:cTn>
+                              </p:par>
+                            </p:childTnLst>
+                          </p:cTn>
+                        </p:par>
+                      </p:childTnLst>
+                    </p:cTn>
+                  </p:par>
+                  <p:par>
+                    <p:cTn id="19" fill="hold">
+                      <p:stCondLst>
+                        <p:cond delay="indefinite"/>
+                      </p:stCondLst>
+                      <p:childTnLst>
+                        <p:par>
+                          <p:cTn id="20" fill="hold">
+                            <p:stCondLst>
+                              <p:cond delay="0"/>
+                            </p:stCondLst>
+                            <p:childTnLst>
+                              <p:par>
+                                <p:cTn id="21" presetID="1" presetClass="entr" presetSubtype="0" fill="hold" grpId="0" nodeType="clickEffect">
+                                  <p:stCondLst>
+                                    <p:cond delay="0"/>
+                                  </p:stCondLst>
+                                  <p:childTnLst>
+                                    <p:set>
+                                      <p:cBhvr>
+                                        <p:cTn id="22" dur="1" fill="hold">
+                                          <p:stCondLst>
+                                            <p:cond delay="0"/>
+                                          </p:stCondLst>
+                                        </p:cTn>
+                                        <p:tgtEl>
+                                          <p:spTgt spid="7">
+                                            <p:txEl>
+                                              <p:pRg st="4" end="4"/>
+                                            </p:txEl>
+                                          </p:spTgt>
+                                        </p:tgtEl>
+                                        <p:attrNameLst>
+                                          <p:attrName>style.visibility</p:attrName>
+                                        </p:attrNameLst>
+                                      </p:cBhvr>
+                                      <p:to>
+                                        <p:strVal val="visible"/>
+                                      </p:to>
+                                    </p:set>
+                                  </p:childTnLst>
+                                </p:cTn>
+                              </p:par>
+                            </p:childTnLst>
+                          </p:cTn>
+                        </p:par>
+                      </p:childTnLst>
+                    </p:cTn>
+                  </p:par>
+                  <p:par>
+                    <p:cTn id="23" fill="hold">
+                      <p:stCondLst>
+                        <p:cond delay="indefinite"/>
+                      </p:stCondLst>
+                      <p:childTnLst>
+                        <p:par>
+                          <p:cTn id="24" fill="hold">
+                            <p:stCondLst>
+                              <p:cond delay="0"/>
+                            </p:stCondLst>
+                            <p:childTnLst>
+                              <p:par>
+                                <p:cTn id="25" presetID="1" presetClass="entr" presetSubtype="0" fill="hold" grpId="0" nodeType="clickEffect">
+                                  <p:stCondLst>
+                                    <p:cond delay="0"/>
+                                  </p:stCondLst>
+                                  <p:childTnLst>
+                                    <p:set>
+                                      <p:cBhvr>
+                                        <p:cTn id="26" dur="1" fill="hold">
+                                          <p:stCondLst>
+                                            <p:cond delay="0"/>
+                                          </p:stCondLst>
+                                        </p:cTn>
+                                        <p:tgtEl>
+                                          <p:spTgt spid="7">
+                                            <p:txEl>
+                                              <p:pRg st="5" end="5"/>
+                                            </p:txEl>
+                                          </p:spTgt>
+                                        </p:tgtEl>
+                                        <p:attrNameLst>
+                                          <p:attrName>style.visibility</p:attrName>
+                                        </p:attrNameLst>
+                                      </p:cBhvr>
+                                      <p:to>
+                                        <p:strVal val="visible"/>
+                                      </p:to>
+                                    </p:set>
+                                  </p:childTnLst>
+                                </p:cTn>
+                              </p:par>
+                            </p:childTnLst>
+                          </p:cTn>
+                        </p:par>
+                      </p:childTnLst>
+                    </p:cTn>
+                  </p:par>
+                  <p:par>
+                    <p:cTn id="27" fill="hold">
+                      <p:stCondLst>
+                        <p:cond delay="indefinite"/>
+                      </p:stCondLst>
+                      <p:childTnLst>
+                        <p:par>
+                          <p:cTn id="28" fill="hold">
+                            <p:stCondLst>
+                              <p:cond delay="0"/>
+                            </p:stCondLst>
+                            <p:childTnLst>
+                              <p:par>
+                                <p:cTn id="29" presetID="1" presetClass="entr" presetSubtype="0" fill="hold" grpId="0" nodeType="clickEffect">
+                                  <p:stCondLst>
+                                    <p:cond delay="0"/>
+                                  </p:stCondLst>
+                                  <p:childTnLst>
+                                    <p:set>
+                                      <p:cBhvr>
+                                        <p:cTn id="30" dur="1" fill="hold">
+                                          <p:stCondLst>
+                                            <p:cond delay="0"/>
+                                          </p:stCondLst>
+                                        </p:cTn>
+                                        <p:tgtEl>
+                                          <p:spTgt spid="7">
+                                            <p:txEl>
+                                              <p:pRg st="6" end="6"/>
+                                            </p:txEl>
+                                          </p:spTgt>
+                                        </p:tgtEl>
+                                        <p:attrNameLst>
+                                          <p:attrName>style.visibility</p:attrName>
+                                        </p:attrNameLst>
+                                      </p:cBhvr>
+                                      <p:to>
+                                        <p:strVal val="visible"/>
+                                      </p:to>
+                                    </p:set>
+                                  </p:childTnLst>
+                                </p:cTn>
+                              </p:par>
+                            </p:childTnLst>
+                          </p:cTn>
+                        </p:par>
+                      </p:childTnLst>
+                    </p:cTn>
+                  </p:par>
+                  <p:par>
+                    <p:cTn id="31" fill="hold">
+                      <p:stCondLst>
+                        <p:cond delay="indefinite"/>
+                      </p:stCondLst>
+                      <p:childTnLst>
+                        <p:par>
+                          <p:cTn id="32" fill="hold">
+                            <p:stCondLst>
+                              <p:cond delay="0"/>
+                            </p:stCondLst>
+                            <p:childTnLst>
+                              <p:par>
+                                <p:cTn id="33" presetID="1" presetClass="entr" presetSubtype="0" fill="hold" grpId="0" nodeType="clickEffect">
+                                  <p:stCondLst>
+                                    <p:cond delay="0"/>
+                                  </p:stCondLst>
+                                  <p:childTnLst>
+                                    <p:set>
+                                      <p:cBhvr>
+                                        <p:cTn id="34" dur="1" fill="hold">
+                                          <p:stCondLst>
+                                            <p:cond delay="0"/>
+                                          </p:stCondLst>
+                                        </p:cTn>
+                                        <p:tgtEl>
+                                          <p:spTgt spid="7">
+                                            <p:txEl>
+                                              <p:pRg st="7" end="7"/>
+                                            </p:txEl>
+                                          </p:spTgt>
+                                        </p:tgtEl>
+                                        <p:attrNameLst>
+                                          <p:attrName>style.visibility</p:attrName>
+                                        </p:attrNameLst>
+                                      </p:cBhvr>
+                                      <p:to>
+                                        <p:strVal val="visible"/>
+                                      </p:to>
+                                    </p:set>
+                                  </p:childTnLst>
+                                </p:cTn>
+                              </p:par>
+                            </p:childTnLst>
+                          </p:cTn>
+                        </p:par>
+                      </p:childTnLst>
+                    </p:cTn>
+                  </p:par>
+                  <p:par>
+                    <p:cTn id="35" fill="hold">
+                      <p:stCondLst>
+                        <p:cond delay="indefinite"/>
+                      </p:stCondLst>
+                      <p:childTnLst>
+                        <p:par>
+                          <p:cTn id="36" fill="hold">
+                            <p:stCondLst>
+                              <p:cond delay="0"/>
+                            </p:stCondLst>
+                            <p:childTnLst>
+                              <p:par>
+                                <p:cTn id="37" presetID="1" presetClass="entr" presetSubtype="0" fill="hold" grpId="0" nodeType="clickEffect">
+                                  <p:stCondLst>
+                                    <p:cond delay="0"/>
+                                  </p:stCondLst>
+                                  <p:childTnLst>
+                                    <p:set>
+                                      <p:cBhvr>
+                                        <p:cTn id="38" dur="1" fill="hold">
+                                          <p:stCondLst>
+                                            <p:cond delay="0"/>
+                                          </p:stCondLst>
+                                        </p:cTn>
+                                        <p:tgtEl>
+                                          <p:spTgt spid="7">
+                                            <p:txEl>
+                                              <p:pRg st="8" end="8"/>
+                                            </p:txEl>
+                                          </p:spTgt>
+                                        </p:tgtEl>
+                                        <p:attrNameLst>
+                                          <p:attrName>style.visibility</p:attrName>
+                                        </p:attrNameLst>
+                                      </p:cBhvr>
+                                      <p:to>
+                                        <p:strVal val="visible"/>
+                                      </p:to>
+                                    </p:set>
+                                  </p:childTnLst>
+                                </p:cTn>
+                              </p:par>
+                            </p:childTnLst>
+                          </p:cTn>
+                        </p:par>
+                      </p:childTnLst>
+                    </p:cTn>
+                  </p:par>
+                </p:childTnLst>
+              </p:cTn>
+              <p:prevCondLst>
+                <p:cond evt="onPrev" delay="0">
+                  <p:tgtEl>
+                    <p:sldTgt/>
+                  </p:tgtEl>
+                </p:cond>
+              </p:prevCondLst>
+              <p:nextCondLst>
+                <p:cond evt="onNext" delay="0">
+                  <p:tgtEl>
+                    <p:sldTgt/>
+                  </p:tgtEl>
+                </p:cond>
+              </p:nextCondLst>
+            </p:seq>
+          </p:childTnLst>
+        </p:cTn>
+      </p:par>
+    </p:tnLst>
+    <p:bldLst>
+      <p:bldP spid="7" grpId="0" build="p" bldLvl="2"/>
+    </p:bldLst>
+  </p:timing>
 </p:sld>
 </file>
 
@@ -11869,6 +12974,70 @@
 </file>
 
 <file path=customXml/itemProps10.xml><?xml version="1.0" encoding="utf-8"?>
+<ds:datastoreItem xmlns:ds="http://schemas.openxmlformats.org/officeDocument/2006/customXml" ds:itemID="{F25BAA23-CA26-4303-8A25-F7FEF657A844}">
+  <ds:schemaRefs>
+    <ds:schemaRef ds:uri="http://schemas.microsoft.com/VisualStudio/2011/storyboarding/control"/>
+  </ds:schemaRefs>
+</ds:datastoreItem>
+</file>
+
+<file path=customXml/itemProps11.xml><?xml version="1.0" encoding="utf-8"?>
+<ds:datastoreItem xmlns:ds="http://schemas.openxmlformats.org/officeDocument/2006/customXml" ds:itemID="{6D07BE54-C08A-4A00-A052-09AA9FE91835}">
+  <ds:schemaRefs>
+    <ds:schemaRef ds:uri="http://schemas.microsoft.com/VisualStudio/2011/storyboarding/control"/>
+  </ds:schemaRefs>
+</ds:datastoreItem>
+</file>
+
+<file path=customXml/itemProps12.xml><?xml version="1.0" encoding="utf-8"?>
+<ds:datastoreItem xmlns:ds="http://schemas.openxmlformats.org/officeDocument/2006/customXml" ds:itemID="{5B6044FC-5A7F-4CA1-AE3E-66F2487BF7A6}">
+  <ds:schemaRefs>
+    <ds:schemaRef ds:uri="http://schemas.microsoft.com/VisualStudio/2011/storyboarding/control"/>
+  </ds:schemaRefs>
+</ds:datastoreItem>
+</file>
+
+<file path=customXml/itemProps13.xml><?xml version="1.0" encoding="utf-8"?>
+<ds:datastoreItem xmlns:ds="http://schemas.openxmlformats.org/officeDocument/2006/customXml" ds:itemID="{904F09AE-A24F-4F40-A827-5D2BB35EF6D8}">
+  <ds:schemaRefs>
+    <ds:schemaRef ds:uri="http://schemas.microsoft.com/VisualStudio/2011/storyboarding/control"/>
+  </ds:schemaRefs>
+</ds:datastoreItem>
+</file>
+
+<file path=customXml/itemProps14.xml><?xml version="1.0" encoding="utf-8"?>
+<ds:datastoreItem xmlns:ds="http://schemas.openxmlformats.org/officeDocument/2006/customXml" ds:itemID="{83121EFB-4893-415B-B7BD-F940E893B2BD}">
+  <ds:schemaRefs>
+    <ds:schemaRef ds:uri="http://schemas.microsoft.com/VisualStudio/2011/storyboarding/control"/>
+  </ds:schemaRefs>
+</ds:datastoreItem>
+</file>
+
+<file path=customXml/itemProps2.xml><?xml version="1.0" encoding="utf-8"?>
+<ds:datastoreItem xmlns:ds="http://schemas.openxmlformats.org/officeDocument/2006/customXml" ds:itemID="{9BB7D7D8-3A2C-4B0D-95EB-FA326AB44D8F}">
+  <ds:schemaRefs>
+    <ds:schemaRef ds:uri="http://schemas.microsoft.com/VisualStudio/2011/storyboarding/control"/>
+  </ds:schemaRefs>
+</ds:datastoreItem>
+</file>
+
+<file path=customXml/itemProps3.xml><?xml version="1.0" encoding="utf-8"?>
+<ds:datastoreItem xmlns:ds="http://schemas.openxmlformats.org/officeDocument/2006/customXml" ds:itemID="{6451BAD5-41AB-4C51-BEE5-590F39975AFB}">
+  <ds:schemaRefs>
+    <ds:schemaRef ds:uri="http://schemas.microsoft.com/VisualStudio/2011/storyboarding/control"/>
+  </ds:schemaRefs>
+</ds:datastoreItem>
+</file>
+
+<file path=customXml/itemProps4.xml><?xml version="1.0" encoding="utf-8"?>
+<ds:datastoreItem xmlns:ds="http://schemas.openxmlformats.org/officeDocument/2006/customXml" ds:itemID="{C9A349EB-25C0-432F-BCC6-B672C9EAA1C2}">
+  <ds:schemaRefs>
+    <ds:schemaRef ds:uri="http://schemas.microsoft.com/VisualStudio/2011/storyboarding/control"/>
+  </ds:schemaRefs>
+</ds:datastoreItem>
+</file>
+
+<file path=customXml/itemProps5.xml><?xml version="1.0" encoding="utf-8"?>
 <ds:datastoreItem xmlns:ds="http://schemas.openxmlformats.org/officeDocument/2006/customXml" ds:itemID="{758C107C-C448-4241-AE9D-66B5C2D662A6}">
   <ds:schemaRefs>
     <ds:schemaRef ds:uri="http://schemas.microsoft.com/VisualStudio/2011/storyboarding/control"/>
@@ -11876,31 +13045,23 @@
 </ds:datastoreItem>
 </file>
 
-<file path=customXml/itemProps11.xml><?xml version="1.0" encoding="utf-8"?>
-<ds:datastoreItem xmlns:ds="http://schemas.openxmlformats.org/officeDocument/2006/customXml" ds:itemID="{6451BAD5-41AB-4C51-BEE5-590F39975AFB}">
+<file path=customXml/itemProps6.xml><?xml version="1.0" encoding="utf-8"?>
+<ds:datastoreItem xmlns:ds="http://schemas.openxmlformats.org/officeDocument/2006/customXml" ds:itemID="{602A176D-DD9A-4555-ABCE-0CAAEBDBAF6D}">
   <ds:schemaRefs>
     <ds:schemaRef ds:uri="http://schemas.microsoft.com/VisualStudio/2011/storyboarding/control"/>
   </ds:schemaRefs>
 </ds:datastoreItem>
 </file>
 
-<file path=customXml/itemProps12.xml><?xml version="1.0" encoding="utf-8"?>
-<ds:datastoreItem xmlns:ds="http://schemas.openxmlformats.org/officeDocument/2006/customXml" ds:itemID="{904F09AE-A24F-4F40-A827-5D2BB35EF6D8}">
+<file path=customXml/itemProps7.xml><?xml version="1.0" encoding="utf-8"?>
+<ds:datastoreItem xmlns:ds="http://schemas.openxmlformats.org/officeDocument/2006/customXml" ds:itemID="{7B3F9982-7FBE-426F-9BC0-54899A3B74DF}">
   <ds:schemaRefs>
     <ds:schemaRef ds:uri="http://schemas.microsoft.com/VisualStudio/2011/storyboarding/control"/>
   </ds:schemaRefs>
 </ds:datastoreItem>
 </file>
 
-<file path=customXml/itemProps13.xml><?xml version="1.0" encoding="utf-8"?>
-<ds:datastoreItem xmlns:ds="http://schemas.openxmlformats.org/officeDocument/2006/customXml" ds:itemID="{F25BAA23-CA26-4303-8A25-F7FEF657A844}">
-  <ds:schemaRefs>
-    <ds:schemaRef ds:uri="http://schemas.microsoft.com/VisualStudio/2011/storyboarding/control"/>
-  </ds:schemaRefs>
-</ds:datastoreItem>
-</file>
-
-<file path=customXml/itemProps14.xml><?xml version="1.0" encoding="utf-8"?>
+<file path=customXml/itemProps8.xml><?xml version="1.0" encoding="utf-8"?>
 <ds:datastoreItem xmlns:ds="http://schemas.openxmlformats.org/officeDocument/2006/customXml" ds:itemID="{8A1C2287-9A0E-4847-B77E-255123AED349}">
   <ds:schemaRefs>
     <ds:schemaRef ds:uri="http://schemas.microsoft.com/VisualStudio/2011/storyboarding/control"/>
@@ -11908,66 +13069,10 @@
 </ds:datastoreItem>
 </file>
 
-<file path=customXml/itemProps2.xml><?xml version="1.0" encoding="utf-8"?>
-<ds:datastoreItem xmlns:ds="http://schemas.openxmlformats.org/officeDocument/2006/customXml" ds:itemID="{83121EFB-4893-415B-B7BD-F940E893B2BD}">
-  <ds:schemaRefs>
-    <ds:schemaRef ds:uri="http://schemas.microsoft.com/VisualStudio/2011/storyboarding/control"/>
-  </ds:schemaRefs>
-</ds:datastoreItem>
-</file>
-
-<file path=customXml/itemProps3.xml><?xml version="1.0" encoding="utf-8"?>
-<ds:datastoreItem xmlns:ds="http://schemas.openxmlformats.org/officeDocument/2006/customXml" ds:itemID="{6D07BE54-C08A-4A00-A052-09AA9FE91835}">
-  <ds:schemaRefs>
-    <ds:schemaRef ds:uri="http://schemas.microsoft.com/VisualStudio/2011/storyboarding/control"/>
-  </ds:schemaRefs>
-</ds:datastoreItem>
-</file>
-
-<file path=customXml/itemProps4.xml><?xml version="1.0" encoding="utf-8"?>
-<ds:datastoreItem xmlns:ds="http://schemas.openxmlformats.org/officeDocument/2006/customXml" ds:itemID="{602A176D-DD9A-4555-ABCE-0CAAEBDBAF6D}">
-  <ds:schemaRefs>
-    <ds:schemaRef ds:uri="http://schemas.microsoft.com/VisualStudio/2011/storyboarding/control"/>
-  </ds:schemaRefs>
-</ds:datastoreItem>
-</file>
-
-<file path=customXml/itemProps5.xml><?xml version="1.0" encoding="utf-8"?>
-<ds:datastoreItem xmlns:ds="http://schemas.openxmlformats.org/officeDocument/2006/customXml" ds:itemID="{C9A349EB-25C0-432F-BCC6-B672C9EAA1C2}">
-  <ds:schemaRefs>
-    <ds:schemaRef ds:uri="http://schemas.microsoft.com/VisualStudio/2011/storyboarding/control"/>
-  </ds:schemaRefs>
-</ds:datastoreItem>
-</file>
-
-<file path=customXml/itemProps6.xml><?xml version="1.0" encoding="utf-8"?>
-<ds:datastoreItem xmlns:ds="http://schemas.openxmlformats.org/officeDocument/2006/customXml" ds:itemID="{9BB7D7D8-3A2C-4B0D-95EB-FA326AB44D8F}">
-  <ds:schemaRefs>
-    <ds:schemaRef ds:uri="http://schemas.microsoft.com/VisualStudio/2011/storyboarding/control"/>
-  </ds:schemaRefs>
-</ds:datastoreItem>
-</file>
-
-<file path=customXml/itemProps7.xml><?xml version="1.0" encoding="utf-8"?>
-<ds:datastoreItem xmlns:ds="http://schemas.openxmlformats.org/officeDocument/2006/customXml" ds:itemID="{5B6044FC-5A7F-4CA1-AE3E-66F2487BF7A6}">
-  <ds:schemaRefs>
-    <ds:schemaRef ds:uri="http://schemas.microsoft.com/VisualStudio/2011/storyboarding/control"/>
-  </ds:schemaRefs>
-</ds:datastoreItem>
-</file>
-
-<file path=customXml/itemProps8.xml><?xml version="1.0" encoding="utf-8"?>
+<file path=customXml/itemProps9.xml><?xml version="1.0" encoding="utf-8"?>
 <ds:datastoreItem xmlns:ds="http://schemas.openxmlformats.org/officeDocument/2006/customXml" ds:itemID="{37DFCA95-38E1-422A-83DB-FB055F0B45EC}">
   <ds:schemaRefs>
     <ds:schemaRef ds:uri="http://schemas.microsoft.com/VisualStudio/2011/storyboarding/control"/>
   </ds:schemaRefs>
 </ds:datastoreItem>
-</file>
-
-<file path=customXml/itemProps9.xml><?xml version="1.0" encoding="utf-8"?>
-<ds:datastoreItem xmlns:ds="http://schemas.openxmlformats.org/officeDocument/2006/customXml" ds:itemID="{7B3F9982-7FBE-426F-9BC0-54899A3B74DF}">
-  <ds:schemaRefs>
-    <ds:schemaRef ds:uri="http://schemas.microsoft.com/VisualStudio/2011/storyboarding/control"/>
-  </ds:schemaRefs>
-</ds:datastoreItem>
 </file>